--- a/Eficientizarea Stocarii Datelor de Tip Serie Temporale utilizand.pptx
+++ b/Eficientizarea Stocarii Datelor de Tip Serie Temporale utilizand.pptx
@@ -7,13 +7,27 @@
   <p:sldIdLst>
     <p:sldId id="256" r:id="rId2"/>
     <p:sldId id="257" r:id="rId3"/>
-    <p:sldId id="258" r:id="rId4"/>
-    <p:sldId id="259" r:id="rId5"/>
-    <p:sldId id="260" r:id="rId6"/>
-    <p:sldId id="261" r:id="rId7"/>
-    <p:sldId id="262" r:id="rId8"/>
-    <p:sldId id="263" r:id="rId9"/>
-    <p:sldId id="264" r:id="rId10"/>
+    <p:sldId id="266" r:id="rId4"/>
+    <p:sldId id="267" r:id="rId5"/>
+    <p:sldId id="268" r:id="rId6"/>
+    <p:sldId id="269" r:id="rId7"/>
+    <p:sldId id="270" r:id="rId8"/>
+    <p:sldId id="271" r:id="rId9"/>
+    <p:sldId id="273" r:id="rId10"/>
+    <p:sldId id="274" r:id="rId11"/>
+    <p:sldId id="275" r:id="rId12"/>
+    <p:sldId id="276" r:id="rId13"/>
+    <p:sldId id="277" r:id="rId14"/>
+    <p:sldId id="278" r:id="rId15"/>
+    <p:sldId id="281" r:id="rId16"/>
+    <p:sldId id="279" r:id="rId17"/>
+    <p:sldId id="280" r:id="rId18"/>
+    <p:sldId id="282" r:id="rId19"/>
+    <p:sldId id="283" r:id="rId20"/>
+    <p:sldId id="284" r:id="rId21"/>
+    <p:sldId id="285" r:id="rId22"/>
+    <p:sldId id="287" r:id="rId23"/>
+    <p:sldId id="286" r:id="rId24"/>
   </p:sldIdLst>
   <p:sldSz cx="12192000" cy="6858000"/>
   <p:notesSz cx="6858000" cy="9144000"/>
@@ -112,6 +126,11 @@
       </a:defRPr>
     </a:lvl9pPr>
   </p:defaultTextStyle>
+  <p:extLst>
+    <p:ext uri="{EFAFB233-063F-42B5-8137-9DF3F51BA10A}">
+      <p15:sldGuideLst xmlns:p15="http://schemas.microsoft.com/office/powerpoint/2012/main"/>
+    </p:ext>
+  </p:extLst>
 </p:presentation>
 </file>
 
@@ -169,6 +188,13 @@
             <a:schemeClr val="lt1"/>
           </a:fontRef>
         </p:style>
+        <p:txBody>
+          <a:bodyPr/>
+          <a:lstStyle/>
+          <a:p>
+            <a:endParaRPr lang="ro-RO"/>
+          </a:p>
+        </p:txBody>
       </p:sp>
       <p:sp>
         <p:nvSpPr>
@@ -207,6 +233,13 @@
             <a:schemeClr val="lt1"/>
           </a:fontRef>
         </p:style>
+        <p:txBody>
+          <a:bodyPr/>
+          <a:lstStyle/>
+          <a:p>
+            <a:endParaRPr lang="ro-RO"/>
+          </a:p>
+        </p:txBody>
       </p:sp>
       <p:sp>
         <p:nvSpPr>
@@ -2209,6 +2242,13 @@
             <a:schemeClr val="lt1"/>
           </a:fontRef>
         </p:style>
+        <p:txBody>
+          <a:bodyPr/>
+          <a:lstStyle/>
+          <a:p>
+            <a:endParaRPr lang="ro-RO"/>
+          </a:p>
+        </p:txBody>
       </p:sp>
       <p:sp>
         <p:nvSpPr>
@@ -2247,6 +2287,13 @@
             <a:schemeClr val="lt1"/>
           </a:fontRef>
         </p:style>
+        <p:txBody>
+          <a:bodyPr/>
+          <a:lstStyle/>
+          <a:p>
+            <a:endParaRPr lang="ro-RO"/>
+          </a:p>
+        </p:txBody>
       </p:sp>
       <p:sp>
         <p:nvSpPr>
@@ -3121,6 +3168,13 @@
             <a:schemeClr val="lt1"/>
           </a:fontRef>
         </p:style>
+        <p:txBody>
+          <a:bodyPr/>
+          <a:lstStyle/>
+          <a:p>
+            <a:endParaRPr lang="ro-RO"/>
+          </a:p>
+        </p:txBody>
       </p:sp>
       <p:sp>
         <p:nvSpPr>
@@ -3159,6 +3213,13 @@
             <a:schemeClr val="lt1"/>
           </a:fontRef>
         </p:style>
+        <p:txBody>
+          <a:bodyPr/>
+          <a:lstStyle/>
+          <a:p>
+            <a:endParaRPr lang="ro-RO"/>
+          </a:p>
+        </p:txBody>
       </p:sp>
       <p:sp>
         <p:nvSpPr>
@@ -3849,40 +3910,52 @@
               <a:t> </a:t>
             </a:r>
             <a:r>
+              <a:rPr lang="ro-RO" sz="4800" dirty="0"/>
+              <a:t>s</a:t>
+            </a:r>
+            <a:r>
+              <a:rPr lang="en-US" sz="4800" dirty="0"/>
+              <a:t>toc</a:t>
+            </a:r>
+            <a:r>
+              <a:rPr lang="ro-RO" sz="4800" dirty="0"/>
+              <a:t>ă</a:t>
+            </a:r>
+            <a:r>
               <a:rPr lang="en-US" sz="4800" dirty="0" err="1"/>
-              <a:t>Stocarii</a:t>
+              <a:t>rii</a:t>
             </a:r>
             <a:r>
               <a:rPr lang="en-US" sz="4800" dirty="0"/>
               <a:t> </a:t>
             </a:r>
             <a:r>
+              <a:rPr lang="ro-RO" sz="4800" dirty="0"/>
+              <a:t>seriilor de timp </a:t>
+            </a:r>
+            <a:r>
               <a:rPr lang="en-US" sz="4800" dirty="0" err="1"/>
-              <a:t>Datelor</a:t>
-            </a:r>
-            <a:r>
-              <a:rPr lang="en-US" sz="4800" dirty="0"/>
-              <a:t> de Tip Serie </a:t>
+              <a:t>utiliz</a:t>
+            </a:r>
+            <a:r>
+              <a:rPr lang="ro-RO" sz="4800" dirty="0"/>
+              <a:t>â</a:t>
             </a:r>
             <a:r>
               <a:rPr lang="en-US" sz="4800" dirty="0" err="1"/>
-              <a:t>Temporale</a:t>
+              <a:t>nd</a:t>
             </a:r>
             <a:r>
               <a:rPr lang="en-US" sz="4800" dirty="0"/>
               <a:t> </a:t>
             </a:r>
             <a:r>
+              <a:rPr lang="ro-RO" sz="4800" dirty="0"/>
+              <a:t>a</a:t>
+            </a:r>
+            <a:r>
               <a:rPr lang="en-US" sz="4800" dirty="0" err="1"/>
-              <a:t>utilizand</a:t>
-            </a:r>
-            <a:r>
-              <a:rPr lang="en-US" sz="4800" dirty="0"/>
-              <a:t> </a:t>
-            </a:r>
-            <a:r>
-              <a:rPr lang="en-US" sz="4800" dirty="0" err="1"/>
-              <a:t>Algoritmul</a:t>
+              <a:t>lgoritmul</a:t>
             </a:r>
             <a:r>
               <a:rPr lang="en-US" sz="4800" dirty="0"/>
@@ -3931,11 +4004,11 @@
             </a:r>
             <a:r>
               <a:rPr lang="en-US" dirty="0"/>
-              <a:t> </a:t>
-            </a:r>
-            <a:r>
-              <a:rPr lang="en-US" dirty="0" err="1"/>
-              <a:t>Proactiva</a:t>
+              <a:t> Proactiv</a:t>
+            </a:r>
+            <a:r>
+              <a:rPr lang="ro-RO" dirty="0"/>
+              <a:t>ă</a:t>
             </a:r>
             <a:r>
               <a:rPr lang="en-US" dirty="0"/>
@@ -3949,6 +4022,15 @@
               <a:rPr lang="en-US" dirty="0"/>
               <a:t> XOR</a:t>
             </a:r>
+            <a:r>
+              <a:rPr lang="ro-RO" dirty="0"/>
+              <a:t> pentru </a:t>
+            </a:r>
+            <a:r>
+              <a:rPr lang="ro-RO" dirty="0" err="1"/>
+              <a:t>values</a:t>
+            </a:r>
+            <a:endParaRPr lang="en-US" dirty="0"/>
           </a:p>
           <a:p>
             <a:endParaRPr lang="en-US" dirty="0"/>
@@ -3975,6 +4057,2345 @@
     <p:extLst>
       <p:ext uri="{BB962C8B-B14F-4D97-AF65-F5344CB8AC3E}">
         <p14:creationId xmlns:p14="http://schemas.microsoft.com/office/powerpoint/2010/main" val="3661768364"/>
+      </p:ext>
+    </p:extLst>
+  </p:cSld>
+  <p:clrMapOvr>
+    <a:masterClrMapping/>
+  </p:clrMapOvr>
+</p:sld>
+</file>
+
+<file path=ppt/slides/slide10.xml><?xml version="1.0" encoding="utf-8"?>
+<p:sld xmlns:a="http://schemas.openxmlformats.org/drawingml/2006/main" xmlns:r="http://schemas.openxmlformats.org/officeDocument/2006/relationships" xmlns:p="http://schemas.openxmlformats.org/presentationml/2006/main">
+  <p:cSld>
+    <p:bg>
+      <p:bgPr>
+        <a:solidFill>
+          <a:schemeClr val="bg1"/>
+        </a:solidFill>
+        <a:effectLst/>
+      </p:bgPr>
+    </p:bg>
+    <p:spTree>
+      <p:nvGrpSpPr>
+        <p:cNvPr id="1" name=""/>
+        <p:cNvGrpSpPr/>
+        <p:nvPr/>
+      </p:nvGrpSpPr>
+      <p:grpSpPr>
+        <a:xfrm>
+          <a:off x="0" y="0"/>
+          <a:ext cx="0" cy="0"/>
+          <a:chOff x="0" y="0"/>
+          <a:chExt cx="0" cy="0"/>
+        </a:xfrm>
+      </p:grpSpPr>
+      <p:sp>
+        <p:nvSpPr>
+          <p:cNvPr id="9" name="Rectangle 8">
+            <a:extLst>
+              <a:ext uri="{FF2B5EF4-FFF2-40B4-BE49-F238E27FC236}">
+                <a16:creationId xmlns:a16="http://schemas.microsoft.com/office/drawing/2014/main" id="{4E4490D0-3672-446A-AC12-B4830333BDDD}"/>
+              </a:ext>
+              <a:ext uri="{C183D7F6-B498-43B3-948B-1728B52AA6E4}">
+                <adec:decorative xmlns:adec="http://schemas.microsoft.com/office/drawing/2017/decorative" val="1"/>
+              </a:ext>
+            </a:extLst>
+          </p:cNvPr>
+          <p:cNvSpPr>
+            <a:spLocks noGrp="1" noRot="1" noChangeAspect="1" noMove="1" noResize="1" noEditPoints="1" noAdjustHandles="1" noChangeArrowheads="1" noChangeShapeType="1" noTextEdit="1"/>
+          </p:cNvSpPr>
+          <p:nvPr>
+            <p:extLst>
+              <p:ext uri="{386F3935-93C4-4BCD-93E2-E3B085C9AB24}">
+                <p16:designElem xmlns:p16="http://schemas.microsoft.com/office/powerpoint/2015/main" val="1"/>
+              </p:ext>
+            </p:extLst>
+          </p:nvPr>
+        </p:nvSpPr>
+        <p:spPr>
+          <a:xfrm>
+            <a:off x="3175" y="6400800"/>
+            <a:ext cx="12188825" cy="457200"/>
+          </a:xfrm>
+          <a:prstGeom prst="rect">
+            <a:avLst/>
+          </a:prstGeom>
+          <a:solidFill>
+            <a:schemeClr val="accent2"/>
+          </a:solidFill>
+          <a:ln>
+            <a:noFill/>
+          </a:ln>
+        </p:spPr>
+        <p:style>
+          <a:lnRef idx="2">
+            <a:schemeClr val="accent1">
+              <a:shade val="50000"/>
+            </a:schemeClr>
+          </a:lnRef>
+          <a:fillRef idx="1">
+            <a:schemeClr val="accent1"/>
+          </a:fillRef>
+          <a:effectRef idx="0">
+            <a:schemeClr val="accent1"/>
+          </a:effectRef>
+          <a:fontRef idx="minor">
+            <a:schemeClr val="lt1"/>
+          </a:fontRef>
+        </p:style>
+        <p:txBody>
+          <a:bodyPr/>
+          <a:lstStyle/>
+          <a:p>
+            <a:endParaRPr lang="ro-RO"/>
+          </a:p>
+        </p:txBody>
+      </p:sp>
+      <p:sp>
+        <p:nvSpPr>
+          <p:cNvPr id="11" name="Rectangle 10">
+            <a:extLst>
+              <a:ext uri="{FF2B5EF4-FFF2-40B4-BE49-F238E27FC236}">
+                <a16:creationId xmlns:a16="http://schemas.microsoft.com/office/drawing/2014/main" id="{39CB82C2-DF65-4EC1-8280-F201D50F570B}"/>
+              </a:ext>
+              <a:ext uri="{C183D7F6-B498-43B3-948B-1728B52AA6E4}">
+                <adec:decorative xmlns:adec="http://schemas.microsoft.com/office/drawing/2017/decorative" val="1"/>
+              </a:ext>
+            </a:extLst>
+          </p:cNvPr>
+          <p:cNvSpPr>
+            <a:spLocks noGrp="1" noRot="1" noChangeAspect="1" noMove="1" noResize="1" noEditPoints="1" noAdjustHandles="1" noChangeArrowheads="1" noChangeShapeType="1" noTextEdit="1"/>
+          </p:cNvSpPr>
+          <p:nvPr>
+            <p:extLst>
+              <p:ext uri="{386F3935-93C4-4BCD-93E2-E3B085C9AB24}">
+                <p16:designElem xmlns:p16="http://schemas.microsoft.com/office/powerpoint/2015/main" val="1"/>
+              </p:ext>
+            </p:extLst>
+          </p:nvPr>
+        </p:nvSpPr>
+        <p:spPr>
+          <a:xfrm>
+            <a:off x="15" y="6334316"/>
+            <a:ext cx="12188825" cy="64008"/>
+          </a:xfrm>
+          <a:prstGeom prst="rect">
+            <a:avLst/>
+          </a:prstGeom>
+          <a:solidFill>
+            <a:schemeClr val="accent1"/>
+          </a:solidFill>
+          <a:ln>
+            <a:noFill/>
+          </a:ln>
+        </p:spPr>
+        <p:style>
+          <a:lnRef idx="2">
+            <a:schemeClr val="accent1">
+              <a:shade val="50000"/>
+            </a:schemeClr>
+          </a:lnRef>
+          <a:fillRef idx="1">
+            <a:schemeClr val="accent1"/>
+          </a:fillRef>
+          <a:effectRef idx="0">
+            <a:schemeClr val="accent1"/>
+          </a:effectRef>
+          <a:fontRef idx="minor">
+            <a:schemeClr val="lt1"/>
+          </a:fontRef>
+        </p:style>
+        <p:txBody>
+          <a:bodyPr/>
+          <a:lstStyle/>
+          <a:p>
+            <a:endParaRPr lang="ro-RO"/>
+          </a:p>
+        </p:txBody>
+      </p:sp>
+      <p:cxnSp>
+        <p:nvCxnSpPr>
+          <p:cNvPr id="13" name="Straight Connector 12">
+            <a:extLst>
+              <a:ext uri="{FF2B5EF4-FFF2-40B4-BE49-F238E27FC236}">
+                <a16:creationId xmlns:a16="http://schemas.microsoft.com/office/drawing/2014/main" id="{7E1D4427-852B-4B37-8E76-0E9F1810BA2A}"/>
+              </a:ext>
+              <a:ext uri="{C183D7F6-B498-43B3-948B-1728B52AA6E4}">
+                <adec:decorative xmlns:adec="http://schemas.microsoft.com/office/drawing/2017/decorative" val="1"/>
+              </a:ext>
+            </a:extLst>
+          </p:cNvPr>
+          <p:cNvCxnSpPr>
+            <a:cxnSpLocks noGrp="1" noRot="1" noChangeAspect="1" noMove="1" noResize="1" noEditPoints="1" noAdjustHandles="1" noChangeArrowheads="1" noChangeShapeType="1"/>
+          </p:cNvCxnSpPr>
+          <p:nvPr>
+            <p:extLst>
+              <p:ext uri="{386F3935-93C4-4BCD-93E2-E3B085C9AB24}">
+                <p16:designElem xmlns:p16="http://schemas.microsoft.com/office/powerpoint/2015/main" val="1"/>
+              </p:ext>
+            </p:extLst>
+          </p:nvPr>
+        </p:nvCxnSpPr>
+        <p:spPr>
+          <a:xfrm>
+            <a:off x="1207658" y="4343400"/>
+            <a:ext cx="9875520" cy="0"/>
+          </a:xfrm>
+          <a:prstGeom prst="line">
+            <a:avLst/>
+          </a:prstGeom>
+          <a:ln w="6350">
+            <a:solidFill>
+              <a:schemeClr val="tx1">
+                <a:lumMod val="50000"/>
+                <a:lumOff val="50000"/>
+              </a:schemeClr>
+            </a:solidFill>
+          </a:ln>
+        </p:spPr>
+        <p:style>
+          <a:lnRef idx="1">
+            <a:schemeClr val="accent1"/>
+          </a:lnRef>
+          <a:fillRef idx="0">
+            <a:schemeClr val="accent1"/>
+          </a:fillRef>
+          <a:effectRef idx="0">
+            <a:schemeClr val="accent1"/>
+          </a:effectRef>
+          <a:fontRef idx="minor">
+            <a:schemeClr val="tx1"/>
+          </a:fontRef>
+        </p:style>
+      </p:cxnSp>
+      <p:sp useBgFill="1">
+        <p:nvSpPr>
+          <p:cNvPr id="15" name="Rectangle 14">
+            <a:extLst>
+              <a:ext uri="{FF2B5EF4-FFF2-40B4-BE49-F238E27FC236}">
+                <a16:creationId xmlns:a16="http://schemas.microsoft.com/office/drawing/2014/main" id="{FA4CD5CB-D209-4D70-8CA4-629731C59219}"/>
+              </a:ext>
+              <a:ext uri="{C183D7F6-B498-43B3-948B-1728B52AA6E4}">
+                <adec:decorative xmlns:adec="http://schemas.microsoft.com/office/drawing/2017/decorative" val="1"/>
+              </a:ext>
+            </a:extLst>
+          </p:cNvPr>
+          <p:cNvSpPr>
+            <a:spLocks noGrp="1" noRot="1" noChangeAspect="1" noMove="1" noResize="1" noEditPoints="1" noAdjustHandles="1" noChangeArrowheads="1" noChangeShapeType="1" noTextEdit="1"/>
+          </p:cNvSpPr>
+          <p:nvPr>
+            <p:extLst>
+              <p:ext uri="{386F3935-93C4-4BCD-93E2-E3B085C9AB24}">
+                <p16:designElem xmlns:p16="http://schemas.microsoft.com/office/powerpoint/2015/main" val="1"/>
+              </p:ext>
+            </p:extLst>
+          </p:nvPr>
+        </p:nvSpPr>
+        <p:spPr>
+          <a:xfrm>
+            <a:off x="0" y="0"/>
+            <a:ext cx="12192001" cy="6334316"/>
+          </a:xfrm>
+          <a:prstGeom prst="rect">
+            <a:avLst/>
+          </a:prstGeom>
+          <a:ln>
+            <a:noFill/>
+          </a:ln>
+        </p:spPr>
+        <p:style>
+          <a:lnRef idx="2">
+            <a:schemeClr val="accent1">
+              <a:shade val="50000"/>
+            </a:schemeClr>
+          </a:lnRef>
+          <a:fillRef idx="1">
+            <a:schemeClr val="accent1"/>
+          </a:fillRef>
+          <a:effectRef idx="0">
+            <a:schemeClr val="accent1"/>
+          </a:effectRef>
+          <a:fontRef idx="minor">
+            <a:schemeClr val="lt1"/>
+          </a:fontRef>
+        </p:style>
+        <p:txBody>
+          <a:bodyPr rtlCol="0" anchor="ctr"/>
+          <a:lstStyle/>
+          <a:p>
+            <a:pPr algn="ctr"/>
+            <a:endParaRPr lang="en-US"/>
+          </a:p>
+        </p:txBody>
+      </p:sp>
+      <p:sp>
+        <p:nvSpPr>
+          <p:cNvPr id="2" name="Titlu 1">
+            <a:extLst>
+              <a:ext uri="{FF2B5EF4-FFF2-40B4-BE49-F238E27FC236}">
+                <a16:creationId xmlns:a16="http://schemas.microsoft.com/office/drawing/2014/main" id="{8367CB8F-648A-255A-C6B0-F899C80ADEB7}"/>
+              </a:ext>
+            </a:extLst>
+          </p:cNvPr>
+          <p:cNvSpPr>
+            <a:spLocks noGrp="1"/>
+          </p:cNvSpPr>
+          <p:nvPr>
+            <p:ph type="title"/>
+          </p:nvPr>
+        </p:nvSpPr>
+        <p:spPr>
+          <a:xfrm>
+            <a:off x="8141110" y="639097"/>
+            <a:ext cx="3401961" cy="3686015"/>
+          </a:xfrm>
+        </p:spPr>
+        <p:txBody>
+          <a:bodyPr vert="horz" lIns="91440" tIns="45720" rIns="91440" bIns="45720" rtlCol="0" anchor="b">
+            <a:normAutofit/>
+          </a:bodyPr>
+          <a:lstStyle/>
+          <a:p>
+            <a:r>
+              <a:rPr lang="en-US" sz="4100">
+                <a:solidFill>
+                  <a:schemeClr val="tx1">
+                    <a:lumMod val="85000"/>
+                    <a:lumOff val="15000"/>
+                  </a:schemeClr>
+                </a:solidFill>
+              </a:rPr>
+              <a:t>Implementare</a:t>
+            </a:r>
+          </a:p>
+        </p:txBody>
+      </p:sp>
+      <p:pic>
+        <p:nvPicPr>
+          <p:cNvPr id="4" name="Imagine 3" descr="O imagine care conține text, captură de ecran, diagramă, linie&#10;&#10;Conținutul generat de inteligența artificială poate fi incorect.">
+            <a:extLst>
+              <a:ext uri="{FF2B5EF4-FFF2-40B4-BE49-F238E27FC236}">
+                <a16:creationId xmlns:a16="http://schemas.microsoft.com/office/drawing/2014/main" id="{58603523-C3CD-8528-3A42-03062DF9D871}"/>
+              </a:ext>
+            </a:extLst>
+          </p:cNvPr>
+          <p:cNvPicPr>
+            <a:picLocks noChangeAspect="1"/>
+          </p:cNvPicPr>
+          <p:nvPr/>
+        </p:nvPicPr>
+        <p:blipFill>
+          <a:blip r:embed="rId2"/>
+          <a:stretch>
+            <a:fillRect/>
+          </a:stretch>
+        </p:blipFill>
+        <p:spPr>
+          <a:xfrm>
+            <a:off x="633999" y="903408"/>
+            <a:ext cx="6912217" cy="4527501"/>
+          </a:xfrm>
+          <a:prstGeom prst="rect">
+            <a:avLst/>
+          </a:prstGeom>
+        </p:spPr>
+      </p:pic>
+      <p:cxnSp>
+        <p:nvCxnSpPr>
+          <p:cNvPr id="17" name="Straight Connector 16">
+            <a:extLst>
+              <a:ext uri="{FF2B5EF4-FFF2-40B4-BE49-F238E27FC236}">
+                <a16:creationId xmlns:a16="http://schemas.microsoft.com/office/drawing/2014/main" id="{5C6A2BAE-B461-4B55-8E1F-0722ABDD1393}"/>
+              </a:ext>
+              <a:ext uri="{C183D7F6-B498-43B3-948B-1728B52AA6E4}">
+                <adec:decorative xmlns:adec="http://schemas.microsoft.com/office/drawing/2017/decorative" val="1"/>
+              </a:ext>
+            </a:extLst>
+          </p:cNvPr>
+          <p:cNvCxnSpPr>
+            <a:cxnSpLocks noGrp="1" noRot="1" noChangeAspect="1" noMove="1" noResize="1" noEditPoints="1" noAdjustHandles="1" noChangeArrowheads="1" noChangeShapeType="1"/>
+          </p:cNvCxnSpPr>
+          <p:nvPr>
+            <p:extLst>
+              <p:ext uri="{386F3935-93C4-4BCD-93E2-E3B085C9AB24}">
+                <p16:designElem xmlns:p16="http://schemas.microsoft.com/office/powerpoint/2015/main" val="1"/>
+              </p:ext>
+            </p:extLst>
+          </p:nvPr>
+        </p:nvCxnSpPr>
+        <p:spPr>
+          <a:xfrm>
+            <a:off x="8209305" y="4343400"/>
+            <a:ext cx="3200400" cy="0"/>
+          </a:xfrm>
+          <a:prstGeom prst="line">
+            <a:avLst/>
+          </a:prstGeom>
+          <a:ln w="6350">
+            <a:solidFill>
+              <a:schemeClr val="tx2">
+                <a:alpha val="90000"/>
+              </a:schemeClr>
+            </a:solidFill>
+          </a:ln>
+        </p:spPr>
+        <p:style>
+          <a:lnRef idx="1">
+            <a:schemeClr val="accent1"/>
+          </a:lnRef>
+          <a:fillRef idx="0">
+            <a:schemeClr val="accent1"/>
+          </a:fillRef>
+          <a:effectRef idx="0">
+            <a:schemeClr val="accent1"/>
+          </a:effectRef>
+          <a:fontRef idx="minor">
+            <a:schemeClr val="tx1"/>
+          </a:fontRef>
+        </p:style>
+      </p:cxnSp>
+      <p:sp>
+        <p:nvSpPr>
+          <p:cNvPr id="19" name="Rectangle 18">
+            <a:extLst>
+              <a:ext uri="{FF2B5EF4-FFF2-40B4-BE49-F238E27FC236}">
+                <a16:creationId xmlns:a16="http://schemas.microsoft.com/office/drawing/2014/main" id="{B4C27B90-DF2B-4D00-BA07-18ED774CD2F1}"/>
+              </a:ext>
+              <a:ext uri="{C183D7F6-B498-43B3-948B-1728B52AA6E4}">
+                <adec:decorative xmlns:adec="http://schemas.microsoft.com/office/drawing/2017/decorative" val="1"/>
+              </a:ext>
+            </a:extLst>
+          </p:cNvPr>
+          <p:cNvSpPr>
+            <a:spLocks noGrp="1" noRot="1" noChangeAspect="1" noMove="1" noResize="1" noEditPoints="1" noAdjustHandles="1" noChangeArrowheads="1" noChangeShapeType="1" noTextEdit="1"/>
+          </p:cNvSpPr>
+          <p:nvPr>
+            <p:extLst>
+              <p:ext uri="{386F3935-93C4-4BCD-93E2-E3B085C9AB24}">
+                <p16:designElem xmlns:p16="http://schemas.microsoft.com/office/powerpoint/2015/main" val="1"/>
+              </p:ext>
+            </p:extLst>
+          </p:nvPr>
+        </p:nvSpPr>
+        <p:spPr>
+          <a:xfrm>
+            <a:off x="15" y="6334316"/>
+            <a:ext cx="12191985" cy="66484"/>
+          </a:xfrm>
+          <a:prstGeom prst="rect">
+            <a:avLst/>
+          </a:prstGeom>
+          <a:solidFill>
+            <a:schemeClr val="accent1"/>
+          </a:solidFill>
+          <a:ln>
+            <a:noFill/>
+          </a:ln>
+        </p:spPr>
+        <p:style>
+          <a:lnRef idx="2">
+            <a:schemeClr val="accent1">
+              <a:shade val="50000"/>
+            </a:schemeClr>
+          </a:lnRef>
+          <a:fillRef idx="1">
+            <a:schemeClr val="accent1"/>
+          </a:fillRef>
+          <a:effectRef idx="0">
+            <a:schemeClr val="accent1"/>
+          </a:effectRef>
+          <a:fontRef idx="minor">
+            <a:schemeClr val="lt1"/>
+          </a:fontRef>
+        </p:style>
+        <p:txBody>
+          <a:bodyPr/>
+          <a:lstStyle/>
+          <a:p>
+            <a:endParaRPr lang="ro-RO"/>
+          </a:p>
+        </p:txBody>
+      </p:sp>
+      <p:sp>
+        <p:nvSpPr>
+          <p:cNvPr id="21" name="Rectangle 20">
+            <a:extLst>
+              <a:ext uri="{FF2B5EF4-FFF2-40B4-BE49-F238E27FC236}">
+                <a16:creationId xmlns:a16="http://schemas.microsoft.com/office/drawing/2014/main" id="{593ACC25-C262-417A-8AA9-0641C772BDB6}"/>
+              </a:ext>
+              <a:ext uri="{C183D7F6-B498-43B3-948B-1728B52AA6E4}">
+                <adec:decorative xmlns:adec="http://schemas.microsoft.com/office/drawing/2017/decorative" val="1"/>
+              </a:ext>
+            </a:extLst>
+          </p:cNvPr>
+          <p:cNvSpPr>
+            <a:spLocks noGrp="1" noRot="1" noChangeAspect="1" noMove="1" noResize="1" noEditPoints="1" noAdjustHandles="1" noChangeArrowheads="1" noChangeShapeType="1" noTextEdit="1"/>
+          </p:cNvSpPr>
+          <p:nvPr>
+            <p:extLst>
+              <p:ext uri="{386F3935-93C4-4BCD-93E2-E3B085C9AB24}">
+                <p16:designElem xmlns:p16="http://schemas.microsoft.com/office/powerpoint/2015/main" val="1"/>
+              </p:ext>
+            </p:extLst>
+          </p:nvPr>
+        </p:nvSpPr>
+        <p:spPr>
+          <a:xfrm>
+            <a:off x="1" y="6400800"/>
+            <a:ext cx="12192000" cy="457200"/>
+          </a:xfrm>
+          <a:prstGeom prst="rect">
+            <a:avLst/>
+          </a:prstGeom>
+          <a:solidFill>
+            <a:schemeClr val="accent2"/>
+          </a:solidFill>
+          <a:ln>
+            <a:noFill/>
+          </a:ln>
+        </p:spPr>
+        <p:style>
+          <a:lnRef idx="2">
+            <a:schemeClr val="accent1">
+              <a:shade val="50000"/>
+            </a:schemeClr>
+          </a:lnRef>
+          <a:fillRef idx="1">
+            <a:schemeClr val="accent1"/>
+          </a:fillRef>
+          <a:effectRef idx="0">
+            <a:schemeClr val="accent1"/>
+          </a:effectRef>
+          <a:fontRef idx="minor">
+            <a:schemeClr val="lt1"/>
+          </a:fontRef>
+        </p:style>
+        <p:txBody>
+          <a:bodyPr/>
+          <a:lstStyle/>
+          <a:p>
+            <a:endParaRPr lang="ro-RO"/>
+          </a:p>
+        </p:txBody>
+      </p:sp>
+      <p:sp>
+        <p:nvSpPr>
+          <p:cNvPr id="5" name="CasetăText 4">
+            <a:extLst>
+              <a:ext uri="{FF2B5EF4-FFF2-40B4-BE49-F238E27FC236}">
+                <a16:creationId xmlns:a16="http://schemas.microsoft.com/office/drawing/2014/main" id="{1B5A52FB-E908-8684-2CE5-782180967301}"/>
+              </a:ext>
+            </a:extLst>
+          </p:cNvPr>
+          <p:cNvSpPr txBox="1"/>
+          <p:nvPr/>
+        </p:nvSpPr>
+        <p:spPr>
+          <a:xfrm>
+            <a:off x="8119875" y="4343400"/>
+            <a:ext cx="4540720" cy="2031325"/>
+          </a:xfrm>
+          <a:prstGeom prst="rect">
+            <a:avLst/>
+          </a:prstGeom>
+          <a:noFill/>
+        </p:spPr>
+        <p:txBody>
+          <a:bodyPr wrap="square" rtlCol="0">
+            <a:spAutoFit/>
+          </a:bodyPr>
+          <a:lstStyle/>
+          <a:p>
+            <a:pPr marL="285750" indent="-285750">
+              <a:buFont typeface="Arial" panose="020B0604020202020204" pitchFamily="34" charset="0"/>
+              <a:buChar char="•"/>
+            </a:pPr>
+            <a:r>
+              <a:rPr lang="en-US" b="1" dirty="0" err="1"/>
+              <a:t>ierarhie</a:t>
+            </a:r>
+            <a:r>
+              <a:rPr lang="en-US" b="1" dirty="0"/>
+              <a:t> de </a:t>
+            </a:r>
+            <a:r>
+              <a:rPr lang="en-US" b="1" dirty="0" err="1"/>
+              <a:t>clase</a:t>
+            </a:r>
+            <a:r>
+              <a:rPr lang="en-US" b="1" dirty="0"/>
+              <a:t> </a:t>
+            </a:r>
+          </a:p>
+          <a:p>
+            <a:r>
+              <a:rPr lang="en-US" b="1" dirty="0"/>
+              <a:t>		LOW-LEVEL -&gt; HIGH-LEVEL</a:t>
+            </a:r>
+          </a:p>
+          <a:p>
+            <a:endParaRPr lang="en-US" b="1" dirty="0"/>
+          </a:p>
+          <a:p>
+            <a:pPr marL="285750" indent="-285750">
+              <a:buFont typeface="Arial" panose="020B0604020202020204" pitchFamily="34" charset="0"/>
+              <a:buChar char="•"/>
+            </a:pPr>
+            <a:r>
+              <a:rPr lang="ro-RO" b="1" dirty="0"/>
+              <a:t>__</a:t>
+            </a:r>
+            <a:r>
+              <a:rPr lang="ro-RO" b="1" dirty="0" err="1"/>
+              <a:t>slots</a:t>
+            </a:r>
+            <a:r>
+              <a:rPr lang="ro-RO" b="1" dirty="0"/>
+              <a:t>__</a:t>
+            </a:r>
+            <a:r>
+              <a:rPr lang="en-US" b="1" dirty="0"/>
+              <a:t>:</a:t>
+            </a:r>
+          </a:p>
+          <a:p>
+            <a:pPr marL="285750" indent="-285750">
+              <a:buFontTx/>
+              <a:buChar char="-"/>
+            </a:pPr>
+            <a:r>
+              <a:rPr lang="en-US" dirty="0" err="1"/>
+              <a:t>Elimina</a:t>
+            </a:r>
+            <a:r>
+              <a:rPr lang="en-US" dirty="0"/>
+              <a:t> </a:t>
+            </a:r>
+            <a:r>
+              <a:rPr lang="en-US" dirty="0" err="1"/>
+              <a:t>dict</a:t>
+            </a:r>
+            <a:r>
+              <a:rPr lang="en-US" dirty="0"/>
+              <a:t> Python al </a:t>
+            </a:r>
+            <a:r>
+              <a:rPr lang="en-US" dirty="0" err="1"/>
+              <a:t>obiectului</a:t>
+            </a:r>
+            <a:endParaRPr lang="en-US" dirty="0"/>
+          </a:p>
+          <a:p>
+            <a:pPr marL="285750" indent="-285750">
+              <a:buFontTx/>
+              <a:buChar char="-"/>
+            </a:pPr>
+            <a:r>
+              <a:rPr lang="en-US" dirty="0" err="1"/>
+              <a:t>Acces</a:t>
+            </a:r>
+            <a:r>
+              <a:rPr lang="en-US" dirty="0"/>
+              <a:t> rapid la </a:t>
+            </a:r>
+            <a:r>
+              <a:rPr lang="en-US" dirty="0" err="1"/>
+              <a:t>atribute</a:t>
+            </a:r>
+            <a:endParaRPr lang="en-US" dirty="0"/>
+          </a:p>
+          <a:p>
+            <a:pPr marL="285750" indent="-285750">
+              <a:buFontTx/>
+              <a:buChar char="-"/>
+            </a:pPr>
+            <a:r>
+              <a:rPr lang="en-US" dirty="0"/>
+              <a:t>Reduce </a:t>
+            </a:r>
+            <a:r>
+              <a:rPr lang="en-US" dirty="0" err="1"/>
+              <a:t>amprenta</a:t>
+            </a:r>
+            <a:r>
+              <a:rPr lang="en-US" dirty="0"/>
+              <a:t> de mem./</a:t>
+            </a:r>
+            <a:r>
+              <a:rPr lang="en-US" dirty="0" err="1"/>
+              <a:t>obiect</a:t>
+            </a:r>
+            <a:endParaRPr lang="ro-RO" dirty="0"/>
+          </a:p>
+        </p:txBody>
+      </p:sp>
+    </p:spTree>
+    <p:extLst>
+      <p:ext uri="{BB962C8B-B14F-4D97-AF65-F5344CB8AC3E}">
+        <p14:creationId xmlns:p14="http://schemas.microsoft.com/office/powerpoint/2010/main" val="3314234073"/>
+      </p:ext>
+    </p:extLst>
+  </p:cSld>
+  <p:clrMapOvr>
+    <a:masterClrMapping/>
+  </p:clrMapOvr>
+</p:sld>
+</file>
+
+<file path=ppt/slides/slide11.xml><?xml version="1.0" encoding="utf-8"?>
+<p:sld xmlns:a="http://schemas.openxmlformats.org/drawingml/2006/main" xmlns:r="http://schemas.openxmlformats.org/officeDocument/2006/relationships" xmlns:p="http://schemas.openxmlformats.org/presentationml/2006/main">
+  <p:cSld>
+    <p:spTree>
+      <p:nvGrpSpPr>
+        <p:cNvPr id="1" name=""/>
+        <p:cNvGrpSpPr/>
+        <p:nvPr/>
+      </p:nvGrpSpPr>
+      <p:grpSpPr>
+        <a:xfrm>
+          <a:off x="0" y="0"/>
+          <a:ext cx="0" cy="0"/>
+          <a:chOff x="0" y="0"/>
+          <a:chExt cx="0" cy="0"/>
+        </a:xfrm>
+      </p:grpSpPr>
+      <p:sp>
+        <p:nvSpPr>
+          <p:cNvPr id="2" name="Titlu 1">
+            <a:extLst>
+              <a:ext uri="{FF2B5EF4-FFF2-40B4-BE49-F238E27FC236}">
+                <a16:creationId xmlns:a16="http://schemas.microsoft.com/office/drawing/2014/main" id="{26357DEE-AB50-19C5-5923-E1CDE804DB5B}"/>
+              </a:ext>
+            </a:extLst>
+          </p:cNvPr>
+          <p:cNvSpPr>
+            <a:spLocks noGrp="1"/>
+          </p:cNvSpPr>
+          <p:nvPr>
+            <p:ph type="title"/>
+          </p:nvPr>
+        </p:nvSpPr>
+        <p:spPr/>
+        <p:txBody>
+          <a:bodyPr/>
+          <a:lstStyle/>
+          <a:p>
+            <a:r>
+              <a:rPr lang="ro-RO" dirty="0"/>
+              <a:t>Varianta îmbunătățită: Optimizarea ferestrei XOR</a:t>
+            </a:r>
+          </a:p>
+        </p:txBody>
+      </p:sp>
+      <p:sp>
+        <p:nvSpPr>
+          <p:cNvPr id="3" name="CasetăText 2">
+            <a:extLst>
+              <a:ext uri="{FF2B5EF4-FFF2-40B4-BE49-F238E27FC236}">
+                <a16:creationId xmlns:a16="http://schemas.microsoft.com/office/drawing/2014/main" id="{D7A6316B-4BD8-8720-B7C9-56A6BC4E5812}"/>
+              </a:ext>
+            </a:extLst>
+          </p:cNvPr>
+          <p:cNvSpPr txBox="1"/>
+          <p:nvPr/>
+        </p:nvSpPr>
+        <p:spPr>
+          <a:xfrm>
+            <a:off x="1605643" y="2253343"/>
+            <a:ext cx="6776357" cy="1513114"/>
+          </a:xfrm>
+          <a:prstGeom prst="rect">
+            <a:avLst/>
+          </a:prstGeom>
+          <a:noFill/>
+        </p:spPr>
+        <p:txBody>
+          <a:bodyPr wrap="square" rtlCol="0">
+            <a:spAutoFit/>
+          </a:bodyPr>
+          <a:lstStyle/>
+          <a:p>
+            <a:endParaRPr lang="ro-RO" dirty="0"/>
+          </a:p>
+        </p:txBody>
+      </p:sp>
+      <p:pic>
+        <p:nvPicPr>
+          <p:cNvPr id="5" name="Imagine 4" descr="O imagine care conține text, chitanță, Font, captură de ecran&#10;&#10;Conținutul generat de inteligența artificială poate fi incorect.">
+            <a:extLst>
+              <a:ext uri="{FF2B5EF4-FFF2-40B4-BE49-F238E27FC236}">
+                <a16:creationId xmlns:a16="http://schemas.microsoft.com/office/drawing/2014/main" id="{423561B9-BEF8-743C-BBE0-C5E8283D4513}"/>
+              </a:ext>
+            </a:extLst>
+          </p:cNvPr>
+          <p:cNvPicPr>
+            <a:picLocks noChangeAspect="1"/>
+          </p:cNvPicPr>
+          <p:nvPr/>
+        </p:nvPicPr>
+        <p:blipFill>
+          <a:blip r:embed="rId2"/>
+          <a:stretch>
+            <a:fillRect/>
+          </a:stretch>
+        </p:blipFill>
+        <p:spPr>
+          <a:xfrm>
+            <a:off x="1772947" y="1914314"/>
+            <a:ext cx="8707065" cy="1514686"/>
+          </a:xfrm>
+          <a:prstGeom prst="rect">
+            <a:avLst/>
+          </a:prstGeom>
+        </p:spPr>
+      </p:pic>
+      <p:sp>
+        <p:nvSpPr>
+          <p:cNvPr id="6" name="Dreptunghi 5">
+            <a:extLst>
+              <a:ext uri="{FF2B5EF4-FFF2-40B4-BE49-F238E27FC236}">
+                <a16:creationId xmlns:a16="http://schemas.microsoft.com/office/drawing/2014/main" id="{90B0246E-CF90-9E50-1332-0DAA8E71049C}"/>
+              </a:ext>
+            </a:extLst>
+          </p:cNvPr>
+          <p:cNvSpPr/>
+          <p:nvPr/>
+        </p:nvSpPr>
+        <p:spPr>
+          <a:xfrm>
+            <a:off x="9476014" y="2552701"/>
+            <a:ext cx="870857" cy="386443"/>
+          </a:xfrm>
+          <a:prstGeom prst="rect">
+            <a:avLst/>
+          </a:prstGeom>
+          <a:solidFill>
+            <a:schemeClr val="bg1"/>
+          </a:solidFill>
+          <a:ln>
+            <a:solidFill>
+              <a:schemeClr val="bg1"/>
+            </a:solidFill>
+          </a:ln>
+        </p:spPr>
+        <p:style>
+          <a:lnRef idx="2">
+            <a:schemeClr val="accent1">
+              <a:shade val="15000"/>
+            </a:schemeClr>
+          </a:lnRef>
+          <a:fillRef idx="1">
+            <a:schemeClr val="accent1"/>
+          </a:fillRef>
+          <a:effectRef idx="0">
+            <a:schemeClr val="accent1"/>
+          </a:effectRef>
+          <a:fontRef idx="minor">
+            <a:schemeClr val="lt1"/>
+          </a:fontRef>
+        </p:style>
+        <p:txBody>
+          <a:bodyPr rtlCol="0" anchor="ctr"/>
+          <a:lstStyle/>
+          <a:p>
+            <a:pPr algn="ctr"/>
+            <a:endParaRPr lang="ro-RO"/>
+          </a:p>
+        </p:txBody>
+      </p:sp>
+      <p:pic>
+        <p:nvPicPr>
+          <p:cNvPr id="8" name="Imagine 7">
+            <a:extLst>
+              <a:ext uri="{FF2B5EF4-FFF2-40B4-BE49-F238E27FC236}">
+                <a16:creationId xmlns:a16="http://schemas.microsoft.com/office/drawing/2014/main" id="{14A7A74E-0348-B77E-CF56-FB88E32A72E1}"/>
+              </a:ext>
+            </a:extLst>
+          </p:cNvPr>
+          <p:cNvPicPr>
+            <a:picLocks noChangeAspect="1"/>
+          </p:cNvPicPr>
+          <p:nvPr/>
+        </p:nvPicPr>
+        <p:blipFill>
+          <a:blip r:embed="rId3"/>
+          <a:stretch>
+            <a:fillRect/>
+          </a:stretch>
+        </p:blipFill>
+        <p:spPr>
+          <a:xfrm>
+            <a:off x="1672415" y="3666420"/>
+            <a:ext cx="6382641" cy="352474"/>
+          </a:xfrm>
+          <a:prstGeom prst="rect">
+            <a:avLst/>
+          </a:prstGeom>
+        </p:spPr>
+      </p:pic>
+      <p:pic>
+        <p:nvPicPr>
+          <p:cNvPr id="10" name="Imagine 9" descr="O imagine care conține text, Font, alb, chitanță&#10;&#10;Conținutul generat de inteligența artificială poate fi incorect.">
+            <a:extLst>
+              <a:ext uri="{FF2B5EF4-FFF2-40B4-BE49-F238E27FC236}">
+                <a16:creationId xmlns:a16="http://schemas.microsoft.com/office/drawing/2014/main" id="{D9760616-0A38-4F1C-F624-FE5319CAF73D}"/>
+              </a:ext>
+            </a:extLst>
+          </p:cNvPr>
+          <p:cNvPicPr>
+            <a:picLocks noChangeAspect="1"/>
+          </p:cNvPicPr>
+          <p:nvPr/>
+        </p:nvPicPr>
+        <p:blipFill>
+          <a:blip r:embed="rId4"/>
+          <a:stretch>
+            <a:fillRect/>
+          </a:stretch>
+        </p:blipFill>
+        <p:spPr>
+          <a:xfrm>
+            <a:off x="1830104" y="4003877"/>
+            <a:ext cx="8592749" cy="2038635"/>
+          </a:xfrm>
+          <a:prstGeom prst="rect">
+            <a:avLst/>
+          </a:prstGeom>
+        </p:spPr>
+      </p:pic>
+    </p:spTree>
+    <p:extLst>
+      <p:ext uri="{BB962C8B-B14F-4D97-AF65-F5344CB8AC3E}">
+        <p14:creationId xmlns:p14="http://schemas.microsoft.com/office/powerpoint/2010/main" val="269295103"/>
+      </p:ext>
+    </p:extLst>
+  </p:cSld>
+  <p:clrMapOvr>
+    <a:masterClrMapping/>
+  </p:clrMapOvr>
+</p:sld>
+</file>
+
+<file path=ppt/slides/slide12.xml><?xml version="1.0" encoding="utf-8"?>
+<p:sld xmlns:a="http://schemas.openxmlformats.org/drawingml/2006/main" xmlns:r="http://schemas.openxmlformats.org/officeDocument/2006/relationships" xmlns:p="http://schemas.openxmlformats.org/presentationml/2006/main">
+  <p:cSld>
+    <p:spTree>
+      <p:nvGrpSpPr>
+        <p:cNvPr id="1" name=""/>
+        <p:cNvGrpSpPr/>
+        <p:nvPr/>
+      </p:nvGrpSpPr>
+      <p:grpSpPr>
+        <a:xfrm>
+          <a:off x="0" y="0"/>
+          <a:ext cx="0" cy="0"/>
+          <a:chOff x="0" y="0"/>
+          <a:chExt cx="0" cy="0"/>
+        </a:xfrm>
+      </p:grpSpPr>
+      <p:sp>
+        <p:nvSpPr>
+          <p:cNvPr id="2" name="Titlu 1">
+            <a:extLst>
+              <a:ext uri="{FF2B5EF4-FFF2-40B4-BE49-F238E27FC236}">
+                <a16:creationId xmlns:a16="http://schemas.microsoft.com/office/drawing/2014/main" id="{EA8BA8E6-05DD-C476-DC9C-1507691363B3}"/>
+              </a:ext>
+            </a:extLst>
+          </p:cNvPr>
+          <p:cNvSpPr>
+            <a:spLocks noGrp="1"/>
+          </p:cNvSpPr>
+          <p:nvPr>
+            <p:ph type="title"/>
+          </p:nvPr>
+        </p:nvSpPr>
+        <p:spPr/>
+        <p:txBody>
+          <a:bodyPr/>
+          <a:lstStyle/>
+          <a:p>
+            <a:r>
+              <a:rPr lang="en-US" dirty="0"/>
+              <a:t>Sol</a:t>
+            </a:r>
+            <a:r>
+              <a:rPr lang="ro-RO" dirty="0" err="1"/>
+              <a:t>uția</a:t>
+            </a:r>
+            <a:r>
+              <a:rPr lang="ro-RO" dirty="0"/>
+              <a:t> propusă</a:t>
+            </a:r>
+          </a:p>
+        </p:txBody>
+      </p:sp>
+      <p:sp>
+        <p:nvSpPr>
+          <p:cNvPr id="3" name="CasetăText 2">
+            <a:extLst>
+              <a:ext uri="{FF2B5EF4-FFF2-40B4-BE49-F238E27FC236}">
+                <a16:creationId xmlns:a16="http://schemas.microsoft.com/office/drawing/2014/main" id="{EF571525-D5F7-907B-C714-5077320517FE}"/>
+              </a:ext>
+            </a:extLst>
+          </p:cNvPr>
+          <p:cNvSpPr txBox="1"/>
+          <p:nvPr/>
+        </p:nvSpPr>
+        <p:spPr>
+          <a:xfrm>
+            <a:off x="1382486" y="2084614"/>
+            <a:ext cx="9476014" cy="1754326"/>
+          </a:xfrm>
+          <a:prstGeom prst="rect">
+            <a:avLst/>
+          </a:prstGeom>
+          <a:noFill/>
+        </p:spPr>
+        <p:txBody>
+          <a:bodyPr wrap="square" rtlCol="0">
+            <a:spAutoFit/>
+          </a:bodyPr>
+          <a:lstStyle/>
+          <a:p>
+            <a:r>
+              <a:rPr lang="ro-RO" dirty="0"/>
+              <a:t>Fereastra anterioară este </a:t>
+            </a:r>
+            <a:r>
+              <a:rPr lang="ro-RO" b="1" dirty="0">
+                <a:solidFill>
+                  <a:srgbClr val="C00000"/>
+                </a:solidFill>
+              </a:rPr>
+              <a:t>semnificativ</a:t>
+            </a:r>
+            <a:r>
+              <a:rPr lang="ro-RO" dirty="0"/>
+              <a:t> mai mare decât cea curentă?</a:t>
+            </a:r>
+          </a:p>
+          <a:p>
+            <a:endParaRPr lang="ro-RO" dirty="0"/>
+          </a:p>
+          <a:p>
+            <a:pPr marL="285750" indent="-285750">
+              <a:buFont typeface="Arial" panose="020B0604020202020204" pitchFamily="34" charset="0"/>
+              <a:buChar char="•"/>
+            </a:pPr>
+            <a:r>
+              <a:rPr lang="it-IT" dirty="0"/>
+              <a:t>Crearea unei ferestre noi costă exact </a:t>
+            </a:r>
+            <a:r>
+              <a:rPr lang="it-IT" b="1" dirty="0">
+                <a:solidFill>
+                  <a:srgbClr val="C00000"/>
+                </a:solidFill>
+              </a:rPr>
+              <a:t>11</a:t>
+            </a:r>
+            <a:r>
+              <a:rPr lang="it-IT" dirty="0">
+                <a:solidFill>
+                  <a:srgbClr val="C00000"/>
+                </a:solidFill>
+              </a:rPr>
+              <a:t> </a:t>
+            </a:r>
+            <a:r>
+              <a:rPr lang="it-IT" b="1" dirty="0">
+                <a:solidFill>
+                  <a:srgbClr val="C00000"/>
+                </a:solidFill>
+              </a:rPr>
+              <a:t>biți</a:t>
+            </a:r>
+            <a:r>
+              <a:rPr lang="it-IT" dirty="0">
+                <a:solidFill>
+                  <a:srgbClr val="C00000"/>
+                </a:solidFill>
+              </a:rPr>
+              <a:t> </a:t>
+            </a:r>
+            <a:r>
+              <a:rPr lang="it-IT" dirty="0"/>
+              <a:t>(5 pentru leading zeros + 6 pentru lungime).</a:t>
+            </a:r>
+            <a:endParaRPr lang="ro-RO" dirty="0"/>
+          </a:p>
+          <a:p>
+            <a:pPr marL="285750" indent="-285750">
+              <a:buFont typeface="Arial" panose="020B0604020202020204" pitchFamily="34" charset="0"/>
+              <a:buChar char="•"/>
+            </a:pPr>
+            <a:r>
+              <a:rPr lang="ro-RO" b="1" dirty="0">
+                <a:solidFill>
+                  <a:srgbClr val="C00000"/>
+                </a:solidFill>
+              </a:rPr>
+              <a:t>Merită să creăm o fereastră nouă</a:t>
+            </a:r>
+            <a:r>
+              <a:rPr lang="ro-RO" dirty="0"/>
+              <a:t> doar dacă economia de biți depășește acest </a:t>
+            </a:r>
+            <a:r>
+              <a:rPr lang="ro-RO" dirty="0" err="1"/>
+              <a:t>overhead</a:t>
+            </a:r>
+            <a:r>
+              <a:rPr lang="ro-RO" dirty="0"/>
+              <a:t>:</a:t>
+            </a:r>
+          </a:p>
+          <a:p>
+            <a:pPr marL="285750" indent="-285750">
+              <a:buFont typeface="Arial" panose="020B0604020202020204" pitchFamily="34" charset="0"/>
+              <a:buChar char="•"/>
+            </a:pPr>
+            <a:endParaRPr lang="ro-RO" dirty="0"/>
+          </a:p>
+          <a:p>
+            <a:pPr marL="285750" indent="-285750">
+              <a:buFont typeface="Arial" panose="020B0604020202020204" pitchFamily="34" charset="0"/>
+              <a:buChar char="•"/>
+            </a:pPr>
+            <a:endParaRPr lang="ro-RO" dirty="0"/>
+          </a:p>
+        </p:txBody>
+      </p:sp>
+      <p:pic>
+        <p:nvPicPr>
+          <p:cNvPr id="5" name="Imagine 4" descr="O imagine care conține text, Font, alb, tipografie&#10;&#10;Conținutul generat de inteligența artificială poate fi incorect.">
+            <a:extLst>
+              <a:ext uri="{FF2B5EF4-FFF2-40B4-BE49-F238E27FC236}">
+                <a16:creationId xmlns:a16="http://schemas.microsoft.com/office/drawing/2014/main" id="{7C7A2DEF-2EE6-88C6-61ED-418996D5D81A}"/>
+              </a:ext>
+            </a:extLst>
+          </p:cNvPr>
+          <p:cNvPicPr>
+            <a:picLocks noChangeAspect="1"/>
+          </p:cNvPicPr>
+          <p:nvPr/>
+        </p:nvPicPr>
+        <p:blipFill>
+          <a:blip r:embed="rId2"/>
+          <a:stretch>
+            <a:fillRect/>
+          </a:stretch>
+        </p:blipFill>
+        <p:spPr>
+          <a:xfrm>
+            <a:off x="4810622" y="3429000"/>
+            <a:ext cx="2619741" cy="523948"/>
+          </a:xfrm>
+          <a:prstGeom prst="rect">
+            <a:avLst/>
+          </a:prstGeom>
+        </p:spPr>
+      </p:pic>
+      <p:pic>
+        <p:nvPicPr>
+          <p:cNvPr id="7" name="Imagine 6">
+            <a:extLst>
+              <a:ext uri="{FF2B5EF4-FFF2-40B4-BE49-F238E27FC236}">
+                <a16:creationId xmlns:a16="http://schemas.microsoft.com/office/drawing/2014/main" id="{A91EFC08-AE63-C005-C3C2-1C56C8712F57}"/>
+              </a:ext>
+            </a:extLst>
+          </p:cNvPr>
+          <p:cNvPicPr>
+            <a:picLocks noChangeAspect="1"/>
+          </p:cNvPicPr>
+          <p:nvPr/>
+        </p:nvPicPr>
+        <p:blipFill>
+          <a:blip r:embed="rId3"/>
+          <a:stretch>
+            <a:fillRect/>
+          </a:stretch>
+        </p:blipFill>
+        <p:spPr>
+          <a:xfrm>
+            <a:off x="3640872" y="4837266"/>
+            <a:ext cx="5715798" cy="523948"/>
+          </a:xfrm>
+          <a:prstGeom prst="rect">
+            <a:avLst/>
+          </a:prstGeom>
+        </p:spPr>
+      </p:pic>
+      <p:sp>
+        <p:nvSpPr>
+          <p:cNvPr id="9" name="CasetăText 8">
+            <a:extLst>
+              <a:ext uri="{FF2B5EF4-FFF2-40B4-BE49-F238E27FC236}">
+                <a16:creationId xmlns:a16="http://schemas.microsoft.com/office/drawing/2014/main" id="{82068F38-A3EC-E7B0-8079-C12514B7C41E}"/>
+              </a:ext>
+            </a:extLst>
+          </p:cNvPr>
+          <p:cNvSpPr txBox="1"/>
+          <p:nvPr/>
+        </p:nvSpPr>
+        <p:spPr>
+          <a:xfrm>
+            <a:off x="1382486" y="4284424"/>
+            <a:ext cx="6096000" cy="369332"/>
+          </a:xfrm>
+          <a:prstGeom prst="rect">
+            <a:avLst/>
+          </a:prstGeom>
+          <a:noFill/>
+        </p:spPr>
+        <p:txBody>
+          <a:bodyPr wrap="square">
+            <a:spAutoFit/>
+          </a:bodyPr>
+          <a:lstStyle/>
+          <a:p>
+            <a:r>
+              <a:rPr lang="ro-RO" b="1" dirty="0">
+                <a:solidFill>
+                  <a:srgbClr val="C00000"/>
+                </a:solidFill>
+              </a:rPr>
+              <a:t>Condiția completă pentru refolosirea ferestrei</a:t>
+            </a:r>
+            <a:r>
+              <a:rPr lang="en-US" b="1" dirty="0">
+                <a:solidFill>
+                  <a:srgbClr val="C00000"/>
+                </a:solidFill>
+              </a:rPr>
+              <a:t>:</a:t>
+            </a:r>
+            <a:endParaRPr lang="ro-RO" b="1" dirty="0">
+              <a:solidFill>
+                <a:srgbClr val="C00000"/>
+              </a:solidFill>
+            </a:endParaRPr>
+          </a:p>
+        </p:txBody>
+      </p:sp>
+    </p:spTree>
+    <p:extLst>
+      <p:ext uri="{BB962C8B-B14F-4D97-AF65-F5344CB8AC3E}">
+        <p14:creationId xmlns:p14="http://schemas.microsoft.com/office/powerpoint/2010/main" val="3850668622"/>
+      </p:ext>
+    </p:extLst>
+  </p:cSld>
+  <p:clrMapOvr>
+    <a:masterClrMapping/>
+  </p:clrMapOvr>
+</p:sld>
+</file>
+
+<file path=ppt/slides/slide13.xml><?xml version="1.0" encoding="utf-8"?>
+<p:sld xmlns:a="http://schemas.openxmlformats.org/drawingml/2006/main" xmlns:r="http://schemas.openxmlformats.org/officeDocument/2006/relationships" xmlns:p="http://schemas.openxmlformats.org/presentationml/2006/main">
+  <p:cSld>
+    <p:spTree>
+      <p:nvGrpSpPr>
+        <p:cNvPr id="1" name=""/>
+        <p:cNvGrpSpPr/>
+        <p:nvPr/>
+      </p:nvGrpSpPr>
+      <p:grpSpPr>
+        <a:xfrm>
+          <a:off x="0" y="0"/>
+          <a:ext cx="0" cy="0"/>
+          <a:chOff x="0" y="0"/>
+          <a:chExt cx="0" cy="0"/>
+        </a:xfrm>
+      </p:grpSpPr>
+      <p:sp>
+        <p:nvSpPr>
+          <p:cNvPr id="2" name="Titlu 1">
+            <a:extLst>
+              <a:ext uri="{FF2B5EF4-FFF2-40B4-BE49-F238E27FC236}">
+                <a16:creationId xmlns:a16="http://schemas.microsoft.com/office/drawing/2014/main" id="{1143EF49-D645-0736-F033-A50DC16488ED}"/>
+              </a:ext>
+            </a:extLst>
+          </p:cNvPr>
+          <p:cNvSpPr>
+            <a:spLocks noGrp="1"/>
+          </p:cNvSpPr>
+          <p:nvPr>
+            <p:ph type="title"/>
+          </p:nvPr>
+        </p:nvSpPr>
+        <p:spPr/>
+        <p:txBody>
+          <a:bodyPr/>
+          <a:lstStyle/>
+          <a:p>
+            <a:r>
+              <a:rPr lang="en-US" dirty="0" err="1"/>
+              <a:t>Experimente</a:t>
+            </a:r>
+            <a:r>
+              <a:rPr lang="en-US" dirty="0"/>
+              <a:t> </a:t>
+            </a:r>
+            <a:r>
+              <a:rPr lang="ro-RO" dirty="0"/>
+              <a:t>și rezultate</a:t>
+            </a:r>
+          </a:p>
+        </p:txBody>
+      </p:sp>
+      <p:sp>
+        <p:nvSpPr>
+          <p:cNvPr id="3" name="CasetăText 2">
+            <a:extLst>
+              <a:ext uri="{FF2B5EF4-FFF2-40B4-BE49-F238E27FC236}">
+                <a16:creationId xmlns:a16="http://schemas.microsoft.com/office/drawing/2014/main" id="{C2941B83-AC79-7E3F-B2B6-6E9BD5FEF95F}"/>
+              </a:ext>
+            </a:extLst>
+          </p:cNvPr>
+          <p:cNvSpPr txBox="1"/>
+          <p:nvPr/>
+        </p:nvSpPr>
+        <p:spPr>
+          <a:xfrm>
+            <a:off x="1097280" y="1852776"/>
+            <a:ext cx="5236029" cy="369332"/>
+          </a:xfrm>
+          <a:prstGeom prst="rect">
+            <a:avLst/>
+          </a:prstGeom>
+          <a:noFill/>
+        </p:spPr>
+        <p:txBody>
+          <a:bodyPr wrap="square" rtlCol="0">
+            <a:spAutoFit/>
+          </a:bodyPr>
+          <a:lstStyle/>
+          <a:p>
+            <a:r>
+              <a:rPr lang="ro-RO" dirty="0"/>
+              <a:t>Seturi de date pe care s-au realizat teste</a:t>
+            </a:r>
+            <a:r>
+              <a:rPr lang="en-US" dirty="0"/>
+              <a:t>:</a:t>
+            </a:r>
+            <a:endParaRPr lang="ro-RO" dirty="0"/>
+          </a:p>
+        </p:txBody>
+      </p:sp>
+      <p:pic>
+        <p:nvPicPr>
+          <p:cNvPr id="5" name="Imagine 4" descr="O imagine care conține text, Font, captură de ecran, alb&#10;&#10;Conținutul generat de inteligența artificială poate fi incorect.">
+            <a:extLst>
+              <a:ext uri="{FF2B5EF4-FFF2-40B4-BE49-F238E27FC236}">
+                <a16:creationId xmlns:a16="http://schemas.microsoft.com/office/drawing/2014/main" id="{F33FDF96-8C50-42EE-B209-5BBADA0FEE4E}"/>
+              </a:ext>
+            </a:extLst>
+          </p:cNvPr>
+          <p:cNvPicPr>
+            <a:picLocks noChangeAspect="1"/>
+          </p:cNvPicPr>
+          <p:nvPr/>
+        </p:nvPicPr>
+        <p:blipFill>
+          <a:blip r:embed="rId2"/>
+          <a:stretch>
+            <a:fillRect/>
+          </a:stretch>
+        </p:blipFill>
+        <p:spPr>
+          <a:xfrm>
+            <a:off x="1097280" y="2317875"/>
+            <a:ext cx="4696480" cy="2143424"/>
+          </a:xfrm>
+          <a:prstGeom prst="rect">
+            <a:avLst/>
+          </a:prstGeom>
+        </p:spPr>
+      </p:pic>
+      <p:sp>
+        <p:nvSpPr>
+          <p:cNvPr id="6" name="CasetăText 5">
+            <a:extLst>
+              <a:ext uri="{FF2B5EF4-FFF2-40B4-BE49-F238E27FC236}">
+                <a16:creationId xmlns:a16="http://schemas.microsoft.com/office/drawing/2014/main" id="{0D38B4B3-FE8E-2E96-2999-3DDE761CB721}"/>
+              </a:ext>
+            </a:extLst>
+          </p:cNvPr>
+          <p:cNvSpPr txBox="1"/>
+          <p:nvPr/>
+        </p:nvSpPr>
+        <p:spPr>
+          <a:xfrm>
+            <a:off x="1905015" y="4415133"/>
+            <a:ext cx="3081009" cy="646331"/>
+          </a:xfrm>
+          <a:prstGeom prst="rect">
+            <a:avLst/>
+          </a:prstGeom>
+          <a:noFill/>
+        </p:spPr>
+        <p:txBody>
+          <a:bodyPr wrap="square" rtlCol="0">
+            <a:spAutoFit/>
+          </a:bodyPr>
+          <a:lstStyle/>
+          <a:p>
+            <a:pPr algn="ctr"/>
+            <a:r>
+              <a:rPr lang="fr-FR" dirty="0" err="1"/>
+              <a:t>Caracteristicile</a:t>
+            </a:r>
+            <a:r>
+              <a:rPr lang="fr-FR" dirty="0"/>
+              <a:t> </a:t>
+            </a:r>
+            <a:r>
+              <a:rPr lang="fr-FR" dirty="0" err="1"/>
+              <a:t>setului</a:t>
+            </a:r>
+            <a:r>
+              <a:rPr lang="fr-FR" dirty="0"/>
+              <a:t> de date CPU </a:t>
+            </a:r>
+            <a:r>
+              <a:rPr lang="fr-FR" dirty="0" err="1"/>
+              <a:t>Load</a:t>
+            </a:r>
+            <a:r>
+              <a:rPr lang="fr-FR" dirty="0"/>
+              <a:t> Linux</a:t>
+            </a:r>
+            <a:endParaRPr lang="ro-RO" dirty="0"/>
+          </a:p>
+        </p:txBody>
+      </p:sp>
+      <p:sp>
+        <p:nvSpPr>
+          <p:cNvPr id="8" name="CasetăText 7">
+            <a:extLst>
+              <a:ext uri="{FF2B5EF4-FFF2-40B4-BE49-F238E27FC236}">
+                <a16:creationId xmlns:a16="http://schemas.microsoft.com/office/drawing/2014/main" id="{D2AF0486-B9E2-E47A-ECDF-9849BB5B9B3A}"/>
+              </a:ext>
+            </a:extLst>
+          </p:cNvPr>
+          <p:cNvSpPr txBox="1"/>
+          <p:nvPr/>
+        </p:nvSpPr>
+        <p:spPr>
+          <a:xfrm>
+            <a:off x="1175657" y="5388148"/>
+            <a:ext cx="4920343" cy="646331"/>
+          </a:xfrm>
+          <a:prstGeom prst="rect">
+            <a:avLst/>
+          </a:prstGeom>
+          <a:noFill/>
+        </p:spPr>
+        <p:txBody>
+          <a:bodyPr wrap="square">
+            <a:spAutoFit/>
+          </a:bodyPr>
+          <a:lstStyle/>
+          <a:p>
+            <a:r>
+              <a:rPr lang="ro-RO" dirty="0"/>
+              <a:t>• Valorile variază ușor în timp, cu schimbări graduale caracteristice sarcinilor tipice de server.</a:t>
+            </a:r>
+          </a:p>
+        </p:txBody>
+      </p:sp>
+      <p:pic>
+        <p:nvPicPr>
+          <p:cNvPr id="10" name="Imagine 9" descr="O imagine care conține text, captură de ecran, Font, linie&#10;&#10;Conținutul generat de inteligența artificială poate fi incorect.">
+            <a:extLst>
+              <a:ext uri="{FF2B5EF4-FFF2-40B4-BE49-F238E27FC236}">
+                <a16:creationId xmlns:a16="http://schemas.microsoft.com/office/drawing/2014/main" id="{5C0C8CEE-15D3-8C07-0B3B-38837602EA7D}"/>
+              </a:ext>
+            </a:extLst>
+          </p:cNvPr>
+          <p:cNvPicPr>
+            <a:picLocks noChangeAspect="1"/>
+          </p:cNvPicPr>
+          <p:nvPr/>
+        </p:nvPicPr>
+        <p:blipFill>
+          <a:blip r:embed="rId3"/>
+          <a:stretch>
+            <a:fillRect/>
+          </a:stretch>
+        </p:blipFill>
+        <p:spPr>
+          <a:xfrm>
+            <a:off x="6442166" y="2347186"/>
+            <a:ext cx="4791744" cy="2038635"/>
+          </a:xfrm>
+          <a:prstGeom prst="rect">
+            <a:avLst/>
+          </a:prstGeom>
+        </p:spPr>
+      </p:pic>
+      <p:sp>
+        <p:nvSpPr>
+          <p:cNvPr id="12" name="CasetăText 11">
+            <a:extLst>
+              <a:ext uri="{FF2B5EF4-FFF2-40B4-BE49-F238E27FC236}">
+                <a16:creationId xmlns:a16="http://schemas.microsoft.com/office/drawing/2014/main" id="{37661D89-A33A-55E3-6CB4-628084A8E1F8}"/>
+              </a:ext>
+            </a:extLst>
+          </p:cNvPr>
+          <p:cNvSpPr txBox="1"/>
+          <p:nvPr/>
+        </p:nvSpPr>
+        <p:spPr>
+          <a:xfrm>
+            <a:off x="7079995" y="4415133"/>
+            <a:ext cx="3516086" cy="646331"/>
+          </a:xfrm>
+          <a:prstGeom prst="rect">
+            <a:avLst/>
+          </a:prstGeom>
+          <a:noFill/>
+        </p:spPr>
+        <p:txBody>
+          <a:bodyPr wrap="square">
+            <a:spAutoFit/>
+          </a:bodyPr>
+          <a:lstStyle/>
+          <a:p>
+            <a:pPr algn="ctr"/>
+            <a:r>
+              <a:rPr lang="fr-FR" dirty="0" err="1"/>
+              <a:t>Caracteristicile</a:t>
+            </a:r>
+            <a:r>
+              <a:rPr lang="fr-FR" dirty="0"/>
+              <a:t> </a:t>
+            </a:r>
+            <a:r>
+              <a:rPr lang="fr-FR" dirty="0" err="1"/>
+              <a:t>setului</a:t>
+            </a:r>
+            <a:r>
+              <a:rPr lang="fr-FR" dirty="0"/>
+              <a:t> de date Twitter Volume UPS</a:t>
+            </a:r>
+            <a:endParaRPr lang="ro-RO" dirty="0"/>
+          </a:p>
+        </p:txBody>
+      </p:sp>
+      <p:sp>
+        <p:nvSpPr>
+          <p:cNvPr id="13" name="CasetăText 12">
+            <a:extLst>
+              <a:ext uri="{FF2B5EF4-FFF2-40B4-BE49-F238E27FC236}">
+                <a16:creationId xmlns:a16="http://schemas.microsoft.com/office/drawing/2014/main" id="{4F819120-8F09-A61E-4360-55AB9FC85299}"/>
+              </a:ext>
+            </a:extLst>
+          </p:cNvPr>
+          <p:cNvSpPr txBox="1"/>
+          <p:nvPr/>
+        </p:nvSpPr>
+        <p:spPr>
+          <a:xfrm>
+            <a:off x="6572794" y="5170434"/>
+            <a:ext cx="5470071" cy="1200329"/>
+          </a:xfrm>
+          <a:prstGeom prst="rect">
+            <a:avLst/>
+          </a:prstGeom>
+          <a:noFill/>
+        </p:spPr>
+        <p:txBody>
+          <a:bodyPr wrap="square" rtlCol="0">
+            <a:spAutoFit/>
+          </a:bodyPr>
+          <a:lstStyle/>
+          <a:p>
+            <a:r>
+              <a:rPr lang="ro-RO" dirty="0"/>
+              <a:t>• </a:t>
+            </a:r>
+            <a:r>
+              <a:rPr lang="ro-RO" dirty="0" err="1"/>
+              <a:t>Timestamp</a:t>
+            </a:r>
+            <a:r>
+              <a:rPr lang="ro-RO" dirty="0"/>
+              <a:t>-uri perfect periodice: 5 minute, </a:t>
+            </a:r>
+            <a:endParaRPr lang="en-US" dirty="0"/>
+          </a:p>
+          <a:p>
+            <a:r>
+              <a:rPr lang="ro-RO" dirty="0"/>
+              <a:t>ideal delta-of-delta </a:t>
+            </a:r>
+            <a:endParaRPr lang="en-US" dirty="0"/>
+          </a:p>
+          <a:p>
+            <a:r>
+              <a:rPr lang="ro-RO" dirty="0"/>
+              <a:t>• Valori întregi: Contoare de </a:t>
+            </a:r>
+            <a:r>
+              <a:rPr lang="ro-RO" dirty="0" err="1"/>
+              <a:t>tweet</a:t>
+            </a:r>
+            <a:r>
+              <a:rPr lang="ro-RO" dirty="0"/>
+              <a:t>-uri, care produc pattern-uri XOR diferite față de </a:t>
+            </a:r>
+            <a:r>
+              <a:rPr lang="ro-RO" dirty="0" err="1"/>
+              <a:t>valo</a:t>
+            </a:r>
+            <a:r>
+              <a:rPr lang="ro-RO" dirty="0"/>
+              <a:t> rile continue</a:t>
+            </a:r>
+          </a:p>
+        </p:txBody>
+      </p:sp>
+    </p:spTree>
+    <p:extLst>
+      <p:ext uri="{BB962C8B-B14F-4D97-AF65-F5344CB8AC3E}">
+        <p14:creationId xmlns:p14="http://schemas.microsoft.com/office/powerpoint/2010/main" val="1043524594"/>
+      </p:ext>
+    </p:extLst>
+  </p:cSld>
+  <p:clrMapOvr>
+    <a:masterClrMapping/>
+  </p:clrMapOvr>
+</p:sld>
+</file>
+
+<file path=ppt/slides/slide14.xml><?xml version="1.0" encoding="utf-8"?>
+<p:sld xmlns:a="http://schemas.openxmlformats.org/drawingml/2006/main" xmlns:r="http://schemas.openxmlformats.org/officeDocument/2006/relationships" xmlns:p="http://schemas.openxmlformats.org/presentationml/2006/main">
+  <p:cSld>
+    <p:spTree>
+      <p:nvGrpSpPr>
+        <p:cNvPr id="1" name=""/>
+        <p:cNvGrpSpPr/>
+        <p:nvPr/>
+      </p:nvGrpSpPr>
+      <p:grpSpPr>
+        <a:xfrm>
+          <a:off x="0" y="0"/>
+          <a:ext cx="0" cy="0"/>
+          <a:chOff x="0" y="0"/>
+          <a:chExt cx="0" cy="0"/>
+        </a:xfrm>
+      </p:grpSpPr>
+      <p:sp>
+        <p:nvSpPr>
+          <p:cNvPr id="2" name="Titlu 1">
+            <a:extLst>
+              <a:ext uri="{FF2B5EF4-FFF2-40B4-BE49-F238E27FC236}">
+                <a16:creationId xmlns:a16="http://schemas.microsoft.com/office/drawing/2014/main" id="{DACF51AE-2E6A-91EA-8CAB-19126AFD5EE3}"/>
+              </a:ext>
+            </a:extLst>
+          </p:cNvPr>
+          <p:cNvSpPr>
+            <a:spLocks noGrp="1"/>
+          </p:cNvSpPr>
+          <p:nvPr>
+            <p:ph type="title"/>
+          </p:nvPr>
+        </p:nvSpPr>
+        <p:spPr/>
+        <p:txBody>
+          <a:bodyPr/>
+          <a:lstStyle/>
+          <a:p>
+            <a:r>
+              <a:rPr lang="en-US" dirty="0" err="1"/>
+              <a:t>Experimente</a:t>
+            </a:r>
+            <a:r>
+              <a:rPr lang="en-US" dirty="0"/>
+              <a:t> </a:t>
+            </a:r>
+            <a:r>
+              <a:rPr lang="ro-RO" dirty="0"/>
+              <a:t>și rezultate</a:t>
+            </a:r>
+          </a:p>
+        </p:txBody>
+      </p:sp>
+      <p:pic>
+        <p:nvPicPr>
+          <p:cNvPr id="4" name="Imagine 3" descr="O imagine care conține text, Font, captură de ecran, alb&#10;&#10;Conținutul generat de inteligența artificială poate fi incorect.">
+            <a:extLst>
+              <a:ext uri="{FF2B5EF4-FFF2-40B4-BE49-F238E27FC236}">
+                <a16:creationId xmlns:a16="http://schemas.microsoft.com/office/drawing/2014/main" id="{41AD07E7-31AB-4578-9769-E428D03A61B4}"/>
+              </a:ext>
+            </a:extLst>
+          </p:cNvPr>
+          <p:cNvPicPr>
+            <a:picLocks noChangeAspect="1"/>
+          </p:cNvPicPr>
+          <p:nvPr/>
+        </p:nvPicPr>
+        <p:blipFill>
+          <a:blip r:embed="rId2"/>
+          <a:stretch>
+            <a:fillRect/>
+          </a:stretch>
+        </p:blipFill>
+        <p:spPr>
+          <a:xfrm>
+            <a:off x="2567430" y="2744717"/>
+            <a:ext cx="3410426" cy="1991003"/>
+          </a:xfrm>
+          <a:prstGeom prst="rect">
+            <a:avLst/>
+          </a:prstGeom>
+        </p:spPr>
+      </p:pic>
+      <p:sp>
+        <p:nvSpPr>
+          <p:cNvPr id="5" name="CasetăText 4">
+            <a:extLst>
+              <a:ext uri="{FF2B5EF4-FFF2-40B4-BE49-F238E27FC236}">
+                <a16:creationId xmlns:a16="http://schemas.microsoft.com/office/drawing/2014/main" id="{63D04C04-F64D-361B-DDB6-52A2056B7058}"/>
+              </a:ext>
+            </a:extLst>
+          </p:cNvPr>
+          <p:cNvSpPr txBox="1"/>
+          <p:nvPr/>
+        </p:nvSpPr>
+        <p:spPr>
+          <a:xfrm>
+            <a:off x="2356757" y="4768220"/>
+            <a:ext cx="4816929" cy="369332"/>
+          </a:xfrm>
+          <a:prstGeom prst="rect">
+            <a:avLst/>
+          </a:prstGeom>
+          <a:noFill/>
+        </p:spPr>
+        <p:txBody>
+          <a:bodyPr wrap="square" rtlCol="0">
+            <a:spAutoFit/>
+          </a:bodyPr>
+          <a:lstStyle/>
+          <a:p>
+            <a:r>
+              <a:rPr lang="it-IT" dirty="0"/>
+              <a:t>Room Climate Dataset (serie multivariată)</a:t>
+            </a:r>
+            <a:endParaRPr lang="ro-RO" dirty="0"/>
+          </a:p>
+        </p:txBody>
+      </p:sp>
+      <p:sp>
+        <p:nvSpPr>
+          <p:cNvPr id="7" name="CasetăText 6">
+            <a:extLst>
+              <a:ext uri="{FF2B5EF4-FFF2-40B4-BE49-F238E27FC236}">
+                <a16:creationId xmlns:a16="http://schemas.microsoft.com/office/drawing/2014/main" id="{60722DFC-A76F-D26C-04A2-3D3AD5C8493A}"/>
+              </a:ext>
+            </a:extLst>
+          </p:cNvPr>
+          <p:cNvSpPr txBox="1"/>
+          <p:nvPr/>
+        </p:nvSpPr>
+        <p:spPr>
+          <a:xfrm>
+            <a:off x="7625443" y="2657090"/>
+            <a:ext cx="2594462" cy="2585323"/>
+          </a:xfrm>
+          <a:prstGeom prst="rect">
+            <a:avLst/>
+          </a:prstGeom>
+          <a:noFill/>
+        </p:spPr>
+        <p:txBody>
+          <a:bodyPr wrap="square">
+            <a:spAutoFit/>
+          </a:bodyPr>
+          <a:lstStyle/>
+          <a:p>
+            <a:r>
+              <a:rPr lang="ro-RO" dirty="0"/>
+              <a:t>8</a:t>
+            </a:r>
+            <a:r>
+              <a:rPr lang="en-US" dirty="0"/>
+              <a:t> </a:t>
+            </a:r>
+            <a:r>
+              <a:rPr lang="ro-RO" dirty="0"/>
+              <a:t>variabile măsurate: </a:t>
+            </a:r>
+            <a:endParaRPr lang="en-US" dirty="0"/>
+          </a:p>
+          <a:p>
+            <a:pPr marL="285750" indent="-285750">
+              <a:buFont typeface="Arial" panose="020B0604020202020204" pitchFamily="34" charset="0"/>
+              <a:buChar char="•"/>
+            </a:pPr>
+            <a:r>
+              <a:rPr lang="ro-RO" dirty="0"/>
+              <a:t>temperatură, </a:t>
+            </a:r>
+            <a:endParaRPr lang="en-US" dirty="0"/>
+          </a:p>
+          <a:p>
+            <a:pPr marL="285750" indent="-285750">
+              <a:buFont typeface="Arial" panose="020B0604020202020204" pitchFamily="34" charset="0"/>
+              <a:buChar char="•"/>
+            </a:pPr>
+            <a:r>
+              <a:rPr lang="ro-RO" dirty="0"/>
+              <a:t>umiditate relativă, </a:t>
+            </a:r>
+            <a:endParaRPr lang="en-US" dirty="0"/>
+          </a:p>
+          <a:p>
+            <a:pPr marL="285750" indent="-285750">
+              <a:buFont typeface="Arial" panose="020B0604020202020204" pitchFamily="34" charset="0"/>
+              <a:buChar char="•"/>
+            </a:pPr>
+            <a:r>
+              <a:rPr lang="ro-RO" dirty="0"/>
+              <a:t>lumină 1, </a:t>
+            </a:r>
+            <a:endParaRPr lang="en-US" dirty="0"/>
+          </a:p>
+          <a:p>
+            <a:pPr marL="285750" indent="-285750">
+              <a:buFont typeface="Arial" panose="020B0604020202020204" pitchFamily="34" charset="0"/>
+              <a:buChar char="•"/>
+            </a:pPr>
+            <a:r>
+              <a:rPr lang="ro-RO" dirty="0"/>
+              <a:t>lumină 2, </a:t>
+            </a:r>
+            <a:endParaRPr lang="en-US" dirty="0"/>
+          </a:p>
+          <a:p>
+            <a:pPr marL="285750" indent="-285750">
+              <a:buFont typeface="Arial" panose="020B0604020202020204" pitchFamily="34" charset="0"/>
+              <a:buChar char="•"/>
+            </a:pPr>
+            <a:r>
+              <a:rPr lang="ro-RO" dirty="0"/>
+              <a:t>ocupare, </a:t>
+            </a:r>
+            <a:endParaRPr lang="en-US" dirty="0"/>
+          </a:p>
+          <a:p>
+            <a:pPr marL="285750" indent="-285750">
+              <a:buFont typeface="Arial" panose="020B0604020202020204" pitchFamily="34" charset="0"/>
+              <a:buChar char="•"/>
+            </a:pPr>
+            <a:r>
+              <a:rPr lang="ro-RO" dirty="0"/>
+              <a:t>activitate, </a:t>
+            </a:r>
+            <a:endParaRPr lang="en-US" dirty="0"/>
+          </a:p>
+          <a:p>
+            <a:pPr marL="285750" indent="-285750">
+              <a:buFont typeface="Arial" panose="020B0604020202020204" pitchFamily="34" charset="0"/>
+              <a:buChar char="•"/>
+            </a:pPr>
+            <a:r>
+              <a:rPr lang="ro-RO" dirty="0"/>
+              <a:t>stare ușă</a:t>
+            </a:r>
+            <a:r>
+              <a:rPr lang="en-US" dirty="0"/>
+              <a:t>,</a:t>
+            </a:r>
+            <a:r>
+              <a:rPr lang="ro-RO" dirty="0"/>
+              <a:t> </a:t>
+            </a:r>
+            <a:endParaRPr lang="en-US" dirty="0"/>
+          </a:p>
+          <a:p>
+            <a:pPr marL="285750" indent="-285750">
+              <a:buFont typeface="Arial" panose="020B0604020202020204" pitchFamily="34" charset="0"/>
+              <a:buChar char="•"/>
+            </a:pPr>
+            <a:r>
+              <a:rPr lang="ro-RO" dirty="0"/>
+              <a:t>stare fereastră.</a:t>
+            </a:r>
+          </a:p>
+        </p:txBody>
+      </p:sp>
+    </p:spTree>
+    <p:extLst>
+      <p:ext uri="{BB962C8B-B14F-4D97-AF65-F5344CB8AC3E}">
+        <p14:creationId xmlns:p14="http://schemas.microsoft.com/office/powerpoint/2010/main" val="1522935005"/>
+      </p:ext>
+    </p:extLst>
+  </p:cSld>
+  <p:clrMapOvr>
+    <a:masterClrMapping/>
+  </p:clrMapOvr>
+</p:sld>
+</file>
+
+<file path=ppt/slides/slide15.xml><?xml version="1.0" encoding="utf-8"?>
+<p:sld xmlns:a="http://schemas.openxmlformats.org/drawingml/2006/main" xmlns:r="http://schemas.openxmlformats.org/officeDocument/2006/relationships" xmlns:p="http://schemas.openxmlformats.org/presentationml/2006/main">
+  <p:cSld>
+    <p:spTree>
+      <p:nvGrpSpPr>
+        <p:cNvPr id="1" name=""/>
+        <p:cNvGrpSpPr/>
+        <p:nvPr/>
+      </p:nvGrpSpPr>
+      <p:grpSpPr>
+        <a:xfrm>
+          <a:off x="0" y="0"/>
+          <a:ext cx="0" cy="0"/>
+          <a:chOff x="0" y="0"/>
+          <a:chExt cx="0" cy="0"/>
+        </a:xfrm>
+      </p:grpSpPr>
+      <p:pic>
+        <p:nvPicPr>
+          <p:cNvPr id="3" name="Imagine 2" descr="O imagine care conține text, Interval, diagramă, captură de ecran&#10;&#10;Conținutul generat de inteligența artificială poate fi incorect.">
+            <a:extLst>
+              <a:ext uri="{FF2B5EF4-FFF2-40B4-BE49-F238E27FC236}">
+                <a16:creationId xmlns:a16="http://schemas.microsoft.com/office/drawing/2014/main" id="{0E01AED9-469A-403C-7601-076170E650F0}"/>
+              </a:ext>
+            </a:extLst>
+          </p:cNvPr>
+          <p:cNvPicPr>
+            <a:picLocks noChangeAspect="1"/>
+          </p:cNvPicPr>
+          <p:nvPr/>
+        </p:nvPicPr>
+        <p:blipFill>
+          <a:blip r:embed="rId2"/>
+          <a:stretch>
+            <a:fillRect/>
+          </a:stretch>
+        </p:blipFill>
+        <p:spPr>
+          <a:xfrm>
+            <a:off x="623123" y="713996"/>
+            <a:ext cx="10945753" cy="5430008"/>
+          </a:xfrm>
+          <a:prstGeom prst="rect">
+            <a:avLst/>
+          </a:prstGeom>
+        </p:spPr>
+      </p:pic>
+    </p:spTree>
+    <p:extLst>
+      <p:ext uri="{BB962C8B-B14F-4D97-AF65-F5344CB8AC3E}">
+        <p14:creationId xmlns:p14="http://schemas.microsoft.com/office/powerpoint/2010/main" val="3114585308"/>
+      </p:ext>
+    </p:extLst>
+  </p:cSld>
+  <p:clrMapOvr>
+    <a:masterClrMapping/>
+  </p:clrMapOvr>
+</p:sld>
+</file>
+
+<file path=ppt/slides/slide16.xml><?xml version="1.0" encoding="utf-8"?>
+<p:sld xmlns:a="http://schemas.openxmlformats.org/drawingml/2006/main" xmlns:r="http://schemas.openxmlformats.org/officeDocument/2006/relationships" xmlns:p="http://schemas.openxmlformats.org/presentationml/2006/main">
+  <p:cSld>
+    <p:spTree>
+      <p:nvGrpSpPr>
+        <p:cNvPr id="1" name=""/>
+        <p:cNvGrpSpPr/>
+        <p:nvPr/>
+      </p:nvGrpSpPr>
+      <p:grpSpPr>
+        <a:xfrm>
+          <a:off x="0" y="0"/>
+          <a:ext cx="0" cy="0"/>
+          <a:chOff x="0" y="0"/>
+          <a:chExt cx="0" cy="0"/>
+        </a:xfrm>
+      </p:grpSpPr>
+      <p:pic>
+        <p:nvPicPr>
+          <p:cNvPr id="3" name="Imagine 2" descr="O imagine care conține text, diagramă, linie, Interval&#10;&#10;Conținutul generat de inteligența artificială poate fi incorect.">
+            <a:extLst>
+              <a:ext uri="{FF2B5EF4-FFF2-40B4-BE49-F238E27FC236}">
+                <a16:creationId xmlns:a16="http://schemas.microsoft.com/office/drawing/2014/main" id="{F540B24A-8544-8786-7482-D37B3274095C}"/>
+              </a:ext>
+            </a:extLst>
+          </p:cNvPr>
+          <p:cNvPicPr>
+            <a:picLocks noChangeAspect="1"/>
+          </p:cNvPicPr>
+          <p:nvPr/>
+        </p:nvPicPr>
+        <p:blipFill>
+          <a:blip r:embed="rId2"/>
+          <a:stretch>
+            <a:fillRect/>
+          </a:stretch>
+        </p:blipFill>
+        <p:spPr>
+          <a:xfrm>
+            <a:off x="1779830" y="594873"/>
+            <a:ext cx="8278380" cy="5420481"/>
+          </a:xfrm>
+          <a:prstGeom prst="rect">
+            <a:avLst/>
+          </a:prstGeom>
+        </p:spPr>
+      </p:pic>
+      <p:pic>
+        <p:nvPicPr>
+          <p:cNvPr id="5" name="Imagine 4">
+            <a:extLst>
+              <a:ext uri="{FF2B5EF4-FFF2-40B4-BE49-F238E27FC236}">
+                <a16:creationId xmlns:a16="http://schemas.microsoft.com/office/drawing/2014/main" id="{A4F02B5A-7B44-D14D-4081-391195200634}"/>
+              </a:ext>
+            </a:extLst>
+          </p:cNvPr>
+          <p:cNvPicPr>
+            <a:picLocks noChangeAspect="1"/>
+          </p:cNvPicPr>
+          <p:nvPr/>
+        </p:nvPicPr>
+        <p:blipFill>
+          <a:blip r:embed="rId3"/>
+          <a:stretch>
+            <a:fillRect/>
+          </a:stretch>
+        </p:blipFill>
+        <p:spPr>
+          <a:xfrm>
+            <a:off x="4051859" y="274025"/>
+            <a:ext cx="3734321" cy="257211"/>
+          </a:xfrm>
+          <a:prstGeom prst="rect">
+            <a:avLst/>
+          </a:prstGeom>
+        </p:spPr>
+      </p:pic>
+    </p:spTree>
+    <p:extLst>
+      <p:ext uri="{BB962C8B-B14F-4D97-AF65-F5344CB8AC3E}">
+        <p14:creationId xmlns:p14="http://schemas.microsoft.com/office/powerpoint/2010/main" val="3009745775"/>
+      </p:ext>
+    </p:extLst>
+  </p:cSld>
+  <p:clrMapOvr>
+    <a:masterClrMapping/>
+  </p:clrMapOvr>
+</p:sld>
+</file>
+
+<file path=ppt/slides/slide17.xml><?xml version="1.0" encoding="utf-8"?>
+<p:sld xmlns:a="http://schemas.openxmlformats.org/drawingml/2006/main" xmlns:r="http://schemas.openxmlformats.org/officeDocument/2006/relationships" xmlns:p="http://schemas.openxmlformats.org/presentationml/2006/main">
+  <p:cSld>
+    <p:spTree>
+      <p:nvGrpSpPr>
+        <p:cNvPr id="1" name=""/>
+        <p:cNvGrpSpPr/>
+        <p:nvPr/>
+      </p:nvGrpSpPr>
+      <p:grpSpPr>
+        <a:xfrm>
+          <a:off x="0" y="0"/>
+          <a:ext cx="0" cy="0"/>
+          <a:chOff x="0" y="0"/>
+          <a:chExt cx="0" cy="0"/>
+        </a:xfrm>
+      </p:grpSpPr>
+      <p:pic>
+        <p:nvPicPr>
+          <p:cNvPr id="3" name="Imagine 2" descr="O imagine care conține text, linie, captură de ecran, Interval&#10;&#10;Conținutul generat de inteligența artificială poate fi incorect.">
+            <a:extLst>
+              <a:ext uri="{FF2B5EF4-FFF2-40B4-BE49-F238E27FC236}">
+                <a16:creationId xmlns:a16="http://schemas.microsoft.com/office/drawing/2014/main" id="{83AF4238-42AE-E4FA-6410-F5F10C94D9BB}"/>
+              </a:ext>
+            </a:extLst>
+          </p:cNvPr>
+          <p:cNvPicPr>
+            <a:picLocks noChangeAspect="1"/>
+          </p:cNvPicPr>
+          <p:nvPr/>
+        </p:nvPicPr>
+        <p:blipFill>
+          <a:blip r:embed="rId2"/>
+          <a:stretch>
+            <a:fillRect/>
+          </a:stretch>
+        </p:blipFill>
+        <p:spPr>
+          <a:xfrm>
+            <a:off x="1909178" y="2090550"/>
+            <a:ext cx="8373644" cy="2676899"/>
+          </a:xfrm>
+          <a:prstGeom prst="rect">
+            <a:avLst/>
+          </a:prstGeom>
+        </p:spPr>
+      </p:pic>
+    </p:spTree>
+    <p:extLst>
+      <p:ext uri="{BB962C8B-B14F-4D97-AF65-F5344CB8AC3E}">
+        <p14:creationId xmlns:p14="http://schemas.microsoft.com/office/powerpoint/2010/main" val="2423631058"/>
+      </p:ext>
+    </p:extLst>
+  </p:cSld>
+  <p:clrMapOvr>
+    <a:masterClrMapping/>
+  </p:clrMapOvr>
+</p:sld>
+</file>
+
+<file path=ppt/slides/slide18.xml><?xml version="1.0" encoding="utf-8"?>
+<p:sld xmlns:a="http://schemas.openxmlformats.org/drawingml/2006/main" xmlns:r="http://schemas.openxmlformats.org/officeDocument/2006/relationships" xmlns:p="http://schemas.openxmlformats.org/presentationml/2006/main">
+  <p:cSld>
+    <p:spTree>
+      <p:nvGrpSpPr>
+        <p:cNvPr id="1" name=""/>
+        <p:cNvGrpSpPr/>
+        <p:nvPr/>
+      </p:nvGrpSpPr>
+      <p:grpSpPr>
+        <a:xfrm>
+          <a:off x="0" y="0"/>
+          <a:ext cx="0" cy="0"/>
+          <a:chOff x="0" y="0"/>
+          <a:chExt cx="0" cy="0"/>
+        </a:xfrm>
+      </p:grpSpPr>
+      <p:sp>
+        <p:nvSpPr>
+          <p:cNvPr id="2" name="Titlu 1">
+            <a:extLst>
+              <a:ext uri="{FF2B5EF4-FFF2-40B4-BE49-F238E27FC236}">
+                <a16:creationId xmlns:a16="http://schemas.microsoft.com/office/drawing/2014/main" id="{C49376A1-B410-0DD5-1415-FD2D5C79EDF1}"/>
+              </a:ext>
+            </a:extLst>
+          </p:cNvPr>
+          <p:cNvSpPr>
+            <a:spLocks noGrp="1"/>
+          </p:cNvSpPr>
+          <p:nvPr>
+            <p:ph type="title"/>
+          </p:nvPr>
+        </p:nvSpPr>
+        <p:spPr/>
+        <p:txBody>
+          <a:bodyPr/>
+          <a:lstStyle/>
+          <a:p>
+            <a:r>
+              <a:rPr lang="en-US" dirty="0" err="1"/>
+              <a:t>Metrici</a:t>
+            </a:r>
+            <a:r>
+              <a:rPr lang="en-US" dirty="0"/>
+              <a:t> de </a:t>
+            </a:r>
+            <a:r>
+              <a:rPr lang="en-US" dirty="0" err="1"/>
+              <a:t>evaluare</a:t>
+            </a:r>
+            <a:endParaRPr lang="ro-RO" dirty="0"/>
+          </a:p>
+        </p:txBody>
+      </p:sp>
+      <p:pic>
+        <p:nvPicPr>
+          <p:cNvPr id="4" name="Imagine 3" descr="O imagine care conține text, captură de ecran, Font, document&#10;&#10;Conținutul generat de inteligența artificială poate fi incorect.">
+            <a:extLst>
+              <a:ext uri="{FF2B5EF4-FFF2-40B4-BE49-F238E27FC236}">
+                <a16:creationId xmlns:a16="http://schemas.microsoft.com/office/drawing/2014/main" id="{4C776A99-9E2A-CBBD-8B1D-4A9289618F99}"/>
+              </a:ext>
+            </a:extLst>
+          </p:cNvPr>
+          <p:cNvPicPr>
+            <a:picLocks noChangeAspect="1"/>
+          </p:cNvPicPr>
+          <p:nvPr/>
+        </p:nvPicPr>
+        <p:blipFill>
+          <a:blip r:embed="rId2"/>
+          <a:stretch>
+            <a:fillRect/>
+          </a:stretch>
+        </p:blipFill>
+        <p:spPr>
+          <a:xfrm>
+            <a:off x="1665775" y="1919645"/>
+            <a:ext cx="8707065" cy="3667637"/>
+          </a:xfrm>
+          <a:prstGeom prst="rect">
+            <a:avLst/>
+          </a:prstGeom>
+        </p:spPr>
+      </p:pic>
+      <p:sp>
+        <p:nvSpPr>
+          <p:cNvPr id="5" name="Dreptunghi 4">
+            <a:extLst>
+              <a:ext uri="{FF2B5EF4-FFF2-40B4-BE49-F238E27FC236}">
+                <a16:creationId xmlns:a16="http://schemas.microsoft.com/office/drawing/2014/main" id="{730DC7AA-B515-B9EF-5608-67F9647F8D7A}"/>
+              </a:ext>
+            </a:extLst>
+          </p:cNvPr>
+          <p:cNvSpPr/>
+          <p:nvPr/>
+        </p:nvSpPr>
+        <p:spPr>
+          <a:xfrm>
+            <a:off x="9274629" y="3526972"/>
+            <a:ext cx="1212511" cy="2198914"/>
+          </a:xfrm>
+          <a:prstGeom prst="rect">
+            <a:avLst/>
+          </a:prstGeom>
+          <a:solidFill>
+            <a:schemeClr val="bg1"/>
+          </a:solidFill>
+          <a:ln>
+            <a:solidFill>
+              <a:schemeClr val="bg1"/>
+            </a:solidFill>
+          </a:ln>
+        </p:spPr>
+        <p:style>
+          <a:lnRef idx="2">
+            <a:schemeClr val="accent1">
+              <a:shade val="15000"/>
+            </a:schemeClr>
+          </a:lnRef>
+          <a:fillRef idx="1">
+            <a:schemeClr val="accent1"/>
+          </a:fillRef>
+          <a:effectRef idx="0">
+            <a:schemeClr val="accent1"/>
+          </a:effectRef>
+          <a:fontRef idx="minor">
+            <a:schemeClr val="lt1"/>
+          </a:fontRef>
+        </p:style>
+        <p:txBody>
+          <a:bodyPr rtlCol="0" anchor="ctr"/>
+          <a:lstStyle/>
+          <a:p>
+            <a:pPr algn="ctr"/>
+            <a:endParaRPr lang="ro-RO"/>
+          </a:p>
+        </p:txBody>
+      </p:sp>
+    </p:spTree>
+    <p:extLst>
+      <p:ext uri="{BB962C8B-B14F-4D97-AF65-F5344CB8AC3E}">
+        <p14:creationId xmlns:p14="http://schemas.microsoft.com/office/powerpoint/2010/main" val="913954254"/>
+      </p:ext>
+    </p:extLst>
+  </p:cSld>
+  <p:clrMapOvr>
+    <a:masterClrMapping/>
+  </p:clrMapOvr>
+</p:sld>
+</file>
+
+<file path=ppt/slides/slide19.xml><?xml version="1.0" encoding="utf-8"?>
+<p:sld xmlns:a="http://schemas.openxmlformats.org/drawingml/2006/main" xmlns:r="http://schemas.openxmlformats.org/officeDocument/2006/relationships" xmlns:p="http://schemas.openxmlformats.org/presentationml/2006/main">
+  <p:cSld>
+    <p:spTree>
+      <p:nvGrpSpPr>
+        <p:cNvPr id="1" name=""/>
+        <p:cNvGrpSpPr/>
+        <p:nvPr/>
+      </p:nvGrpSpPr>
+      <p:grpSpPr>
+        <a:xfrm>
+          <a:off x="0" y="0"/>
+          <a:ext cx="0" cy="0"/>
+          <a:chOff x="0" y="0"/>
+          <a:chExt cx="0" cy="0"/>
+        </a:xfrm>
+      </p:grpSpPr>
+      <p:pic>
+        <p:nvPicPr>
+          <p:cNvPr id="3" name="Imagine 2" descr="O imagine care conține text, Font, captură de ecran, număr&#10;&#10;Conținutul generat de inteligența artificială poate fi incorect.">
+            <a:extLst>
+              <a:ext uri="{FF2B5EF4-FFF2-40B4-BE49-F238E27FC236}">
+                <a16:creationId xmlns:a16="http://schemas.microsoft.com/office/drawing/2014/main" id="{A6167553-C645-9B3B-7C7F-59F8BBA2BDEE}"/>
+              </a:ext>
+            </a:extLst>
+          </p:cNvPr>
+          <p:cNvPicPr>
+            <a:picLocks noChangeAspect="1"/>
+          </p:cNvPicPr>
+          <p:nvPr/>
+        </p:nvPicPr>
+        <p:blipFill>
+          <a:blip r:embed="rId2"/>
+          <a:stretch>
+            <a:fillRect/>
+          </a:stretch>
+        </p:blipFill>
+        <p:spPr>
+          <a:xfrm>
+            <a:off x="1637678" y="2504946"/>
+            <a:ext cx="8916644" cy="1848108"/>
+          </a:xfrm>
+          <a:prstGeom prst="rect">
+            <a:avLst/>
+          </a:prstGeom>
+        </p:spPr>
+      </p:pic>
+      <p:sp>
+        <p:nvSpPr>
+          <p:cNvPr id="4" name="CasetăText 3">
+            <a:extLst>
+              <a:ext uri="{FF2B5EF4-FFF2-40B4-BE49-F238E27FC236}">
+                <a16:creationId xmlns:a16="http://schemas.microsoft.com/office/drawing/2014/main" id="{0B1A07F6-260C-0EDA-AC6F-980EE838EDDB}"/>
+              </a:ext>
+            </a:extLst>
+          </p:cNvPr>
+          <p:cNvSpPr txBox="1"/>
+          <p:nvPr/>
+        </p:nvSpPr>
+        <p:spPr>
+          <a:xfrm>
+            <a:off x="4337992" y="1485865"/>
+            <a:ext cx="3516016" cy="523220"/>
+          </a:xfrm>
+          <a:prstGeom prst="rect">
+            <a:avLst/>
+          </a:prstGeom>
+          <a:noFill/>
+        </p:spPr>
+        <p:txBody>
+          <a:bodyPr wrap="square" rtlCol="0">
+            <a:spAutoFit/>
+          </a:bodyPr>
+          <a:lstStyle/>
+          <a:p>
+            <a:pPr algn="ctr"/>
+            <a:r>
+              <a:rPr lang="ro-RO" sz="2800" b="1" dirty="0">
+                <a:solidFill>
+                  <a:srgbClr val="C00000"/>
+                </a:solidFill>
+              </a:rPr>
+              <a:t>Comparație globală</a:t>
+            </a:r>
+          </a:p>
+        </p:txBody>
+      </p:sp>
+    </p:spTree>
+    <p:extLst>
+      <p:ext uri="{BB962C8B-B14F-4D97-AF65-F5344CB8AC3E}">
+        <p14:creationId xmlns:p14="http://schemas.microsoft.com/office/powerpoint/2010/main" val="1546874375"/>
       </p:ext>
     </p:extLst>
   </p:cSld>
@@ -4023,230 +6444,381 @@
           <a:lstStyle/>
           <a:p>
             <a:r>
-              <a:rPr lang="en-US" dirty="0" err="1"/>
-              <a:t>Introducere</a:t>
-            </a:r>
-            <a:r>
               <a:rPr lang="en-US" dirty="0"/>
-              <a:t> </a:t>
-            </a:r>
-            <a:r>
-              <a:rPr lang="en-US" dirty="0" err="1"/>
-              <a:t>și</a:t>
-            </a:r>
-            <a:r>
-              <a:rPr lang="en-US" dirty="0"/>
-              <a:t> Context</a:t>
-            </a:r>
-          </a:p>
-        </p:txBody>
-      </p:sp>
-      <p:sp>
-        <p:nvSpPr>
-          <p:cNvPr id="3" name="Content Placeholder 2">
-            <a:extLst>
-              <a:ext uri="{FF2B5EF4-FFF2-40B4-BE49-F238E27FC236}">
-                <a16:creationId xmlns:a16="http://schemas.microsoft.com/office/drawing/2014/main" id="{DD89871D-86C0-D18F-DF07-EEA0D446C3B5}"/>
-              </a:ext>
-            </a:extLst>
-          </p:cNvPr>
-          <p:cNvSpPr>
-            <a:spLocks noGrp="1"/>
-          </p:cNvSpPr>
-          <p:nvPr>
-            <p:ph idx="1"/>
-          </p:nvPr>
-        </p:nvSpPr>
-        <p:spPr>
-          <a:xfrm>
-            <a:off x="1097280" y="1845734"/>
-            <a:ext cx="10058400" cy="4023360"/>
-          </a:xfrm>
-        </p:spPr>
-        <p:txBody>
-          <a:bodyPr>
-            <a:normAutofit/>
+              <a:t>Abstract</a:t>
+            </a:r>
+          </a:p>
+        </p:txBody>
+      </p:sp>
+      <p:sp>
+        <p:nvSpPr>
+          <p:cNvPr id="6" name="CasetăText 5">
+            <a:extLst>
+              <a:ext uri="{FF2B5EF4-FFF2-40B4-BE49-F238E27FC236}">
+                <a16:creationId xmlns:a16="http://schemas.microsoft.com/office/drawing/2014/main" id="{F94ABF2B-58B9-6051-6BD6-FD5D15518FDE}"/>
+              </a:ext>
+            </a:extLst>
+          </p:cNvPr>
+          <p:cNvSpPr txBox="1"/>
+          <p:nvPr/>
+        </p:nvSpPr>
+        <p:spPr>
+          <a:xfrm>
+            <a:off x="1097279" y="1910442"/>
+            <a:ext cx="8852263" cy="1477328"/>
+          </a:xfrm>
+          <a:prstGeom prst="rect">
+            <a:avLst/>
+          </a:prstGeom>
+          <a:noFill/>
+        </p:spPr>
+        <p:txBody>
+          <a:bodyPr wrap="square" rtlCol="0">
+            <a:spAutoFit/>
           </a:bodyPr>
           <a:lstStyle/>
           <a:p>
-            <a:endParaRPr lang="en-US" sz="1800" b="1" dirty="0"/>
-          </a:p>
-          <a:p>
-            <a:endParaRPr lang="en-US" sz="1800" b="1" dirty="0"/>
-          </a:p>
-          <a:p>
-            <a:pPr>
+            <a:r>
+              <a:rPr lang="ro-RO" b="1" dirty="0"/>
+              <a:t>Problema:</a:t>
+            </a:r>
+            <a:endParaRPr lang="ro-RO" dirty="0"/>
+          </a:p>
+          <a:p>
+            <a:pPr marL="285750" indent="-285750">
               <a:buFont typeface="Arial" panose="020B0604020202020204" pitchFamily="34" charset="0"/>
               <a:buChar char="•"/>
             </a:pPr>
             <a:r>
-              <a:rPr lang="en-US" sz="1800" b="1" dirty="0" err="1"/>
-              <a:t>Problema</a:t>
-            </a:r>
-            <a:r>
-              <a:rPr lang="en-US" sz="1800" b="1" dirty="0"/>
-              <a:t>:</a:t>
-            </a:r>
-            <a:r>
-              <a:rPr lang="en-US" sz="1800" dirty="0"/>
-              <a:t> </a:t>
-            </a:r>
-            <a:r>
-              <a:rPr lang="en-US" sz="1800" dirty="0" err="1"/>
-              <a:t>Volumul</a:t>
-            </a:r>
-            <a:r>
-              <a:rPr lang="en-US" sz="1800" dirty="0"/>
-              <a:t> </a:t>
-            </a:r>
-            <a:r>
-              <a:rPr lang="en-US" sz="1800" dirty="0" err="1"/>
-              <a:t>masiv</a:t>
-            </a:r>
-            <a:r>
-              <a:rPr lang="en-US" sz="1800" dirty="0"/>
-              <a:t> de date generate </a:t>
-            </a:r>
-            <a:r>
-              <a:rPr lang="en-US" sz="1800" dirty="0" err="1"/>
-              <a:t>zilnic</a:t>
-            </a:r>
-            <a:r>
-              <a:rPr lang="en-US" sz="1800" dirty="0"/>
-              <a:t>(CPU usage, </a:t>
-            </a:r>
-            <a:r>
-              <a:rPr lang="en-US" sz="1800" dirty="0" err="1"/>
-              <a:t>temperaturi</a:t>
-            </a:r>
-            <a:r>
-              <a:rPr lang="en-US" sz="1800" dirty="0"/>
-              <a:t>, Twitter metrics, etc.)</a:t>
-            </a:r>
-          </a:p>
-          <a:p>
-            <a:pPr>
+              <a:rPr lang="ro-RO" dirty="0"/>
+              <a:t>Sistemele de monitorizare </a:t>
+            </a:r>
+            <a:r>
+              <a:rPr lang="en-US" dirty="0"/>
+              <a:t>-&gt; </a:t>
+            </a:r>
+            <a:r>
+              <a:rPr lang="ro-RO" dirty="0"/>
+              <a:t>volume masive de date</a:t>
+            </a:r>
+          </a:p>
+          <a:p>
+            <a:pPr marL="285750" indent="-285750">
               <a:buFont typeface="Arial" panose="020B0604020202020204" pitchFamily="34" charset="0"/>
               <a:buChar char="•"/>
             </a:pPr>
             <a:r>
-              <a:rPr lang="en-US" sz="1800" b="1" dirty="0" err="1"/>
-              <a:t>Necesitate</a:t>
-            </a:r>
-            <a:r>
-              <a:rPr lang="en-US" sz="1800" b="1" dirty="0"/>
-              <a:t>:</a:t>
-            </a:r>
-            <a:r>
-              <a:rPr lang="en-US" sz="1800" dirty="0"/>
+              <a:rPr lang="ro-RO" dirty="0"/>
+              <a:t>Facebook: 12 milioane </a:t>
+            </a:r>
+            <a:r>
+              <a:rPr lang="en-US" dirty="0"/>
+              <a:t>datapoints</a:t>
+            </a:r>
+            <a:r>
+              <a:rPr lang="ro-RO" dirty="0"/>
+              <a:t>/s</a:t>
+            </a:r>
+            <a:r>
+              <a:rPr lang="en-US" dirty="0"/>
+              <a:t> -&gt;</a:t>
+            </a:r>
+            <a:r>
+              <a:rPr lang="ro-RO" dirty="0"/>
+              <a:t> 16 TB </a:t>
+            </a:r>
+            <a:r>
+              <a:rPr lang="ro-RO" b="1" dirty="0"/>
+              <a:t>RAM</a:t>
+            </a:r>
+            <a:r>
+              <a:rPr lang="ro-RO" dirty="0"/>
               <a:t> </a:t>
             </a:r>
             <a:r>
-              <a:rPr lang="en-US" sz="1800" dirty="0" err="1"/>
-              <a:t>Stocarea</a:t>
-            </a:r>
-            <a:r>
-              <a:rPr lang="en-US" sz="1800" dirty="0"/>
-              <a:t> </a:t>
-            </a:r>
-            <a:r>
-              <a:rPr lang="en-US" sz="1800" dirty="0" err="1"/>
-              <a:t>eficientă</a:t>
-            </a:r>
-            <a:r>
-              <a:rPr lang="en-US" sz="1800" dirty="0"/>
-              <a:t> </a:t>
-            </a:r>
-            <a:r>
-              <a:rPr lang="en-US" sz="1800" dirty="0" err="1"/>
-              <a:t>în</a:t>
-            </a:r>
-            <a:r>
-              <a:rPr lang="en-US" sz="1800" dirty="0"/>
-              <a:t> </a:t>
-            </a:r>
-            <a:r>
-              <a:rPr lang="en-US" sz="1800" dirty="0" err="1"/>
-              <a:t>timp</a:t>
-            </a:r>
-            <a:r>
-              <a:rPr lang="en-US" sz="1800" dirty="0"/>
-              <a:t> real (TSDB - Time Series Databases).</a:t>
-            </a:r>
-          </a:p>
-          <a:p>
-            <a:pPr>
+              <a:rPr lang="ro-RO" dirty="0" err="1"/>
+              <a:t>zilni</a:t>
+            </a:r>
+            <a:r>
+              <a:rPr lang="en-US" dirty="0"/>
+              <a:t>c</a:t>
+            </a:r>
+            <a:endParaRPr lang="ro-RO" dirty="0"/>
+          </a:p>
+          <a:p>
+            <a:pPr marL="285750" indent="-285750">
               <a:buFont typeface="Arial" panose="020B0604020202020204" pitchFamily="34" charset="0"/>
               <a:buChar char="•"/>
             </a:pPr>
             <a:r>
-              <a:rPr lang="en-US" sz="1800" b="1" dirty="0" err="1"/>
-              <a:t>Soluția</a:t>
-            </a:r>
-            <a:r>
-              <a:rPr lang="en-US" sz="1800" b="1" dirty="0"/>
-              <a:t>:</a:t>
-            </a:r>
-            <a:r>
-              <a:rPr lang="en-US" sz="1800" dirty="0"/>
-              <a:t> </a:t>
-            </a:r>
-            <a:r>
-              <a:rPr lang="en-US" sz="1800" dirty="0" err="1"/>
-              <a:t>Algoritmul</a:t>
-            </a:r>
-            <a:r>
-              <a:rPr lang="en-US" sz="1800" dirty="0"/>
-              <a:t> Gorilla (</a:t>
-            </a:r>
-            <a:r>
-              <a:rPr lang="en-US" sz="1800" dirty="0" err="1"/>
-              <a:t>creat</a:t>
-            </a:r>
-            <a:r>
-              <a:rPr lang="en-US" sz="1800" dirty="0"/>
-              <a:t> de Facebook) </a:t>
-            </a:r>
-            <a:r>
-              <a:rPr lang="en-US" sz="1800" dirty="0" err="1"/>
-              <a:t>pentru</a:t>
-            </a:r>
-            <a:r>
-              <a:rPr lang="en-US" sz="1800" dirty="0"/>
-              <a:t> </a:t>
-            </a:r>
-            <a:r>
-              <a:rPr lang="en-US" sz="1800" dirty="0" err="1"/>
-              <a:t>compresia</a:t>
-            </a:r>
-            <a:r>
-              <a:rPr lang="en-US" sz="1800" dirty="0"/>
-              <a:t> </a:t>
-            </a:r>
-            <a:r>
-              <a:rPr lang="en-US" sz="1800" dirty="0" err="1"/>
-              <a:t>valorilor</a:t>
-            </a:r>
-            <a:r>
-              <a:rPr lang="en-US" sz="1800" dirty="0"/>
-              <a:t> float64 </a:t>
-            </a:r>
-            <a:r>
-              <a:rPr lang="en-US" sz="1800" dirty="0" err="1"/>
-              <a:t>fără</a:t>
-            </a:r>
-            <a:r>
-              <a:rPr lang="en-US" sz="1800" dirty="0"/>
-              <a:t> </a:t>
-            </a:r>
-            <a:r>
-              <a:rPr lang="en-US" sz="1800" dirty="0" err="1"/>
-              <a:t>pierderi</a:t>
-            </a:r>
-            <a:r>
-              <a:rPr lang="en-US" sz="1800" dirty="0"/>
-              <a:t> (lossless).</a:t>
-            </a:r>
+              <a:rPr lang="ro-RO" dirty="0"/>
+              <a:t>Stocare naivă: 16 </a:t>
+            </a:r>
+            <a:r>
+              <a:rPr lang="ro-RO" dirty="0" err="1"/>
+              <a:t>bytes</a:t>
+            </a:r>
+            <a:r>
+              <a:rPr lang="ro-RO" dirty="0"/>
+              <a:t>/</a:t>
+            </a:r>
+            <a:r>
+              <a:rPr lang="en-US" dirty="0"/>
+              <a:t>datapoint</a:t>
+            </a:r>
+            <a:r>
+              <a:rPr lang="ro-RO" dirty="0"/>
+              <a:t> (8 </a:t>
+            </a:r>
+            <a:r>
+              <a:rPr lang="ro-RO" dirty="0" err="1"/>
+              <a:t>timestamp</a:t>
+            </a:r>
+            <a:r>
+              <a:rPr lang="ro-RO" dirty="0"/>
+              <a:t> + 8 valoare)</a:t>
+            </a:r>
+          </a:p>
+          <a:p>
+            <a:endParaRPr lang="ro-RO" dirty="0"/>
+          </a:p>
+        </p:txBody>
+      </p:sp>
+      <p:sp>
+        <p:nvSpPr>
+          <p:cNvPr id="7" name="CasetăText 6">
+            <a:extLst>
+              <a:ext uri="{FF2B5EF4-FFF2-40B4-BE49-F238E27FC236}">
+                <a16:creationId xmlns:a16="http://schemas.microsoft.com/office/drawing/2014/main" id="{5D1F415E-B99A-D040-B28B-EB93E8D6B58F}"/>
+              </a:ext>
+            </a:extLst>
+          </p:cNvPr>
+          <p:cNvSpPr txBox="1"/>
+          <p:nvPr/>
+        </p:nvSpPr>
+        <p:spPr>
+          <a:xfrm>
+            <a:off x="1097279" y="3164861"/>
+            <a:ext cx="5627914" cy="923330"/>
+          </a:xfrm>
+          <a:prstGeom prst="rect">
+            <a:avLst/>
+          </a:prstGeom>
+          <a:noFill/>
+        </p:spPr>
+        <p:txBody>
+          <a:bodyPr wrap="square" rtlCol="0">
+            <a:spAutoFit/>
+          </a:bodyPr>
+          <a:lstStyle/>
+          <a:p>
+            <a:r>
+              <a:rPr lang="ro-RO" b="1" dirty="0"/>
+              <a:t>Soluția propusă:</a:t>
+            </a:r>
+            <a:endParaRPr lang="ro-RO" dirty="0"/>
+          </a:p>
+          <a:p>
+            <a:pPr marL="285750" indent="-285750">
+              <a:buFont typeface="Arial" panose="020B0604020202020204" pitchFamily="34" charset="0"/>
+              <a:buChar char="•"/>
+            </a:pPr>
+            <a:r>
+              <a:rPr lang="ro-RO" dirty="0" err="1"/>
+              <a:t>Gorilla</a:t>
+            </a:r>
+            <a:r>
+              <a:rPr lang="ro-RO" dirty="0"/>
+              <a:t> (Facebook, 2015)</a:t>
+            </a:r>
+          </a:p>
+          <a:p>
+            <a:endParaRPr lang="ro-RO" dirty="0"/>
+          </a:p>
+        </p:txBody>
+      </p:sp>
+      <p:sp>
+        <p:nvSpPr>
+          <p:cNvPr id="8" name="CasetăText 7">
+            <a:extLst>
+              <a:ext uri="{FF2B5EF4-FFF2-40B4-BE49-F238E27FC236}">
+                <a16:creationId xmlns:a16="http://schemas.microsoft.com/office/drawing/2014/main" id="{F071521E-70FF-6982-FF2A-27AD63142C69}"/>
+              </a:ext>
+            </a:extLst>
+          </p:cNvPr>
+          <p:cNvSpPr txBox="1"/>
+          <p:nvPr/>
+        </p:nvSpPr>
+        <p:spPr>
+          <a:xfrm>
+            <a:off x="1097279" y="4013093"/>
+            <a:ext cx="5355771" cy="923330"/>
+          </a:xfrm>
+          <a:prstGeom prst="rect">
+            <a:avLst/>
+          </a:prstGeom>
+          <a:noFill/>
+        </p:spPr>
+        <p:txBody>
+          <a:bodyPr wrap="square" rtlCol="0">
+            <a:spAutoFit/>
+          </a:bodyPr>
+          <a:lstStyle/>
+          <a:p>
+            <a:r>
+              <a:rPr lang="ro-RO" b="1" dirty="0"/>
+              <a:t>Contribuție originală: </a:t>
+            </a:r>
+            <a:endParaRPr lang="en-US" b="1" dirty="0"/>
+          </a:p>
+          <a:p>
+            <a:pPr marL="285750" indent="-285750">
+              <a:spcBef>
+                <a:spcPts val="0"/>
+              </a:spcBef>
+              <a:spcAft>
+                <a:spcPts val="0"/>
+              </a:spcAft>
+              <a:buFont typeface="Arial" panose="020B0604020202020204" pitchFamily="34" charset="0"/>
+              <a:buChar char="•"/>
+            </a:pPr>
+            <a:r>
+              <a:rPr lang="ro-RO" dirty="0"/>
+              <a:t>Optimizarea condiției de refolosire a ferestrei XOR</a:t>
+            </a:r>
+          </a:p>
+          <a:p>
+            <a:endParaRPr lang="ro-RO" dirty="0"/>
+          </a:p>
+        </p:txBody>
+      </p:sp>
+      <p:sp>
+        <p:nvSpPr>
+          <p:cNvPr id="9" name="CasetăText 8">
+            <a:extLst>
+              <a:ext uri="{FF2B5EF4-FFF2-40B4-BE49-F238E27FC236}">
+                <a16:creationId xmlns:a16="http://schemas.microsoft.com/office/drawing/2014/main" id="{3E554127-5090-2162-6622-B5F5DFAF391D}"/>
+              </a:ext>
+            </a:extLst>
+          </p:cNvPr>
+          <p:cNvSpPr txBox="1"/>
+          <p:nvPr/>
+        </p:nvSpPr>
+        <p:spPr>
+          <a:xfrm>
+            <a:off x="1097279" y="4713514"/>
+            <a:ext cx="10276114" cy="1477328"/>
+          </a:xfrm>
+          <a:prstGeom prst="rect">
+            <a:avLst/>
+          </a:prstGeom>
+          <a:noFill/>
+        </p:spPr>
+        <p:txBody>
+          <a:bodyPr wrap="square" rtlCol="0">
+            <a:spAutoFit/>
+          </a:bodyPr>
+          <a:lstStyle/>
+          <a:p>
+            <a:pPr>
+              <a:spcBef>
+                <a:spcPts val="0"/>
+              </a:spcBef>
+              <a:spcAft>
+                <a:spcPts val="0"/>
+              </a:spcAft>
+            </a:pPr>
+            <a:r>
+              <a:rPr lang="ro-RO" b="1" dirty="0"/>
+              <a:t>Rezultate:</a:t>
+            </a:r>
+          </a:p>
+          <a:p>
+            <a:pPr marL="285750" indent="-285750">
+              <a:spcBef>
+                <a:spcPts val="0"/>
+              </a:spcBef>
+              <a:spcAft>
+                <a:spcPts val="0"/>
+              </a:spcAft>
+              <a:buFont typeface="Arial" panose="020B0604020202020204" pitchFamily="34" charset="0"/>
+              <a:buChar char="•"/>
+            </a:pPr>
+            <a:r>
+              <a:rPr lang="ro-RO" dirty="0"/>
+              <a:t>Compresie </a:t>
+            </a:r>
+            <a:r>
+              <a:rPr lang="ro-RO" b="1" dirty="0">
+                <a:solidFill>
+                  <a:srgbClr val="C00000"/>
+                </a:solidFill>
+              </a:rPr>
+              <a:t>55-85%</a:t>
+            </a:r>
+            <a:r>
+              <a:rPr lang="ro-RO" dirty="0"/>
+              <a:t> față de stocare naivă</a:t>
+            </a:r>
+          </a:p>
+          <a:p>
+            <a:pPr marL="285750" indent="-285750">
+              <a:spcBef>
+                <a:spcPts val="0"/>
+              </a:spcBef>
+              <a:spcAft>
+                <a:spcPts val="0"/>
+              </a:spcAft>
+              <a:buFont typeface="Arial" panose="020B0604020202020204" pitchFamily="34" charset="0"/>
+              <a:buChar char="•"/>
+            </a:pPr>
+            <a:r>
+              <a:rPr lang="ro-RO" dirty="0"/>
+              <a:t>Îmbunătățire suplimentară </a:t>
+            </a:r>
+            <a:r>
+              <a:rPr lang="ro-RO" b="1" dirty="0">
+                <a:solidFill>
+                  <a:srgbClr val="C00000"/>
+                </a:solidFill>
+              </a:rPr>
+              <a:t>0.68%-7.14% </a:t>
+            </a:r>
+            <a:r>
+              <a:rPr lang="ro-RO" dirty="0"/>
+              <a:t>cu optimizarea noastră</a:t>
+            </a:r>
+          </a:p>
+          <a:p>
+            <a:pPr marL="285750" indent="-285750">
+              <a:spcBef>
+                <a:spcPts val="0"/>
+              </a:spcBef>
+              <a:spcAft>
+                <a:spcPts val="0"/>
+              </a:spcAft>
+              <a:buFont typeface="Arial" panose="020B0604020202020204" pitchFamily="34" charset="0"/>
+              <a:buChar char="•"/>
+            </a:pPr>
+            <a:r>
+              <a:rPr lang="ro-RO" dirty="0"/>
+              <a:t>Compresie </a:t>
+            </a:r>
+            <a:r>
+              <a:rPr lang="ro-RO" b="1" dirty="0" err="1">
+                <a:solidFill>
+                  <a:srgbClr val="C00000"/>
+                </a:solidFill>
+              </a:rPr>
+              <a:t>lossless</a:t>
+            </a:r>
+            <a:r>
+              <a:rPr lang="ro-RO" dirty="0"/>
+              <a:t> (bit-perfect)</a:t>
+            </a:r>
+          </a:p>
+          <a:p>
+            <a:endParaRPr lang="ro-RO" dirty="0"/>
           </a:p>
         </p:txBody>
       </p:sp>
@@ -4263,7 +6835,7 @@
 </p:sld>
 </file>
 
-<file path=ppt/slides/slide3.xml><?xml version="1.0" encoding="utf-8"?>
+<file path=ppt/slides/slide20.xml><?xml version="1.0" encoding="utf-8"?>
 <p:sld xmlns:a="http://schemas.openxmlformats.org/drawingml/2006/main" xmlns:r="http://schemas.openxmlformats.org/officeDocument/2006/relationships" xmlns:p="http://schemas.openxmlformats.org/presentationml/2006/main">
   <p:cSld>
     <p:spTree>
@@ -4280,12 +6852,507 @@
           <a:chExt cx="0" cy="0"/>
         </a:xfrm>
       </p:grpSpPr>
-      <p:sp>
-        <p:nvSpPr>
-          <p:cNvPr id="2" name="Title 1">
-            <a:extLst>
-              <a:ext uri="{FF2B5EF4-FFF2-40B4-BE49-F238E27FC236}">
-                <a16:creationId xmlns:a16="http://schemas.microsoft.com/office/drawing/2014/main" id="{808A4246-B9CB-532E-844A-0DFC9E168A07}"/>
+      <p:pic>
+        <p:nvPicPr>
+          <p:cNvPr id="3" name="Imagine 2" descr="O imagine care conține text, captură de ecran, Font, număr&#10;&#10;Conținutul generat de inteligența artificială poate fi incorect.">
+            <a:extLst>
+              <a:ext uri="{FF2B5EF4-FFF2-40B4-BE49-F238E27FC236}">
+                <a16:creationId xmlns:a16="http://schemas.microsoft.com/office/drawing/2014/main" id="{C543E07C-9AB5-D35B-FD96-70BE2B6DD185}"/>
+              </a:ext>
+            </a:extLst>
+          </p:cNvPr>
+          <p:cNvPicPr>
+            <a:picLocks noChangeAspect="1"/>
+          </p:cNvPicPr>
+          <p:nvPr/>
+        </p:nvPicPr>
+        <p:blipFill>
+          <a:blip r:embed="rId2"/>
+          <a:stretch>
+            <a:fillRect/>
+          </a:stretch>
+        </p:blipFill>
+        <p:spPr>
+          <a:xfrm>
+            <a:off x="217824" y="401938"/>
+            <a:ext cx="6744641" cy="2476846"/>
+          </a:xfrm>
+          <a:prstGeom prst="rect">
+            <a:avLst/>
+          </a:prstGeom>
+        </p:spPr>
+      </p:pic>
+      <p:sp>
+        <p:nvSpPr>
+          <p:cNvPr id="4" name="CasetăText 3">
+            <a:extLst>
+              <a:ext uri="{FF2B5EF4-FFF2-40B4-BE49-F238E27FC236}">
+                <a16:creationId xmlns:a16="http://schemas.microsoft.com/office/drawing/2014/main" id="{AF52EE36-9E5B-7011-776C-F4CD847488C9}"/>
+              </a:ext>
+            </a:extLst>
+          </p:cNvPr>
+          <p:cNvSpPr txBox="1"/>
+          <p:nvPr/>
+        </p:nvSpPr>
+        <p:spPr>
+          <a:xfrm>
+            <a:off x="1262988" y="2878784"/>
+            <a:ext cx="4555425" cy="369332"/>
+          </a:xfrm>
+          <a:prstGeom prst="rect">
+            <a:avLst/>
+          </a:prstGeom>
+          <a:noFill/>
+        </p:spPr>
+        <p:txBody>
+          <a:bodyPr wrap="square" rtlCol="0">
+            <a:spAutoFit/>
+          </a:bodyPr>
+          <a:lstStyle/>
+          <a:p>
+            <a:pPr algn="ctr"/>
+            <a:r>
+              <a:rPr lang="ro-RO" dirty="0"/>
+              <a:t>CPU</a:t>
+            </a:r>
+            <a:r>
+              <a:rPr lang="en-US" dirty="0"/>
+              <a:t> </a:t>
+            </a:r>
+            <a:r>
+              <a:rPr lang="ro-RO" dirty="0" err="1"/>
+              <a:t>Load</a:t>
+            </a:r>
+            <a:r>
+              <a:rPr lang="ro-RO" dirty="0"/>
+              <a:t>:</a:t>
+            </a:r>
+            <a:r>
+              <a:rPr lang="en-US" dirty="0"/>
+              <a:t> </a:t>
+            </a:r>
+            <a:r>
+              <a:rPr lang="ro-RO" dirty="0"/>
+              <a:t>comparație</a:t>
+            </a:r>
+            <a:r>
+              <a:rPr lang="en-US" dirty="0"/>
+              <a:t> </a:t>
+            </a:r>
+            <a:r>
+              <a:rPr lang="ro-RO" dirty="0"/>
+              <a:t>detaliată</a:t>
+            </a:r>
+          </a:p>
+        </p:txBody>
+      </p:sp>
+      <p:pic>
+        <p:nvPicPr>
+          <p:cNvPr id="6" name="Imagine 5" descr="O imagine care conține text, captură de ecran, Font, număr&#10;&#10;Conținutul generat de inteligența artificială poate fi incorect.">
+            <a:extLst>
+              <a:ext uri="{FF2B5EF4-FFF2-40B4-BE49-F238E27FC236}">
+                <a16:creationId xmlns:a16="http://schemas.microsoft.com/office/drawing/2014/main" id="{39FAB96D-ABF4-1B5D-D588-2FC97F3EDCA1}"/>
+              </a:ext>
+            </a:extLst>
+          </p:cNvPr>
+          <p:cNvPicPr>
+            <a:picLocks noChangeAspect="1"/>
+          </p:cNvPicPr>
+          <p:nvPr/>
+        </p:nvPicPr>
+        <p:blipFill>
+          <a:blip r:embed="rId3"/>
+          <a:stretch>
+            <a:fillRect/>
+          </a:stretch>
+        </p:blipFill>
+        <p:spPr>
+          <a:xfrm>
+            <a:off x="5171387" y="3560426"/>
+            <a:ext cx="6773220" cy="2400635"/>
+          </a:xfrm>
+          <a:prstGeom prst="rect">
+            <a:avLst/>
+          </a:prstGeom>
+        </p:spPr>
+      </p:pic>
+      <p:sp>
+        <p:nvSpPr>
+          <p:cNvPr id="7" name="CasetăText 6">
+            <a:extLst>
+              <a:ext uri="{FF2B5EF4-FFF2-40B4-BE49-F238E27FC236}">
+                <a16:creationId xmlns:a16="http://schemas.microsoft.com/office/drawing/2014/main" id="{1731452C-C800-E8A5-8F40-A3F0483D3598}"/>
+              </a:ext>
+            </a:extLst>
+          </p:cNvPr>
+          <p:cNvSpPr txBox="1"/>
+          <p:nvPr/>
+        </p:nvSpPr>
+        <p:spPr>
+          <a:xfrm>
+            <a:off x="6372496" y="6020933"/>
+            <a:ext cx="4555425" cy="369332"/>
+          </a:xfrm>
+          <a:prstGeom prst="rect">
+            <a:avLst/>
+          </a:prstGeom>
+          <a:noFill/>
+        </p:spPr>
+        <p:txBody>
+          <a:bodyPr wrap="square" rtlCol="0">
+            <a:spAutoFit/>
+          </a:bodyPr>
+          <a:lstStyle/>
+          <a:p>
+            <a:pPr algn="ctr"/>
+            <a:r>
+              <a:rPr lang="en-US" dirty="0"/>
+              <a:t>Twitter Volume UPS</a:t>
+            </a:r>
+            <a:r>
+              <a:rPr lang="ro-RO" dirty="0"/>
+              <a:t>:</a:t>
+            </a:r>
+            <a:r>
+              <a:rPr lang="en-US" dirty="0"/>
+              <a:t> </a:t>
+            </a:r>
+            <a:r>
+              <a:rPr lang="ro-RO" dirty="0"/>
+              <a:t>comparație</a:t>
+            </a:r>
+            <a:r>
+              <a:rPr lang="en-US" dirty="0"/>
+              <a:t> </a:t>
+            </a:r>
+            <a:r>
+              <a:rPr lang="ro-RO" dirty="0"/>
+              <a:t>detaliată</a:t>
+            </a:r>
+          </a:p>
+        </p:txBody>
+      </p:sp>
+    </p:spTree>
+    <p:extLst>
+      <p:ext uri="{BB962C8B-B14F-4D97-AF65-F5344CB8AC3E}">
+        <p14:creationId xmlns:p14="http://schemas.microsoft.com/office/powerpoint/2010/main" val="890668476"/>
+      </p:ext>
+    </p:extLst>
+  </p:cSld>
+  <p:clrMapOvr>
+    <a:masterClrMapping/>
+  </p:clrMapOvr>
+</p:sld>
+</file>
+
+<file path=ppt/slides/slide21.xml><?xml version="1.0" encoding="utf-8"?>
+<p:sld xmlns:a="http://schemas.openxmlformats.org/drawingml/2006/main" xmlns:r="http://schemas.openxmlformats.org/officeDocument/2006/relationships" xmlns:p="http://schemas.openxmlformats.org/presentationml/2006/main">
+  <p:cSld>
+    <p:spTree>
+      <p:nvGrpSpPr>
+        <p:cNvPr id="1" name=""/>
+        <p:cNvGrpSpPr/>
+        <p:nvPr/>
+      </p:nvGrpSpPr>
+      <p:grpSpPr>
+        <a:xfrm>
+          <a:off x="0" y="0"/>
+          <a:ext cx="0" cy="0"/>
+          <a:chOff x="0" y="0"/>
+          <a:chExt cx="0" cy="0"/>
+        </a:xfrm>
+      </p:grpSpPr>
+      <p:pic>
+        <p:nvPicPr>
+          <p:cNvPr id="3" name="Imagine 2" descr="O imagine care conține text, captură de ecran, Font, număr&#10;&#10;Conținutul generat de inteligența artificială poate fi incorect.">
+            <a:extLst>
+              <a:ext uri="{FF2B5EF4-FFF2-40B4-BE49-F238E27FC236}">
+                <a16:creationId xmlns:a16="http://schemas.microsoft.com/office/drawing/2014/main" id="{C078EFE1-8644-B5C5-337A-6D25172C43A1}"/>
+              </a:ext>
+            </a:extLst>
+          </p:cNvPr>
+          <p:cNvPicPr>
+            <a:picLocks noChangeAspect="1"/>
+          </p:cNvPicPr>
+          <p:nvPr/>
+        </p:nvPicPr>
+        <p:blipFill>
+          <a:blip r:embed="rId2"/>
+          <a:stretch>
+            <a:fillRect/>
+          </a:stretch>
+        </p:blipFill>
+        <p:spPr>
+          <a:xfrm>
+            <a:off x="172323" y="236597"/>
+            <a:ext cx="6992326" cy="2400635"/>
+          </a:xfrm>
+          <a:prstGeom prst="rect">
+            <a:avLst/>
+          </a:prstGeom>
+        </p:spPr>
+      </p:pic>
+      <p:sp>
+        <p:nvSpPr>
+          <p:cNvPr id="4" name="CasetăText 3">
+            <a:extLst>
+              <a:ext uri="{FF2B5EF4-FFF2-40B4-BE49-F238E27FC236}">
+                <a16:creationId xmlns:a16="http://schemas.microsoft.com/office/drawing/2014/main" id="{08B47634-B4AC-0202-A9BC-E75DFD4E3434}"/>
+              </a:ext>
+            </a:extLst>
+          </p:cNvPr>
+          <p:cNvSpPr txBox="1"/>
+          <p:nvPr/>
+        </p:nvSpPr>
+        <p:spPr>
+          <a:xfrm>
+            <a:off x="1905000" y="2637232"/>
+            <a:ext cx="3962400" cy="369332"/>
+          </a:xfrm>
+          <a:prstGeom prst="rect">
+            <a:avLst/>
+          </a:prstGeom>
+          <a:noFill/>
+        </p:spPr>
+        <p:txBody>
+          <a:bodyPr wrap="square" rtlCol="0">
+            <a:spAutoFit/>
+          </a:bodyPr>
+          <a:lstStyle/>
+          <a:p>
+            <a:r>
+              <a:rPr lang="ro-RO" dirty="0"/>
+              <a:t>Room</a:t>
+            </a:r>
+            <a:r>
+              <a:rPr lang="en-US" dirty="0"/>
+              <a:t> </a:t>
+            </a:r>
+            <a:r>
+              <a:rPr lang="ro-RO" dirty="0"/>
+              <a:t>Climate:</a:t>
+            </a:r>
+            <a:r>
+              <a:rPr lang="en-US" dirty="0"/>
+              <a:t> </a:t>
+            </a:r>
+            <a:r>
+              <a:rPr lang="ro-RO" dirty="0"/>
+              <a:t>comparație</a:t>
+            </a:r>
+            <a:r>
+              <a:rPr lang="en-US" dirty="0"/>
+              <a:t> </a:t>
+            </a:r>
+            <a:r>
+              <a:rPr lang="ro-RO" dirty="0"/>
+              <a:t>detaliată</a:t>
+            </a:r>
+          </a:p>
+        </p:txBody>
+      </p:sp>
+      <p:pic>
+        <p:nvPicPr>
+          <p:cNvPr id="6" name="Imagine 5" descr="O imagine care conține text, Font, captură de ecran, număr&#10;&#10;Conținutul generat de inteligența artificială poate fi incorect.">
+            <a:extLst>
+              <a:ext uri="{FF2B5EF4-FFF2-40B4-BE49-F238E27FC236}">
+                <a16:creationId xmlns:a16="http://schemas.microsoft.com/office/drawing/2014/main" id="{4BBE8EA2-D752-4D3C-E39E-8C242CCE1004}"/>
+              </a:ext>
+            </a:extLst>
+          </p:cNvPr>
+          <p:cNvPicPr>
+            <a:picLocks noChangeAspect="1"/>
+          </p:cNvPicPr>
+          <p:nvPr/>
+        </p:nvPicPr>
+        <p:blipFill>
+          <a:blip r:embed="rId3"/>
+          <a:stretch>
+            <a:fillRect/>
+          </a:stretch>
+        </p:blipFill>
+        <p:spPr>
+          <a:xfrm>
+            <a:off x="4110213" y="4089997"/>
+            <a:ext cx="7849695" cy="1895740"/>
+          </a:xfrm>
+          <a:prstGeom prst="rect">
+            <a:avLst/>
+          </a:prstGeom>
+        </p:spPr>
+      </p:pic>
+      <p:sp>
+        <p:nvSpPr>
+          <p:cNvPr id="8" name="CasetăText 7">
+            <a:extLst>
+              <a:ext uri="{FF2B5EF4-FFF2-40B4-BE49-F238E27FC236}">
+                <a16:creationId xmlns:a16="http://schemas.microsoft.com/office/drawing/2014/main" id="{5ACC1441-23D5-F611-1B44-D30515F9B484}"/>
+              </a:ext>
+            </a:extLst>
+          </p:cNvPr>
+          <p:cNvSpPr txBox="1"/>
+          <p:nvPr/>
+        </p:nvSpPr>
+        <p:spPr>
+          <a:xfrm>
+            <a:off x="6009406" y="5943535"/>
+            <a:ext cx="6096982" cy="369332"/>
+          </a:xfrm>
+          <a:prstGeom prst="rect">
+            <a:avLst/>
+          </a:prstGeom>
+          <a:noFill/>
+        </p:spPr>
+        <p:txBody>
+          <a:bodyPr wrap="square">
+            <a:spAutoFit/>
+          </a:bodyPr>
+          <a:lstStyle/>
+          <a:p>
+            <a:r>
+              <a:rPr lang="ro-RO" dirty="0"/>
+              <a:t>Sumar rate de compresie și îmbunătățiri</a:t>
+            </a:r>
+          </a:p>
+        </p:txBody>
+      </p:sp>
+    </p:spTree>
+    <p:extLst>
+      <p:ext uri="{BB962C8B-B14F-4D97-AF65-F5344CB8AC3E}">
+        <p14:creationId xmlns:p14="http://schemas.microsoft.com/office/powerpoint/2010/main" val="1573060028"/>
+      </p:ext>
+    </p:extLst>
+  </p:cSld>
+  <p:clrMapOvr>
+    <a:masterClrMapping/>
+  </p:clrMapOvr>
+</p:sld>
+</file>
+
+<file path=ppt/slides/slide22.xml><?xml version="1.0" encoding="utf-8"?>
+<p:sld xmlns:a="http://schemas.openxmlformats.org/drawingml/2006/main" xmlns:r="http://schemas.openxmlformats.org/officeDocument/2006/relationships" xmlns:p="http://schemas.openxmlformats.org/presentationml/2006/main">
+  <p:cSld>
+    <p:spTree>
+      <p:nvGrpSpPr>
+        <p:cNvPr id="1" name=""/>
+        <p:cNvGrpSpPr/>
+        <p:nvPr/>
+      </p:nvGrpSpPr>
+      <p:grpSpPr>
+        <a:xfrm>
+          <a:off x="0" y="0"/>
+          <a:ext cx="0" cy="0"/>
+          <a:chOff x="0" y="0"/>
+          <a:chExt cx="0" cy="0"/>
+        </a:xfrm>
+      </p:grpSpPr>
+      <p:pic>
+        <p:nvPicPr>
+          <p:cNvPr id="3" name="Imagine 2" descr="O imagine care conține text, captură de ecran, Interval, linie&#10;&#10;Conținutul generat de inteligența artificială poate fi incorect.">
+            <a:extLst>
+              <a:ext uri="{FF2B5EF4-FFF2-40B4-BE49-F238E27FC236}">
+                <a16:creationId xmlns:a16="http://schemas.microsoft.com/office/drawing/2014/main" id="{A2507D5D-0075-0243-3A99-939272BC9830}"/>
+              </a:ext>
+            </a:extLst>
+          </p:cNvPr>
+          <p:cNvPicPr>
+            <a:picLocks noChangeAspect="1"/>
+          </p:cNvPicPr>
+          <p:nvPr/>
+        </p:nvPicPr>
+        <p:blipFill>
+          <a:blip r:embed="rId2"/>
+          <a:stretch>
+            <a:fillRect/>
+          </a:stretch>
+        </p:blipFill>
+        <p:spPr>
+          <a:xfrm>
+            <a:off x="1837730" y="1914239"/>
+            <a:ext cx="8516539" cy="4096322"/>
+          </a:xfrm>
+          <a:prstGeom prst="rect">
+            <a:avLst/>
+          </a:prstGeom>
+        </p:spPr>
+      </p:pic>
+      <p:sp>
+        <p:nvSpPr>
+          <p:cNvPr id="4" name="CasetăText 3">
+            <a:extLst>
+              <a:ext uri="{FF2B5EF4-FFF2-40B4-BE49-F238E27FC236}">
+                <a16:creationId xmlns:a16="http://schemas.microsoft.com/office/drawing/2014/main" id="{443AAE2C-D8B1-EB5A-E368-5B3DD2665096}"/>
+              </a:ext>
+            </a:extLst>
+          </p:cNvPr>
+          <p:cNvSpPr txBox="1"/>
+          <p:nvPr/>
+        </p:nvSpPr>
+        <p:spPr>
+          <a:xfrm>
+            <a:off x="2597717" y="783023"/>
+            <a:ext cx="6855050" cy="523220"/>
+          </a:xfrm>
+          <a:prstGeom prst="rect">
+            <a:avLst/>
+          </a:prstGeom>
+          <a:noFill/>
+        </p:spPr>
+        <p:txBody>
+          <a:bodyPr wrap="square" rtlCol="0">
+            <a:spAutoFit/>
+          </a:bodyPr>
+          <a:lstStyle/>
+          <a:p>
+            <a:pPr algn="ctr"/>
+            <a:r>
+              <a:rPr lang="en-US" sz="2800" b="1" dirty="0" err="1"/>
+              <a:t>Compresie</a:t>
+            </a:r>
+            <a:r>
+              <a:rPr lang="en-US" sz="2800" b="1" dirty="0"/>
+              <a:t> lossless</a:t>
+            </a:r>
+            <a:endParaRPr lang="ro-RO" sz="2800" b="1" dirty="0"/>
+          </a:p>
+        </p:txBody>
+      </p:sp>
+    </p:spTree>
+    <p:extLst>
+      <p:ext uri="{BB962C8B-B14F-4D97-AF65-F5344CB8AC3E}">
+        <p14:creationId xmlns:p14="http://schemas.microsoft.com/office/powerpoint/2010/main" val="1311780374"/>
+      </p:ext>
+    </p:extLst>
+  </p:cSld>
+  <p:clrMapOvr>
+    <a:masterClrMapping/>
+  </p:clrMapOvr>
+</p:sld>
+</file>
+
+<file path=ppt/slides/slide23.xml><?xml version="1.0" encoding="utf-8"?>
+<p:sld xmlns:a="http://schemas.openxmlformats.org/drawingml/2006/main" xmlns:r="http://schemas.openxmlformats.org/officeDocument/2006/relationships" xmlns:p="http://schemas.openxmlformats.org/presentationml/2006/main">
+  <p:cSld>
+    <p:spTree>
+      <p:nvGrpSpPr>
+        <p:cNvPr id="1" name=""/>
+        <p:cNvGrpSpPr/>
+        <p:nvPr/>
+      </p:nvGrpSpPr>
+      <p:grpSpPr>
+        <a:xfrm>
+          <a:off x="0" y="0"/>
+          <a:ext cx="0" cy="0"/>
+          <a:chOff x="0" y="0"/>
+          <a:chExt cx="0" cy="0"/>
+        </a:xfrm>
+      </p:grpSpPr>
+      <p:sp>
+        <p:nvSpPr>
+          <p:cNvPr id="2" name="Titlu 1">
+            <a:extLst>
+              <a:ext uri="{FF2B5EF4-FFF2-40B4-BE49-F238E27FC236}">
+                <a16:creationId xmlns:a16="http://schemas.microsoft.com/office/drawing/2014/main" id="{FC4F2990-7164-0DF2-2203-51BBE2137084}"/>
               </a:ext>
             </a:extLst>
           </p:cNvPr>
@@ -4301,31 +7368,52 @@
           <a:bodyPr/>
           <a:lstStyle/>
           <a:p>
-            <a:r>
-              <a:rPr lang="en-US" dirty="0" err="1"/>
-              <a:t>Arhitectura</a:t>
-            </a:r>
-            <a:r>
-              <a:rPr lang="en-US" dirty="0"/>
-              <a:t> standard a </a:t>
-            </a:r>
-            <a:r>
-              <a:rPr lang="en-US" dirty="0" err="1"/>
-              <a:t>algoritmului</a:t>
-            </a:r>
-            <a:r>
-              <a:rPr lang="en-US" dirty="0"/>
-              <a:t> Gorilla</a:t>
-            </a:r>
-          </a:p>
-        </p:txBody>
-      </p:sp>
-      <p:sp>
-        <p:nvSpPr>
-          <p:cNvPr id="3" name="Content Placeholder 2">
-            <a:extLst>
-              <a:ext uri="{FF2B5EF4-FFF2-40B4-BE49-F238E27FC236}">
-                <a16:creationId xmlns:a16="http://schemas.microsoft.com/office/drawing/2014/main" id="{B9C2049C-4FC1-BE3B-C086-0F89503A7F8E}"/>
+            <a:endParaRPr lang="ro-RO"/>
+          </a:p>
+        </p:txBody>
+      </p:sp>
+    </p:spTree>
+    <p:extLst>
+      <p:ext uri="{BB962C8B-B14F-4D97-AF65-F5344CB8AC3E}">
+        <p14:creationId xmlns:p14="http://schemas.microsoft.com/office/powerpoint/2010/main" val="2263258708"/>
+      </p:ext>
+    </p:extLst>
+  </p:cSld>
+  <p:clrMapOvr>
+    <a:masterClrMapping/>
+  </p:clrMapOvr>
+</p:sld>
+</file>
+
+<file path=ppt/slides/slide3.xml><?xml version="1.0" encoding="utf-8"?>
+<p:sld xmlns:a="http://schemas.openxmlformats.org/drawingml/2006/main" xmlns:r="http://schemas.openxmlformats.org/officeDocument/2006/relationships" xmlns:p="http://schemas.openxmlformats.org/presentationml/2006/main">
+  <p:cSld>
+    <p:spTree>
+      <p:nvGrpSpPr>
+        <p:cNvPr id="1" name="">
+          <a:extLst>
+            <a:ext uri="{FF2B5EF4-FFF2-40B4-BE49-F238E27FC236}">
+              <a16:creationId xmlns:a16="http://schemas.microsoft.com/office/drawing/2014/main" id="{FE2F83D7-E3E5-5C77-433A-C42432BA4997}"/>
+            </a:ext>
+          </a:extLst>
+        </p:cNvPr>
+        <p:cNvGrpSpPr/>
+        <p:nvPr/>
+      </p:nvGrpSpPr>
+      <p:grpSpPr>
+        <a:xfrm>
+          <a:off x="0" y="0"/>
+          <a:ext cx="0" cy="0"/>
+          <a:chOff x="0" y="0"/>
+          <a:chExt cx="0" cy="0"/>
+        </a:xfrm>
+      </p:grpSpPr>
+      <p:sp>
+        <p:nvSpPr>
+          <p:cNvPr id="2" name="Title 1">
+            <a:extLst>
+              <a:ext uri="{FF2B5EF4-FFF2-40B4-BE49-F238E27FC236}">
+                <a16:creationId xmlns:a16="http://schemas.microsoft.com/office/drawing/2014/main" id="{CF733292-F127-701D-9C50-E4E9F9DB7640}"/>
               </a:ext>
             </a:extLst>
           </p:cNvPr>
@@ -4333,486 +7421,537 @@
             <a:spLocks noGrp="1"/>
           </p:cNvSpPr>
           <p:nvPr>
-            <p:ph idx="1"/>
+            <p:ph type="title"/>
           </p:nvPr>
         </p:nvSpPr>
         <p:spPr/>
         <p:txBody>
-          <a:bodyPr>
-            <a:normAutofit/>
+          <a:bodyPr/>
+          <a:lstStyle/>
+          <a:p>
+            <a:r>
+              <a:rPr lang="en-US" dirty="0" err="1"/>
+              <a:t>Introducere</a:t>
+            </a:r>
+            <a:endParaRPr lang="en-US" dirty="0"/>
+          </a:p>
+        </p:txBody>
+      </p:sp>
+      <p:sp>
+        <p:nvSpPr>
+          <p:cNvPr id="4" name="CasetăText 3">
+            <a:extLst>
+              <a:ext uri="{FF2B5EF4-FFF2-40B4-BE49-F238E27FC236}">
+                <a16:creationId xmlns:a16="http://schemas.microsoft.com/office/drawing/2014/main" id="{DA705FE9-6F91-F40F-C672-CFDE8582725B}"/>
+              </a:ext>
+            </a:extLst>
+          </p:cNvPr>
+          <p:cNvSpPr txBox="1"/>
+          <p:nvPr/>
+        </p:nvSpPr>
+        <p:spPr>
+          <a:xfrm>
+            <a:off x="8904910" y="2755536"/>
+            <a:ext cx="2433650" cy="369332"/>
+          </a:xfrm>
+          <a:prstGeom prst="rect">
+            <a:avLst/>
+          </a:prstGeom>
+          <a:noFill/>
+        </p:spPr>
+        <p:txBody>
+          <a:bodyPr wrap="square">
+            <a:spAutoFit/>
           </a:bodyPr>
           <a:lstStyle/>
           <a:p>
-            <a:pPr marL="0" indent="0">
-              <a:buNone/>
-            </a:pPr>
-            <a:r>
-              <a:rPr lang="en-US" sz="2400" dirty="0"/>
-              <a:t>De la Timestamp Brut la Delta-of-Delta:</a:t>
-            </a:r>
-          </a:p>
-          <a:p>
-            <a:pPr marL="0" indent="0">
-              <a:buNone/>
-            </a:pPr>
-            <a:endParaRPr lang="en-US" dirty="0"/>
-          </a:p>
-          <a:p>
-            <a:pPr>
+            <a:pPr marL="285750" indent="-285750">
               <a:buFont typeface="Arial" panose="020B0604020202020204" pitchFamily="34" charset="0"/>
               <a:buChar char="•"/>
             </a:pPr>
             <a:r>
-              <a:rPr lang="en-US" sz="1800" dirty="0"/>
-              <a:t> Timestamp-ul UNIX (64 </a:t>
-            </a:r>
-            <a:r>
-              <a:rPr lang="en-US" sz="1800" dirty="0" err="1"/>
-              <a:t>biți</a:t>
-            </a:r>
-            <a:r>
-              <a:rPr lang="en-US" sz="1800" dirty="0"/>
-              <a:t>): </a:t>
-            </a:r>
-            <a:r>
-              <a:rPr lang="en-US" sz="1800" dirty="0" err="1"/>
-              <a:t>Reprezintă</a:t>
-            </a:r>
-            <a:r>
-              <a:rPr lang="en-US" sz="1800" dirty="0"/>
-              <a:t> </a:t>
-            </a:r>
-            <a:r>
-              <a:rPr lang="en-US" sz="1800" dirty="0" err="1"/>
-              <a:t>numărul</a:t>
-            </a:r>
-            <a:r>
-              <a:rPr lang="en-US" sz="1800" dirty="0"/>
-              <a:t> de </a:t>
-            </a:r>
-            <a:r>
-              <a:rPr lang="en-US" sz="1800" dirty="0" err="1"/>
-              <a:t>milisecunde</a:t>
-            </a:r>
-            <a:r>
-              <a:rPr lang="en-US" sz="1800" dirty="0"/>
-              <a:t> de la 1 </a:t>
-            </a:r>
-            <a:r>
-              <a:rPr lang="en-US" sz="1800" dirty="0" err="1"/>
-              <a:t>ianuarie</a:t>
-            </a:r>
-            <a:r>
-              <a:rPr lang="en-US" sz="1800" dirty="0"/>
-              <a:t> 1970 (ex: 1424986973000). </a:t>
-            </a:r>
-            <a:r>
-              <a:rPr lang="en-US" sz="1800" dirty="0" err="1"/>
-              <a:t>Stocarea</a:t>
-            </a:r>
-            <a:r>
-              <a:rPr lang="en-US" sz="1800" dirty="0"/>
-              <a:t> </a:t>
-            </a:r>
-            <a:r>
-              <a:rPr lang="en-US" sz="1800" dirty="0" err="1"/>
-              <a:t>brută</a:t>
-            </a:r>
-            <a:r>
-              <a:rPr lang="en-US" sz="1800" dirty="0"/>
-              <a:t> a </a:t>
-            </a:r>
-            <a:r>
-              <a:rPr lang="en-US" sz="1800" dirty="0" err="1"/>
-              <a:t>acestor</a:t>
-            </a:r>
-            <a:r>
-              <a:rPr lang="en-US" sz="1800" dirty="0"/>
-              <a:t> </a:t>
-            </a:r>
-            <a:r>
-              <a:rPr lang="en-US" sz="1800" dirty="0" err="1"/>
-              <a:t>numere</a:t>
-            </a:r>
-            <a:r>
-              <a:rPr lang="en-US" sz="1800" dirty="0"/>
-              <a:t> </a:t>
-            </a:r>
-            <a:r>
-              <a:rPr lang="en-US" sz="1800" dirty="0" err="1"/>
-              <a:t>mari</a:t>
-            </a:r>
-            <a:r>
-              <a:rPr lang="en-US" sz="1800" dirty="0"/>
-              <a:t> </a:t>
-            </a:r>
-            <a:r>
-              <a:rPr lang="en-US" sz="1800" dirty="0" err="1"/>
-              <a:t>este</a:t>
-            </a:r>
-            <a:r>
-              <a:rPr lang="en-US" sz="1800" dirty="0"/>
-              <a:t> </a:t>
-            </a:r>
-            <a:r>
-              <a:rPr lang="en-US" sz="1800" dirty="0" err="1"/>
-              <a:t>ineficientă</a:t>
-            </a:r>
-            <a:r>
-              <a:rPr lang="en-US" sz="1800" dirty="0"/>
-              <a:t>.</a:t>
-            </a:r>
-          </a:p>
-          <a:p>
-            <a:pPr>
+              <a:rPr lang="ro-RO" dirty="0" err="1"/>
+              <a:t>Beringei</a:t>
+            </a:r>
+            <a:r>
+              <a:rPr lang="en-US" dirty="0"/>
+              <a:t> (&gt;2017)</a:t>
+            </a:r>
+            <a:endParaRPr lang="ro-RO" dirty="0"/>
+          </a:p>
+        </p:txBody>
+      </p:sp>
+      <p:sp>
+        <p:nvSpPr>
+          <p:cNvPr id="5" name="CasetăText 4">
+            <a:extLst>
+              <a:ext uri="{FF2B5EF4-FFF2-40B4-BE49-F238E27FC236}">
+                <a16:creationId xmlns:a16="http://schemas.microsoft.com/office/drawing/2014/main" id="{AC7794DB-0262-A6BF-5D62-41E887142033}"/>
+              </a:ext>
+            </a:extLst>
+          </p:cNvPr>
+          <p:cNvSpPr txBox="1"/>
+          <p:nvPr/>
+        </p:nvSpPr>
+        <p:spPr>
+          <a:xfrm>
+            <a:off x="1097280" y="2155372"/>
+            <a:ext cx="6999515" cy="1200329"/>
+          </a:xfrm>
+          <a:prstGeom prst="rect">
+            <a:avLst/>
+          </a:prstGeom>
+          <a:noFill/>
+        </p:spPr>
+        <p:txBody>
+          <a:bodyPr wrap="square" rtlCol="0">
+            <a:spAutoFit/>
+          </a:bodyPr>
+          <a:lstStyle/>
+          <a:p>
+            <a:r>
+              <a:rPr lang="ro-RO" b="1" dirty="0"/>
+              <a:t>Motivație</a:t>
+            </a:r>
+            <a:r>
+              <a:rPr lang="en-US" b="1" dirty="0"/>
+              <a:t>: </a:t>
+            </a:r>
+          </a:p>
+          <a:p>
+            <a:pPr marL="285750" indent="-285750">
               <a:buFont typeface="Arial" panose="020B0604020202020204" pitchFamily="34" charset="0"/>
               <a:buChar char="•"/>
             </a:pPr>
             <a:r>
-              <a:rPr lang="en-US" sz="1800" dirty="0"/>
-              <a:t> Delta: </a:t>
-            </a:r>
-            <a:r>
-              <a:rPr lang="en-US" sz="1800" dirty="0" err="1"/>
-              <a:t>În</a:t>
-            </a:r>
-            <a:r>
-              <a:rPr lang="en-US" sz="1800" dirty="0"/>
-              <a:t> loc de </a:t>
-            </a:r>
-            <a:r>
-              <a:rPr lang="en-US" sz="1800" dirty="0" err="1"/>
-              <a:t>valoarea</a:t>
-            </a:r>
-            <a:r>
-              <a:rPr lang="en-US" sz="1800" dirty="0"/>
-              <a:t> </a:t>
-            </a:r>
-            <a:r>
-              <a:rPr lang="en-US" sz="1800" dirty="0" err="1"/>
-              <a:t>absolută</a:t>
-            </a:r>
-            <a:r>
-              <a:rPr lang="en-US" sz="1800" dirty="0"/>
-              <a:t>, </a:t>
-            </a:r>
-            <a:r>
-              <a:rPr lang="en-US" sz="1800" dirty="0" err="1"/>
-              <a:t>stocăm</a:t>
-            </a:r>
-            <a:r>
-              <a:rPr lang="en-US" sz="1800" dirty="0"/>
-              <a:t> </a:t>
-            </a:r>
-            <a:r>
-              <a:rPr lang="en-US" sz="1800" dirty="0" err="1"/>
-              <a:t>diferența</a:t>
-            </a:r>
-            <a:r>
-              <a:rPr lang="en-US" sz="1800" dirty="0"/>
+              <a:rPr lang="en-US" dirty="0" err="1"/>
+              <a:t>Sistem</a:t>
+            </a:r>
+            <a:r>
+              <a:rPr lang="ro-RO" dirty="0"/>
               <a:t> de </a:t>
             </a:r>
             <a:r>
-              <a:rPr lang="en-US" sz="1800" dirty="0" err="1"/>
-              <a:t>timp</a:t>
-            </a:r>
-            <a:r>
-              <a:rPr lang="en-US" sz="1800" dirty="0"/>
-              <a:t> </a:t>
-            </a:r>
-            <a:r>
-              <a:rPr lang="en-US" sz="1800" dirty="0" err="1"/>
-              <a:t>dintre</a:t>
-            </a:r>
-            <a:r>
-              <a:rPr lang="en-US" sz="1800" dirty="0"/>
-              <a:t> </a:t>
-            </a:r>
-            <a:r>
-              <a:rPr lang="en-US" sz="1800" dirty="0" err="1"/>
-              <a:t>două</a:t>
-            </a:r>
-            <a:r>
-              <a:rPr lang="en-US" sz="1800" dirty="0"/>
-              <a:t> </a:t>
-            </a:r>
-            <a:r>
-              <a:rPr lang="en-US" sz="1800" dirty="0" err="1"/>
-              <a:t>puncte</a:t>
-            </a:r>
-            <a:r>
-              <a:rPr lang="en-US" sz="1800" dirty="0"/>
-              <a:t> consecutive</a:t>
-            </a:r>
-          </a:p>
-          <a:p>
-            <a:pPr>
+              <a:rPr lang="ro-RO" b="1" dirty="0">
+                <a:solidFill>
+                  <a:srgbClr val="C00000"/>
+                </a:solidFill>
+              </a:rPr>
+              <a:t>stocare</a:t>
+            </a:r>
+            <a:r>
+              <a:rPr lang="ro-RO" dirty="0"/>
+              <a:t> + </a:t>
+            </a:r>
+            <a:r>
+              <a:rPr lang="ro-RO" b="1" dirty="0">
+                <a:solidFill>
+                  <a:srgbClr val="C00000"/>
+                </a:solidFill>
+              </a:rPr>
+              <a:t>accesare</a:t>
+            </a:r>
+            <a:r>
+              <a:rPr lang="ro-RO" dirty="0"/>
+              <a:t> eficientă a valorilor recente (în RAM)</a:t>
+            </a:r>
+          </a:p>
+          <a:p>
+            <a:pPr marL="285750" indent="-285750">
               <a:buFont typeface="Arial" panose="020B0604020202020204" pitchFamily="34" charset="0"/>
               <a:buChar char="•"/>
             </a:pPr>
             <a:r>
-              <a:rPr lang="en-US" sz="1800" dirty="0"/>
-              <a:t> Delta of Delta: </a:t>
-            </a:r>
-            <a:r>
-              <a:rPr kumimoji="0" lang="en-US" altLang="en-US" sz="1800" b="0" i="0" u="none" strike="noStrike" cap="none" normalizeH="0" baseline="0" dirty="0" err="1">
-                <a:ln>
-                  <a:noFill/>
-                </a:ln>
+              <a:rPr lang="ro-RO" dirty="0" err="1"/>
+              <a:t>Gorilla</a:t>
+            </a:r>
+            <a:r>
+              <a:rPr lang="ro-RO" dirty="0"/>
+              <a:t> = </a:t>
+            </a:r>
+            <a:r>
+              <a:rPr lang="en-US" dirty="0"/>
+              <a:t> </a:t>
+            </a:r>
+            <a:r>
+              <a:rPr lang="en-US" b="1" dirty="0"/>
+              <a:t>cache write-through</a:t>
+            </a:r>
+            <a:r>
+              <a:rPr lang="en-US" dirty="0"/>
+              <a:t> </a:t>
+            </a:r>
+            <a:r>
+              <a:rPr lang="en-US" dirty="0" err="1"/>
+              <a:t>în</a:t>
+            </a:r>
+            <a:r>
+              <a:rPr lang="en-US" dirty="0"/>
+              <a:t> </a:t>
+            </a:r>
+            <a:r>
+              <a:rPr lang="en-US" dirty="0" err="1"/>
+              <a:t>fața</a:t>
+            </a:r>
+            <a:r>
+              <a:rPr lang="en-US" dirty="0"/>
+              <a:t> </a:t>
+            </a:r>
+            <a:r>
+              <a:rPr lang="en-US" dirty="0" err="1"/>
+              <a:t>unui</a:t>
+            </a:r>
+            <a:r>
+              <a:rPr lang="en-US" dirty="0"/>
+              <a:t> TSDB persistent</a:t>
+            </a:r>
+            <a:endParaRPr lang="ro-RO" dirty="0"/>
+          </a:p>
+          <a:p>
+            <a:pPr marL="285750" indent="-285750">
+              <a:buFont typeface="Arial" panose="020B0604020202020204" pitchFamily="34" charset="0"/>
+              <a:buChar char="•"/>
+            </a:pPr>
+            <a:endParaRPr lang="ro-RO" dirty="0"/>
+          </a:p>
+        </p:txBody>
+      </p:sp>
+      <p:sp>
+        <p:nvSpPr>
+          <p:cNvPr id="10" name="CasetăText 9">
+            <a:extLst>
+              <a:ext uri="{FF2B5EF4-FFF2-40B4-BE49-F238E27FC236}">
+                <a16:creationId xmlns:a16="http://schemas.microsoft.com/office/drawing/2014/main" id="{CCC7EA97-9C4E-4208-033E-CA7B47919341}"/>
+              </a:ext>
+            </a:extLst>
+          </p:cNvPr>
+          <p:cNvSpPr txBox="1"/>
+          <p:nvPr/>
+        </p:nvSpPr>
+        <p:spPr>
+          <a:xfrm>
+            <a:off x="1436915" y="3355701"/>
+            <a:ext cx="4572000" cy="1200329"/>
+          </a:xfrm>
+          <a:prstGeom prst="rect">
+            <a:avLst/>
+          </a:prstGeom>
+          <a:noFill/>
+        </p:spPr>
+        <p:txBody>
+          <a:bodyPr wrap="square" rtlCol="0">
+            <a:spAutoFit/>
+          </a:bodyPr>
+          <a:lstStyle/>
+          <a:p>
+            <a:r>
+              <a:rPr lang="it-IT" dirty="0"/>
+              <a:t>Date noi → </a:t>
+            </a:r>
+            <a:r>
+              <a:rPr lang="it-IT" dirty="0">
                 <a:solidFill>
-                  <a:schemeClr val="tx1"/>
+                  <a:srgbClr val="C00000"/>
                 </a:solidFill>
-                <a:effectLst/>
-                <a:latin typeface="Arial" panose="020B0604020202020204" pitchFamily="34" charset="0"/>
               </a:rPr>
-              <a:t>Reprezintă</a:t>
-            </a:r>
-            <a:r>
-              <a:rPr kumimoji="0" lang="en-US" altLang="en-US" sz="1800" b="0" i="0" u="none" strike="noStrike" cap="none" normalizeH="0" baseline="0" dirty="0">
-                <a:ln>
-                  <a:noFill/>
-                </a:ln>
-                <a:solidFill>
-                  <a:schemeClr val="tx1"/>
-                </a:solidFill>
-                <a:effectLst/>
-                <a:latin typeface="Arial" panose="020B0604020202020204" pitchFamily="34" charset="0"/>
-              </a:rPr>
-              <a:t> </a:t>
-            </a:r>
-            <a:r>
-              <a:rPr kumimoji="0" lang="en-US" altLang="en-US" sz="1800" b="0" i="0" u="none" strike="noStrike" cap="none" normalizeH="0" baseline="0" dirty="0" err="1">
-                <a:ln>
-                  <a:noFill/>
-                </a:ln>
-                <a:solidFill>
-                  <a:schemeClr val="tx1"/>
-                </a:solidFill>
-                <a:effectLst/>
-                <a:latin typeface="Arial" panose="020B0604020202020204" pitchFamily="34" charset="0"/>
-              </a:rPr>
-              <a:t>variația</a:t>
-            </a:r>
-            <a:r>
-              <a:rPr kumimoji="0" lang="en-US" altLang="en-US" sz="1800" b="0" i="0" u="none" strike="noStrike" cap="none" normalizeH="0" baseline="0" dirty="0">
-                <a:ln>
-                  <a:noFill/>
-                </a:ln>
-                <a:solidFill>
-                  <a:schemeClr val="tx1"/>
-                </a:solidFill>
-                <a:effectLst/>
-                <a:latin typeface="Arial" panose="020B0604020202020204" pitchFamily="34" charset="0"/>
-              </a:rPr>
-              <a:t> </a:t>
-            </a:r>
-            <a:r>
-              <a:rPr kumimoji="0" lang="en-US" altLang="en-US" sz="1800" b="0" i="0" u="none" strike="noStrike" cap="none" normalizeH="0" baseline="0" dirty="0" err="1">
-                <a:ln>
-                  <a:noFill/>
-                </a:ln>
-                <a:solidFill>
-                  <a:schemeClr val="tx1"/>
-                </a:solidFill>
-                <a:effectLst/>
-                <a:latin typeface="Arial" panose="020B0604020202020204" pitchFamily="34" charset="0"/>
-              </a:rPr>
-              <a:t>intervalului</a:t>
-            </a:r>
-            <a:r>
-              <a:rPr kumimoji="0" lang="en-US" altLang="en-US" sz="1800" b="0" i="0" u="none" strike="noStrike" cap="none" normalizeH="0" baseline="0" dirty="0">
-                <a:ln>
-                  <a:noFill/>
-                </a:ln>
-                <a:solidFill>
-                  <a:schemeClr val="tx1"/>
-                </a:solidFill>
-                <a:effectLst/>
-                <a:latin typeface="Arial" panose="020B0604020202020204" pitchFamily="34" charset="0"/>
-              </a:rPr>
-              <a:t> de </a:t>
-            </a:r>
-            <a:r>
-              <a:rPr kumimoji="0" lang="en-US" altLang="en-US" sz="1800" b="0" i="0" u="none" strike="noStrike" cap="none" normalizeH="0" baseline="0" dirty="0" err="1">
-                <a:ln>
-                  <a:noFill/>
-                </a:ln>
-                <a:solidFill>
-                  <a:schemeClr val="tx1"/>
-                </a:solidFill>
-                <a:effectLst/>
-                <a:latin typeface="Arial" panose="020B0604020202020204" pitchFamily="34" charset="0"/>
-              </a:rPr>
-              <a:t>eșantionare</a:t>
-            </a:r>
-            <a:r>
-              <a:rPr lang="en-US" altLang="en-US" sz="1800" dirty="0">
-                <a:latin typeface="Arial" panose="020B0604020202020204" pitchFamily="34" charset="0"/>
-              </a:rPr>
-              <a:t>. </a:t>
-            </a:r>
-            <a:r>
-              <a:rPr kumimoji="0" lang="en-US" altLang="en-US" sz="1800" b="0" i="0" u="none" strike="noStrike" cap="none" normalizeH="0" baseline="0" dirty="0" err="1">
-                <a:ln>
-                  <a:noFill/>
-                </a:ln>
-                <a:solidFill>
-                  <a:schemeClr val="tx1"/>
-                </a:solidFill>
-                <a:effectLst/>
-              </a:rPr>
-              <a:t>Dacă</a:t>
-            </a:r>
-            <a:r>
-              <a:rPr kumimoji="0" lang="en-US" altLang="en-US" sz="1800" b="0" i="0" u="none" strike="noStrike" cap="none" normalizeH="0" baseline="0" dirty="0">
-                <a:ln>
-                  <a:noFill/>
-                </a:ln>
-                <a:solidFill>
-                  <a:schemeClr val="tx1"/>
-                </a:solidFill>
-                <a:effectLst/>
-              </a:rPr>
-              <a:t> </a:t>
-            </a:r>
-            <a:r>
-              <a:rPr kumimoji="0" lang="en-US" altLang="en-US" sz="1800" b="0" i="0" u="none" strike="noStrike" cap="none" normalizeH="0" baseline="0" dirty="0" err="1">
-                <a:ln>
-                  <a:noFill/>
-                </a:ln>
-                <a:solidFill>
-                  <a:schemeClr val="tx1"/>
-                </a:solidFill>
-                <a:effectLst/>
-              </a:rPr>
-              <a:t>datele</a:t>
-            </a:r>
-            <a:r>
-              <a:rPr kumimoji="0" lang="en-US" altLang="en-US" sz="1800" b="0" i="0" u="none" strike="noStrike" cap="none" normalizeH="0" baseline="0" dirty="0">
-                <a:ln>
-                  <a:noFill/>
-                </a:ln>
-                <a:solidFill>
-                  <a:schemeClr val="tx1"/>
-                </a:solidFill>
-                <a:effectLst/>
-              </a:rPr>
-              <a:t> </a:t>
-            </a:r>
-            <a:r>
-              <a:rPr kumimoji="0" lang="en-US" altLang="en-US" sz="1800" b="0" i="0" u="none" strike="noStrike" cap="none" normalizeH="0" baseline="0" dirty="0" err="1">
-                <a:ln>
-                  <a:noFill/>
-                </a:ln>
-                <a:solidFill>
-                  <a:schemeClr val="tx1"/>
-                </a:solidFill>
-                <a:effectLst/>
-              </a:rPr>
-              <a:t>sosesc</a:t>
-            </a:r>
-            <a:r>
-              <a:rPr kumimoji="0" lang="en-US" altLang="en-US" sz="1800" b="0" i="0" u="none" strike="noStrike" cap="none" normalizeH="0" baseline="0" dirty="0">
-                <a:ln>
-                  <a:noFill/>
-                </a:ln>
-                <a:solidFill>
-                  <a:schemeClr val="tx1"/>
-                </a:solidFill>
-                <a:effectLst/>
-              </a:rPr>
-              <a:t> la intervale </a:t>
-            </a:r>
-          </a:p>
-          <a:p>
-            <a:pPr marL="0" indent="0">
-              <a:buNone/>
+              <a:t>[Gorilla (RAM)] </a:t>
+            </a:r>
+            <a:r>
+              <a:rPr lang="it-IT" dirty="0"/>
+              <a:t>→ [HBase (Disc)]</a:t>
+            </a:r>
+          </a:p>
+          <a:p>
+            <a:r>
+              <a:rPr lang="it-IT" dirty="0"/>
+              <a:t>            </a:t>
+            </a:r>
+            <a:r>
+              <a:rPr lang="ro-RO" dirty="0"/>
+              <a:t>		   </a:t>
+            </a:r>
+            <a:r>
+              <a:rPr lang="it-IT" dirty="0"/>
+              <a:t>  ↑</a:t>
+            </a:r>
+          </a:p>
+          <a:p>
+            <a:r>
+              <a:rPr lang="it-IT" dirty="0"/>
+              <a:t>        </a:t>
+            </a:r>
+            <a:r>
+              <a:rPr lang="ro-RO" dirty="0"/>
+              <a:t>		  </a:t>
+            </a:r>
+            <a:r>
+              <a:rPr lang="it-IT" dirty="0"/>
+              <a:t>Interogări rapide</a:t>
+            </a:r>
+          </a:p>
+          <a:p>
+            <a:r>
+              <a:rPr lang="it-IT" dirty="0"/>
+              <a:t>        </a:t>
+            </a:r>
+            <a:r>
+              <a:rPr lang="ro-RO" dirty="0"/>
+              <a:t>		  </a:t>
+            </a:r>
+            <a:r>
+              <a:rPr lang="it-IT" dirty="0"/>
+              <a:t>(ultimele 26 ore)</a:t>
+            </a:r>
+          </a:p>
+        </p:txBody>
+      </p:sp>
+      <p:sp>
+        <p:nvSpPr>
+          <p:cNvPr id="12" name="CasetăText 11">
+            <a:extLst>
+              <a:ext uri="{FF2B5EF4-FFF2-40B4-BE49-F238E27FC236}">
+                <a16:creationId xmlns:a16="http://schemas.microsoft.com/office/drawing/2014/main" id="{4AEB4407-F22B-E4BF-4655-1E762E394A4B}"/>
+              </a:ext>
+            </a:extLst>
+          </p:cNvPr>
+          <p:cNvSpPr txBox="1"/>
+          <p:nvPr/>
+        </p:nvSpPr>
+        <p:spPr>
+          <a:xfrm>
+            <a:off x="1097280" y="4844143"/>
+            <a:ext cx="5823857" cy="646331"/>
+          </a:xfrm>
+          <a:prstGeom prst="rect">
+            <a:avLst/>
+          </a:prstGeom>
+          <a:noFill/>
+        </p:spPr>
+        <p:txBody>
+          <a:bodyPr wrap="square" rtlCol="0">
+            <a:spAutoFit/>
+          </a:bodyPr>
+          <a:lstStyle/>
+          <a:p>
+            <a:r>
+              <a:rPr lang="ro-RO" b="1" dirty="0"/>
+              <a:t>De ce este interesant?</a:t>
+            </a:r>
+          </a:p>
+          <a:p>
+            <a:pPr marL="285750" indent="-285750">
+              <a:buFont typeface="Arial" panose="020B0604020202020204" pitchFamily="34" charset="0"/>
+              <a:buChar char="•"/>
             </a:pPr>
             <a:r>
-              <a:rPr lang="en-US" altLang="en-US" sz="1800" dirty="0"/>
-              <a:t>   </a:t>
-            </a:r>
-            <a:r>
-              <a:rPr kumimoji="0" lang="en-US" altLang="en-US" sz="1800" b="0" i="0" u="none" strike="noStrike" cap="none" normalizeH="0" baseline="0" dirty="0">
-                <a:ln>
-                  <a:noFill/>
-                </a:ln>
-                <a:solidFill>
-                  <a:schemeClr val="tx1"/>
-                </a:solidFill>
-                <a:effectLst/>
-              </a:rPr>
-              <a:t>fixe delta of delta </a:t>
-            </a:r>
-            <a:r>
-              <a:rPr kumimoji="0" lang="en-US" altLang="en-US" sz="1800" b="0" i="0" u="none" strike="noStrike" cap="none" normalizeH="0" baseline="0" dirty="0" err="1">
-                <a:ln>
-                  <a:noFill/>
-                </a:ln>
-                <a:solidFill>
-                  <a:schemeClr val="tx1"/>
-                </a:solidFill>
-                <a:effectLst/>
-              </a:rPr>
-              <a:t>devine</a:t>
-            </a:r>
-            <a:r>
-              <a:rPr kumimoji="0" lang="en-US" altLang="en-US" sz="1800" b="0" i="0" u="none" strike="noStrike" cap="none" normalizeH="0" baseline="0" dirty="0">
-                <a:ln>
-                  <a:noFill/>
-                </a:ln>
-                <a:solidFill>
-                  <a:schemeClr val="tx1"/>
-                </a:solidFill>
-                <a:effectLst/>
-              </a:rPr>
-              <a:t> </a:t>
-            </a:r>
-            <a:r>
-              <a:rPr kumimoji="0" lang="en-US" altLang="en-US" sz="1800" i="0" u="none" strike="noStrike" cap="none" normalizeH="0" baseline="0" dirty="0">
-                <a:ln>
-                  <a:noFill/>
-                </a:ln>
-                <a:solidFill>
-                  <a:schemeClr val="tx1"/>
-                </a:solidFill>
-                <a:effectLst/>
-                <a:latin typeface="Google Sans Text"/>
-              </a:rPr>
-              <a:t>0</a:t>
-            </a:r>
-            <a:r>
-              <a:rPr kumimoji="0" lang="en-US" altLang="en-US" sz="1800" b="0" i="0" u="none" strike="noStrike" cap="none" normalizeH="0" baseline="0" dirty="0">
-                <a:ln>
-                  <a:noFill/>
-                </a:ln>
-                <a:solidFill>
-                  <a:schemeClr val="tx1"/>
-                </a:solidFill>
-                <a:effectLst/>
-              </a:rPr>
-              <a:t>.</a:t>
-            </a:r>
-            <a:endParaRPr kumimoji="0" lang="en-US" altLang="en-US" sz="1800" b="0" i="0" u="none" strike="noStrike" cap="none" normalizeH="0" baseline="0" dirty="0">
-              <a:ln>
-                <a:noFill/>
-              </a:ln>
-              <a:solidFill>
-                <a:schemeClr val="tx1"/>
-              </a:solidFill>
-              <a:effectLst/>
-              <a:latin typeface="Arial" panose="020B0604020202020204" pitchFamily="34" charset="0"/>
-            </a:endParaRPr>
-          </a:p>
-          <a:p>
-            <a:endParaRPr lang="en-US" sz="1800" dirty="0"/>
+              <a:rPr lang="ro-RO" dirty="0" err="1"/>
+              <a:t>Particularițățile</a:t>
+            </a:r>
+            <a:r>
+              <a:rPr lang="ro-RO" dirty="0"/>
+              <a:t> datelor ce trebuie stocate</a:t>
+            </a:r>
+          </a:p>
+        </p:txBody>
+      </p:sp>
+      <p:cxnSp>
+        <p:nvCxnSpPr>
+          <p:cNvPr id="14" name="Conector drept cu săgeată 13">
+            <a:extLst>
+              <a:ext uri="{FF2B5EF4-FFF2-40B4-BE49-F238E27FC236}">
+                <a16:creationId xmlns:a16="http://schemas.microsoft.com/office/drawing/2014/main" id="{7F2C593F-47A1-932B-1D29-9ED49839C6EB}"/>
+              </a:ext>
+            </a:extLst>
+          </p:cNvPr>
+          <p:cNvCxnSpPr>
+            <a:cxnSpLocks/>
+            <a:endCxn id="19" idx="1"/>
+          </p:cNvCxnSpPr>
+          <p:nvPr/>
+        </p:nvCxnSpPr>
+        <p:spPr>
+          <a:xfrm flipV="1">
+            <a:off x="5568043" y="4955690"/>
+            <a:ext cx="999308" cy="318439"/>
+          </a:xfrm>
+          <a:prstGeom prst="straightConnector1">
+            <a:avLst/>
+          </a:prstGeom>
+          <a:ln>
+            <a:tailEnd type="triangle"/>
+          </a:ln>
+        </p:spPr>
+        <p:style>
+          <a:lnRef idx="1">
+            <a:schemeClr val="accent1"/>
+          </a:lnRef>
+          <a:fillRef idx="0">
+            <a:schemeClr val="accent1"/>
+          </a:fillRef>
+          <a:effectRef idx="0">
+            <a:schemeClr val="accent1"/>
+          </a:effectRef>
+          <a:fontRef idx="minor">
+            <a:schemeClr val="tx1"/>
+          </a:fontRef>
+        </p:style>
+      </p:cxnSp>
+      <p:cxnSp>
+        <p:nvCxnSpPr>
+          <p:cNvPr id="15" name="Conector drept cu săgeată 14">
+            <a:extLst>
+              <a:ext uri="{FF2B5EF4-FFF2-40B4-BE49-F238E27FC236}">
+                <a16:creationId xmlns:a16="http://schemas.microsoft.com/office/drawing/2014/main" id="{40D3E9A7-0066-15E3-4EC5-520FE372F85B}"/>
+              </a:ext>
+            </a:extLst>
+          </p:cNvPr>
+          <p:cNvCxnSpPr>
+            <a:cxnSpLocks/>
+          </p:cNvCxnSpPr>
+          <p:nvPr/>
+        </p:nvCxnSpPr>
+        <p:spPr>
+          <a:xfrm>
+            <a:off x="5568043" y="5274129"/>
+            <a:ext cx="999308" cy="327892"/>
+          </a:xfrm>
+          <a:prstGeom prst="straightConnector1">
+            <a:avLst/>
+          </a:prstGeom>
+          <a:ln>
+            <a:tailEnd type="triangle"/>
+          </a:ln>
+        </p:spPr>
+        <p:style>
+          <a:lnRef idx="1">
+            <a:schemeClr val="accent1"/>
+          </a:lnRef>
+          <a:fillRef idx="0">
+            <a:schemeClr val="accent1"/>
+          </a:fillRef>
+          <a:effectRef idx="0">
+            <a:schemeClr val="accent1"/>
+          </a:effectRef>
+          <a:fontRef idx="minor">
+            <a:schemeClr val="tx1"/>
+          </a:fontRef>
+        </p:style>
+      </p:cxnSp>
+      <p:sp>
+        <p:nvSpPr>
+          <p:cNvPr id="19" name="CasetăText 18">
+            <a:extLst>
+              <a:ext uri="{FF2B5EF4-FFF2-40B4-BE49-F238E27FC236}">
+                <a16:creationId xmlns:a16="http://schemas.microsoft.com/office/drawing/2014/main" id="{422DCFB2-0656-5B98-2F19-08C0C0905D91}"/>
+              </a:ext>
+            </a:extLst>
+          </p:cNvPr>
+          <p:cNvSpPr txBox="1"/>
+          <p:nvPr/>
+        </p:nvSpPr>
+        <p:spPr>
+          <a:xfrm>
+            <a:off x="6567351" y="4771024"/>
+            <a:ext cx="6112328" cy="369332"/>
+          </a:xfrm>
+          <a:prstGeom prst="rect">
+            <a:avLst/>
+          </a:prstGeom>
+          <a:noFill/>
+        </p:spPr>
+        <p:txBody>
+          <a:bodyPr wrap="square">
+            <a:spAutoFit/>
+          </a:bodyPr>
+          <a:lstStyle/>
+          <a:p>
+            <a:r>
+              <a:rPr lang="ro-RO" dirty="0" err="1"/>
+              <a:t>Timestamp</a:t>
+            </a:r>
+            <a:r>
+              <a:rPr lang="ro-RO" dirty="0"/>
+              <a:t>-uri cvasi-periodice</a:t>
+            </a:r>
+          </a:p>
+        </p:txBody>
+      </p:sp>
+      <p:sp>
+        <p:nvSpPr>
+          <p:cNvPr id="23" name="CasetăText 22">
+            <a:extLst>
+              <a:ext uri="{FF2B5EF4-FFF2-40B4-BE49-F238E27FC236}">
+                <a16:creationId xmlns:a16="http://schemas.microsoft.com/office/drawing/2014/main" id="{F5179121-A7E3-FBF9-F091-166CEBB7CE5C}"/>
+              </a:ext>
+            </a:extLst>
+          </p:cNvPr>
+          <p:cNvSpPr txBox="1"/>
+          <p:nvPr/>
+        </p:nvSpPr>
+        <p:spPr>
+          <a:xfrm>
+            <a:off x="6567351" y="5407902"/>
+            <a:ext cx="6316434" cy="369332"/>
+          </a:xfrm>
+          <a:prstGeom prst="rect">
+            <a:avLst/>
+          </a:prstGeom>
+          <a:noFill/>
+        </p:spPr>
+        <p:txBody>
+          <a:bodyPr wrap="square">
+            <a:spAutoFit/>
+          </a:bodyPr>
+          <a:lstStyle/>
+          <a:p>
+            <a:r>
+              <a:rPr lang="ro-RO" dirty="0"/>
+              <a:t>Corelație temporală a valorilor</a:t>
+            </a:r>
+          </a:p>
+        </p:txBody>
+      </p:sp>
+      <p:sp>
+        <p:nvSpPr>
+          <p:cNvPr id="26" name="CasetăText 25">
+            <a:extLst>
+              <a:ext uri="{FF2B5EF4-FFF2-40B4-BE49-F238E27FC236}">
+                <a16:creationId xmlns:a16="http://schemas.microsoft.com/office/drawing/2014/main" id="{0946D6F4-996A-36E2-7692-F8109AA1875C}"/>
+              </a:ext>
+            </a:extLst>
+          </p:cNvPr>
+          <p:cNvSpPr txBox="1"/>
+          <p:nvPr/>
+        </p:nvSpPr>
+        <p:spPr>
+          <a:xfrm>
+            <a:off x="1914797" y="5602021"/>
+            <a:ext cx="2682240" cy="369332"/>
+          </a:xfrm>
+          <a:prstGeom prst="rect">
+            <a:avLst/>
+          </a:prstGeom>
+          <a:noFill/>
+        </p:spPr>
+        <p:txBody>
+          <a:bodyPr wrap="square" rtlCol="0">
+            <a:spAutoFit/>
+          </a:bodyPr>
+          <a:lstStyle/>
+          <a:p>
+            <a:pPr algn="ctr"/>
+            <a:r>
+              <a:rPr lang="en-US" dirty="0"/>
+              <a:t>timestamp + value</a:t>
+            </a:r>
+            <a:endParaRPr lang="ro-RO" dirty="0"/>
           </a:p>
         </p:txBody>
       </p:sp>
     </p:spTree>
     <p:extLst>
       <p:ext uri="{BB962C8B-B14F-4D97-AF65-F5344CB8AC3E}">
-        <p14:creationId xmlns:p14="http://schemas.microsoft.com/office/powerpoint/2010/main" val="1575694141"/>
+        <p14:creationId xmlns:p14="http://schemas.microsoft.com/office/powerpoint/2010/main" val="505597921"/>
       </p:ext>
     </p:extLst>
   </p:cSld>
@@ -4841,10 +7980,10 @@
       </p:grpSpPr>
       <p:sp>
         <p:nvSpPr>
-          <p:cNvPr id="2" name="Title 1">
-            <a:extLst>
-              <a:ext uri="{FF2B5EF4-FFF2-40B4-BE49-F238E27FC236}">
-                <a16:creationId xmlns:a16="http://schemas.microsoft.com/office/drawing/2014/main" id="{BA2BCEA1-B6CA-F760-3E83-8499E997BC15}"/>
+          <p:cNvPr id="2" name="Titlu 1">
+            <a:extLst>
+              <a:ext uri="{FF2B5EF4-FFF2-40B4-BE49-F238E27FC236}">
+                <a16:creationId xmlns:a16="http://schemas.microsoft.com/office/drawing/2014/main" id="{9EC81CA7-D203-48F3-FEB8-8576E7A7359C}"/>
               </a:ext>
             </a:extLst>
           </p:cNvPr>
@@ -4857,418 +7996,857 @@
         </p:nvSpPr>
         <p:spPr/>
         <p:txBody>
-          <a:bodyPr>
-            <a:normAutofit/>
+          <a:bodyPr/>
+          <a:lstStyle/>
+          <a:p>
+            <a:r>
+              <a:rPr lang="en-US" dirty="0" err="1"/>
+              <a:t>Algoritmul</a:t>
+            </a:r>
+            <a:r>
+              <a:rPr lang="en-US" dirty="0"/>
+              <a:t> de </a:t>
+            </a:r>
+            <a:r>
+              <a:rPr lang="en-US" dirty="0" err="1"/>
+              <a:t>compresie</a:t>
+            </a:r>
+            <a:r>
+              <a:rPr lang="en-US" dirty="0"/>
+              <a:t> Gorilla</a:t>
+            </a:r>
+            <a:endParaRPr lang="ro-RO" dirty="0"/>
+          </a:p>
+        </p:txBody>
+      </p:sp>
+      <p:sp>
+        <p:nvSpPr>
+          <p:cNvPr id="3" name="CasetăText 2">
+            <a:extLst>
+              <a:ext uri="{FF2B5EF4-FFF2-40B4-BE49-F238E27FC236}">
+                <a16:creationId xmlns:a16="http://schemas.microsoft.com/office/drawing/2014/main" id="{55D46C96-E019-C828-6111-7CB36F296FCF}"/>
+              </a:ext>
+            </a:extLst>
+          </p:cNvPr>
+          <p:cNvSpPr txBox="1"/>
+          <p:nvPr/>
+        </p:nvSpPr>
+        <p:spPr>
+          <a:xfrm>
+            <a:off x="566057" y="2393112"/>
+            <a:ext cx="1798325" cy="923330"/>
+          </a:xfrm>
+          <a:prstGeom prst="rect">
+            <a:avLst/>
+          </a:prstGeom>
+          <a:noFill/>
+        </p:spPr>
+        <p:txBody>
+          <a:bodyPr wrap="square" rtlCol="0">
+            <a:spAutoFit/>
           </a:bodyPr>
           <a:lstStyle/>
           <a:p>
-            <a:r>
-              <a:rPr lang="en-US" sz="2400" dirty="0" err="1"/>
-              <a:t>Procesul</a:t>
-            </a:r>
-            <a:r>
-              <a:rPr lang="en-US" sz="2400" dirty="0"/>
-              <a:t> de </a:t>
-            </a:r>
-            <a:r>
-              <a:rPr lang="en-US" sz="2400" dirty="0" err="1"/>
-              <a:t>Compresie</a:t>
-            </a:r>
-            <a:r>
-              <a:rPr lang="en-US" sz="2400" dirty="0"/>
-              <a:t> XOR</a:t>
-            </a:r>
-          </a:p>
-        </p:txBody>
-      </p:sp>
-      <p:sp>
-        <p:nvSpPr>
-          <p:cNvPr id="3" name="Content Placeholder 2">
-            <a:extLst>
-              <a:ext uri="{FF2B5EF4-FFF2-40B4-BE49-F238E27FC236}">
-                <a16:creationId xmlns:a16="http://schemas.microsoft.com/office/drawing/2014/main" id="{A80222C0-E363-7004-C71C-A87A1EA1B439}"/>
-              </a:ext>
-            </a:extLst>
-          </p:cNvPr>
-          <p:cNvSpPr>
-            <a:spLocks noGrp="1"/>
-          </p:cNvSpPr>
-          <p:nvPr>
-            <p:ph idx="1"/>
-          </p:nvPr>
-        </p:nvSpPr>
-        <p:spPr/>
-        <p:txBody>
-          <a:bodyPr>
-            <a:normAutofit/>
-          </a:bodyPr>
-          <a:lstStyle/>
-          <a:p>
-            <a:pPr>
+            <a:pPr marL="285750" indent="-285750" algn="ctr">
               <a:buFont typeface="Arial" panose="020B0604020202020204" pitchFamily="34" charset="0"/>
               <a:buChar char="•"/>
             </a:pPr>
-            <a:endParaRPr lang="en-US" dirty="0"/>
-          </a:p>
-          <a:p>
-            <a:pPr>
+            <a:r>
+              <a:rPr lang="it-IT" dirty="0"/>
+              <a:t>datele sunt </a:t>
+            </a:r>
+          </a:p>
+          <a:p>
+            <a:pPr algn="ctr"/>
+            <a:r>
+              <a:rPr lang="it-IT" dirty="0"/>
+              <a:t>organizate </a:t>
+            </a:r>
+          </a:p>
+          <a:p>
+            <a:pPr algn="ctr"/>
+            <a:r>
+              <a:rPr lang="it-IT" dirty="0"/>
+              <a:t>în blocuri (2h)</a:t>
+            </a:r>
+          </a:p>
+        </p:txBody>
+      </p:sp>
+      <p:sp>
+        <p:nvSpPr>
+          <p:cNvPr id="4" name="Dreptunghi 3">
+            <a:extLst>
+              <a:ext uri="{FF2B5EF4-FFF2-40B4-BE49-F238E27FC236}">
+                <a16:creationId xmlns:a16="http://schemas.microsoft.com/office/drawing/2014/main" id="{82ABD053-CB75-0D9E-C36C-A57ACA20BB74}"/>
+              </a:ext>
+            </a:extLst>
+          </p:cNvPr>
+          <p:cNvSpPr/>
+          <p:nvPr/>
+        </p:nvSpPr>
+        <p:spPr>
+          <a:xfrm>
+            <a:off x="2721429" y="1977931"/>
+            <a:ext cx="2705100" cy="1823357"/>
+          </a:xfrm>
+          <a:prstGeom prst="rect">
+            <a:avLst/>
+          </a:prstGeom>
+          <a:solidFill>
+            <a:schemeClr val="bg1"/>
+          </a:solidFill>
+          <a:ln>
+            <a:solidFill>
+              <a:schemeClr val="bg2">
+                <a:lumMod val="50000"/>
+              </a:schemeClr>
+            </a:solidFill>
+          </a:ln>
+        </p:spPr>
+        <p:style>
+          <a:lnRef idx="2">
+            <a:schemeClr val="accent1">
+              <a:shade val="15000"/>
+            </a:schemeClr>
+          </a:lnRef>
+          <a:fillRef idx="1">
+            <a:schemeClr val="accent1"/>
+          </a:fillRef>
+          <a:effectRef idx="0">
+            <a:schemeClr val="accent1"/>
+          </a:effectRef>
+          <a:fontRef idx="minor">
+            <a:schemeClr val="lt1"/>
+          </a:fontRef>
+        </p:style>
+        <p:txBody>
+          <a:bodyPr rtlCol="0" anchor="ctr"/>
+          <a:lstStyle/>
+          <a:p>
+            <a:pPr algn="ctr"/>
+            <a:endParaRPr lang="ro-RO"/>
+          </a:p>
+        </p:txBody>
+      </p:sp>
+      <p:sp>
+        <p:nvSpPr>
+          <p:cNvPr id="5" name="CasetăText 4">
+            <a:extLst>
+              <a:ext uri="{FF2B5EF4-FFF2-40B4-BE49-F238E27FC236}">
+                <a16:creationId xmlns:a16="http://schemas.microsoft.com/office/drawing/2014/main" id="{7311E0FB-900D-C5EC-83DA-5202F7906674}"/>
+              </a:ext>
+            </a:extLst>
+          </p:cNvPr>
+          <p:cNvSpPr txBox="1"/>
+          <p:nvPr/>
+        </p:nvSpPr>
+        <p:spPr>
+          <a:xfrm>
+            <a:off x="3401786" y="2012446"/>
+            <a:ext cx="1344386" cy="1754326"/>
+          </a:xfrm>
+          <a:prstGeom prst="rect">
+            <a:avLst/>
+          </a:prstGeom>
+          <a:noFill/>
+        </p:spPr>
+        <p:txBody>
+          <a:bodyPr wrap="square" rtlCol="0">
+            <a:spAutoFit/>
+          </a:bodyPr>
+          <a:lstStyle/>
+          <a:p>
+            <a:pPr algn="ctr"/>
+            <a:r>
+              <a:rPr lang="en-US" dirty="0"/>
+              <a:t>(t1, v1)</a:t>
+            </a:r>
+          </a:p>
+          <a:p>
+            <a:pPr algn="ctr"/>
+            <a:r>
+              <a:rPr lang="en-US" dirty="0"/>
+              <a:t>(t2, v2)</a:t>
+            </a:r>
+          </a:p>
+          <a:p>
+            <a:pPr algn="ctr"/>
+            <a:r>
+              <a:rPr lang="en-US" dirty="0"/>
+              <a:t>    .</a:t>
+            </a:r>
+          </a:p>
+          <a:p>
+            <a:pPr algn="ctr"/>
+            <a:r>
+              <a:rPr lang="en-US" dirty="0"/>
+              <a:t>    .</a:t>
+            </a:r>
+          </a:p>
+          <a:p>
+            <a:pPr algn="ctr"/>
+            <a:r>
+              <a:rPr lang="en-US" dirty="0"/>
+              <a:t>    . </a:t>
+            </a:r>
+          </a:p>
+          <a:p>
+            <a:pPr algn="ctr"/>
+            <a:r>
+              <a:rPr lang="en-US" dirty="0"/>
+              <a:t>(</a:t>
+            </a:r>
+            <a:r>
+              <a:rPr lang="en-US" dirty="0" err="1"/>
+              <a:t>t_n</a:t>
+            </a:r>
+            <a:r>
+              <a:rPr lang="en-US" dirty="0"/>
+              <a:t>, </a:t>
+            </a:r>
+            <a:r>
+              <a:rPr lang="en-US" dirty="0" err="1"/>
+              <a:t>v_n</a:t>
+            </a:r>
+            <a:r>
+              <a:rPr lang="en-US" dirty="0"/>
+              <a:t>)</a:t>
+            </a:r>
+            <a:endParaRPr lang="ro-RO" dirty="0"/>
+          </a:p>
+        </p:txBody>
+      </p:sp>
+      <p:sp>
+        <p:nvSpPr>
+          <p:cNvPr id="6" name="Dreptunghi 5">
+            <a:extLst>
+              <a:ext uri="{FF2B5EF4-FFF2-40B4-BE49-F238E27FC236}">
+                <a16:creationId xmlns:a16="http://schemas.microsoft.com/office/drawing/2014/main" id="{E6EF2AF4-164F-BAF7-61F6-E04DBCDA9448}"/>
+              </a:ext>
+            </a:extLst>
+          </p:cNvPr>
+          <p:cNvSpPr/>
+          <p:nvPr/>
+        </p:nvSpPr>
+        <p:spPr>
+          <a:xfrm>
+            <a:off x="5682344" y="1977931"/>
+            <a:ext cx="2705100" cy="1823357"/>
+          </a:xfrm>
+          <a:prstGeom prst="rect">
+            <a:avLst/>
+          </a:prstGeom>
+          <a:solidFill>
+            <a:schemeClr val="bg1"/>
+          </a:solidFill>
+          <a:ln>
+            <a:solidFill>
+              <a:schemeClr val="accent1">
+                <a:lumMod val="60000"/>
+                <a:lumOff val="40000"/>
+              </a:schemeClr>
+            </a:solidFill>
+          </a:ln>
+        </p:spPr>
+        <p:style>
+          <a:lnRef idx="2">
+            <a:schemeClr val="accent1">
+              <a:shade val="15000"/>
+            </a:schemeClr>
+          </a:lnRef>
+          <a:fillRef idx="1">
+            <a:schemeClr val="accent1"/>
+          </a:fillRef>
+          <a:effectRef idx="0">
+            <a:schemeClr val="accent1"/>
+          </a:effectRef>
+          <a:fontRef idx="minor">
+            <a:schemeClr val="lt1"/>
+          </a:fontRef>
+        </p:style>
+        <p:txBody>
+          <a:bodyPr rtlCol="0" anchor="ctr"/>
+          <a:lstStyle/>
+          <a:p>
+            <a:pPr algn="ctr"/>
+            <a:endParaRPr lang="ro-RO"/>
+          </a:p>
+        </p:txBody>
+      </p:sp>
+      <p:sp>
+        <p:nvSpPr>
+          <p:cNvPr id="7" name="CasetăText 6">
+            <a:extLst>
+              <a:ext uri="{FF2B5EF4-FFF2-40B4-BE49-F238E27FC236}">
+                <a16:creationId xmlns:a16="http://schemas.microsoft.com/office/drawing/2014/main" id="{B5470A22-DC69-76BD-C508-B7A6D33E8DD7}"/>
+              </a:ext>
+            </a:extLst>
+          </p:cNvPr>
+          <p:cNvSpPr txBox="1"/>
+          <p:nvPr/>
+        </p:nvSpPr>
+        <p:spPr>
+          <a:xfrm>
+            <a:off x="6362701" y="2012446"/>
+            <a:ext cx="1344386" cy="1754326"/>
+          </a:xfrm>
+          <a:prstGeom prst="rect">
+            <a:avLst/>
+          </a:prstGeom>
+          <a:noFill/>
+        </p:spPr>
+        <p:txBody>
+          <a:bodyPr wrap="square" rtlCol="0">
+            <a:spAutoFit/>
+          </a:bodyPr>
+          <a:lstStyle/>
+          <a:p>
+            <a:pPr algn="ctr"/>
+            <a:r>
+              <a:rPr lang="en-US" dirty="0"/>
+              <a:t>(t1, v1)</a:t>
+            </a:r>
+          </a:p>
+          <a:p>
+            <a:pPr algn="ctr"/>
+            <a:r>
+              <a:rPr lang="en-US" dirty="0"/>
+              <a:t>(t2, v2)</a:t>
+            </a:r>
+          </a:p>
+          <a:p>
+            <a:pPr algn="ctr"/>
+            <a:r>
+              <a:rPr lang="en-US" dirty="0"/>
+              <a:t>    .</a:t>
+            </a:r>
+          </a:p>
+          <a:p>
+            <a:pPr algn="ctr"/>
+            <a:r>
+              <a:rPr lang="en-US" dirty="0"/>
+              <a:t>    .</a:t>
+            </a:r>
+          </a:p>
+          <a:p>
+            <a:pPr algn="ctr"/>
+            <a:r>
+              <a:rPr lang="en-US" dirty="0"/>
+              <a:t>    . </a:t>
+            </a:r>
+          </a:p>
+          <a:p>
+            <a:pPr algn="ctr"/>
+            <a:r>
+              <a:rPr lang="en-US" dirty="0"/>
+              <a:t>(</a:t>
+            </a:r>
+            <a:r>
+              <a:rPr lang="en-US" dirty="0" err="1"/>
+              <a:t>t_n</a:t>
+            </a:r>
+            <a:r>
+              <a:rPr lang="en-US" dirty="0"/>
+              <a:t>, </a:t>
+            </a:r>
+            <a:r>
+              <a:rPr lang="en-US" dirty="0" err="1"/>
+              <a:t>v_n</a:t>
+            </a:r>
+            <a:r>
+              <a:rPr lang="en-US" dirty="0"/>
+              <a:t>)</a:t>
+            </a:r>
+            <a:endParaRPr lang="ro-RO" dirty="0"/>
+          </a:p>
+        </p:txBody>
+      </p:sp>
+      <p:sp>
+        <p:nvSpPr>
+          <p:cNvPr id="8" name="Dreptunghi 7">
+            <a:extLst>
+              <a:ext uri="{FF2B5EF4-FFF2-40B4-BE49-F238E27FC236}">
+                <a16:creationId xmlns:a16="http://schemas.microsoft.com/office/drawing/2014/main" id="{1ABC3698-0141-6F0D-9002-B2F8F2150E91}"/>
+              </a:ext>
+            </a:extLst>
+          </p:cNvPr>
+          <p:cNvSpPr/>
+          <p:nvPr/>
+        </p:nvSpPr>
+        <p:spPr>
+          <a:xfrm>
+            <a:off x="8643259" y="1977931"/>
+            <a:ext cx="2705100" cy="1823357"/>
+          </a:xfrm>
+          <a:prstGeom prst="rect">
+            <a:avLst/>
+          </a:prstGeom>
+          <a:solidFill>
+            <a:schemeClr val="bg1"/>
+          </a:solidFill>
+          <a:ln>
+            <a:solidFill>
+              <a:srgbClr val="00B050"/>
+            </a:solidFill>
+          </a:ln>
+        </p:spPr>
+        <p:style>
+          <a:lnRef idx="2">
+            <a:schemeClr val="accent1">
+              <a:shade val="15000"/>
+            </a:schemeClr>
+          </a:lnRef>
+          <a:fillRef idx="1">
+            <a:schemeClr val="accent1"/>
+          </a:fillRef>
+          <a:effectRef idx="0">
+            <a:schemeClr val="accent1"/>
+          </a:effectRef>
+          <a:fontRef idx="minor">
+            <a:schemeClr val="lt1"/>
+          </a:fontRef>
+        </p:style>
+        <p:txBody>
+          <a:bodyPr rtlCol="0" anchor="ctr"/>
+          <a:lstStyle/>
+          <a:p>
+            <a:pPr algn="ctr"/>
+            <a:endParaRPr lang="ro-RO"/>
+          </a:p>
+        </p:txBody>
+      </p:sp>
+      <p:sp>
+        <p:nvSpPr>
+          <p:cNvPr id="9" name="CasetăText 8">
+            <a:extLst>
+              <a:ext uri="{FF2B5EF4-FFF2-40B4-BE49-F238E27FC236}">
+                <a16:creationId xmlns:a16="http://schemas.microsoft.com/office/drawing/2014/main" id="{759D8526-49FF-3B08-35C0-3CD6F53FA5F5}"/>
+              </a:ext>
+            </a:extLst>
+          </p:cNvPr>
+          <p:cNvSpPr txBox="1"/>
+          <p:nvPr/>
+        </p:nvSpPr>
+        <p:spPr>
+          <a:xfrm>
+            <a:off x="9323616" y="2012446"/>
+            <a:ext cx="1344386" cy="1754326"/>
+          </a:xfrm>
+          <a:prstGeom prst="rect">
+            <a:avLst/>
+          </a:prstGeom>
+          <a:noFill/>
+        </p:spPr>
+        <p:txBody>
+          <a:bodyPr wrap="square" rtlCol="0">
+            <a:spAutoFit/>
+          </a:bodyPr>
+          <a:lstStyle/>
+          <a:p>
+            <a:pPr algn="ctr"/>
+            <a:r>
+              <a:rPr lang="en-US" dirty="0"/>
+              <a:t>(t1, v1)</a:t>
+            </a:r>
+          </a:p>
+          <a:p>
+            <a:pPr algn="ctr"/>
+            <a:r>
+              <a:rPr lang="en-US" dirty="0"/>
+              <a:t>(t2, v2)</a:t>
+            </a:r>
+          </a:p>
+          <a:p>
+            <a:pPr algn="ctr"/>
+            <a:r>
+              <a:rPr lang="en-US" dirty="0"/>
+              <a:t>    .</a:t>
+            </a:r>
+          </a:p>
+          <a:p>
+            <a:pPr algn="ctr"/>
+            <a:r>
+              <a:rPr lang="en-US" dirty="0"/>
+              <a:t>    .</a:t>
+            </a:r>
+          </a:p>
+          <a:p>
+            <a:pPr algn="ctr"/>
+            <a:r>
+              <a:rPr lang="en-US" dirty="0"/>
+              <a:t>    . </a:t>
+            </a:r>
+          </a:p>
+          <a:p>
+            <a:pPr algn="ctr"/>
+            <a:r>
+              <a:rPr lang="en-US" dirty="0"/>
+              <a:t>(</a:t>
+            </a:r>
+            <a:r>
+              <a:rPr lang="en-US" dirty="0" err="1"/>
+              <a:t>t_n</a:t>
+            </a:r>
+            <a:r>
+              <a:rPr lang="en-US" dirty="0"/>
+              <a:t>, </a:t>
+            </a:r>
+            <a:r>
+              <a:rPr lang="en-US" dirty="0" err="1"/>
+              <a:t>v_n</a:t>
+            </a:r>
+            <a:r>
+              <a:rPr lang="en-US" dirty="0"/>
+              <a:t>)</a:t>
+            </a:r>
+            <a:endParaRPr lang="ro-RO" dirty="0"/>
+          </a:p>
+        </p:txBody>
+      </p:sp>
+      <p:sp>
+        <p:nvSpPr>
+          <p:cNvPr id="10" name="CasetăText 9">
+            <a:extLst>
+              <a:ext uri="{FF2B5EF4-FFF2-40B4-BE49-F238E27FC236}">
+                <a16:creationId xmlns:a16="http://schemas.microsoft.com/office/drawing/2014/main" id="{50F69F09-F169-19D9-291F-C777F735806E}"/>
+              </a:ext>
+            </a:extLst>
+          </p:cNvPr>
+          <p:cNvSpPr txBox="1"/>
+          <p:nvPr/>
+        </p:nvSpPr>
+        <p:spPr>
+          <a:xfrm>
+            <a:off x="11455040" y="2670111"/>
+            <a:ext cx="620486" cy="369332"/>
+          </a:xfrm>
+          <a:prstGeom prst="rect">
+            <a:avLst/>
+          </a:prstGeom>
+          <a:noFill/>
+        </p:spPr>
+        <p:txBody>
+          <a:bodyPr wrap="square" rtlCol="0">
+            <a:spAutoFit/>
+          </a:bodyPr>
+          <a:lstStyle/>
+          <a:p>
+            <a:r>
+              <a:rPr lang="en-US" dirty="0"/>
+              <a:t>. . .</a:t>
+            </a:r>
+            <a:endParaRPr lang="ro-RO" dirty="0"/>
+          </a:p>
+        </p:txBody>
+      </p:sp>
+      <p:sp>
+        <p:nvSpPr>
+          <p:cNvPr id="11" name="CasetăText 10">
+            <a:extLst>
+              <a:ext uri="{FF2B5EF4-FFF2-40B4-BE49-F238E27FC236}">
+                <a16:creationId xmlns:a16="http://schemas.microsoft.com/office/drawing/2014/main" id="{0915B8EB-7145-3D2D-15AB-B3C394AEDD79}"/>
+              </a:ext>
+            </a:extLst>
+          </p:cNvPr>
+          <p:cNvSpPr txBox="1"/>
+          <p:nvPr/>
+        </p:nvSpPr>
+        <p:spPr>
+          <a:xfrm>
+            <a:off x="2669178" y="1945274"/>
+            <a:ext cx="2416628" cy="369332"/>
+          </a:xfrm>
+          <a:prstGeom prst="rect">
+            <a:avLst/>
+          </a:prstGeom>
+          <a:noFill/>
+        </p:spPr>
+        <p:txBody>
+          <a:bodyPr wrap="square" rtlCol="0">
+            <a:spAutoFit/>
+          </a:bodyPr>
+          <a:lstStyle/>
+          <a:p>
+            <a:r>
+              <a:rPr lang="en-US" dirty="0"/>
+              <a:t>16:00</a:t>
+            </a:r>
+            <a:endParaRPr lang="ro-RO" dirty="0"/>
+          </a:p>
+        </p:txBody>
+      </p:sp>
+      <p:sp>
+        <p:nvSpPr>
+          <p:cNvPr id="12" name="CasetăText 11">
+            <a:extLst>
+              <a:ext uri="{FF2B5EF4-FFF2-40B4-BE49-F238E27FC236}">
+                <a16:creationId xmlns:a16="http://schemas.microsoft.com/office/drawing/2014/main" id="{3AF16610-5AE4-CF29-4C38-9ACD951EA6A6}"/>
+              </a:ext>
+            </a:extLst>
+          </p:cNvPr>
+          <p:cNvSpPr txBox="1"/>
+          <p:nvPr/>
+        </p:nvSpPr>
+        <p:spPr>
+          <a:xfrm>
+            <a:off x="8662850" y="1960514"/>
+            <a:ext cx="2416628" cy="369332"/>
+          </a:xfrm>
+          <a:prstGeom prst="rect">
+            <a:avLst/>
+          </a:prstGeom>
+          <a:noFill/>
+        </p:spPr>
+        <p:txBody>
+          <a:bodyPr wrap="square" rtlCol="0">
+            <a:spAutoFit/>
+          </a:bodyPr>
+          <a:lstStyle/>
+          <a:p>
+            <a:r>
+              <a:rPr lang="en-US" dirty="0"/>
+              <a:t>20:00</a:t>
+            </a:r>
+            <a:endParaRPr lang="ro-RO" dirty="0"/>
+          </a:p>
+        </p:txBody>
+      </p:sp>
+      <p:sp>
+        <p:nvSpPr>
+          <p:cNvPr id="13" name="CasetăText 12">
+            <a:extLst>
+              <a:ext uri="{FF2B5EF4-FFF2-40B4-BE49-F238E27FC236}">
+                <a16:creationId xmlns:a16="http://schemas.microsoft.com/office/drawing/2014/main" id="{91BD5927-4EF0-893E-7697-E3FF19209155}"/>
+              </a:ext>
+            </a:extLst>
+          </p:cNvPr>
+          <p:cNvSpPr txBox="1"/>
+          <p:nvPr/>
+        </p:nvSpPr>
+        <p:spPr>
+          <a:xfrm>
+            <a:off x="5646423" y="1954288"/>
+            <a:ext cx="2416628" cy="369332"/>
+          </a:xfrm>
+          <a:prstGeom prst="rect">
+            <a:avLst/>
+          </a:prstGeom>
+          <a:noFill/>
+        </p:spPr>
+        <p:txBody>
+          <a:bodyPr wrap="square" rtlCol="0">
+            <a:spAutoFit/>
+          </a:bodyPr>
+          <a:lstStyle/>
+          <a:p>
+            <a:r>
+              <a:rPr lang="en-US" dirty="0"/>
+              <a:t>18:00</a:t>
+            </a:r>
+            <a:endParaRPr lang="ro-RO" dirty="0"/>
+          </a:p>
+        </p:txBody>
+      </p:sp>
+      <p:sp>
+        <p:nvSpPr>
+          <p:cNvPr id="14" name="CasetăText 13">
+            <a:extLst>
+              <a:ext uri="{FF2B5EF4-FFF2-40B4-BE49-F238E27FC236}">
+                <a16:creationId xmlns:a16="http://schemas.microsoft.com/office/drawing/2014/main" id="{5BF97EDC-3954-8312-2407-7C21ED912B57}"/>
+              </a:ext>
+            </a:extLst>
+          </p:cNvPr>
+          <p:cNvSpPr txBox="1"/>
+          <p:nvPr/>
+        </p:nvSpPr>
+        <p:spPr>
+          <a:xfrm>
+            <a:off x="4186644" y="3766772"/>
+            <a:ext cx="1445623" cy="369332"/>
+          </a:xfrm>
+          <a:prstGeom prst="rect">
+            <a:avLst/>
+          </a:prstGeom>
+          <a:noFill/>
+        </p:spPr>
+        <p:txBody>
+          <a:bodyPr wrap="square" rtlCol="0">
+            <a:spAutoFit/>
+          </a:bodyPr>
+          <a:lstStyle/>
+          <a:p>
+            <a:r>
+              <a:rPr lang="en-US" dirty="0"/>
+              <a:t># datapoints</a:t>
+            </a:r>
+            <a:endParaRPr lang="ro-RO" dirty="0"/>
+          </a:p>
+        </p:txBody>
+      </p:sp>
+      <p:sp>
+        <p:nvSpPr>
+          <p:cNvPr id="15" name="CasetăText 14">
+            <a:extLst>
+              <a:ext uri="{FF2B5EF4-FFF2-40B4-BE49-F238E27FC236}">
+                <a16:creationId xmlns:a16="http://schemas.microsoft.com/office/drawing/2014/main" id="{908E906A-7ACA-7A7C-5658-1E83714BD588}"/>
+              </a:ext>
+            </a:extLst>
+          </p:cNvPr>
+          <p:cNvSpPr txBox="1"/>
+          <p:nvPr/>
+        </p:nvSpPr>
+        <p:spPr>
+          <a:xfrm>
+            <a:off x="7190014" y="3766772"/>
+            <a:ext cx="1445623" cy="369332"/>
+          </a:xfrm>
+          <a:prstGeom prst="rect">
+            <a:avLst/>
+          </a:prstGeom>
+          <a:noFill/>
+        </p:spPr>
+        <p:txBody>
+          <a:bodyPr wrap="square" rtlCol="0">
+            <a:spAutoFit/>
+          </a:bodyPr>
+          <a:lstStyle/>
+          <a:p>
+            <a:r>
+              <a:rPr lang="en-US" dirty="0"/>
+              <a:t># datapoints</a:t>
+            </a:r>
+            <a:endParaRPr lang="ro-RO" dirty="0"/>
+          </a:p>
+        </p:txBody>
+      </p:sp>
+      <p:sp>
+        <p:nvSpPr>
+          <p:cNvPr id="16" name="CasetăText 15">
+            <a:extLst>
+              <a:ext uri="{FF2B5EF4-FFF2-40B4-BE49-F238E27FC236}">
+                <a16:creationId xmlns:a16="http://schemas.microsoft.com/office/drawing/2014/main" id="{173BE9EE-CCE4-32B2-043C-DC01AC9E0CC9}"/>
+              </a:ext>
+            </a:extLst>
+          </p:cNvPr>
+          <p:cNvSpPr txBox="1"/>
+          <p:nvPr/>
+        </p:nvSpPr>
+        <p:spPr>
+          <a:xfrm>
+            <a:off x="10180320" y="3762883"/>
+            <a:ext cx="1445623" cy="369332"/>
+          </a:xfrm>
+          <a:prstGeom prst="rect">
+            <a:avLst/>
+          </a:prstGeom>
+          <a:noFill/>
+        </p:spPr>
+        <p:txBody>
+          <a:bodyPr wrap="square" rtlCol="0">
+            <a:spAutoFit/>
+          </a:bodyPr>
+          <a:lstStyle/>
+          <a:p>
+            <a:r>
+              <a:rPr lang="en-US" dirty="0"/>
+              <a:t># datapoints</a:t>
+            </a:r>
+            <a:endParaRPr lang="ro-RO" dirty="0"/>
+          </a:p>
+        </p:txBody>
+      </p:sp>
+      <p:pic>
+        <p:nvPicPr>
+          <p:cNvPr id="18" name="Imagine 17" descr="O imagine care conține text, Font, linie, captură de ecran&#10;&#10;Conținutul generat de inteligența artificială poate fi incorect.">
+            <a:extLst>
+              <a:ext uri="{FF2B5EF4-FFF2-40B4-BE49-F238E27FC236}">
+                <a16:creationId xmlns:a16="http://schemas.microsoft.com/office/drawing/2014/main" id="{10B24F42-7937-8CF4-C973-D76F2631D4B1}"/>
+              </a:ext>
+            </a:extLst>
+          </p:cNvPr>
+          <p:cNvPicPr>
+            <a:picLocks noChangeAspect="1"/>
+          </p:cNvPicPr>
+          <p:nvPr/>
+        </p:nvPicPr>
+        <p:blipFill>
+          <a:blip r:embed="rId2"/>
+          <a:stretch>
+            <a:fillRect/>
+          </a:stretch>
+        </p:blipFill>
+        <p:spPr>
+          <a:xfrm>
+            <a:off x="591095" y="4283368"/>
+            <a:ext cx="6115904" cy="1962424"/>
+          </a:xfrm>
+          <a:prstGeom prst="rect">
+            <a:avLst/>
+          </a:prstGeom>
+        </p:spPr>
+      </p:pic>
+      <p:sp>
+        <p:nvSpPr>
+          <p:cNvPr id="19" name="CasetăText 18">
+            <a:extLst>
+              <a:ext uri="{FF2B5EF4-FFF2-40B4-BE49-F238E27FC236}">
+                <a16:creationId xmlns:a16="http://schemas.microsoft.com/office/drawing/2014/main" id="{D93DFFAC-0801-7E28-115E-374291288F7C}"/>
+              </a:ext>
+            </a:extLst>
+          </p:cNvPr>
+          <p:cNvSpPr txBox="1"/>
+          <p:nvPr/>
+        </p:nvSpPr>
+        <p:spPr>
+          <a:xfrm>
+            <a:off x="7418614" y="4911159"/>
+            <a:ext cx="4263934" cy="646331"/>
+          </a:xfrm>
+          <a:prstGeom prst="rect">
+            <a:avLst/>
+          </a:prstGeom>
+          <a:noFill/>
+        </p:spPr>
+        <p:txBody>
+          <a:bodyPr wrap="square" rtlCol="0">
+            <a:spAutoFit/>
+          </a:bodyPr>
+          <a:lstStyle/>
+          <a:p>
+            <a:pPr marL="285750" indent="-285750">
               <a:buFont typeface="Arial" panose="020B0604020202020204" pitchFamily="34" charset="0"/>
               <a:buChar char="•"/>
             </a:pPr>
             <a:r>
+              <a:rPr lang="en-US" dirty="0" err="1"/>
+              <a:t>Compresie</a:t>
+            </a:r>
+            <a:r>
               <a:rPr lang="en-US" dirty="0"/>
-              <a:t> </a:t>
-            </a:r>
-            <a:r>
-              <a:rPr lang="en-US" altLang="en-US" sz="1800" dirty="0" err="1">
-                <a:solidFill>
-                  <a:schemeClr val="tx1"/>
-                </a:solidFill>
-                <a:latin typeface="Google Sans Text"/>
-              </a:rPr>
-              <a:t>Calculul</a:t>
-            </a:r>
-            <a:r>
-              <a:rPr lang="en-US" altLang="en-US" sz="1800" dirty="0">
-                <a:solidFill>
-                  <a:schemeClr val="tx1"/>
-                </a:solidFill>
-                <a:latin typeface="Google Sans Text"/>
-              </a:rPr>
-              <a:t> </a:t>
-            </a:r>
-            <a:r>
-              <a:rPr lang="en-US" altLang="en-US" sz="1800" dirty="0" err="1">
-                <a:solidFill>
-                  <a:schemeClr val="tx1"/>
-                </a:solidFill>
-                <a:latin typeface="Google Sans Text"/>
-              </a:rPr>
-              <a:t>Diferenței</a:t>
-            </a:r>
-            <a:r>
-              <a:rPr lang="en-US" altLang="en-US" sz="1800" dirty="0">
-                <a:solidFill>
-                  <a:schemeClr val="tx1"/>
-                </a:solidFill>
-                <a:latin typeface="Google Sans Text"/>
-              </a:rPr>
-              <a:t>:</a:t>
-            </a:r>
-            <a:r>
-              <a:rPr lang="en-US" altLang="en-US" sz="1800" dirty="0">
-                <a:solidFill>
-                  <a:schemeClr val="tx1"/>
-                </a:solidFill>
-              </a:rPr>
-              <a:t> Se </a:t>
-            </a:r>
-            <a:r>
-              <a:rPr lang="en-US" altLang="en-US" sz="1800" dirty="0" err="1">
-                <a:solidFill>
-                  <a:schemeClr val="tx1"/>
-                </a:solidFill>
-              </a:rPr>
-              <a:t>efectuează</a:t>
-            </a:r>
-            <a:r>
-              <a:rPr lang="en-US" altLang="en-US" sz="1800" dirty="0">
-                <a:solidFill>
-                  <a:schemeClr val="tx1"/>
-                </a:solidFill>
-              </a:rPr>
-              <a:t> </a:t>
-            </a:r>
-            <a:r>
-              <a:rPr lang="en-US" altLang="en-US" sz="1800" dirty="0" err="1">
-                <a:solidFill>
-                  <a:schemeClr val="tx1"/>
-                </a:solidFill>
-              </a:rPr>
-              <a:t>operația</a:t>
-            </a:r>
-            <a:r>
-              <a:rPr lang="en-US" altLang="en-US" sz="1800" dirty="0">
-                <a:solidFill>
-                  <a:schemeClr val="tx1"/>
-                </a:solidFill>
-              </a:rPr>
-              <a:t> </a:t>
-            </a:r>
-            <a:r>
-              <a:rPr lang="en-US" altLang="en-US" sz="1800" dirty="0">
-                <a:solidFill>
-                  <a:schemeClr val="tx1"/>
-                </a:solidFill>
-                <a:latin typeface="Google Sans Text"/>
-              </a:rPr>
-              <a:t>XOR</a:t>
-            </a:r>
-            <a:r>
-              <a:rPr lang="en-US" altLang="en-US" sz="1800" dirty="0">
-                <a:solidFill>
-                  <a:schemeClr val="tx1"/>
-                </a:solidFill>
-              </a:rPr>
-              <a:t> </a:t>
-            </a:r>
-            <a:r>
-              <a:rPr lang="en-US" altLang="en-US" sz="1800" dirty="0" err="1">
-                <a:solidFill>
-                  <a:schemeClr val="tx1"/>
-                </a:solidFill>
-              </a:rPr>
-              <a:t>între</a:t>
-            </a:r>
-            <a:r>
-              <a:rPr lang="en-US" altLang="en-US" sz="1800" dirty="0">
-                <a:solidFill>
-                  <a:schemeClr val="tx1"/>
-                </a:solidFill>
-              </a:rPr>
-              <a:t> </a:t>
-            </a:r>
-            <a:r>
-              <a:rPr lang="en-US" altLang="en-US" sz="1800" dirty="0" err="1">
-                <a:solidFill>
-                  <a:schemeClr val="tx1"/>
-                </a:solidFill>
-              </a:rPr>
-              <a:t>valoarea</a:t>
-            </a:r>
-            <a:r>
-              <a:rPr lang="en-US" altLang="en-US" sz="1800" dirty="0">
-                <a:solidFill>
-                  <a:schemeClr val="tx1"/>
-                </a:solidFill>
-              </a:rPr>
-              <a:t> </a:t>
-            </a:r>
-            <a:r>
-              <a:rPr lang="en-US" altLang="en-US" sz="1800" dirty="0" err="1">
-                <a:solidFill>
-                  <a:schemeClr val="tx1"/>
-                </a:solidFill>
-              </a:rPr>
-              <a:t>curentă</a:t>
-            </a:r>
-            <a:r>
-              <a:rPr lang="en-US" altLang="en-US" sz="1800" dirty="0">
-                <a:solidFill>
-                  <a:schemeClr val="tx1"/>
-                </a:solidFill>
-              </a:rPr>
-              <a:t> </a:t>
-            </a:r>
-            <a:r>
-              <a:rPr lang="en-US" altLang="en-US" sz="1800" dirty="0" err="1">
-                <a:solidFill>
-                  <a:schemeClr val="tx1"/>
-                </a:solidFill>
-              </a:rPr>
-              <a:t>și</a:t>
-            </a:r>
-            <a:r>
-              <a:rPr lang="en-US" altLang="en-US" sz="1800" dirty="0">
-                <a:solidFill>
-                  <a:schemeClr val="tx1"/>
-                </a:solidFill>
-              </a:rPr>
-              <a:t> </a:t>
-            </a:r>
-            <a:r>
-              <a:rPr lang="en-US" altLang="en-US" sz="1800" dirty="0" err="1">
-                <a:solidFill>
-                  <a:schemeClr val="tx1"/>
-                </a:solidFill>
-              </a:rPr>
-              <a:t>cea</a:t>
-            </a:r>
-            <a:r>
-              <a:rPr lang="en-US" altLang="en-US" sz="1800" dirty="0">
-                <a:solidFill>
-                  <a:schemeClr val="tx1"/>
-                </a:solidFill>
-              </a:rPr>
-              <a:t> </a:t>
-            </a:r>
-            <a:r>
-              <a:rPr lang="en-US" altLang="en-US" sz="1800" dirty="0" err="1">
-                <a:solidFill>
-                  <a:schemeClr val="tx1"/>
-                </a:solidFill>
-              </a:rPr>
-              <a:t>precedentă</a:t>
-            </a:r>
-            <a:r>
-              <a:rPr lang="en-US" altLang="en-US" sz="1800" dirty="0">
-                <a:solidFill>
-                  <a:schemeClr val="tx1"/>
-                </a:solidFill>
-              </a:rPr>
-              <a:t>.</a:t>
-            </a:r>
-            <a:endParaRPr lang="en-US" altLang="en-US" sz="1800" dirty="0">
-              <a:solidFill>
-                <a:schemeClr val="tx1"/>
-              </a:solidFill>
-              <a:latin typeface="Arial" panose="020B0604020202020204" pitchFamily="34" charset="0"/>
-            </a:endParaRPr>
-          </a:p>
-          <a:p>
-            <a:pPr>
+              <a:t> timestamps: delta of delta</a:t>
+            </a:r>
+          </a:p>
+          <a:p>
+            <a:pPr marL="285750" indent="-285750">
               <a:buFont typeface="Arial" panose="020B0604020202020204" pitchFamily="34" charset="0"/>
               <a:buChar char="•"/>
             </a:pPr>
             <a:r>
-              <a:rPr lang="en-US" sz="1800" dirty="0"/>
-              <a:t> </a:t>
-            </a:r>
-            <a:r>
-              <a:rPr lang="en-US" sz="1800" dirty="0" err="1"/>
-              <a:t>Identificarea</a:t>
-            </a:r>
-            <a:r>
-              <a:rPr lang="en-US" sz="1800" dirty="0"/>
-              <a:t> </a:t>
-            </a:r>
-            <a:r>
-              <a:rPr lang="en-US" sz="1800" dirty="0" err="1"/>
-              <a:t>Biților</a:t>
-            </a:r>
-            <a:r>
-              <a:rPr lang="en-US" sz="1800" dirty="0"/>
-              <a:t> </a:t>
-            </a:r>
-            <a:r>
-              <a:rPr lang="en-US" sz="1800" dirty="0" err="1"/>
-              <a:t>Semnificativi</a:t>
-            </a:r>
-            <a:r>
-              <a:rPr lang="en-US" sz="1800" dirty="0"/>
-              <a:t>: Se </a:t>
-            </a:r>
-            <a:r>
-              <a:rPr lang="en-US" sz="1800" dirty="0" err="1"/>
-              <a:t>elimină</a:t>
-            </a:r>
-            <a:r>
-              <a:rPr lang="en-US" sz="1800" dirty="0"/>
-              <a:t> </a:t>
-            </a:r>
-            <a:r>
-              <a:rPr lang="en-US" sz="1800" dirty="0" err="1"/>
-              <a:t>zerourile</a:t>
-            </a:r>
-            <a:r>
-              <a:rPr lang="en-US" sz="1800" dirty="0"/>
-              <a:t> de la </a:t>
-            </a:r>
-            <a:r>
-              <a:rPr lang="en-US" sz="1800" dirty="0" err="1"/>
-              <a:t>început</a:t>
-            </a:r>
-            <a:r>
-              <a:rPr lang="en-US" sz="1800" dirty="0"/>
-              <a:t> </a:t>
-            </a:r>
-            <a:r>
-              <a:rPr lang="en-US" sz="1800" dirty="0" err="1"/>
-              <a:t>și</a:t>
-            </a:r>
-            <a:r>
-              <a:rPr lang="en-US" sz="1800" dirty="0"/>
-              <a:t> de la final.</a:t>
-            </a:r>
-          </a:p>
-          <a:p>
-            <a:pPr>
-              <a:buFont typeface="Arial" panose="020B0604020202020204" pitchFamily="34" charset="0"/>
-              <a:buChar char="•"/>
-            </a:pPr>
-            <a:r>
-              <a:rPr lang="en-US" sz="1800" dirty="0" err="1"/>
-              <a:t>Exemplu</a:t>
-            </a:r>
-            <a:r>
-              <a:rPr lang="en-US" sz="1800" dirty="0"/>
-              <a:t>:</a:t>
-            </a:r>
-          </a:p>
-          <a:p>
-            <a:pPr marL="0" indent="0">
-              <a:buNone/>
-            </a:pPr>
-            <a:r>
-              <a:rPr lang="en-US" sz="1800" dirty="0"/>
-              <a:t>       22.5: 01000000 00110110 10000000 00000000 00000000 00000000 00000000 00000000</a:t>
-            </a:r>
-          </a:p>
-          <a:p>
-            <a:pPr marL="0" indent="0">
-              <a:buNone/>
-            </a:pPr>
-            <a:r>
-              <a:rPr lang="en-US" sz="1800" dirty="0"/>
-              <a:t>       22.6: 01000000 00110110 10011001 10011001 10011001 10011001 10011001 10011010</a:t>
-            </a:r>
-          </a:p>
-          <a:p>
-            <a:pPr marL="0" indent="0">
-              <a:buNone/>
-            </a:pPr>
-            <a:r>
-              <a:rPr lang="en-US" sz="1800" dirty="0"/>
-              <a:t>       </a:t>
-            </a:r>
-            <a:r>
-              <a:rPr lang="en-US" sz="1800" dirty="0" err="1"/>
-              <a:t>Aplicam</a:t>
-            </a:r>
-            <a:r>
-              <a:rPr lang="en-US" sz="1800" dirty="0"/>
-              <a:t> XOR: 00000000 00000000 00010011001 10011001 10011001 10011001 10011001 10011010</a:t>
-            </a:r>
-          </a:p>
-          <a:p>
-            <a:pPr marL="0" indent="0">
-              <a:buNone/>
-            </a:pPr>
-            <a:r>
-              <a:rPr lang="en-US" sz="1800" dirty="0"/>
-              <a:t>       Biti </a:t>
-            </a:r>
-            <a:r>
-              <a:rPr lang="en-US" sz="1800" dirty="0" err="1"/>
-              <a:t>semnificativi</a:t>
-            </a:r>
-            <a:r>
-              <a:rPr lang="en-US" sz="1800" dirty="0"/>
-              <a:t>: 10011001 10011001 10011001 10011001 10011001 10011010</a:t>
-            </a:r>
-          </a:p>
-          <a:p>
-            <a:pPr marL="0" indent="0">
-              <a:buNone/>
-            </a:pPr>
-            <a:r>
-              <a:rPr lang="en-US" sz="1800" dirty="0"/>
-              <a:t>	</a:t>
-            </a:r>
-          </a:p>
-          <a:p>
-            <a:pPr>
-              <a:buFont typeface="Arial" panose="020B0604020202020204" pitchFamily="34" charset="0"/>
-              <a:buChar char="•"/>
-            </a:pPr>
-            <a:endParaRPr lang="en-US" sz="1800" dirty="0"/>
+              <a:rPr lang="en-US" dirty="0" err="1"/>
+              <a:t>Compresie</a:t>
+            </a:r>
+            <a:r>
+              <a:rPr lang="en-US" dirty="0"/>
+              <a:t> values: XOR encoding</a:t>
+            </a:r>
+            <a:endParaRPr lang="ro-RO" dirty="0"/>
           </a:p>
         </p:txBody>
       </p:sp>
     </p:spTree>
     <p:extLst>
       <p:ext uri="{BB962C8B-B14F-4D97-AF65-F5344CB8AC3E}">
-        <p14:creationId xmlns:p14="http://schemas.microsoft.com/office/powerpoint/2010/main" val="1273376271"/>
+        <p14:creationId xmlns:p14="http://schemas.microsoft.com/office/powerpoint/2010/main" val="3435438389"/>
       </p:ext>
     </p:extLst>
   </p:cSld>
@@ -5297,10 +8875,10 @@
       </p:grpSpPr>
       <p:sp>
         <p:nvSpPr>
-          <p:cNvPr id="2" name="Title 1">
-            <a:extLst>
-              <a:ext uri="{FF2B5EF4-FFF2-40B4-BE49-F238E27FC236}">
-                <a16:creationId xmlns:a16="http://schemas.microsoft.com/office/drawing/2014/main" id="{DC492FF7-CF7D-23CB-5341-45326FD9BBA2}"/>
+          <p:cNvPr id="2" name="Titlu 1">
+            <a:extLst>
+              <a:ext uri="{FF2B5EF4-FFF2-40B4-BE49-F238E27FC236}">
+                <a16:creationId xmlns:a16="http://schemas.microsoft.com/office/drawing/2014/main" id="{1708E01C-5FDF-3327-3F5A-2B225BF4B3E6}"/>
               </a:ext>
             </a:extLst>
           </p:cNvPr>
@@ -5317,407 +8895,397 @@
           <a:lstStyle/>
           <a:p>
             <a:r>
+              <a:rPr lang="ro-RO" dirty="0"/>
+              <a:t>Compresia </a:t>
+            </a:r>
+            <a:r>
+              <a:rPr lang="en-US" dirty="0"/>
+              <a:t>Timestamps</a:t>
+            </a:r>
+            <a:r>
+              <a:rPr lang="ro-RO" dirty="0"/>
+              <a:t>:</a:t>
+            </a:r>
+            <a:r>
+              <a:rPr lang="en-US" dirty="0"/>
+              <a:t> Delta-of-Delta</a:t>
+            </a:r>
+            <a:endParaRPr lang="ro-RO" dirty="0"/>
+          </a:p>
+        </p:txBody>
+      </p:sp>
+      <p:sp>
+        <p:nvSpPr>
+          <p:cNvPr id="3" name="CasetăText 2">
+            <a:extLst>
+              <a:ext uri="{FF2B5EF4-FFF2-40B4-BE49-F238E27FC236}">
+                <a16:creationId xmlns:a16="http://schemas.microsoft.com/office/drawing/2014/main" id="{DACE48B4-742F-212E-B3B1-7BAE10656D82}"/>
+              </a:ext>
+            </a:extLst>
+          </p:cNvPr>
+          <p:cNvSpPr txBox="1"/>
+          <p:nvPr/>
+        </p:nvSpPr>
+        <p:spPr>
+          <a:xfrm>
+            <a:off x="1186542" y="2046515"/>
+            <a:ext cx="10597243" cy="2308324"/>
+          </a:xfrm>
+          <a:prstGeom prst="rect">
+            <a:avLst/>
+          </a:prstGeom>
+          <a:noFill/>
+        </p:spPr>
+        <p:txBody>
+          <a:bodyPr wrap="square" rtlCol="0">
+            <a:spAutoFit/>
+          </a:bodyPr>
+          <a:lstStyle/>
+          <a:p>
+            <a:r>
               <a:rPr lang="en-US" dirty="0" err="1"/>
-              <a:t>Optimizarea</a:t>
+              <a:t>Observa</a:t>
+            </a:r>
+            <a:r>
+              <a:rPr lang="ro-RO" dirty="0"/>
+              <a:t>ții</a:t>
             </a:r>
             <a:r>
               <a:rPr lang="en-US" dirty="0"/>
-              <a:t> </a:t>
-            </a:r>
-            <a:r>
-              <a:rPr lang="en-US" dirty="0" err="1"/>
-              <a:t>Propusă</a:t>
-            </a:r>
-            <a:r>
-              <a:rPr lang="en-US" dirty="0"/>
-              <a:t> (Logica de 11 </a:t>
-            </a:r>
-            <a:r>
-              <a:rPr lang="en-US" dirty="0" err="1"/>
-              <a:t>Biți</a:t>
-            </a:r>
-            <a:r>
-              <a:rPr lang="en-US" dirty="0"/>
-              <a:t>)</a:t>
-            </a:r>
-          </a:p>
-        </p:txBody>
-      </p:sp>
-      <p:sp>
-        <p:nvSpPr>
-          <p:cNvPr id="3" name="Content Placeholder 2">
-            <a:extLst>
-              <a:ext uri="{FF2B5EF4-FFF2-40B4-BE49-F238E27FC236}">
-                <a16:creationId xmlns:a16="http://schemas.microsoft.com/office/drawing/2014/main" id="{BCC6F606-CAF7-1F41-67EB-425C77B3F92A}"/>
-              </a:ext>
-            </a:extLst>
-          </p:cNvPr>
-          <p:cNvSpPr>
-            <a:spLocks noGrp="1"/>
-          </p:cNvSpPr>
-          <p:nvPr>
-            <p:ph idx="1"/>
-          </p:nvPr>
-        </p:nvSpPr>
-        <p:spPr/>
-        <p:txBody>
-          <a:bodyPr/>
-          <a:lstStyle/>
-          <a:p>
-            <a:pPr marL="0" indent="0">
-              <a:buNone/>
-            </a:pPr>
-            <a:endParaRPr lang="en-US" dirty="0"/>
-          </a:p>
-          <a:p>
-            <a:pPr>
+              <a:t>:</a:t>
+            </a:r>
+            <a:endParaRPr lang="ro-RO" dirty="0"/>
+          </a:p>
+          <a:p>
+            <a:endParaRPr lang="ro-RO" dirty="0"/>
+          </a:p>
+          <a:p>
+            <a:pPr marL="285750" indent="-285750">
               <a:buFont typeface="Arial" panose="020B0604020202020204" pitchFamily="34" charset="0"/>
               <a:buChar char="•"/>
             </a:pPr>
             <a:r>
-              <a:rPr lang="en-US" dirty="0"/>
+              <a:rPr lang="ro-RO" dirty="0"/>
               <a:t> </a:t>
             </a:r>
-            <a:r>
-              <a:rPr lang="en-US" sz="1800" dirty="0" err="1"/>
-              <a:t>Inovația</a:t>
-            </a:r>
-            <a:r>
-              <a:rPr lang="en-US" sz="1800" dirty="0"/>
-              <a:t>: </a:t>
-            </a:r>
-            <a:r>
-              <a:rPr lang="en-US" sz="1800" dirty="0" err="1"/>
-              <a:t>Introducerea</a:t>
-            </a:r>
-            <a:r>
-              <a:rPr lang="en-US" sz="1800" dirty="0"/>
-              <a:t> </a:t>
-            </a:r>
-            <a:r>
-              <a:rPr lang="en-US" sz="1800" dirty="0" err="1"/>
-              <a:t>unei</a:t>
-            </a:r>
-            <a:r>
-              <a:rPr lang="en-US" sz="1800" dirty="0"/>
-              <a:t> </a:t>
-            </a:r>
-            <a:r>
-              <a:rPr lang="en-US" sz="1800" dirty="0" err="1"/>
-              <a:t>decizii</a:t>
-            </a:r>
-            <a:r>
-              <a:rPr lang="en-US" sz="1800" dirty="0"/>
-              <a:t> proactive de </a:t>
-            </a:r>
-            <a:r>
-              <a:rPr lang="en-US" sz="1800" dirty="0" err="1"/>
-              <a:t>micșorare</a:t>
-            </a:r>
-            <a:r>
-              <a:rPr lang="en-US" sz="1800" dirty="0"/>
-              <a:t> a </a:t>
-            </a:r>
-            <a:r>
-              <a:rPr lang="en-US" sz="1800" dirty="0" err="1"/>
-              <a:t>ferestrei</a:t>
-            </a:r>
-            <a:r>
-              <a:rPr lang="en-US" sz="1800" dirty="0"/>
-              <a:t>.</a:t>
-            </a:r>
-          </a:p>
-          <a:p>
-            <a:pPr>
+          </a:p>
+          <a:p>
+            <a:endParaRPr lang="ro-RO" dirty="0"/>
+          </a:p>
+          <a:p>
+            <a:pPr marL="285750" indent="-285750">
               <a:buFont typeface="Arial" panose="020B0604020202020204" pitchFamily="34" charset="0"/>
               <a:buChar char="•"/>
             </a:pPr>
             <a:r>
-              <a:rPr lang="en-US" sz="1800" dirty="0"/>
+              <a:rPr lang="ro-RO" dirty="0"/>
               <a:t> </a:t>
             </a:r>
-            <a:r>
-              <a:rPr lang="en-US" sz="1800" dirty="0" err="1"/>
-              <a:t>Condiția</a:t>
-            </a:r>
-            <a:r>
-              <a:rPr lang="en-US" sz="1800" dirty="0"/>
-              <a:t>: </a:t>
-            </a:r>
-            <a:r>
-              <a:rPr lang="en-US" sz="1800" dirty="0" err="1"/>
-              <a:t>Dacă</a:t>
-            </a:r>
-            <a:r>
-              <a:rPr lang="en-US" sz="1800" dirty="0"/>
-              <a:t> </a:t>
-            </a:r>
-            <a:r>
-              <a:rPr lang="en-US" sz="1800" dirty="0" err="1"/>
-              <a:t>noua</a:t>
-            </a:r>
-            <a:r>
-              <a:rPr lang="en-US" sz="1800" dirty="0"/>
-              <a:t> </a:t>
-            </a:r>
-            <a:r>
-              <a:rPr lang="en-US" sz="1800" dirty="0" err="1"/>
-              <a:t>fereastră</a:t>
-            </a:r>
-            <a:r>
-              <a:rPr lang="en-US" sz="1800" dirty="0"/>
-              <a:t> de </a:t>
-            </a:r>
-            <a:r>
-              <a:rPr lang="en-US" sz="1800" dirty="0" err="1"/>
-              <a:t>biți</a:t>
-            </a:r>
-            <a:r>
-              <a:rPr lang="en-US" sz="1800" dirty="0"/>
-              <a:t> </a:t>
-            </a:r>
-            <a:r>
-              <a:rPr lang="en-US" sz="1800" dirty="0" err="1"/>
-              <a:t>semnificativi</a:t>
-            </a:r>
-            <a:r>
-              <a:rPr lang="en-US" sz="1800" dirty="0"/>
-              <a:t> </a:t>
-            </a:r>
-            <a:r>
-              <a:rPr lang="en-US" sz="1800" dirty="0" err="1"/>
-              <a:t>este</a:t>
-            </a:r>
-            <a:r>
-              <a:rPr lang="en-US" sz="1800" dirty="0"/>
-              <a:t> </a:t>
-            </a:r>
-            <a:r>
-              <a:rPr lang="en-US" sz="1800" dirty="0" err="1"/>
-              <a:t>mai</a:t>
-            </a:r>
-            <a:r>
-              <a:rPr lang="en-US" sz="1800" dirty="0"/>
-              <a:t> </a:t>
-            </a:r>
-            <a:r>
-              <a:rPr lang="en-US" sz="1800" dirty="0" err="1"/>
-              <a:t>mică</a:t>
-            </a:r>
-            <a:r>
-              <a:rPr lang="en-US" sz="1800" dirty="0"/>
-              <a:t> cu </a:t>
-            </a:r>
-            <a:r>
-              <a:rPr lang="en-US" sz="1800" b="1" dirty="0" err="1"/>
-              <a:t>peste</a:t>
-            </a:r>
-            <a:r>
-              <a:rPr lang="en-US" sz="1800" b="1" dirty="0"/>
-              <a:t> 11 </a:t>
-            </a:r>
-            <a:r>
-              <a:rPr lang="en-US" sz="1800" b="1" dirty="0" err="1"/>
-              <a:t>biți</a:t>
-            </a:r>
-            <a:r>
-              <a:rPr lang="en-US" sz="1800" dirty="0"/>
-              <a:t> </a:t>
-            </a:r>
-            <a:r>
-              <a:rPr lang="en-US" sz="1800" dirty="0" err="1"/>
-              <a:t>decât</a:t>
-            </a:r>
-            <a:r>
-              <a:rPr lang="en-US" sz="1800" dirty="0"/>
-              <a:t> </a:t>
-            </a:r>
-            <a:r>
-              <a:rPr lang="en-US" sz="1800" dirty="0" err="1"/>
-              <a:t>cea</a:t>
-            </a:r>
-            <a:r>
-              <a:rPr lang="en-US" sz="1800" dirty="0"/>
-              <a:t> </a:t>
-            </a:r>
-            <a:r>
-              <a:rPr lang="en-US" sz="1800" dirty="0" err="1"/>
-              <a:t>curentă</a:t>
-            </a:r>
-            <a:r>
-              <a:rPr lang="en-US" sz="1800" dirty="0"/>
-              <a:t>, </a:t>
-            </a:r>
-            <a:r>
-              <a:rPr lang="en-US" sz="1800" dirty="0" err="1"/>
-              <a:t>algoritmul</a:t>
-            </a:r>
-            <a:r>
-              <a:rPr lang="en-US" sz="1800" dirty="0"/>
-              <a:t> </a:t>
-            </a:r>
-            <a:r>
-              <a:rPr lang="en-US" sz="1800" dirty="0" err="1"/>
-              <a:t>forțează</a:t>
-            </a:r>
-            <a:r>
-              <a:rPr lang="en-US" sz="1800" dirty="0"/>
-              <a:t> </a:t>
-            </a:r>
-            <a:r>
-              <a:rPr lang="en-US" sz="1800" dirty="0" err="1"/>
-              <a:t>crearea</a:t>
-            </a:r>
-            <a:r>
-              <a:rPr lang="en-US" sz="1800" dirty="0"/>
-              <a:t> </a:t>
-            </a:r>
-            <a:r>
-              <a:rPr lang="en-US" sz="1800" dirty="0" err="1"/>
-              <a:t>unei</a:t>
-            </a:r>
-            <a:r>
-              <a:rPr lang="en-US" sz="1800" dirty="0"/>
-              <a:t> </a:t>
-            </a:r>
-            <a:r>
-              <a:rPr lang="en-US" sz="1800" dirty="0" err="1"/>
-              <a:t>ferestre</a:t>
-            </a:r>
-            <a:r>
-              <a:rPr lang="en-US" sz="1800" dirty="0"/>
-              <a:t> </a:t>
-            </a:r>
-            <a:r>
-              <a:rPr lang="en-US" sz="1800" dirty="0" err="1"/>
-              <a:t>noi</a:t>
-            </a:r>
-            <a:endParaRPr lang="en-US" sz="1800" dirty="0"/>
-          </a:p>
-          <a:p>
-            <a:pPr>
+          </a:p>
+          <a:p>
+            <a:pPr marL="285750" indent="-285750">
               <a:buFont typeface="Arial" panose="020B0604020202020204" pitchFamily="34" charset="0"/>
               <a:buChar char="•"/>
             </a:pPr>
-            <a:r>
-              <a:rPr lang="en-US" sz="1800" b="1" dirty="0"/>
-              <a:t> </a:t>
-            </a:r>
-            <a:r>
-              <a:rPr lang="en-US" sz="1800" dirty="0" err="1"/>
-              <a:t>Justificare</a:t>
-            </a:r>
-            <a:r>
-              <a:rPr lang="en-US" sz="1800" dirty="0"/>
-              <a:t>: "Taxa" de a </a:t>
-            </a:r>
-            <a:r>
-              <a:rPr lang="en-US" sz="1800" dirty="0" err="1"/>
-              <a:t>scrie</a:t>
-            </a:r>
-            <a:r>
-              <a:rPr lang="en-US" sz="1800" dirty="0"/>
-              <a:t> un header nou (11 </a:t>
-            </a:r>
-            <a:r>
-              <a:rPr lang="en-US" sz="1800" dirty="0" err="1"/>
-              <a:t>biți</a:t>
-            </a:r>
-            <a:r>
-              <a:rPr lang="en-US" sz="1800" dirty="0"/>
-              <a:t>) </a:t>
-            </a:r>
-            <a:r>
-              <a:rPr lang="en-US" sz="1800" dirty="0" err="1"/>
-              <a:t>este</a:t>
-            </a:r>
-            <a:r>
-              <a:rPr lang="en-US" sz="1800" dirty="0"/>
-              <a:t> </a:t>
-            </a:r>
-            <a:r>
-              <a:rPr lang="en-US" sz="1800" dirty="0" err="1"/>
-              <a:t>plătită</a:t>
-            </a:r>
-            <a:r>
-              <a:rPr lang="en-US" sz="1800" dirty="0"/>
-              <a:t> o </a:t>
-            </a:r>
-            <a:r>
-              <a:rPr lang="en-US" sz="1800" dirty="0" err="1"/>
-              <a:t>singură</a:t>
-            </a:r>
-            <a:r>
-              <a:rPr lang="en-US" sz="1800" dirty="0"/>
-              <a:t> </a:t>
-            </a:r>
-            <a:r>
-              <a:rPr lang="en-US" sz="1800" dirty="0" err="1"/>
-              <a:t>dată</a:t>
-            </a:r>
-            <a:r>
-              <a:rPr lang="en-US" sz="1800" dirty="0"/>
-              <a:t> </a:t>
-            </a:r>
-            <a:r>
-              <a:rPr lang="en-US" sz="1800" dirty="0" err="1"/>
-              <a:t>pentru</a:t>
-            </a:r>
-            <a:r>
-              <a:rPr lang="en-US" sz="1800" dirty="0"/>
-              <a:t> a </a:t>
-            </a:r>
-            <a:r>
-              <a:rPr lang="en-US" sz="1800" dirty="0" err="1"/>
-              <a:t>salva</a:t>
-            </a:r>
-            <a:r>
-              <a:rPr lang="en-US" sz="1800" dirty="0"/>
-              <a:t> </a:t>
-            </a:r>
-            <a:r>
-              <a:rPr lang="en-US" sz="1800" dirty="0" err="1"/>
-              <a:t>spațiu</a:t>
-            </a:r>
-            <a:r>
-              <a:rPr lang="en-US" sz="1800" dirty="0"/>
-              <a:t> la </a:t>
-            </a:r>
-            <a:r>
-              <a:rPr lang="en-US" sz="1800" dirty="0" err="1"/>
-              <a:t>toate</a:t>
-            </a:r>
-            <a:r>
-              <a:rPr lang="en-US" sz="1800" dirty="0"/>
-              <a:t> </a:t>
-            </a:r>
-            <a:r>
-              <a:rPr lang="en-US" sz="1800" dirty="0" err="1"/>
-              <a:t>punctele</a:t>
-            </a:r>
-            <a:r>
-              <a:rPr lang="en-US" sz="1800" dirty="0"/>
-              <a:t> </a:t>
-            </a:r>
-            <a:r>
-              <a:rPr lang="en-US" sz="1800" dirty="0" err="1"/>
-              <a:t>următoare</a:t>
-            </a:r>
-            <a:endParaRPr lang="en-US" sz="1800" dirty="0"/>
-          </a:p>
-          <a:p>
-            <a:pPr>
+            <a:endParaRPr lang="ro-RO" dirty="0"/>
+          </a:p>
+          <a:p>
+            <a:r>
+              <a:rPr lang="ro-RO" b="1" dirty="0"/>
+              <a:t>Prima idee</a:t>
+            </a:r>
+            <a:r>
+              <a:rPr lang="en-US" dirty="0"/>
+              <a:t>:</a:t>
+            </a:r>
+            <a:r>
+              <a:rPr lang="ro-RO" dirty="0"/>
+              <a:t> stocăm </a:t>
+            </a:r>
+            <a:r>
+              <a:rPr lang="ro-RO" b="1" dirty="0">
+                <a:solidFill>
+                  <a:srgbClr val="C00000"/>
+                </a:solidFill>
+              </a:rPr>
+              <a:t>delta</a:t>
+            </a:r>
+            <a:r>
+              <a:rPr lang="ro-RO" dirty="0"/>
+              <a:t> în loc de </a:t>
+            </a:r>
+            <a:r>
+              <a:rPr lang="ro-RO" dirty="0" err="1"/>
+              <a:t>timestamp</a:t>
+            </a:r>
+            <a:r>
+              <a:rPr lang="en-US" dirty="0"/>
+              <a:t> = </a:t>
+            </a:r>
+            <a:r>
+              <a:rPr lang="ro-RO" dirty="0"/>
+              <a:t>la ce diferență de timp am ajuns față de </a:t>
+            </a:r>
+            <a:r>
+              <a:rPr lang="ro-RO" dirty="0" err="1"/>
+              <a:t>datapoint-ul</a:t>
+            </a:r>
+            <a:r>
+              <a:rPr lang="ro-RO" dirty="0"/>
+              <a:t> anterior</a:t>
+            </a:r>
+          </a:p>
+          <a:p>
+            <a:r>
+              <a:rPr lang="en-US" dirty="0"/>
+              <a:t>	</a:t>
+            </a:r>
+            <a:endParaRPr lang="ro-RO" dirty="0"/>
+          </a:p>
+        </p:txBody>
+      </p:sp>
+      <p:pic>
+        <p:nvPicPr>
+          <p:cNvPr id="5" name="Imagine 4" descr="O imagine care conține Font, tipografie, text, caligrafie&#10;&#10;Conținutul generat de inteligența artificială poate fi incorect.">
+            <a:extLst>
+              <a:ext uri="{FF2B5EF4-FFF2-40B4-BE49-F238E27FC236}">
+                <a16:creationId xmlns:a16="http://schemas.microsoft.com/office/drawing/2014/main" id="{6D0CDF11-0781-07EC-B361-82BF98742F55}"/>
+              </a:ext>
+            </a:extLst>
+          </p:cNvPr>
+          <p:cNvPicPr>
+            <a:picLocks noChangeAspect="1"/>
+          </p:cNvPicPr>
+          <p:nvPr/>
+        </p:nvPicPr>
+        <p:blipFill>
+          <a:blip r:embed="rId2"/>
+          <a:stretch>
+            <a:fillRect/>
+          </a:stretch>
+        </p:blipFill>
+        <p:spPr>
+          <a:xfrm>
+            <a:off x="1449589" y="2523205"/>
+            <a:ext cx="3610479" cy="523948"/>
+          </a:xfrm>
+          <a:prstGeom prst="rect">
+            <a:avLst/>
+          </a:prstGeom>
+        </p:spPr>
+      </p:pic>
+      <p:pic>
+        <p:nvPicPr>
+          <p:cNvPr id="7" name="Imagine 6" descr="O imagine care conține Font, alb, schiță, tipografie&#10;&#10;Conținutul generat de inteligența artificială poate fi incorect.">
+            <a:extLst>
+              <a:ext uri="{FF2B5EF4-FFF2-40B4-BE49-F238E27FC236}">
+                <a16:creationId xmlns:a16="http://schemas.microsoft.com/office/drawing/2014/main" id="{C1F2D8B7-AFF5-2000-B109-AC55E98A4021}"/>
+              </a:ext>
+            </a:extLst>
+          </p:cNvPr>
+          <p:cNvPicPr>
+            <a:picLocks noChangeAspect="1"/>
+          </p:cNvPicPr>
+          <p:nvPr/>
+        </p:nvPicPr>
+        <p:blipFill>
+          <a:blip r:embed="rId3"/>
+          <a:stretch>
+            <a:fillRect/>
+          </a:stretch>
+        </p:blipFill>
+        <p:spPr>
+          <a:xfrm>
+            <a:off x="1660071" y="3005094"/>
+            <a:ext cx="1305107" cy="619211"/>
+          </a:xfrm>
+          <a:prstGeom prst="rect">
+            <a:avLst/>
+          </a:prstGeom>
+        </p:spPr>
+      </p:pic>
+      <p:pic>
+        <p:nvPicPr>
+          <p:cNvPr id="9" name="Imagine 8">
+            <a:extLst>
+              <a:ext uri="{FF2B5EF4-FFF2-40B4-BE49-F238E27FC236}">
+                <a16:creationId xmlns:a16="http://schemas.microsoft.com/office/drawing/2014/main" id="{192746C6-4F19-33A7-8F17-DB15604E5C99}"/>
+              </a:ext>
+            </a:extLst>
+          </p:cNvPr>
+          <p:cNvPicPr>
+            <a:picLocks noChangeAspect="1"/>
+          </p:cNvPicPr>
+          <p:nvPr/>
+        </p:nvPicPr>
+        <p:blipFill>
+          <a:blip r:embed="rId4"/>
+          <a:stretch>
+            <a:fillRect/>
+          </a:stretch>
+        </p:blipFill>
+        <p:spPr>
+          <a:xfrm>
+            <a:off x="4734404" y="4173838"/>
+            <a:ext cx="2886478" cy="362001"/>
+          </a:xfrm>
+          <a:prstGeom prst="rect">
+            <a:avLst/>
+          </a:prstGeom>
+        </p:spPr>
+      </p:pic>
+      <p:sp>
+        <p:nvSpPr>
+          <p:cNvPr id="10" name="CasetăText 9">
+            <a:extLst>
+              <a:ext uri="{FF2B5EF4-FFF2-40B4-BE49-F238E27FC236}">
+                <a16:creationId xmlns:a16="http://schemas.microsoft.com/office/drawing/2014/main" id="{62E4583D-84BF-A9B2-CF9E-6358D19E9E6E}"/>
+              </a:ext>
+            </a:extLst>
+          </p:cNvPr>
+          <p:cNvSpPr txBox="1"/>
+          <p:nvPr/>
+        </p:nvSpPr>
+        <p:spPr>
+          <a:xfrm>
+            <a:off x="8926285" y="4166507"/>
+            <a:ext cx="3102429" cy="369332"/>
+          </a:xfrm>
+          <a:prstGeom prst="rect">
+            <a:avLst/>
+          </a:prstGeom>
+          <a:noFill/>
+        </p:spPr>
+        <p:txBody>
+          <a:bodyPr wrap="square" rtlCol="0">
+            <a:spAutoFit/>
+          </a:bodyPr>
+          <a:lstStyle/>
+          <a:p>
+            <a:r>
+              <a:rPr lang="ro-RO" dirty="0"/>
+              <a:t>//scade # de biți necesari</a:t>
+            </a:r>
+          </a:p>
+        </p:txBody>
+      </p:sp>
+      <p:sp>
+        <p:nvSpPr>
+          <p:cNvPr id="12" name="CasetăText 11">
+            <a:extLst>
+              <a:ext uri="{FF2B5EF4-FFF2-40B4-BE49-F238E27FC236}">
+                <a16:creationId xmlns:a16="http://schemas.microsoft.com/office/drawing/2014/main" id="{D91DA8C9-1E02-68AD-43AC-18A4EC67FD01}"/>
+              </a:ext>
+            </a:extLst>
+          </p:cNvPr>
+          <p:cNvSpPr txBox="1"/>
+          <p:nvPr/>
+        </p:nvSpPr>
+        <p:spPr>
+          <a:xfrm>
+            <a:off x="1186542" y="4685516"/>
+            <a:ext cx="10537372" cy="923330"/>
+          </a:xfrm>
+          <a:prstGeom prst="rect">
+            <a:avLst/>
+          </a:prstGeom>
+          <a:noFill/>
+        </p:spPr>
+        <p:txBody>
+          <a:bodyPr wrap="square">
+            <a:spAutoFit/>
+          </a:bodyPr>
+          <a:lstStyle/>
+          <a:p>
+            <a:r>
+              <a:rPr lang="ro-RO" b="1" dirty="0"/>
+              <a:t>Îmbunătățire</a:t>
+            </a:r>
+            <a:r>
+              <a:rPr lang="en-US" dirty="0"/>
+              <a:t>:</a:t>
+            </a:r>
+            <a:r>
+              <a:rPr lang="ro-RO" dirty="0"/>
+              <a:t> stocăm </a:t>
+            </a:r>
+            <a:r>
+              <a:rPr lang="ro-RO" b="1" dirty="0">
+                <a:solidFill>
+                  <a:srgbClr val="C00000"/>
+                </a:solidFill>
+              </a:rPr>
+              <a:t>delta-of-delta</a:t>
+            </a:r>
+            <a:r>
+              <a:rPr lang="ro-RO" dirty="0"/>
+              <a:t> în loc de </a:t>
+            </a:r>
+            <a:r>
+              <a:rPr lang="ro-RO" b="1" dirty="0">
+                <a:solidFill>
+                  <a:srgbClr val="C00000"/>
+                </a:solidFill>
+              </a:rPr>
+              <a:t>delta</a:t>
+            </a:r>
+          </a:p>
+          <a:p>
+            <a:pPr marL="285750" indent="-285750">
               <a:buFont typeface="Arial" panose="020B0604020202020204" pitchFamily="34" charset="0"/>
               <a:buChar char="•"/>
             </a:pPr>
-            <a:endParaRPr lang="en-US" dirty="0"/>
-          </a:p>
-        </p:txBody>
-      </p:sp>
+            <a:r>
+              <a:rPr lang="ro-RO" dirty="0"/>
+              <a:t>Mă aștept ca datele să vină periodic, la momente egal depărtate în timp</a:t>
+            </a:r>
+          </a:p>
+          <a:p>
+            <a:pPr marL="285750" indent="-285750">
+              <a:buFont typeface="Arial" panose="020B0604020202020204" pitchFamily="34" charset="0"/>
+              <a:buChar char="•"/>
+            </a:pPr>
+            <a:r>
+              <a:rPr lang="ro-RO" dirty="0"/>
+              <a:t>La ce distanță în timp am ajuns față de momentul la care se preconiza că voi ajunge?</a:t>
+            </a:r>
+          </a:p>
+        </p:txBody>
+      </p:sp>
+      <p:pic>
+        <p:nvPicPr>
+          <p:cNvPr id="14" name="Imagine 13">
+            <a:extLst>
+              <a:ext uri="{FF2B5EF4-FFF2-40B4-BE49-F238E27FC236}">
+                <a16:creationId xmlns:a16="http://schemas.microsoft.com/office/drawing/2014/main" id="{6423A4C3-A973-BDE7-D84B-FB1D008A130D}"/>
+              </a:ext>
+            </a:extLst>
+          </p:cNvPr>
+          <p:cNvPicPr>
+            <a:picLocks noChangeAspect="1"/>
+          </p:cNvPicPr>
+          <p:nvPr/>
+        </p:nvPicPr>
+        <p:blipFill>
+          <a:blip r:embed="rId5"/>
+          <a:stretch>
+            <a:fillRect/>
+          </a:stretch>
+        </p:blipFill>
+        <p:spPr>
+          <a:xfrm>
+            <a:off x="4166897" y="5662524"/>
+            <a:ext cx="4163006" cy="447737"/>
+          </a:xfrm>
+          <a:prstGeom prst="rect">
+            <a:avLst/>
+          </a:prstGeom>
+        </p:spPr>
+      </p:pic>
     </p:spTree>
     <p:extLst>
       <p:ext uri="{BB962C8B-B14F-4D97-AF65-F5344CB8AC3E}">
-        <p14:creationId xmlns:p14="http://schemas.microsoft.com/office/powerpoint/2010/main" val="961038957"/>
+        <p14:creationId xmlns:p14="http://schemas.microsoft.com/office/powerpoint/2010/main" val="752830981"/>
       </p:ext>
     </p:extLst>
   </p:cSld>
@@ -5746,10 +9314,10 @@
       </p:grpSpPr>
       <p:sp>
         <p:nvSpPr>
-          <p:cNvPr id="2" name="Title 1">
-            <a:extLst>
-              <a:ext uri="{FF2B5EF4-FFF2-40B4-BE49-F238E27FC236}">
-                <a16:creationId xmlns:a16="http://schemas.microsoft.com/office/drawing/2014/main" id="{8B1748ED-6F34-3A13-FD91-718D5A60AFFB}"/>
+          <p:cNvPr id="2" name="Titlu 1">
+            <a:extLst>
+              <a:ext uri="{FF2B5EF4-FFF2-40B4-BE49-F238E27FC236}">
+                <a16:creationId xmlns:a16="http://schemas.microsoft.com/office/drawing/2014/main" id="{DFA09968-91D6-99C6-3437-6177B4450CB7}"/>
               </a:ext>
             </a:extLst>
           </p:cNvPr>
@@ -5766,231 +9334,290 @@
           <a:lstStyle/>
           <a:p>
             <a:r>
-              <a:rPr lang="en-US" dirty="0" err="1"/>
-              <a:t>Structura</a:t>
+              <a:rPr lang="ro-RO" dirty="0"/>
+              <a:t>Compresia </a:t>
             </a:r>
             <a:r>
               <a:rPr lang="en-US" dirty="0"/>
-              <a:t> </a:t>
-            </a:r>
-            <a:r>
-              <a:rPr lang="en-US" dirty="0" err="1"/>
-              <a:t>Implementării</a:t>
+              <a:t>Timestamps</a:t>
+            </a:r>
+            <a:r>
+              <a:rPr lang="ro-RO" dirty="0"/>
+              <a:t>:</a:t>
             </a:r>
             <a:r>
               <a:rPr lang="en-US" dirty="0"/>
-              <a:t> (Software Stack)</a:t>
-            </a:r>
-          </a:p>
-        </p:txBody>
-      </p:sp>
-      <p:sp>
-        <p:nvSpPr>
-          <p:cNvPr id="3" name="Content Placeholder 2">
-            <a:extLst>
-              <a:ext uri="{FF2B5EF4-FFF2-40B4-BE49-F238E27FC236}">
-                <a16:creationId xmlns:a16="http://schemas.microsoft.com/office/drawing/2014/main" id="{6624381A-81D6-B4DE-1A2D-223BFF39141A}"/>
-              </a:ext>
-            </a:extLst>
-          </p:cNvPr>
-          <p:cNvSpPr>
-            <a:spLocks noGrp="1"/>
-          </p:cNvSpPr>
-          <p:nvPr>
-            <p:ph idx="1"/>
-          </p:nvPr>
-        </p:nvSpPr>
-        <p:spPr/>
-        <p:txBody>
-          <a:bodyPr/>
-          <a:lstStyle/>
-          <a:p>
-            <a:endParaRPr lang="en-US" dirty="0"/>
-          </a:p>
-          <a:p>
-            <a:r>
-              <a:rPr lang="en-US" sz="2400" dirty="0" err="1"/>
-              <a:t>Componente</a:t>
-            </a:r>
-            <a:r>
-              <a:rPr lang="en-US" sz="2400" dirty="0"/>
-              <a:t> </a:t>
-            </a:r>
-            <a:r>
-              <a:rPr lang="en-US" sz="2400" dirty="0" err="1"/>
-              <a:t>cheie</a:t>
-            </a:r>
-            <a:r>
-              <a:rPr lang="en-US" sz="2400" dirty="0"/>
-              <a:t>:</a:t>
-            </a:r>
-          </a:p>
-          <a:p>
-            <a:pPr lvl="3">
+              <a:t> Delta-of-Delta</a:t>
+            </a:r>
+            <a:endParaRPr lang="ro-RO" dirty="0"/>
+          </a:p>
+        </p:txBody>
+      </p:sp>
+      <p:pic>
+        <p:nvPicPr>
+          <p:cNvPr id="4" name="Imagine 3" descr="O imagine care conține text, captură de ecran, Font, număr&#10;&#10;Conținutul generat de inteligența artificială poate fi incorect.">
+            <a:extLst>
+              <a:ext uri="{FF2B5EF4-FFF2-40B4-BE49-F238E27FC236}">
+                <a16:creationId xmlns:a16="http://schemas.microsoft.com/office/drawing/2014/main" id="{18772B37-012F-94F9-D303-0E79F48214BD}"/>
+              </a:ext>
+            </a:extLst>
+          </p:cNvPr>
+          <p:cNvPicPr>
+            <a:picLocks noChangeAspect="1"/>
+          </p:cNvPicPr>
+          <p:nvPr/>
+        </p:nvPicPr>
+        <p:blipFill>
+          <a:blip r:embed="rId2"/>
+          <a:stretch>
+            <a:fillRect/>
+          </a:stretch>
+        </p:blipFill>
+        <p:spPr>
+          <a:xfrm>
+            <a:off x="658770" y="1987681"/>
+            <a:ext cx="5706271" cy="2772162"/>
+          </a:xfrm>
+          <a:prstGeom prst="rect">
+            <a:avLst/>
+          </a:prstGeom>
+        </p:spPr>
+      </p:pic>
+      <p:pic>
+        <p:nvPicPr>
+          <p:cNvPr id="6" name="Imagine 5" descr="O imagine care conține text, Font, captură de ecran, număr&#10;&#10;Conținutul generat de inteligența artificială poate fi incorect.">
+            <a:extLst>
+              <a:ext uri="{FF2B5EF4-FFF2-40B4-BE49-F238E27FC236}">
+                <a16:creationId xmlns:a16="http://schemas.microsoft.com/office/drawing/2014/main" id="{40E1874E-1E2C-95EF-45A7-CF0E97CA9CA1}"/>
+              </a:ext>
+            </a:extLst>
+          </p:cNvPr>
+          <p:cNvPicPr>
+            <a:picLocks noChangeAspect="1"/>
+          </p:cNvPicPr>
+          <p:nvPr/>
+        </p:nvPicPr>
+        <p:blipFill>
+          <a:blip r:embed="rId3"/>
+          <a:stretch>
+            <a:fillRect/>
+          </a:stretch>
+        </p:blipFill>
+        <p:spPr>
+          <a:xfrm>
+            <a:off x="6096000" y="2302050"/>
+            <a:ext cx="5706271" cy="2143424"/>
+          </a:xfrm>
+          <a:prstGeom prst="rect">
+            <a:avLst/>
+          </a:prstGeom>
+        </p:spPr>
+      </p:pic>
+      <p:sp>
+        <p:nvSpPr>
+          <p:cNvPr id="7" name="CasetăText 6">
+            <a:extLst>
+              <a:ext uri="{FF2B5EF4-FFF2-40B4-BE49-F238E27FC236}">
+                <a16:creationId xmlns:a16="http://schemas.microsoft.com/office/drawing/2014/main" id="{082FA74C-DA0B-1625-D4CA-B5D76BFDA4D2}"/>
+              </a:ext>
+            </a:extLst>
+          </p:cNvPr>
+          <p:cNvSpPr txBox="1"/>
+          <p:nvPr/>
+        </p:nvSpPr>
+        <p:spPr>
+          <a:xfrm>
+            <a:off x="1887518" y="4759843"/>
+            <a:ext cx="3248774" cy="369332"/>
+          </a:xfrm>
+          <a:prstGeom prst="rect">
+            <a:avLst/>
+          </a:prstGeom>
+          <a:noFill/>
+        </p:spPr>
+        <p:txBody>
+          <a:bodyPr wrap="none" rtlCol="0">
+            <a:spAutoFit/>
+          </a:bodyPr>
+          <a:lstStyle/>
+          <a:p>
+            <a:r>
+              <a:rPr lang="ro-RO" b="1" dirty="0"/>
+              <a:t>Exemplu de calcul delta-of-delta</a:t>
+            </a:r>
+          </a:p>
+        </p:txBody>
+      </p:sp>
+      <p:sp>
+        <p:nvSpPr>
+          <p:cNvPr id="8" name="CasetăText 7">
+            <a:extLst>
+              <a:ext uri="{FF2B5EF4-FFF2-40B4-BE49-F238E27FC236}">
+                <a16:creationId xmlns:a16="http://schemas.microsoft.com/office/drawing/2014/main" id="{7FE7D263-2CC3-8226-32C2-149ED1717F77}"/>
+              </a:ext>
+            </a:extLst>
+          </p:cNvPr>
+          <p:cNvSpPr txBox="1"/>
+          <p:nvPr/>
+        </p:nvSpPr>
+        <p:spPr>
+          <a:xfrm>
+            <a:off x="7549906" y="4759843"/>
+            <a:ext cx="2798458" cy="369332"/>
+          </a:xfrm>
+          <a:prstGeom prst="rect">
+            <a:avLst/>
+          </a:prstGeom>
+          <a:noFill/>
+        </p:spPr>
+        <p:txBody>
+          <a:bodyPr wrap="none" rtlCol="0">
+            <a:spAutoFit/>
+          </a:bodyPr>
+          <a:lstStyle/>
+          <a:p>
+            <a:r>
+              <a:rPr lang="ro-RO" b="1" dirty="0"/>
+              <a:t>Schema de codare variabilă</a:t>
+            </a:r>
+          </a:p>
+        </p:txBody>
+      </p:sp>
+      <p:sp>
+        <p:nvSpPr>
+          <p:cNvPr id="9" name="CasetăText 8">
+            <a:extLst>
+              <a:ext uri="{FF2B5EF4-FFF2-40B4-BE49-F238E27FC236}">
+                <a16:creationId xmlns:a16="http://schemas.microsoft.com/office/drawing/2014/main" id="{81EBE0E0-312C-6FD0-2DBE-247DAC192CA2}"/>
+              </a:ext>
+            </a:extLst>
+          </p:cNvPr>
+          <p:cNvSpPr txBox="1"/>
+          <p:nvPr/>
+        </p:nvSpPr>
+        <p:spPr>
+          <a:xfrm>
+            <a:off x="1418408" y="5443544"/>
+            <a:ext cx="10849791" cy="1200329"/>
+          </a:xfrm>
+          <a:prstGeom prst="rect">
+            <a:avLst/>
+          </a:prstGeom>
+          <a:noFill/>
+        </p:spPr>
+        <p:txBody>
+          <a:bodyPr wrap="square" rtlCol="0">
+            <a:spAutoFit/>
+          </a:bodyPr>
+          <a:lstStyle/>
+          <a:p>
+            <a:pPr marL="285750" indent="-285750">
               <a:buFont typeface="Arial" panose="020B0604020202020204" pitchFamily="34" charset="0"/>
               <a:buChar char="•"/>
             </a:pPr>
             <a:r>
-              <a:rPr lang="es-ES" sz="1800" dirty="0" err="1"/>
-              <a:t>BitWriter</a:t>
-            </a:r>
-            <a:r>
-              <a:rPr lang="es-ES" sz="1800" dirty="0"/>
-              <a:t> / </a:t>
-            </a:r>
-            <a:r>
-              <a:rPr lang="es-ES" sz="1800" dirty="0" err="1"/>
-              <a:t>BitReader</a:t>
-            </a:r>
-            <a:r>
-              <a:rPr lang="es-ES" sz="1800" dirty="0"/>
-              <a:t>: </a:t>
-            </a:r>
-            <a:r>
-              <a:rPr lang="es-ES" sz="1800" dirty="0" err="1"/>
-              <a:t>Gestionarea</a:t>
-            </a:r>
-            <a:r>
-              <a:rPr lang="es-ES" sz="1800" dirty="0"/>
+              <a:rPr lang="fr-FR" b="1" dirty="0">
+                <a:solidFill>
+                  <a:srgbClr val="C00000"/>
+                </a:solidFill>
+              </a:rPr>
+              <a:t>96.39%</a:t>
+            </a:r>
+            <a:r>
+              <a:rPr lang="fr-FR" dirty="0"/>
               <a:t> </a:t>
             </a:r>
             <a:r>
-              <a:rPr lang="es-ES" sz="1800" dirty="0" err="1"/>
-              <a:t>datelor</a:t>
-            </a:r>
-            <a:r>
-              <a:rPr lang="es-ES" sz="1800" dirty="0"/>
-              <a:t> la nivel de bit</a:t>
-            </a:r>
-          </a:p>
-          <a:p>
-            <a:pPr lvl="3">
+              <a:rPr lang="fr-FR" dirty="0" err="1"/>
+              <a:t>dintre</a:t>
+            </a:r>
+            <a:r>
+              <a:rPr lang="fr-FR" dirty="0"/>
+              <a:t> timestamp-</a:t>
+            </a:r>
+            <a:r>
+              <a:rPr lang="fr-FR" dirty="0" err="1"/>
+              <a:t>uri</a:t>
+            </a:r>
+            <a:r>
+              <a:rPr lang="fr-FR" dirty="0"/>
+              <a:t> au D = 0 (</a:t>
+            </a:r>
+            <a:r>
+              <a:rPr lang="fr-FR" b="1" dirty="0" err="1">
+                <a:solidFill>
+                  <a:srgbClr val="C00000"/>
+                </a:solidFill>
+              </a:rPr>
+              <a:t>comprimate</a:t>
+            </a:r>
+            <a:r>
+              <a:rPr lang="fr-FR" b="1" dirty="0">
+                <a:solidFill>
+                  <a:srgbClr val="C00000"/>
+                </a:solidFill>
+              </a:rPr>
+              <a:t> la 1 bit</a:t>
+            </a:r>
+            <a:r>
+              <a:rPr lang="fr-FR" dirty="0"/>
+              <a:t>); </a:t>
+            </a:r>
+          </a:p>
+          <a:p>
+            <a:pPr marL="285750" indent="-285750">
               <a:buFont typeface="Arial" panose="020B0604020202020204" pitchFamily="34" charset="0"/>
               <a:buChar char="•"/>
             </a:pPr>
             <a:r>
-              <a:rPr lang="en-US" sz="1800" dirty="0" err="1"/>
-              <a:t>ValueEncoder</a:t>
-            </a:r>
-            <a:r>
-              <a:rPr lang="en-US" sz="1800" dirty="0"/>
-              <a:t> / </a:t>
-            </a:r>
-            <a:r>
-              <a:rPr lang="en-US" sz="1800" dirty="0" err="1"/>
-              <a:t>ValueDecoder</a:t>
-            </a:r>
-            <a:r>
-              <a:rPr lang="en-US" sz="1800" dirty="0"/>
-              <a:t>: Logica de </a:t>
-            </a:r>
-            <a:r>
-              <a:rPr lang="en-US" sz="1800" dirty="0" err="1"/>
-              <a:t>compresie</a:t>
-            </a:r>
-            <a:r>
-              <a:rPr lang="en-US" sz="1800" dirty="0"/>
-              <a:t>/</a:t>
-            </a:r>
-            <a:r>
-              <a:rPr lang="en-US" sz="1800" dirty="0" err="1"/>
-              <a:t>decompresie</a:t>
-            </a:r>
-            <a:r>
-              <a:rPr lang="en-US" sz="1800" dirty="0"/>
-              <a:t> delta-of-delta </a:t>
-            </a:r>
-            <a:r>
-              <a:rPr lang="en-US" sz="1800" dirty="0" err="1"/>
-              <a:t>si</a:t>
-            </a:r>
-            <a:r>
-              <a:rPr lang="en-US" sz="1800" dirty="0"/>
-              <a:t> XOR</a:t>
-            </a:r>
-          </a:p>
-          <a:p>
-            <a:pPr lvl="3">
+              <a:rPr lang="fr-FR" dirty="0"/>
+              <a:t>3.35% au D ∈ [−64,63] (9 </a:t>
+            </a:r>
+            <a:r>
+              <a:rPr lang="fr-FR" dirty="0" err="1"/>
+              <a:t>biți</a:t>
+            </a:r>
+            <a:r>
+              <a:rPr lang="fr-FR" dirty="0"/>
+              <a:t>), 0.19% au D ∈ [−256,255] (12 </a:t>
+            </a:r>
+            <a:r>
+              <a:rPr lang="fr-FR" dirty="0" err="1"/>
+              <a:t>biți</a:t>
+            </a:r>
+            <a:r>
+              <a:rPr lang="fr-FR" dirty="0"/>
+              <a:t>), </a:t>
+            </a:r>
+            <a:r>
+              <a:rPr lang="en-US" dirty="0"/>
+              <a:t>r</a:t>
+            </a:r>
+            <a:r>
+              <a:rPr lang="ro-RO" dirty="0"/>
+              <a:t>estul utilizează 16 sau 36 de biți.</a:t>
+            </a:r>
+          </a:p>
+          <a:p>
+            <a:pPr marL="285750" indent="-285750">
               <a:buFont typeface="Arial" panose="020B0604020202020204" pitchFamily="34" charset="0"/>
               <a:buChar char="•"/>
             </a:pPr>
-            <a:r>
-              <a:rPr lang="it-IT" sz="1800" dirty="0"/>
-              <a:t>MultiVariateSeries: Segmentarea datelor în blocuri temporale (ex: 2 ore)</a:t>
-            </a:r>
-          </a:p>
-          <a:p>
-            <a:pPr lvl="3">
+            <a:endParaRPr lang="fr-FR" dirty="0"/>
+          </a:p>
+          <a:p>
+            <a:pPr marL="285750" indent="-285750">
               <a:buFont typeface="Arial" panose="020B0604020202020204" pitchFamily="34" charset="0"/>
               <a:buChar char="•"/>
             </a:pPr>
-            <a:r>
-              <a:rPr lang="en-US" sz="1800" dirty="0"/>
-              <a:t>Storage: </a:t>
-            </a:r>
-            <a:r>
-              <a:rPr lang="en-US" sz="1800" dirty="0" err="1"/>
-              <a:t>Salvarea</a:t>
-            </a:r>
-            <a:r>
-              <a:rPr lang="en-US" sz="1800" dirty="0"/>
-              <a:t> </a:t>
-            </a:r>
-            <a:r>
-              <a:rPr lang="en-US" sz="1800" dirty="0" err="1"/>
-              <a:t>în</a:t>
-            </a:r>
-            <a:r>
-              <a:rPr lang="en-US" sz="1800" dirty="0"/>
-              <a:t> </a:t>
-            </a:r>
-            <a:r>
-              <a:rPr lang="en-US" sz="1800" dirty="0" err="1"/>
-              <a:t>folderul</a:t>
-            </a:r>
-            <a:r>
-              <a:rPr lang="en-US" sz="1800" dirty="0"/>
-              <a:t> </a:t>
-            </a:r>
-            <a:r>
-              <a:rPr lang="en-US" sz="1800" dirty="0" err="1"/>
-              <a:t>compressed_output</a:t>
-            </a:r>
-            <a:r>
-              <a:rPr lang="en-US" sz="1800" dirty="0"/>
-              <a:t> (</a:t>
-            </a:r>
-            <a:r>
-              <a:rPr lang="en-US" sz="1800" dirty="0" err="1"/>
-              <a:t>fișiere</a:t>
-            </a:r>
-            <a:r>
-              <a:rPr lang="en-US" sz="1800" dirty="0"/>
-              <a:t> .bin </a:t>
-            </a:r>
-            <a:r>
-              <a:rPr lang="en-US" sz="1800" dirty="0" err="1"/>
-              <a:t>și</a:t>
-            </a:r>
-            <a:r>
-              <a:rPr lang="en-US" sz="1800" dirty="0"/>
-              <a:t> .</a:t>
-            </a:r>
-            <a:r>
-              <a:rPr lang="en-US" sz="1800" dirty="0" err="1"/>
-              <a:t>json</a:t>
-            </a:r>
-            <a:r>
-              <a:rPr lang="en-US" sz="1800" dirty="0"/>
-              <a:t>)</a:t>
-            </a:r>
+            <a:endParaRPr lang="fr-FR" dirty="0"/>
           </a:p>
         </p:txBody>
       </p:sp>
     </p:spTree>
     <p:extLst>
       <p:ext uri="{BB962C8B-B14F-4D97-AF65-F5344CB8AC3E}">
-        <p14:creationId xmlns:p14="http://schemas.microsoft.com/office/powerpoint/2010/main" val="650327307"/>
+        <p14:creationId xmlns:p14="http://schemas.microsoft.com/office/powerpoint/2010/main" val="1567338809"/>
       </p:ext>
     </p:extLst>
   </p:cSld>
@@ -6019,10 +9646,10 @@
       </p:grpSpPr>
       <p:sp>
         <p:nvSpPr>
-          <p:cNvPr id="2" name="Title 1">
-            <a:extLst>
-              <a:ext uri="{FF2B5EF4-FFF2-40B4-BE49-F238E27FC236}">
-                <a16:creationId xmlns:a16="http://schemas.microsoft.com/office/drawing/2014/main" id="{4631C989-3D1A-7014-9325-CDB16835B933}"/>
+          <p:cNvPr id="2" name="Titlu 1">
+            <a:extLst>
+              <a:ext uri="{FF2B5EF4-FFF2-40B4-BE49-F238E27FC236}">
+                <a16:creationId xmlns:a16="http://schemas.microsoft.com/office/drawing/2014/main" id="{D15F65BE-0DC3-3839-03F3-9016A44277F1}"/>
               </a:ext>
             </a:extLst>
           </p:cNvPr>
@@ -6039,759 +9666,333 @@
           <a:lstStyle/>
           <a:p>
             <a:r>
-              <a:rPr lang="en-US" dirty="0" err="1"/>
-              <a:t>Experimente</a:t>
-            </a:r>
-            <a:endParaRPr lang="en-US" dirty="0"/>
-          </a:p>
-        </p:txBody>
-      </p:sp>
-      <p:sp>
-        <p:nvSpPr>
-          <p:cNvPr id="3" name="Content Placeholder 2">
-            <a:extLst>
-              <a:ext uri="{FF2B5EF4-FFF2-40B4-BE49-F238E27FC236}">
-                <a16:creationId xmlns:a16="http://schemas.microsoft.com/office/drawing/2014/main" id="{76D84EAC-5134-15DE-9F84-6E231666AEE2}"/>
-              </a:ext>
-            </a:extLst>
-          </p:cNvPr>
-          <p:cNvSpPr>
-            <a:spLocks noGrp="1"/>
-          </p:cNvSpPr>
-          <p:nvPr>
-            <p:ph idx="1"/>
-          </p:nvPr>
-        </p:nvSpPr>
-        <p:spPr>
-          <a:xfrm>
-            <a:off x="1097280" y="1837918"/>
-            <a:ext cx="10058400" cy="4023360"/>
-          </a:xfrm>
-        </p:spPr>
-        <p:txBody>
-          <a:bodyPr>
-            <a:normAutofit fontScale="92500" lnSpcReduction="10000"/>
+              <a:rPr lang="ro-RO" dirty="0"/>
+              <a:t>Compresia Valorilor: XOR </a:t>
+            </a:r>
+            <a:r>
+              <a:rPr lang="ro-RO" dirty="0" err="1"/>
+              <a:t>Encoding</a:t>
+            </a:r>
+            <a:endParaRPr lang="ro-RO" dirty="0"/>
+          </a:p>
+        </p:txBody>
+      </p:sp>
+      <p:pic>
+        <p:nvPicPr>
+          <p:cNvPr id="4" name="Imagine 3" descr="O imagine care conține text, captură de ecran, Font, linie&#10;&#10;Conținutul generat de inteligența artificială poate fi incorect.">
+            <a:extLst>
+              <a:ext uri="{FF2B5EF4-FFF2-40B4-BE49-F238E27FC236}">
+                <a16:creationId xmlns:a16="http://schemas.microsoft.com/office/drawing/2014/main" id="{ADF3A729-73C6-61D3-AB6A-2372D96A327F}"/>
+              </a:ext>
+            </a:extLst>
+          </p:cNvPr>
+          <p:cNvPicPr>
+            <a:picLocks noChangeAspect="1"/>
+          </p:cNvPicPr>
+          <p:nvPr/>
+        </p:nvPicPr>
+        <p:blipFill>
+          <a:blip r:embed="rId2"/>
+          <a:stretch>
+            <a:fillRect/>
+          </a:stretch>
+        </p:blipFill>
+        <p:spPr>
+          <a:xfrm>
+            <a:off x="3668166" y="2108876"/>
+            <a:ext cx="4572638" cy="819264"/>
+          </a:xfrm>
+          <a:prstGeom prst="rect">
+            <a:avLst/>
+          </a:prstGeom>
+        </p:spPr>
+      </p:pic>
+      <p:sp>
+        <p:nvSpPr>
+          <p:cNvPr id="5" name="CasetăText 4">
+            <a:extLst>
+              <a:ext uri="{FF2B5EF4-FFF2-40B4-BE49-F238E27FC236}">
+                <a16:creationId xmlns:a16="http://schemas.microsoft.com/office/drawing/2014/main" id="{62B292F3-2807-DA45-27FA-FE2F9BB051BA}"/>
+              </a:ext>
+            </a:extLst>
+          </p:cNvPr>
+          <p:cNvSpPr txBox="1"/>
+          <p:nvPr/>
+        </p:nvSpPr>
+        <p:spPr>
+          <a:xfrm>
+            <a:off x="1208314" y="2558808"/>
+            <a:ext cx="4223657" cy="369332"/>
+          </a:xfrm>
+          <a:prstGeom prst="rect">
+            <a:avLst/>
+          </a:prstGeom>
+          <a:noFill/>
+        </p:spPr>
+        <p:txBody>
+          <a:bodyPr wrap="square" rtlCol="0">
+            <a:spAutoFit/>
           </a:bodyPr>
           <a:lstStyle/>
           <a:p>
-            <a:pPr marL="0" lvl="0" indent="0" eaLnBrk="0" fontAlgn="base" hangingPunct="0">
-              <a:lnSpc>
-                <a:spcPct val="100000"/>
-              </a:lnSpc>
-              <a:spcBef>
-                <a:spcPct val="0"/>
-              </a:spcBef>
-              <a:spcAft>
-                <a:spcPct val="0"/>
-              </a:spcAft>
-              <a:buClrTx/>
-              <a:buSzTx/>
-              <a:buFontTx/>
-              <a:buChar char="•"/>
-            </a:pPr>
-            <a:endParaRPr lang="en-US" altLang="en-US" b="1" dirty="0">
-              <a:solidFill>
-                <a:schemeClr val="tx1"/>
-              </a:solidFill>
-              <a:latin typeface="Arial" panose="020B0604020202020204" pitchFamily="34" charset="0"/>
-            </a:endParaRPr>
-          </a:p>
-          <a:p>
-            <a:pPr marL="0" lvl="0" indent="0" eaLnBrk="0" fontAlgn="base" hangingPunct="0">
-              <a:lnSpc>
-                <a:spcPct val="100000"/>
-              </a:lnSpc>
-              <a:spcBef>
-                <a:spcPct val="0"/>
-              </a:spcBef>
-              <a:spcAft>
-                <a:spcPct val="0"/>
-              </a:spcAft>
-              <a:buClrTx/>
-              <a:buSzTx/>
-              <a:buNone/>
-            </a:pPr>
-            <a:r>
-              <a:rPr lang="en-US" altLang="en-US" dirty="0" err="1">
+            <a:r>
+              <a:rPr lang="ro-RO" b="1" dirty="0"/>
+              <a:t>Valorile</a:t>
+            </a:r>
+            <a:r>
+              <a:rPr lang="en-US" b="1" dirty="0"/>
+              <a:t> sunt:</a:t>
+            </a:r>
+            <a:endParaRPr lang="ro-RO" b="1" dirty="0"/>
+          </a:p>
+        </p:txBody>
+      </p:sp>
+      <p:sp>
+        <p:nvSpPr>
+          <p:cNvPr id="6" name="CasetăText 5">
+            <a:extLst>
+              <a:ext uri="{FF2B5EF4-FFF2-40B4-BE49-F238E27FC236}">
+                <a16:creationId xmlns:a16="http://schemas.microsoft.com/office/drawing/2014/main" id="{67211FA5-646A-6A55-1B59-EE24CF0224D7}"/>
+              </a:ext>
+            </a:extLst>
+          </p:cNvPr>
+          <p:cNvSpPr txBox="1"/>
+          <p:nvPr/>
+        </p:nvSpPr>
+        <p:spPr>
+          <a:xfrm>
+            <a:off x="3771899" y="2928140"/>
+            <a:ext cx="4855030" cy="369332"/>
+          </a:xfrm>
+          <a:prstGeom prst="rect">
+            <a:avLst/>
+          </a:prstGeom>
+          <a:noFill/>
+        </p:spPr>
+        <p:txBody>
+          <a:bodyPr wrap="square" rtlCol="0">
+            <a:spAutoFit/>
+          </a:bodyPr>
+          <a:lstStyle/>
+          <a:p>
+            <a:r>
+              <a:rPr lang="ro-RO" dirty="0"/>
+              <a:t>Structura IEEE 754 </a:t>
+            </a:r>
+            <a:r>
+              <a:rPr lang="ro-RO" dirty="0" err="1"/>
+              <a:t>double-precision</a:t>
+            </a:r>
+            <a:r>
+              <a:rPr lang="ro-RO" dirty="0"/>
+              <a:t> (64 biți)</a:t>
+            </a:r>
+          </a:p>
+        </p:txBody>
+      </p:sp>
+      <p:sp>
+        <p:nvSpPr>
+          <p:cNvPr id="7" name="CasetăText 6">
+            <a:extLst>
+              <a:ext uri="{FF2B5EF4-FFF2-40B4-BE49-F238E27FC236}">
+                <a16:creationId xmlns:a16="http://schemas.microsoft.com/office/drawing/2014/main" id="{925E073D-2736-CE2A-7FE3-D0382003EF7F}"/>
+              </a:ext>
+            </a:extLst>
+          </p:cNvPr>
+          <p:cNvSpPr txBox="1"/>
+          <p:nvPr/>
+        </p:nvSpPr>
+        <p:spPr>
+          <a:xfrm>
+            <a:off x="1189264" y="3554851"/>
+            <a:ext cx="10020300" cy="646331"/>
+          </a:xfrm>
+          <a:prstGeom prst="rect">
+            <a:avLst/>
+          </a:prstGeom>
+          <a:noFill/>
+        </p:spPr>
+        <p:txBody>
+          <a:bodyPr wrap="square" rtlCol="0">
+            <a:spAutoFit/>
+          </a:bodyPr>
+          <a:lstStyle/>
+          <a:p>
+            <a:r>
+              <a:rPr lang="ro-RO" b="1" dirty="0"/>
+              <a:t>Problema</a:t>
+            </a:r>
+            <a:r>
+              <a:rPr lang="ro-RO" dirty="0"/>
+              <a:t>: Chiar și pentru valori foarte apropiate, reprezentările binare pot diferi semnificativ la nivelul mantisei. </a:t>
+            </a:r>
+            <a:r>
+              <a:rPr lang="ro-RO" b="1" dirty="0">
                 <a:solidFill>
-                  <a:schemeClr val="tx1"/>
-                </a:solidFill>
-                <a:latin typeface="Arial" panose="020B0604020202020204" pitchFamily="34" charset="0"/>
-              </a:rPr>
-              <a:t>Seturi</a:t>
-            </a:r>
-            <a:r>
-              <a:rPr lang="en-US" altLang="en-US" dirty="0">
-                <a:solidFill>
-                  <a:schemeClr val="tx1"/>
-                </a:solidFill>
-                <a:latin typeface="Arial" panose="020B0604020202020204" pitchFamily="34" charset="0"/>
-              </a:rPr>
-              <a:t> de date </a:t>
-            </a:r>
-            <a:r>
-              <a:rPr lang="en-US" altLang="en-US" dirty="0" err="1">
-                <a:solidFill>
-                  <a:schemeClr val="tx1"/>
-                </a:solidFill>
-                <a:latin typeface="Arial" panose="020B0604020202020204" pitchFamily="34" charset="0"/>
-              </a:rPr>
-              <a:t>utilizate</a:t>
-            </a:r>
-            <a:r>
-              <a:rPr lang="en-US" altLang="en-US" dirty="0">
-                <a:solidFill>
-                  <a:schemeClr val="tx1"/>
-                </a:solidFill>
-                <a:latin typeface="Arial" panose="020B0604020202020204" pitchFamily="34" charset="0"/>
-              </a:rPr>
-              <a:t>:</a:t>
-            </a:r>
-          </a:p>
-          <a:p>
-            <a:pPr marL="0" lvl="0" indent="0" eaLnBrk="0" fontAlgn="base" hangingPunct="0">
-              <a:lnSpc>
-                <a:spcPct val="100000"/>
-              </a:lnSpc>
-              <a:spcBef>
-                <a:spcPct val="0"/>
-              </a:spcBef>
-              <a:spcAft>
-                <a:spcPct val="0"/>
-              </a:spcAft>
-              <a:buClrTx/>
-              <a:buSzTx/>
-              <a:buFontTx/>
-              <a:buChar char="•"/>
-            </a:pPr>
-            <a:endParaRPr lang="en-US" altLang="en-US" dirty="0">
-              <a:solidFill>
-                <a:schemeClr val="tx1"/>
-              </a:solidFill>
-              <a:latin typeface="Arial" panose="020B0604020202020204" pitchFamily="34" charset="0"/>
-            </a:endParaRPr>
-          </a:p>
-          <a:p>
-            <a:pPr marL="0" lvl="0" indent="0" eaLnBrk="0" fontAlgn="base" hangingPunct="0">
-              <a:lnSpc>
-                <a:spcPct val="100000"/>
-              </a:lnSpc>
-              <a:spcBef>
-                <a:spcPct val="0"/>
-              </a:spcBef>
-              <a:spcAft>
-                <a:spcPct val="0"/>
-              </a:spcAft>
-              <a:buClrTx/>
-              <a:buSzTx/>
-              <a:buFontTx/>
-              <a:buAutoNum type="arabicPeriod"/>
-            </a:pPr>
-            <a:r>
-              <a:rPr lang="en-US" altLang="en-US" sz="1800" dirty="0">
-                <a:solidFill>
-                  <a:schemeClr val="tx1"/>
-                </a:solidFill>
-                <a:latin typeface="Arial Unicode MS"/>
-              </a:rPr>
-              <a:t>Twitter_volume_UPS.csv</a:t>
-            </a:r>
-            <a:r>
-              <a:rPr lang="en-US" altLang="en-US" sz="1800" dirty="0">
-                <a:solidFill>
-                  <a:schemeClr val="tx1"/>
+                  <a:srgbClr val="C00000"/>
                 </a:solidFill>
               </a:rPr>
-              <a:t> (</a:t>
-            </a:r>
-            <a:r>
-              <a:rPr lang="en-US" altLang="en-US" sz="1800" dirty="0" err="1">
+              <a:t>Delta </a:t>
+            </a:r>
+            <a:r>
+              <a:rPr lang="ro-RO" b="1" dirty="0" err="1">
                 <a:solidFill>
-                  <a:schemeClr val="tx1"/>
+                  <a:srgbClr val="C00000"/>
                 </a:solidFill>
               </a:rPr>
-              <a:t>Variații</a:t>
-            </a:r>
-            <a:r>
-              <a:rPr lang="en-US" altLang="en-US" sz="1800" dirty="0">
+              <a:t>encoding</a:t>
+            </a:r>
+            <a:r>
+              <a:rPr lang="ro-RO" b="1" dirty="0">
                 <a:solidFill>
-                  <a:schemeClr val="tx1"/>
+                  <a:srgbClr val="C00000"/>
                 </a:solidFill>
               </a:rPr>
-              <a:t> </a:t>
-            </a:r>
-            <a:r>
-              <a:rPr lang="en-US" altLang="en-US" sz="1800" dirty="0" err="1">
+              <a:t> simplu nu funcționează eficient.</a:t>
+            </a:r>
+          </a:p>
+        </p:txBody>
+      </p:sp>
+      <p:sp>
+        <p:nvSpPr>
+          <p:cNvPr id="8" name="CasetăText 7">
+            <a:extLst>
+              <a:ext uri="{FF2B5EF4-FFF2-40B4-BE49-F238E27FC236}">
+                <a16:creationId xmlns:a16="http://schemas.microsoft.com/office/drawing/2014/main" id="{20A59751-5ACC-6718-1C8F-08BC865C2374}"/>
+              </a:ext>
+            </a:extLst>
+          </p:cNvPr>
+          <p:cNvSpPr txBox="1"/>
+          <p:nvPr/>
+        </p:nvSpPr>
+        <p:spPr>
+          <a:xfrm>
+            <a:off x="1189264" y="4556337"/>
+            <a:ext cx="4454979" cy="369332"/>
+          </a:xfrm>
+          <a:prstGeom prst="rect">
+            <a:avLst/>
+          </a:prstGeom>
+          <a:noFill/>
+        </p:spPr>
+        <p:txBody>
+          <a:bodyPr wrap="square" rtlCol="0">
+            <a:spAutoFit/>
+          </a:bodyPr>
+          <a:lstStyle/>
+          <a:p>
+            <a:r>
+              <a:rPr lang="ro-RO" b="1" dirty="0"/>
+              <a:t>Observația cheie</a:t>
+            </a:r>
+            <a:r>
+              <a:rPr lang="ro-RO" dirty="0"/>
+              <a:t>: </a:t>
+            </a:r>
+            <a:r>
+              <a:rPr lang="ro-RO" b="1" dirty="0">
                 <a:solidFill>
-                  <a:schemeClr val="tx1"/>
+                  <a:srgbClr val="C00000"/>
                 </a:solidFill>
               </a:rPr>
-              <a:t>mari</a:t>
-            </a:r>
-            <a:r>
-              <a:rPr lang="en-US" altLang="en-US" sz="1800" dirty="0">
-                <a:solidFill>
-                  <a:schemeClr val="tx1"/>
-                </a:solidFill>
-              </a:rPr>
-              <a:t> de </a:t>
-            </a:r>
-            <a:r>
-              <a:rPr lang="en-US" altLang="en-US" sz="1800" dirty="0" err="1">
-                <a:solidFill>
-                  <a:schemeClr val="tx1"/>
-                </a:solidFill>
-              </a:rPr>
-              <a:t>volum</a:t>
-            </a:r>
-            <a:r>
-              <a:rPr lang="en-US" altLang="en-US" sz="1800" dirty="0">
-                <a:solidFill>
-                  <a:schemeClr val="tx1"/>
-                </a:solidFill>
-              </a:rPr>
-              <a:t>).</a:t>
-            </a:r>
-            <a:endParaRPr lang="en-US" altLang="en-US" sz="1800" dirty="0">
-              <a:solidFill>
-                <a:schemeClr val="tx1"/>
-              </a:solidFill>
-              <a:latin typeface="Arial" panose="020B0604020202020204" pitchFamily="34" charset="0"/>
-            </a:endParaRPr>
-          </a:p>
-          <a:p>
-            <a:pPr marL="0" lvl="0" indent="0" eaLnBrk="0" fontAlgn="base" hangingPunct="0">
-              <a:lnSpc>
-                <a:spcPct val="100000"/>
-              </a:lnSpc>
-              <a:spcBef>
-                <a:spcPct val="0"/>
-              </a:spcBef>
-              <a:spcAft>
-                <a:spcPct val="0"/>
-              </a:spcAft>
-              <a:buClrTx/>
-              <a:buSzTx/>
-              <a:buFontTx/>
-              <a:buAutoNum type="arabicPeriod" startAt="2"/>
-            </a:pPr>
-            <a:r>
-              <a:rPr lang="en-US" altLang="en-US" sz="1800" dirty="0">
-                <a:solidFill>
-                  <a:schemeClr val="tx1"/>
-                </a:solidFill>
-                <a:latin typeface="Arial Unicode MS"/>
-              </a:rPr>
-              <a:t>room_climate_location_A.csv</a:t>
-            </a:r>
-            <a:r>
-              <a:rPr lang="en-US" altLang="en-US" sz="1800" dirty="0">
-                <a:solidFill>
-                  <a:schemeClr val="tx1"/>
-                </a:solidFill>
-              </a:rPr>
-              <a:t> (Date </a:t>
-            </a:r>
-            <a:r>
-              <a:rPr lang="en-US" altLang="en-US" sz="1800" dirty="0" err="1">
-                <a:solidFill>
-                  <a:schemeClr val="tx1"/>
-                </a:solidFill>
-              </a:rPr>
-              <a:t>senzoriale</a:t>
-            </a:r>
-            <a:r>
-              <a:rPr lang="en-US" altLang="en-US" sz="1800" dirty="0">
-                <a:solidFill>
-                  <a:schemeClr val="tx1"/>
-                </a:solidFill>
-              </a:rPr>
-              <a:t> stabile).</a:t>
-            </a:r>
-          </a:p>
-          <a:p>
-            <a:pPr marL="0" lvl="0" indent="0" eaLnBrk="0" fontAlgn="base" hangingPunct="0">
-              <a:lnSpc>
-                <a:spcPct val="100000"/>
-              </a:lnSpc>
-              <a:spcBef>
-                <a:spcPct val="0"/>
-              </a:spcBef>
-              <a:spcAft>
-                <a:spcPct val="0"/>
-              </a:spcAft>
-              <a:buClrTx/>
-              <a:buSzTx/>
-              <a:buFontTx/>
-              <a:buAutoNum type="arabicPeriod" startAt="2"/>
-            </a:pPr>
-            <a:endParaRPr lang="en-US" altLang="en-US" sz="1800" dirty="0">
-              <a:solidFill>
-                <a:schemeClr val="tx1"/>
-              </a:solidFill>
-              <a:latin typeface="Arial" panose="020B0604020202020204" pitchFamily="34" charset="0"/>
-            </a:endParaRPr>
-          </a:p>
-          <a:p>
-            <a:pPr marL="0" lvl="0" indent="0" eaLnBrk="0" fontAlgn="base" hangingPunct="0">
-              <a:lnSpc>
-                <a:spcPct val="100000"/>
-              </a:lnSpc>
-              <a:spcBef>
-                <a:spcPct val="0"/>
-              </a:spcBef>
-              <a:spcAft>
-                <a:spcPct val="0"/>
-              </a:spcAft>
-              <a:buClrTx/>
-              <a:buSzTx/>
-              <a:buNone/>
-            </a:pPr>
-            <a:r>
-              <a:rPr lang="en-US" altLang="en-US" sz="1800" dirty="0" err="1">
-                <a:solidFill>
-                  <a:schemeClr val="tx1"/>
-                </a:solidFill>
-                <a:latin typeface="Arial" panose="020B0604020202020204" pitchFamily="34" charset="0"/>
-              </a:rPr>
-              <a:t>Rezultate</a:t>
-            </a:r>
-            <a:r>
-              <a:rPr lang="en-US" altLang="en-US" sz="1800" dirty="0">
-                <a:solidFill>
-                  <a:schemeClr val="tx1"/>
-                </a:solidFill>
-                <a:latin typeface="Arial" panose="020B0604020202020204" pitchFamily="34" charset="0"/>
-              </a:rPr>
-              <a:t> Twitter:</a:t>
-            </a:r>
-          </a:p>
-          <a:p>
-            <a:pPr marL="0" lvl="0" indent="0" eaLnBrk="0" fontAlgn="base" hangingPunct="0">
-              <a:lnSpc>
-                <a:spcPct val="100000"/>
-              </a:lnSpc>
-              <a:spcBef>
-                <a:spcPct val="0"/>
-              </a:spcBef>
-              <a:spcAft>
-                <a:spcPct val="0"/>
-              </a:spcAft>
-              <a:buClrTx/>
-              <a:buSzTx/>
-              <a:buNone/>
-            </a:pPr>
-            <a:endParaRPr lang="en-US" altLang="en-US" sz="1800" dirty="0">
-              <a:solidFill>
-                <a:schemeClr val="tx1"/>
-              </a:solidFill>
-              <a:latin typeface="Arial" panose="020B0604020202020204" pitchFamily="34" charset="0"/>
-            </a:endParaRPr>
-          </a:p>
-          <a:p>
-            <a:pPr marL="0" lvl="0" indent="0" eaLnBrk="0" fontAlgn="base" hangingPunct="0">
-              <a:lnSpc>
-                <a:spcPct val="100000"/>
-              </a:lnSpc>
-              <a:spcBef>
-                <a:spcPct val="0"/>
-              </a:spcBef>
-              <a:spcAft>
-                <a:spcPct val="0"/>
-              </a:spcAft>
-              <a:buClrTx/>
-              <a:buSzTx/>
-              <a:buNone/>
-            </a:pPr>
-            <a:r>
-              <a:rPr lang="en-US" altLang="en-US" sz="1800" dirty="0">
-                <a:solidFill>
-                  <a:schemeClr val="tx1"/>
-                </a:solidFill>
-                <a:latin typeface="Arial" panose="020B0604020202020204" pitchFamily="34" charset="0"/>
-              </a:rPr>
-              <a:t>============================================================</a:t>
-            </a:r>
-          </a:p>
-          <a:p>
-            <a:pPr marL="0" lvl="0" indent="0" eaLnBrk="0" fontAlgn="base" hangingPunct="0">
-              <a:lnSpc>
-                <a:spcPct val="100000"/>
-              </a:lnSpc>
-              <a:spcBef>
-                <a:spcPct val="0"/>
-              </a:spcBef>
-              <a:spcAft>
-                <a:spcPct val="0"/>
-              </a:spcAft>
-              <a:buClrTx/>
-              <a:buSzTx/>
-              <a:buNone/>
-            </a:pPr>
-            <a:r>
-              <a:rPr lang="en-US" altLang="en-US" sz="1800" dirty="0" err="1">
-                <a:solidFill>
-                  <a:schemeClr val="tx1"/>
-                </a:solidFill>
-                <a:latin typeface="Arial" panose="020B0604020202020204" pitchFamily="34" charset="0"/>
-              </a:rPr>
-              <a:t>Metoda</a:t>
-            </a:r>
-            <a:r>
-              <a:rPr lang="en-US" altLang="en-US" sz="1800" dirty="0">
-                <a:solidFill>
-                  <a:schemeClr val="tx1"/>
-                </a:solidFill>
-                <a:latin typeface="Arial" panose="020B0604020202020204" pitchFamily="34" charset="0"/>
-              </a:rPr>
-              <a:t>                    | Timp (</a:t>
-            </a:r>
-            <a:r>
-              <a:rPr lang="en-US" altLang="en-US" sz="1800" dirty="0" err="1">
-                <a:solidFill>
-                  <a:schemeClr val="tx1"/>
-                </a:solidFill>
-                <a:latin typeface="Arial" panose="020B0604020202020204" pitchFamily="34" charset="0"/>
-              </a:rPr>
-              <a:t>ms</a:t>
-            </a:r>
-            <a:r>
-              <a:rPr lang="en-US" altLang="en-US" sz="1800" dirty="0">
-                <a:solidFill>
-                  <a:schemeClr val="tx1"/>
-                </a:solidFill>
-                <a:latin typeface="Arial" panose="020B0604020202020204" pitchFamily="34" charset="0"/>
-              </a:rPr>
-              <a:t>)    | Marime Bin (Bytes)</a:t>
-            </a:r>
-          </a:p>
-          <a:p>
-            <a:pPr marL="0" lvl="0" indent="0" eaLnBrk="0" fontAlgn="base" hangingPunct="0">
-              <a:lnSpc>
-                <a:spcPct val="100000"/>
-              </a:lnSpc>
-              <a:spcBef>
-                <a:spcPct val="0"/>
-              </a:spcBef>
-              <a:spcAft>
-                <a:spcPct val="0"/>
-              </a:spcAft>
-              <a:buClrTx/>
-              <a:buSzTx/>
-              <a:buNone/>
-            </a:pPr>
-            <a:r>
-              <a:rPr lang="en-US" altLang="en-US" sz="1800" dirty="0">
-                <a:solidFill>
-                  <a:schemeClr val="tx1"/>
-                </a:solidFill>
-                <a:latin typeface="Arial" panose="020B0604020202020204" pitchFamily="34" charset="0"/>
-              </a:rPr>
-              <a:t>------------------------------------------------------------</a:t>
-            </a:r>
-          </a:p>
-          <a:p>
-            <a:pPr marL="0" lvl="0" indent="0" eaLnBrk="0" fontAlgn="base" hangingPunct="0">
-              <a:lnSpc>
-                <a:spcPct val="100000"/>
-              </a:lnSpc>
-              <a:spcBef>
-                <a:spcPct val="0"/>
-              </a:spcBef>
-              <a:spcAft>
-                <a:spcPct val="0"/>
-              </a:spcAft>
-              <a:buClrTx/>
-              <a:buSzTx/>
-              <a:buNone/>
-            </a:pPr>
-            <a:r>
-              <a:rPr lang="en-US" altLang="en-US" sz="1800" dirty="0">
-                <a:solidFill>
-                  <a:schemeClr val="tx1"/>
-                </a:solidFill>
-                <a:latin typeface="Arial" panose="020B0604020202020204" pitchFamily="34" charset="0"/>
-              </a:rPr>
-              <a:t>Standard                  | 45.8141      | 38515</a:t>
-            </a:r>
-          </a:p>
-          <a:p>
-            <a:pPr marL="0" lvl="0" indent="0" eaLnBrk="0" fontAlgn="base" hangingPunct="0">
-              <a:lnSpc>
-                <a:spcPct val="100000"/>
-              </a:lnSpc>
-              <a:spcBef>
-                <a:spcPct val="0"/>
-              </a:spcBef>
-              <a:spcAft>
-                <a:spcPct val="0"/>
-              </a:spcAft>
-              <a:buClrTx/>
-              <a:buSzTx/>
-              <a:buNone/>
-            </a:pPr>
-            <a:r>
-              <a:rPr lang="en-US" altLang="en-US" sz="1800" dirty="0" err="1">
-                <a:solidFill>
-                  <a:schemeClr val="tx1"/>
-                </a:solidFill>
-                <a:latin typeface="Arial" panose="020B0604020202020204" pitchFamily="34" charset="0"/>
-              </a:rPr>
-              <a:t>Verificare</a:t>
-            </a:r>
-            <a:r>
-              <a:rPr lang="en-US" altLang="en-US" sz="1800" dirty="0">
-                <a:solidFill>
-                  <a:schemeClr val="tx1"/>
-                </a:solidFill>
-                <a:latin typeface="Arial" panose="020B0604020202020204" pitchFamily="34" charset="0"/>
-              </a:rPr>
-              <a:t>                | 45.6059      | 38,253</a:t>
-            </a:r>
-          </a:p>
-          <a:p>
-            <a:pPr marL="0" lvl="0" indent="0" eaLnBrk="0" fontAlgn="base" hangingPunct="0">
-              <a:lnSpc>
-                <a:spcPct val="100000"/>
-              </a:lnSpc>
-              <a:spcBef>
-                <a:spcPct val="0"/>
-              </a:spcBef>
-              <a:spcAft>
-                <a:spcPct val="0"/>
-              </a:spcAft>
-              <a:buClrTx/>
-              <a:buSzTx/>
-              <a:buNone/>
-            </a:pPr>
-            <a:r>
-              <a:rPr lang="en-US" altLang="en-US" sz="1800" dirty="0">
-                <a:solidFill>
-                  <a:schemeClr val="tx1"/>
-                </a:solidFill>
-                <a:latin typeface="Arial" panose="020B0604020202020204" pitchFamily="34" charset="0"/>
-              </a:rPr>
-              <a:t>------------------------------------------------------------</a:t>
-            </a:r>
-          </a:p>
-          <a:p>
-            <a:pPr marL="0" lvl="0" indent="0" eaLnBrk="0" fontAlgn="base" hangingPunct="0">
-              <a:lnSpc>
-                <a:spcPct val="100000"/>
-              </a:lnSpc>
-              <a:spcBef>
-                <a:spcPct val="0"/>
-              </a:spcBef>
-              <a:spcAft>
-                <a:spcPct val="0"/>
-              </a:spcAft>
-              <a:buClrTx/>
-              <a:buSzTx/>
-              <a:buNone/>
-            </a:pPr>
-            <a:r>
-              <a:rPr lang="en-US" altLang="en-US" sz="1800" dirty="0">
-                <a:solidFill>
-                  <a:schemeClr val="tx1"/>
-                </a:solidFill>
-                <a:latin typeface="Arial" panose="020B0604020202020204" pitchFamily="34" charset="0"/>
-              </a:rPr>
-              <a:t>REZULTAT: </a:t>
-            </a:r>
-            <a:r>
-              <a:rPr lang="en-US" altLang="en-US" sz="1800" dirty="0" err="1">
-                <a:solidFill>
-                  <a:schemeClr val="tx1"/>
-                </a:solidFill>
-                <a:latin typeface="Arial" panose="020B0604020202020204" pitchFamily="34" charset="0"/>
-              </a:rPr>
-              <a:t>Metoda</a:t>
-            </a:r>
-            <a:r>
-              <a:rPr lang="en-US" altLang="en-US" sz="1800" dirty="0">
-                <a:solidFill>
-                  <a:schemeClr val="tx1"/>
-                </a:solidFill>
-                <a:latin typeface="Arial" panose="020B0604020202020204" pitchFamily="34" charset="0"/>
-              </a:rPr>
-              <a:t> </a:t>
-            </a:r>
-            <a:r>
-              <a:rPr lang="en-US" altLang="en-US" sz="1800" dirty="0" err="1">
-                <a:solidFill>
-                  <a:schemeClr val="tx1"/>
-                </a:solidFill>
-                <a:latin typeface="Arial" panose="020B0604020202020204" pitchFamily="34" charset="0"/>
-              </a:rPr>
-              <a:t>Verificare</a:t>
-            </a:r>
-            <a:r>
-              <a:rPr lang="en-US" altLang="en-US" sz="1800" dirty="0">
-                <a:solidFill>
-                  <a:schemeClr val="tx1"/>
-                </a:solidFill>
-                <a:latin typeface="Arial" panose="020B0604020202020204" pitchFamily="34" charset="0"/>
-              </a:rPr>
-              <a:t> </a:t>
-            </a:r>
-            <a:r>
-              <a:rPr lang="en-US" altLang="en-US" sz="1800" dirty="0" err="1">
-                <a:solidFill>
-                  <a:schemeClr val="tx1"/>
-                </a:solidFill>
-                <a:latin typeface="Arial" panose="020B0604020202020204" pitchFamily="34" charset="0"/>
-              </a:rPr>
-              <a:t>este</a:t>
-            </a:r>
-            <a:r>
-              <a:rPr lang="en-US" altLang="en-US" sz="1800" dirty="0">
-                <a:solidFill>
-                  <a:schemeClr val="tx1"/>
-                </a:solidFill>
-                <a:latin typeface="Arial" panose="020B0604020202020204" pitchFamily="34" charset="0"/>
-              </a:rPr>
-              <a:t> </a:t>
-            </a:r>
-            <a:r>
-              <a:rPr lang="en-US" altLang="en-US" sz="1800" dirty="0" err="1">
-                <a:solidFill>
-                  <a:schemeClr val="tx1"/>
-                </a:solidFill>
-                <a:latin typeface="Arial" panose="020B0604020202020204" pitchFamily="34" charset="0"/>
-              </a:rPr>
-              <a:t>mai</a:t>
-            </a:r>
-            <a:r>
-              <a:rPr lang="en-US" altLang="en-US" sz="1800" dirty="0">
-                <a:solidFill>
-                  <a:schemeClr val="tx1"/>
-                </a:solidFill>
-                <a:latin typeface="Arial" panose="020B0604020202020204" pitchFamily="34" charset="0"/>
-              </a:rPr>
-              <a:t> </a:t>
-            </a:r>
-            <a:r>
-              <a:rPr lang="en-US" altLang="en-US" sz="1800" dirty="0" err="1">
-                <a:solidFill>
-                  <a:schemeClr val="tx1"/>
-                </a:solidFill>
-                <a:latin typeface="Arial" panose="020B0604020202020204" pitchFamily="34" charset="0"/>
-              </a:rPr>
-              <a:t>eficienta</a:t>
-            </a:r>
-            <a:r>
-              <a:rPr lang="en-US" altLang="en-US" sz="1800" dirty="0">
-                <a:solidFill>
-                  <a:schemeClr val="tx1"/>
-                </a:solidFill>
-                <a:latin typeface="Arial" panose="020B0604020202020204" pitchFamily="34" charset="0"/>
-              </a:rPr>
-              <a:t> cu 252 Bytes.</a:t>
-            </a:r>
-          </a:p>
-          <a:p>
-            <a:pPr marL="0" lvl="0" indent="0" eaLnBrk="0" fontAlgn="base" hangingPunct="0">
-              <a:lnSpc>
-                <a:spcPct val="100000"/>
-              </a:lnSpc>
-              <a:spcBef>
-                <a:spcPct val="0"/>
-              </a:spcBef>
-              <a:spcAft>
-                <a:spcPct val="0"/>
-              </a:spcAft>
-              <a:buClrTx/>
-              <a:buSzTx/>
-              <a:buNone/>
-            </a:pPr>
-            <a:r>
-              <a:rPr lang="en-US" altLang="en-US" sz="1800" dirty="0">
-                <a:solidFill>
-                  <a:schemeClr val="tx1"/>
-                </a:solidFill>
-                <a:latin typeface="Arial" panose="020B0604020202020204" pitchFamily="34" charset="0"/>
-              </a:rPr>
-              <a:t>OPTIMIZARE: </a:t>
-            </a:r>
-            <a:r>
-              <a:rPr lang="en-US" altLang="en-US" sz="1800" dirty="0" err="1">
-                <a:solidFill>
-                  <a:schemeClr val="tx1"/>
-                </a:solidFill>
-                <a:latin typeface="Arial" panose="020B0604020202020204" pitchFamily="34" charset="0"/>
-              </a:rPr>
-              <a:t>Fisierul</a:t>
-            </a:r>
-            <a:r>
-              <a:rPr lang="en-US" altLang="en-US" sz="1800" dirty="0">
-                <a:solidFill>
-                  <a:schemeClr val="tx1"/>
-                </a:solidFill>
-                <a:latin typeface="Arial" panose="020B0604020202020204" pitchFamily="34" charset="0"/>
-              </a:rPr>
-              <a:t> </a:t>
-            </a:r>
-            <a:r>
-              <a:rPr lang="en-US" altLang="en-US" sz="1800" dirty="0" err="1">
-                <a:solidFill>
-                  <a:schemeClr val="tx1"/>
-                </a:solidFill>
-                <a:latin typeface="Arial" panose="020B0604020202020204" pitchFamily="34" charset="0"/>
-              </a:rPr>
-              <a:t>este</a:t>
-            </a:r>
-            <a:r>
-              <a:rPr lang="en-US" altLang="en-US" sz="1800" dirty="0">
-                <a:solidFill>
-                  <a:schemeClr val="tx1"/>
-                </a:solidFill>
-                <a:latin typeface="Arial" panose="020B0604020202020204" pitchFamily="34" charset="0"/>
-              </a:rPr>
-              <a:t> cu 0.61% </a:t>
-            </a:r>
-            <a:r>
-              <a:rPr lang="en-US" altLang="en-US" sz="1800" dirty="0" err="1">
-                <a:solidFill>
-                  <a:schemeClr val="tx1"/>
-                </a:solidFill>
-                <a:latin typeface="Arial" panose="020B0604020202020204" pitchFamily="34" charset="0"/>
-              </a:rPr>
-              <a:t>mai</a:t>
-            </a:r>
-            <a:r>
-              <a:rPr lang="en-US" altLang="en-US" sz="1800" dirty="0">
-                <a:solidFill>
-                  <a:schemeClr val="tx1"/>
-                </a:solidFill>
-                <a:latin typeface="Arial" panose="020B0604020202020204" pitchFamily="34" charset="0"/>
-              </a:rPr>
-              <a:t> mic </a:t>
-            </a:r>
-            <a:r>
-              <a:rPr lang="en-US" altLang="en-US" sz="1800" dirty="0" err="1">
-                <a:solidFill>
-                  <a:schemeClr val="tx1"/>
-                </a:solidFill>
-                <a:latin typeface="Arial" panose="020B0604020202020204" pitchFamily="34" charset="0"/>
-              </a:rPr>
-              <a:t>decat</a:t>
-            </a:r>
-            <a:r>
-              <a:rPr lang="en-US" altLang="en-US" sz="1800" dirty="0">
-                <a:solidFill>
-                  <a:schemeClr val="tx1"/>
-                </a:solidFill>
-                <a:latin typeface="Arial" panose="020B0604020202020204" pitchFamily="34" charset="0"/>
-              </a:rPr>
-              <a:t> cel Standard</a:t>
-            </a:r>
-          </a:p>
-        </p:txBody>
-      </p:sp>
+              <a:t>XOR pentru valori similare</a:t>
+            </a:r>
+          </a:p>
+        </p:txBody>
+      </p:sp>
+      <p:sp>
+        <p:nvSpPr>
+          <p:cNvPr id="10" name="CasetăText 9">
+            <a:extLst>
+              <a:ext uri="{FF2B5EF4-FFF2-40B4-BE49-F238E27FC236}">
+                <a16:creationId xmlns:a16="http://schemas.microsoft.com/office/drawing/2014/main" id="{9DF7A50D-17DB-9E89-7A3B-CEBB91F15505}"/>
+              </a:ext>
+            </a:extLst>
+          </p:cNvPr>
+          <p:cNvSpPr txBox="1"/>
+          <p:nvPr/>
+        </p:nvSpPr>
+        <p:spPr>
+          <a:xfrm>
+            <a:off x="1189264" y="4888939"/>
+            <a:ext cx="5712279" cy="646331"/>
+          </a:xfrm>
+          <a:prstGeom prst="rect">
+            <a:avLst/>
+          </a:prstGeom>
+          <a:noFill/>
+        </p:spPr>
+        <p:txBody>
+          <a:bodyPr wrap="square">
+            <a:spAutoFit/>
+          </a:bodyPr>
+          <a:lstStyle/>
+          <a:p>
+            <a:r>
+              <a:rPr lang="ro-RO" dirty="0"/>
+              <a:t>Pentru valori apropiate, XOR-</a:t>
+            </a:r>
+            <a:r>
+              <a:rPr lang="ro-RO" dirty="0" err="1"/>
+              <a:t>ul</a:t>
+            </a:r>
+            <a:r>
+              <a:rPr lang="ro-RO" dirty="0"/>
+              <a:t> va avea mulți 0 consecutivi la început (</a:t>
+            </a:r>
+            <a:r>
+              <a:rPr lang="ro-RO" dirty="0" err="1"/>
+              <a:t>leading</a:t>
+            </a:r>
+            <a:r>
+              <a:rPr lang="ro-RO" dirty="0"/>
+              <a:t> zeros) și la sfârșit (</a:t>
+            </a:r>
+            <a:r>
+              <a:rPr lang="ro-RO" dirty="0" err="1"/>
+              <a:t>trailing</a:t>
+            </a:r>
+            <a:r>
+              <a:rPr lang="ro-RO" dirty="0"/>
+              <a:t> zeros).</a:t>
+            </a:r>
+          </a:p>
+        </p:txBody>
+      </p:sp>
+      <p:pic>
+        <p:nvPicPr>
+          <p:cNvPr id="12" name="Imagine 11" descr="O imagine care conține text, Font, alb, captură de ecran&#10;&#10;Conținutul generat de inteligența artificială poate fi incorect.">
+            <a:extLst>
+              <a:ext uri="{FF2B5EF4-FFF2-40B4-BE49-F238E27FC236}">
+                <a16:creationId xmlns:a16="http://schemas.microsoft.com/office/drawing/2014/main" id="{470E26C1-F826-0D2B-2E12-5B8E2398105D}"/>
+              </a:ext>
+            </a:extLst>
+          </p:cNvPr>
+          <p:cNvPicPr>
+            <a:picLocks noChangeAspect="1"/>
+          </p:cNvPicPr>
+          <p:nvPr/>
+        </p:nvPicPr>
+        <p:blipFill>
+          <a:blip r:embed="rId3"/>
+          <a:stretch>
+            <a:fillRect/>
+          </a:stretch>
+        </p:blipFill>
+        <p:spPr>
+          <a:xfrm>
+            <a:off x="7803452" y="4458561"/>
+            <a:ext cx="3486637" cy="1324160"/>
+          </a:xfrm>
+          <a:prstGeom prst="rect">
+            <a:avLst/>
+          </a:prstGeom>
+        </p:spPr>
+      </p:pic>
     </p:spTree>
     <p:extLst>
       <p:ext uri="{BB962C8B-B14F-4D97-AF65-F5344CB8AC3E}">
-        <p14:creationId xmlns:p14="http://schemas.microsoft.com/office/powerpoint/2010/main" val="2298015659"/>
+        <p14:creationId xmlns:p14="http://schemas.microsoft.com/office/powerpoint/2010/main" val="2472478977"/>
       </p:ext>
     </p:extLst>
   </p:cSld>
@@ -6804,6 +10005,14 @@
 <file path=ppt/slides/slide8.xml><?xml version="1.0" encoding="utf-8"?>
 <p:sld xmlns:a="http://schemas.openxmlformats.org/drawingml/2006/main" xmlns:r="http://schemas.openxmlformats.org/officeDocument/2006/relationships" xmlns:p="http://schemas.openxmlformats.org/presentationml/2006/main">
   <p:cSld>
+    <p:bg>
+      <p:bgPr>
+        <a:solidFill>
+          <a:schemeClr val="bg1"/>
+        </a:solidFill>
+        <a:effectLst/>
+      </p:bgPr>
+    </p:bg>
     <p:spTree>
       <p:nvGrpSpPr>
         <p:cNvPr id="1" name=""/>
@@ -6820,10 +10029,249 @@
       </p:grpSpPr>
       <p:sp>
         <p:nvSpPr>
-          <p:cNvPr id="2" name="Title 1">
-            <a:extLst>
-              <a:ext uri="{FF2B5EF4-FFF2-40B4-BE49-F238E27FC236}">
-                <a16:creationId xmlns:a16="http://schemas.microsoft.com/office/drawing/2014/main" id="{2C2EF161-0E53-899E-2E2F-25FCF49838E8}"/>
+          <p:cNvPr id="9" name="Rectangle 8">
+            <a:extLst>
+              <a:ext uri="{FF2B5EF4-FFF2-40B4-BE49-F238E27FC236}">
+                <a16:creationId xmlns:a16="http://schemas.microsoft.com/office/drawing/2014/main" id="{4E4490D0-3672-446A-AC12-B4830333BDDD}"/>
+              </a:ext>
+              <a:ext uri="{C183D7F6-B498-43B3-948B-1728B52AA6E4}">
+                <adec:decorative xmlns:adec="http://schemas.microsoft.com/office/drawing/2017/decorative" val="1"/>
+              </a:ext>
+            </a:extLst>
+          </p:cNvPr>
+          <p:cNvSpPr>
+            <a:spLocks noGrp="1" noRot="1" noChangeAspect="1" noMove="1" noResize="1" noEditPoints="1" noAdjustHandles="1" noChangeArrowheads="1" noChangeShapeType="1" noTextEdit="1"/>
+          </p:cNvSpPr>
+          <p:nvPr>
+            <p:extLst>
+              <p:ext uri="{386F3935-93C4-4BCD-93E2-E3B085C9AB24}">
+                <p16:designElem xmlns:p16="http://schemas.microsoft.com/office/powerpoint/2015/main" val="1"/>
+              </p:ext>
+            </p:extLst>
+          </p:nvPr>
+        </p:nvSpPr>
+        <p:spPr>
+          <a:xfrm>
+            <a:off x="3175" y="6400800"/>
+            <a:ext cx="12188825" cy="457200"/>
+          </a:xfrm>
+          <a:prstGeom prst="rect">
+            <a:avLst/>
+          </a:prstGeom>
+          <a:solidFill>
+            <a:schemeClr val="accent2"/>
+          </a:solidFill>
+          <a:ln>
+            <a:noFill/>
+          </a:ln>
+        </p:spPr>
+        <p:style>
+          <a:lnRef idx="2">
+            <a:schemeClr val="accent1">
+              <a:shade val="50000"/>
+            </a:schemeClr>
+          </a:lnRef>
+          <a:fillRef idx="1">
+            <a:schemeClr val="accent1"/>
+          </a:fillRef>
+          <a:effectRef idx="0">
+            <a:schemeClr val="accent1"/>
+          </a:effectRef>
+          <a:fontRef idx="minor">
+            <a:schemeClr val="lt1"/>
+          </a:fontRef>
+        </p:style>
+        <p:txBody>
+          <a:bodyPr/>
+          <a:lstStyle/>
+          <a:p>
+            <a:endParaRPr lang="ro-RO"/>
+          </a:p>
+        </p:txBody>
+      </p:sp>
+      <p:sp>
+        <p:nvSpPr>
+          <p:cNvPr id="11" name="Rectangle 10">
+            <a:extLst>
+              <a:ext uri="{FF2B5EF4-FFF2-40B4-BE49-F238E27FC236}">
+                <a16:creationId xmlns:a16="http://schemas.microsoft.com/office/drawing/2014/main" id="{39CB82C2-DF65-4EC1-8280-F201D50F570B}"/>
+              </a:ext>
+              <a:ext uri="{C183D7F6-B498-43B3-948B-1728B52AA6E4}">
+                <adec:decorative xmlns:adec="http://schemas.microsoft.com/office/drawing/2017/decorative" val="1"/>
+              </a:ext>
+            </a:extLst>
+          </p:cNvPr>
+          <p:cNvSpPr>
+            <a:spLocks noGrp="1" noRot="1" noChangeAspect="1" noMove="1" noResize="1" noEditPoints="1" noAdjustHandles="1" noChangeArrowheads="1" noChangeShapeType="1" noTextEdit="1"/>
+          </p:cNvSpPr>
+          <p:nvPr>
+            <p:extLst>
+              <p:ext uri="{386F3935-93C4-4BCD-93E2-E3B085C9AB24}">
+                <p16:designElem xmlns:p16="http://schemas.microsoft.com/office/powerpoint/2015/main" val="1"/>
+              </p:ext>
+            </p:extLst>
+          </p:nvPr>
+        </p:nvSpPr>
+        <p:spPr>
+          <a:xfrm>
+            <a:off x="15" y="6334316"/>
+            <a:ext cx="12188825" cy="64008"/>
+          </a:xfrm>
+          <a:prstGeom prst="rect">
+            <a:avLst/>
+          </a:prstGeom>
+          <a:solidFill>
+            <a:schemeClr val="accent1"/>
+          </a:solidFill>
+          <a:ln>
+            <a:noFill/>
+          </a:ln>
+        </p:spPr>
+        <p:style>
+          <a:lnRef idx="2">
+            <a:schemeClr val="accent1">
+              <a:shade val="50000"/>
+            </a:schemeClr>
+          </a:lnRef>
+          <a:fillRef idx="1">
+            <a:schemeClr val="accent1"/>
+          </a:fillRef>
+          <a:effectRef idx="0">
+            <a:schemeClr val="accent1"/>
+          </a:effectRef>
+          <a:fontRef idx="minor">
+            <a:schemeClr val="lt1"/>
+          </a:fontRef>
+        </p:style>
+        <p:txBody>
+          <a:bodyPr/>
+          <a:lstStyle/>
+          <a:p>
+            <a:endParaRPr lang="ro-RO"/>
+          </a:p>
+        </p:txBody>
+      </p:sp>
+      <p:cxnSp>
+        <p:nvCxnSpPr>
+          <p:cNvPr id="13" name="Straight Connector 12">
+            <a:extLst>
+              <a:ext uri="{FF2B5EF4-FFF2-40B4-BE49-F238E27FC236}">
+                <a16:creationId xmlns:a16="http://schemas.microsoft.com/office/drawing/2014/main" id="{7E1D4427-852B-4B37-8E76-0E9F1810BA2A}"/>
+              </a:ext>
+              <a:ext uri="{C183D7F6-B498-43B3-948B-1728B52AA6E4}">
+                <adec:decorative xmlns:adec="http://schemas.microsoft.com/office/drawing/2017/decorative" val="1"/>
+              </a:ext>
+            </a:extLst>
+          </p:cNvPr>
+          <p:cNvCxnSpPr>
+            <a:cxnSpLocks noGrp="1" noRot="1" noChangeAspect="1" noMove="1" noResize="1" noEditPoints="1" noAdjustHandles="1" noChangeArrowheads="1" noChangeShapeType="1"/>
+          </p:cNvCxnSpPr>
+          <p:nvPr>
+            <p:extLst>
+              <p:ext uri="{386F3935-93C4-4BCD-93E2-E3B085C9AB24}">
+                <p16:designElem xmlns:p16="http://schemas.microsoft.com/office/powerpoint/2015/main" val="1"/>
+              </p:ext>
+            </p:extLst>
+          </p:nvPr>
+        </p:nvCxnSpPr>
+        <p:spPr>
+          <a:xfrm>
+            <a:off x="1207658" y="4343400"/>
+            <a:ext cx="9875520" cy="0"/>
+          </a:xfrm>
+          <a:prstGeom prst="line">
+            <a:avLst/>
+          </a:prstGeom>
+          <a:ln w="6350">
+            <a:solidFill>
+              <a:schemeClr val="tx1">
+                <a:lumMod val="50000"/>
+                <a:lumOff val="50000"/>
+              </a:schemeClr>
+            </a:solidFill>
+          </a:ln>
+        </p:spPr>
+        <p:style>
+          <a:lnRef idx="1">
+            <a:schemeClr val="accent1"/>
+          </a:lnRef>
+          <a:fillRef idx="0">
+            <a:schemeClr val="accent1"/>
+          </a:fillRef>
+          <a:effectRef idx="0">
+            <a:schemeClr val="accent1"/>
+          </a:effectRef>
+          <a:fontRef idx="minor">
+            <a:schemeClr val="tx1"/>
+          </a:fontRef>
+        </p:style>
+      </p:cxnSp>
+      <p:sp useBgFill="1">
+        <p:nvSpPr>
+          <p:cNvPr id="15" name="Rectangle 14">
+            <a:extLst>
+              <a:ext uri="{FF2B5EF4-FFF2-40B4-BE49-F238E27FC236}">
+                <a16:creationId xmlns:a16="http://schemas.microsoft.com/office/drawing/2014/main" id="{FA4CD5CB-D209-4D70-8CA4-629731C59219}"/>
+              </a:ext>
+              <a:ext uri="{C183D7F6-B498-43B3-948B-1728B52AA6E4}">
+                <adec:decorative xmlns:adec="http://schemas.microsoft.com/office/drawing/2017/decorative" val="1"/>
+              </a:ext>
+            </a:extLst>
+          </p:cNvPr>
+          <p:cNvSpPr>
+            <a:spLocks noGrp="1" noRot="1" noChangeAspect="1" noMove="1" noResize="1" noEditPoints="1" noAdjustHandles="1" noChangeArrowheads="1" noChangeShapeType="1" noTextEdit="1"/>
+          </p:cNvSpPr>
+          <p:nvPr>
+            <p:extLst>
+              <p:ext uri="{386F3935-93C4-4BCD-93E2-E3B085C9AB24}">
+                <p16:designElem xmlns:p16="http://schemas.microsoft.com/office/powerpoint/2015/main" val="1"/>
+              </p:ext>
+            </p:extLst>
+          </p:nvPr>
+        </p:nvSpPr>
+        <p:spPr>
+          <a:xfrm>
+            <a:off x="0" y="0"/>
+            <a:ext cx="12192001" cy="6334316"/>
+          </a:xfrm>
+          <a:prstGeom prst="rect">
+            <a:avLst/>
+          </a:prstGeom>
+          <a:ln>
+            <a:noFill/>
+          </a:ln>
+        </p:spPr>
+        <p:style>
+          <a:lnRef idx="2">
+            <a:schemeClr val="accent1">
+              <a:shade val="50000"/>
+            </a:schemeClr>
+          </a:lnRef>
+          <a:fillRef idx="1">
+            <a:schemeClr val="accent1"/>
+          </a:fillRef>
+          <a:effectRef idx="0">
+            <a:schemeClr val="accent1"/>
+          </a:effectRef>
+          <a:fontRef idx="minor">
+            <a:schemeClr val="lt1"/>
+          </a:fontRef>
+        </p:style>
+        <p:txBody>
+          <a:bodyPr rtlCol="0" anchor="ctr"/>
+          <a:lstStyle/>
+          <a:p>
+            <a:pPr algn="ctr"/>
+            <a:endParaRPr lang="en-US"/>
+          </a:p>
+        </p:txBody>
+      </p:sp>
+      <p:sp>
+        <p:nvSpPr>
+          <p:cNvPr id="2" name="Titlu 1">
+            <a:extLst>
+              <a:ext uri="{FF2B5EF4-FFF2-40B4-BE49-F238E27FC236}">
+                <a16:creationId xmlns:a16="http://schemas.microsoft.com/office/drawing/2014/main" id="{24534C50-0513-AD83-7E51-8AF9ED77627F}"/>
               </a:ext>
             </a:extLst>
           </p:cNvPr>
@@ -6834,37 +10282,79 @@
             <p:ph type="title"/>
           </p:nvPr>
         </p:nvSpPr>
-        <p:spPr/>
-        <p:txBody>
-          <a:bodyPr/>
-          <a:lstStyle/>
-          <a:p>
-            <a:r>
-              <a:rPr lang="en-US" dirty="0" err="1"/>
-              <a:t>Verificare</a:t>
-            </a:r>
-            <a:r>
-              <a:rPr lang="en-US" dirty="0"/>
-              <a:t> experiment</a:t>
+        <p:spPr>
+          <a:xfrm>
+            <a:off x="8141110" y="639097"/>
+            <a:ext cx="3401961" cy="3686015"/>
+          </a:xfrm>
+        </p:spPr>
+        <p:txBody>
+          <a:bodyPr vert="horz" lIns="91440" tIns="45720" rIns="91440" bIns="45720" rtlCol="0" anchor="b">
+            <a:normAutofit/>
+          </a:bodyPr>
+          <a:lstStyle/>
+          <a:p>
+            <a:pPr algn="r"/>
+            <a:r>
+              <a:rPr lang="en-US" sz="5600" dirty="0" err="1">
+                <a:solidFill>
+                  <a:schemeClr val="tx1">
+                    <a:lumMod val="85000"/>
+                    <a:lumOff val="15000"/>
+                  </a:schemeClr>
+                </a:solidFill>
+              </a:rPr>
+              <a:t>Compresia</a:t>
+            </a:r>
+            <a:r>
+              <a:rPr lang="en-US" sz="5600" dirty="0">
+                <a:solidFill>
+                  <a:schemeClr val="tx1">
+                    <a:lumMod val="85000"/>
+                    <a:lumOff val="15000"/>
+                  </a:schemeClr>
+                </a:solidFill>
+              </a:rPr>
+              <a:t> </a:t>
+            </a:r>
+            <a:r>
+              <a:rPr lang="en-US" sz="5600" dirty="0" err="1">
+                <a:solidFill>
+                  <a:schemeClr val="tx1">
+                    <a:lumMod val="85000"/>
+                    <a:lumOff val="15000"/>
+                  </a:schemeClr>
+                </a:solidFill>
+              </a:rPr>
+              <a:t>Valorilor</a:t>
+            </a:r>
+            <a:r>
+              <a:rPr lang="en-US" sz="5600" dirty="0">
+                <a:solidFill>
+                  <a:schemeClr val="tx1">
+                    <a:lumMod val="85000"/>
+                    <a:lumOff val="15000"/>
+                  </a:schemeClr>
+                </a:solidFill>
+              </a:rPr>
+              <a:t>: XOR Encoding</a:t>
             </a:r>
           </a:p>
         </p:txBody>
       </p:sp>
       <p:pic>
         <p:nvPicPr>
-          <p:cNvPr id="5" name="Content Placeholder 4">
-            <a:extLst>
-              <a:ext uri="{FF2B5EF4-FFF2-40B4-BE49-F238E27FC236}">
-                <a16:creationId xmlns:a16="http://schemas.microsoft.com/office/drawing/2014/main" id="{3FAD9D30-2C70-CB42-082E-387DAD850492}"/>
+          <p:cNvPr id="4" name="Imagine 3" descr="O imagine care conține text, captură de ecran, Font, număr&#10;&#10;Conținutul generat de inteligența artificială poate fi incorect.">
+            <a:extLst>
+              <a:ext uri="{FF2B5EF4-FFF2-40B4-BE49-F238E27FC236}">
+                <a16:creationId xmlns:a16="http://schemas.microsoft.com/office/drawing/2014/main" id="{D36BC392-82DE-6C07-44E3-B5F554ED1975}"/>
               </a:ext>
             </a:extLst>
           </p:cNvPr>
           <p:cNvPicPr>
-            <a:picLocks noGrp="1" noChangeAspect="1"/>
+            <a:picLocks noChangeAspect="1"/>
           </p:cNvPicPr>
-          <p:nvPr>
-            <p:ph idx="1"/>
-          </p:nvPr>
+          <p:nvPr/>
         </p:nvPicPr>
         <p:blipFill>
           <a:blip r:embed="rId2"/>
@@ -6874,18 +10364,273 @@
         </p:blipFill>
         <p:spPr>
           <a:xfrm>
-            <a:off x="2113885" y="1891495"/>
-            <a:ext cx="8024555" cy="3932261"/>
+            <a:off x="502940" y="639097"/>
+            <a:ext cx="7311643" cy="5337498"/>
           </a:xfrm>
           <a:prstGeom prst="rect">
             <a:avLst/>
           </a:prstGeom>
         </p:spPr>
       </p:pic>
+      <p:cxnSp>
+        <p:nvCxnSpPr>
+          <p:cNvPr id="17" name="Straight Connector 16">
+            <a:extLst>
+              <a:ext uri="{FF2B5EF4-FFF2-40B4-BE49-F238E27FC236}">
+                <a16:creationId xmlns:a16="http://schemas.microsoft.com/office/drawing/2014/main" id="{5C6A2BAE-B461-4B55-8E1F-0722ABDD1393}"/>
+              </a:ext>
+              <a:ext uri="{C183D7F6-B498-43B3-948B-1728B52AA6E4}">
+                <adec:decorative xmlns:adec="http://schemas.microsoft.com/office/drawing/2017/decorative" val="1"/>
+              </a:ext>
+            </a:extLst>
+          </p:cNvPr>
+          <p:cNvCxnSpPr>
+            <a:cxnSpLocks noGrp="1" noRot="1" noChangeAspect="1" noMove="1" noResize="1" noEditPoints="1" noAdjustHandles="1" noChangeArrowheads="1" noChangeShapeType="1"/>
+          </p:cNvCxnSpPr>
+          <p:nvPr>
+            <p:extLst>
+              <p:ext uri="{386F3935-93C4-4BCD-93E2-E3B085C9AB24}">
+                <p16:designElem xmlns:p16="http://schemas.microsoft.com/office/powerpoint/2015/main" val="1"/>
+              </p:ext>
+            </p:extLst>
+          </p:nvPr>
+        </p:nvCxnSpPr>
+        <p:spPr>
+          <a:xfrm>
+            <a:off x="8209305" y="4343400"/>
+            <a:ext cx="3200400" cy="0"/>
+          </a:xfrm>
+          <a:prstGeom prst="line">
+            <a:avLst/>
+          </a:prstGeom>
+          <a:ln w="6350">
+            <a:solidFill>
+              <a:schemeClr val="tx2">
+                <a:alpha val="90000"/>
+              </a:schemeClr>
+            </a:solidFill>
+          </a:ln>
+        </p:spPr>
+        <p:style>
+          <a:lnRef idx="1">
+            <a:schemeClr val="accent1"/>
+          </a:lnRef>
+          <a:fillRef idx="0">
+            <a:schemeClr val="accent1"/>
+          </a:fillRef>
+          <a:effectRef idx="0">
+            <a:schemeClr val="accent1"/>
+          </a:effectRef>
+          <a:fontRef idx="minor">
+            <a:schemeClr val="tx1"/>
+          </a:fontRef>
+        </p:style>
+      </p:cxnSp>
+      <p:sp>
+        <p:nvSpPr>
+          <p:cNvPr id="19" name="Rectangle 18">
+            <a:extLst>
+              <a:ext uri="{FF2B5EF4-FFF2-40B4-BE49-F238E27FC236}">
+                <a16:creationId xmlns:a16="http://schemas.microsoft.com/office/drawing/2014/main" id="{B4C27B90-DF2B-4D00-BA07-18ED774CD2F1}"/>
+              </a:ext>
+              <a:ext uri="{C183D7F6-B498-43B3-948B-1728B52AA6E4}">
+                <adec:decorative xmlns:adec="http://schemas.microsoft.com/office/drawing/2017/decorative" val="1"/>
+              </a:ext>
+            </a:extLst>
+          </p:cNvPr>
+          <p:cNvSpPr>
+            <a:spLocks noGrp="1" noRot="1" noChangeAspect="1" noMove="1" noResize="1" noEditPoints="1" noAdjustHandles="1" noChangeArrowheads="1" noChangeShapeType="1" noTextEdit="1"/>
+          </p:cNvSpPr>
+          <p:nvPr>
+            <p:extLst>
+              <p:ext uri="{386F3935-93C4-4BCD-93E2-E3B085C9AB24}">
+                <p16:designElem xmlns:p16="http://schemas.microsoft.com/office/powerpoint/2015/main" val="1"/>
+              </p:ext>
+            </p:extLst>
+          </p:nvPr>
+        </p:nvSpPr>
+        <p:spPr>
+          <a:xfrm>
+            <a:off x="15" y="6334316"/>
+            <a:ext cx="12191985" cy="66484"/>
+          </a:xfrm>
+          <a:prstGeom prst="rect">
+            <a:avLst/>
+          </a:prstGeom>
+          <a:solidFill>
+            <a:schemeClr val="accent1"/>
+          </a:solidFill>
+          <a:ln>
+            <a:noFill/>
+          </a:ln>
+        </p:spPr>
+        <p:style>
+          <a:lnRef idx="2">
+            <a:schemeClr val="accent1">
+              <a:shade val="50000"/>
+            </a:schemeClr>
+          </a:lnRef>
+          <a:fillRef idx="1">
+            <a:schemeClr val="accent1"/>
+          </a:fillRef>
+          <a:effectRef idx="0">
+            <a:schemeClr val="accent1"/>
+          </a:effectRef>
+          <a:fontRef idx="minor">
+            <a:schemeClr val="lt1"/>
+          </a:fontRef>
+        </p:style>
+        <p:txBody>
+          <a:bodyPr/>
+          <a:lstStyle/>
+          <a:p>
+            <a:endParaRPr lang="ro-RO"/>
+          </a:p>
+        </p:txBody>
+      </p:sp>
+      <p:sp>
+        <p:nvSpPr>
+          <p:cNvPr id="21" name="Rectangle 20">
+            <a:extLst>
+              <a:ext uri="{FF2B5EF4-FFF2-40B4-BE49-F238E27FC236}">
+                <a16:creationId xmlns:a16="http://schemas.microsoft.com/office/drawing/2014/main" id="{593ACC25-C262-417A-8AA9-0641C772BDB6}"/>
+              </a:ext>
+              <a:ext uri="{C183D7F6-B498-43B3-948B-1728B52AA6E4}">
+                <adec:decorative xmlns:adec="http://schemas.microsoft.com/office/drawing/2017/decorative" val="1"/>
+              </a:ext>
+            </a:extLst>
+          </p:cNvPr>
+          <p:cNvSpPr>
+            <a:spLocks noGrp="1" noRot="1" noChangeAspect="1" noMove="1" noResize="1" noEditPoints="1" noAdjustHandles="1" noChangeArrowheads="1" noChangeShapeType="1" noTextEdit="1"/>
+          </p:cNvSpPr>
+          <p:nvPr>
+            <p:extLst>
+              <p:ext uri="{386F3935-93C4-4BCD-93E2-E3B085C9AB24}">
+                <p16:designElem xmlns:p16="http://schemas.microsoft.com/office/powerpoint/2015/main" val="1"/>
+              </p:ext>
+            </p:extLst>
+          </p:nvPr>
+        </p:nvSpPr>
+        <p:spPr>
+          <a:xfrm>
+            <a:off x="1" y="6400800"/>
+            <a:ext cx="12192000" cy="457200"/>
+          </a:xfrm>
+          <a:prstGeom prst="rect">
+            <a:avLst/>
+          </a:prstGeom>
+          <a:solidFill>
+            <a:schemeClr val="accent2"/>
+          </a:solidFill>
+          <a:ln>
+            <a:noFill/>
+          </a:ln>
+        </p:spPr>
+        <p:style>
+          <a:lnRef idx="2">
+            <a:schemeClr val="accent1">
+              <a:shade val="50000"/>
+            </a:schemeClr>
+          </a:lnRef>
+          <a:fillRef idx="1">
+            <a:schemeClr val="accent1"/>
+          </a:fillRef>
+          <a:effectRef idx="0">
+            <a:schemeClr val="accent1"/>
+          </a:effectRef>
+          <a:fontRef idx="minor">
+            <a:schemeClr val="lt1"/>
+          </a:fontRef>
+        </p:style>
+        <p:txBody>
+          <a:bodyPr/>
+          <a:lstStyle/>
+          <a:p>
+            <a:endParaRPr lang="ro-RO"/>
+          </a:p>
+        </p:txBody>
+      </p:sp>
+      <p:sp>
+        <p:nvSpPr>
+          <p:cNvPr id="6" name="CasetăText 5">
+            <a:extLst>
+              <a:ext uri="{FF2B5EF4-FFF2-40B4-BE49-F238E27FC236}">
+                <a16:creationId xmlns:a16="http://schemas.microsoft.com/office/drawing/2014/main" id="{07FBFA63-DD4A-3C6F-B19F-8C30458101CD}"/>
+              </a:ext>
+            </a:extLst>
+          </p:cNvPr>
+          <p:cNvSpPr txBox="1"/>
+          <p:nvPr/>
+        </p:nvSpPr>
+        <p:spPr>
+          <a:xfrm>
+            <a:off x="8175419" y="4443406"/>
+            <a:ext cx="3367652" cy="1754326"/>
+          </a:xfrm>
+          <a:prstGeom prst="rect">
+            <a:avLst/>
+          </a:prstGeom>
+          <a:noFill/>
+        </p:spPr>
+        <p:txBody>
+          <a:bodyPr wrap="square">
+            <a:spAutoFit/>
+          </a:bodyPr>
+          <a:lstStyle/>
+          <a:p>
+            <a:pPr marL="285750" indent="-285750">
+              <a:buFont typeface="Arial" panose="020B0604020202020204" pitchFamily="34" charset="0"/>
+              <a:buChar char="•"/>
+            </a:pPr>
+            <a:r>
+              <a:rPr lang="ro-RO" b="1" dirty="0">
+                <a:solidFill>
+                  <a:srgbClr val="C00000"/>
+                </a:solidFill>
+              </a:rPr>
+              <a:t>59.06% </a:t>
+            </a:r>
+            <a:r>
+              <a:rPr lang="ro-RO" dirty="0"/>
+              <a:t>dintre valori sunt identice cu precedenta (1 bit)</a:t>
+            </a:r>
+            <a:endParaRPr lang="en-US" dirty="0"/>
+          </a:p>
+          <a:p>
+            <a:pPr marL="285750" indent="-285750">
+              <a:buFont typeface="Arial" panose="020B0604020202020204" pitchFamily="34" charset="0"/>
+              <a:buChar char="•"/>
+            </a:pPr>
+            <a:r>
+              <a:rPr lang="ro-RO" b="1" dirty="0">
+                <a:solidFill>
+                  <a:srgbClr val="C00000"/>
+                </a:solidFill>
+              </a:rPr>
+              <a:t>28.30% </a:t>
+            </a:r>
+            <a:r>
+              <a:rPr lang="ro-RO" dirty="0"/>
+              <a:t>refolosesc fereastra anterioară ( 27 biți în medie)</a:t>
+            </a:r>
+            <a:endParaRPr lang="en-US" dirty="0"/>
+          </a:p>
+          <a:p>
+            <a:pPr marL="285750" indent="-285750">
+              <a:buFont typeface="Arial" panose="020B0604020202020204" pitchFamily="34" charset="0"/>
+              <a:buChar char="•"/>
+            </a:pPr>
+            <a:r>
+              <a:rPr lang="ro-RO" dirty="0"/>
+              <a:t>12.64% necesită fereastră nouă ( 40 biți în medie)</a:t>
+            </a:r>
+          </a:p>
+        </p:txBody>
+      </p:sp>
     </p:spTree>
     <p:extLst>
       <p:ext uri="{BB962C8B-B14F-4D97-AF65-F5344CB8AC3E}">
-        <p14:creationId xmlns:p14="http://schemas.microsoft.com/office/powerpoint/2010/main" val="1696360004"/>
+        <p14:creationId xmlns:p14="http://schemas.microsoft.com/office/powerpoint/2010/main" val="3640116350"/>
       </p:ext>
     </p:extLst>
   </p:cSld>
@@ -6914,10 +10659,10 @@
       </p:grpSpPr>
       <p:sp>
         <p:nvSpPr>
-          <p:cNvPr id="2" name="Title 1">
-            <a:extLst>
-              <a:ext uri="{FF2B5EF4-FFF2-40B4-BE49-F238E27FC236}">
-                <a16:creationId xmlns:a16="http://schemas.microsoft.com/office/drawing/2014/main" id="{6042A2A5-497C-718B-19AD-9BA72E649B74}"/>
+          <p:cNvPr id="2" name="Titlu 1">
+            <a:extLst>
+              <a:ext uri="{FF2B5EF4-FFF2-40B4-BE49-F238E27FC236}">
+                <a16:creationId xmlns:a16="http://schemas.microsoft.com/office/drawing/2014/main" id="{61553278-4A00-E274-F2B2-A25B31A75433}"/>
               </a:ext>
             </a:extLst>
           </p:cNvPr>
@@ -6935,39 +10680,7 @@
           <a:p>
             <a:r>
               <a:rPr lang="en-US" dirty="0" err="1"/>
-              <a:t>Concluzie</a:t>
-            </a:r>
-            <a:endParaRPr lang="en-US" dirty="0"/>
-          </a:p>
-        </p:txBody>
-      </p:sp>
-      <p:sp>
-        <p:nvSpPr>
-          <p:cNvPr id="3" name="Content Placeholder 2">
-            <a:extLst>
-              <a:ext uri="{FF2B5EF4-FFF2-40B4-BE49-F238E27FC236}">
-                <a16:creationId xmlns:a16="http://schemas.microsoft.com/office/drawing/2014/main" id="{E34F3C49-96A3-F032-F5BA-A0456D6F4D09}"/>
-              </a:ext>
-            </a:extLst>
-          </p:cNvPr>
-          <p:cNvSpPr>
-            <a:spLocks noGrp="1"/>
-          </p:cNvSpPr>
-          <p:nvPr>
-            <p:ph idx="1"/>
-          </p:nvPr>
-        </p:nvSpPr>
-        <p:spPr/>
-        <p:txBody>
-          <a:bodyPr/>
-          <a:lstStyle/>
-          <a:p>
-            <a:endParaRPr lang="en-US" dirty="0"/>
-          </a:p>
-          <a:p>
-            <a:r>
-              <a:rPr lang="en-US" dirty="0" err="1"/>
-              <a:t>Rezultatul</a:t>
+              <a:t>Extinderea</a:t>
             </a:r>
             <a:r>
               <a:rPr lang="en-US" dirty="0"/>
@@ -6975,27 +10688,328 @@
             </a:r>
             <a:r>
               <a:rPr lang="en-US" dirty="0" err="1"/>
-              <a:t>experimentului</a:t>
+              <a:t>pentru</a:t>
             </a:r>
             <a:r>
               <a:rPr lang="en-US" dirty="0"/>
-              <a:t> a </a:t>
+              <a:t> </a:t>
             </a:r>
             <a:r>
               <a:rPr lang="en-US" dirty="0" err="1"/>
-              <a:t>aratat</a:t>
-            </a:r>
-            <a:r>
-              <a:rPr lang="en-US"/>
+              <a:t>serii</a:t>
+            </a:r>
+            <a:r>
+              <a:rPr lang="en-US" dirty="0"/>
+              <a:t> multivariate</a:t>
+            </a:r>
+            <a:endParaRPr lang="ro-RO" dirty="0"/>
+          </a:p>
+        </p:txBody>
+      </p:sp>
+      <p:pic>
+        <p:nvPicPr>
+          <p:cNvPr id="4" name="Imagine 3" descr="O imagine care conține Font, scris de mână, caligrafie, alb&#10;&#10;Conținutul generat de inteligența artificială poate fi incorect.">
+            <a:extLst>
+              <a:ext uri="{FF2B5EF4-FFF2-40B4-BE49-F238E27FC236}">
+                <a16:creationId xmlns:a16="http://schemas.microsoft.com/office/drawing/2014/main" id="{79C38F28-1ABD-89C7-7F73-9500DD19A604}"/>
+              </a:ext>
+            </a:extLst>
+          </p:cNvPr>
+          <p:cNvPicPr>
+            <a:picLocks noChangeAspect="1"/>
+          </p:cNvPicPr>
+          <p:nvPr/>
+        </p:nvPicPr>
+        <p:blipFill>
+          <a:blip r:embed="rId2"/>
+          <a:stretch>
+            <a:fillRect/>
+          </a:stretch>
+        </p:blipFill>
+        <p:spPr>
+          <a:xfrm>
+            <a:off x="4992847" y="2090020"/>
+            <a:ext cx="2267266" cy="533474"/>
+          </a:xfrm>
+          <a:prstGeom prst="rect">
+            <a:avLst/>
+          </a:prstGeom>
+        </p:spPr>
+      </p:pic>
+      <p:sp>
+        <p:nvSpPr>
+          <p:cNvPr id="5" name="CasetăText 4">
+            <a:extLst>
+              <a:ext uri="{FF2B5EF4-FFF2-40B4-BE49-F238E27FC236}">
+                <a16:creationId xmlns:a16="http://schemas.microsoft.com/office/drawing/2014/main" id="{8B63338B-4725-87CD-974D-2AD72643CF0D}"/>
+              </a:ext>
+            </a:extLst>
+          </p:cNvPr>
+          <p:cNvSpPr txBox="1"/>
+          <p:nvPr/>
+        </p:nvSpPr>
+        <p:spPr>
+          <a:xfrm>
+            <a:off x="1275375" y="2215243"/>
+            <a:ext cx="3717472" cy="369332"/>
+          </a:xfrm>
+          <a:prstGeom prst="rect">
+            <a:avLst/>
+          </a:prstGeom>
+          <a:noFill/>
+        </p:spPr>
+        <p:txBody>
+          <a:bodyPr wrap="square" rtlCol="0">
+            <a:spAutoFit/>
+          </a:bodyPr>
+          <a:lstStyle/>
+          <a:p>
+            <a:pPr marL="285750" indent="-285750">
+              <a:buFont typeface="Arial" panose="020B0604020202020204" pitchFamily="34" charset="0"/>
+              <a:buChar char="•"/>
+            </a:pPr>
+            <a:r>
+              <a:rPr lang="en-US" dirty="0"/>
+              <a:t>Mai </a:t>
+            </a:r>
+            <a:r>
+              <a:rPr lang="en-US" dirty="0" err="1"/>
+              <a:t>multe</a:t>
+            </a:r>
+            <a:r>
+              <a:rPr lang="en-US" dirty="0"/>
               <a:t> </a:t>
             </a:r>
+            <a:r>
+              <a:rPr lang="en-US" dirty="0" err="1"/>
+              <a:t>valori</a:t>
+            </a:r>
+            <a:r>
+              <a:rPr lang="en-US" dirty="0"/>
+              <a:t> / timestamp:</a:t>
+            </a:r>
+            <a:endParaRPr lang="ro-RO" dirty="0"/>
+          </a:p>
+        </p:txBody>
+      </p:sp>
+      <p:sp>
+        <p:nvSpPr>
+          <p:cNvPr id="7" name="CasetăText 6">
+            <a:extLst>
+              <a:ext uri="{FF2B5EF4-FFF2-40B4-BE49-F238E27FC236}">
+                <a16:creationId xmlns:a16="http://schemas.microsoft.com/office/drawing/2014/main" id="{29FE16BE-D4EF-F3BD-D736-0E7C087705BF}"/>
+              </a:ext>
+            </a:extLst>
+          </p:cNvPr>
+          <p:cNvSpPr txBox="1"/>
+          <p:nvPr/>
+        </p:nvSpPr>
+        <p:spPr>
+          <a:xfrm>
+            <a:off x="1003232" y="4110557"/>
+            <a:ext cx="9394371" cy="1200329"/>
+          </a:xfrm>
+          <a:prstGeom prst="rect">
+            <a:avLst/>
+          </a:prstGeom>
+          <a:noFill/>
+        </p:spPr>
+        <p:txBody>
+          <a:bodyPr wrap="square">
+            <a:spAutoFit/>
+          </a:bodyPr>
+          <a:lstStyle/>
+          <a:p>
+            <a:pPr marL="342900" indent="-342900">
+              <a:buAutoNum type="arabicPeriod"/>
+            </a:pPr>
+            <a:r>
+              <a:rPr lang="ro-RO" dirty="0">
+                <a:solidFill>
+                  <a:srgbClr val="C00000"/>
+                </a:solidFill>
+              </a:rPr>
+              <a:t>Un</a:t>
+            </a:r>
+            <a:r>
+              <a:rPr lang="en-US" dirty="0">
+                <a:solidFill>
+                  <a:srgbClr val="C00000"/>
+                </a:solidFill>
+              </a:rPr>
+              <a:t> </a:t>
+            </a:r>
+            <a:r>
+              <a:rPr lang="ro-RO" dirty="0">
+                <a:solidFill>
+                  <a:srgbClr val="C00000"/>
+                </a:solidFill>
+              </a:rPr>
+              <a:t>singur </a:t>
+            </a:r>
+            <a:r>
+              <a:rPr lang="ro-RO" dirty="0" err="1">
+                <a:solidFill>
+                  <a:srgbClr val="C00000"/>
+                </a:solidFill>
+              </a:rPr>
+              <a:t>stream</a:t>
+            </a:r>
+            <a:r>
+              <a:rPr lang="ro-RO" dirty="0">
+                <a:solidFill>
+                  <a:srgbClr val="C00000"/>
+                </a:solidFill>
+              </a:rPr>
+              <a:t> de </a:t>
+            </a:r>
+            <a:r>
+              <a:rPr lang="ro-RO" dirty="0" err="1">
+                <a:solidFill>
+                  <a:srgbClr val="C00000"/>
+                </a:solidFill>
+              </a:rPr>
+              <a:t>timestamp</a:t>
+            </a:r>
+            <a:r>
+              <a:rPr lang="ro-RO" dirty="0">
+                <a:solidFill>
+                  <a:srgbClr val="C00000"/>
+                </a:solidFill>
+              </a:rPr>
+              <a:t>-uri </a:t>
+            </a:r>
+            <a:r>
+              <a:rPr lang="ro-RO" dirty="0"/>
+              <a:t>(delta-of-delta); </a:t>
+            </a:r>
+            <a:endParaRPr lang="en-US" dirty="0"/>
+          </a:p>
+          <a:p>
+            <a:pPr marL="342900" indent="-342900">
+              <a:buAutoNum type="arabicPeriod"/>
+            </a:pPr>
+            <a:r>
+              <a:rPr lang="ro-RO" dirty="0">
+                <a:solidFill>
+                  <a:srgbClr val="C00000"/>
+                </a:solidFill>
+              </a:rPr>
+              <a:t>Câte un </a:t>
+            </a:r>
+            <a:r>
+              <a:rPr lang="ro-RO" dirty="0" err="1">
+                <a:solidFill>
+                  <a:srgbClr val="C00000"/>
+                </a:solidFill>
+              </a:rPr>
+              <a:t>stream</a:t>
+            </a:r>
+            <a:r>
+              <a:rPr lang="ro-RO" dirty="0">
+                <a:solidFill>
+                  <a:srgbClr val="C00000"/>
+                </a:solidFill>
+              </a:rPr>
+              <a:t> separat pentru fiecare variabilă </a:t>
+            </a:r>
+            <a:r>
+              <a:rPr lang="ro-RO" dirty="0"/>
+              <a:t>(XOR </a:t>
+            </a:r>
+            <a:r>
+              <a:rPr lang="ro-RO" dirty="0" err="1"/>
+              <a:t>encoding</a:t>
+            </a:r>
+            <a:r>
+              <a:rPr lang="ro-RO" dirty="0"/>
+              <a:t>). Toate </a:t>
+            </a:r>
+            <a:r>
+              <a:rPr lang="ro-RO" dirty="0" err="1"/>
+              <a:t>stream</a:t>
+            </a:r>
+            <a:r>
+              <a:rPr lang="ro-RO" dirty="0"/>
+              <a:t>-urile scriu în același buffer de biți, dar fiecare variabilă își menține propriul context XOR (valoare anterioară, </a:t>
+            </a:r>
+            <a:r>
+              <a:rPr lang="ro-RO" dirty="0" err="1"/>
+              <a:t>leading</a:t>
+            </a:r>
+            <a:r>
+              <a:rPr lang="ro-RO" dirty="0"/>
+              <a:t>/</a:t>
+            </a:r>
+            <a:r>
+              <a:rPr lang="ro-RO" dirty="0" err="1"/>
+              <a:t>trailing</a:t>
+            </a:r>
+            <a:r>
+              <a:rPr lang="ro-RO" dirty="0"/>
+              <a:t> zeros).</a:t>
+            </a:r>
+          </a:p>
+        </p:txBody>
+      </p:sp>
+      <p:sp>
+        <p:nvSpPr>
+          <p:cNvPr id="8" name="CasetăText 7">
+            <a:extLst>
+              <a:ext uri="{FF2B5EF4-FFF2-40B4-BE49-F238E27FC236}">
+                <a16:creationId xmlns:a16="http://schemas.microsoft.com/office/drawing/2014/main" id="{0FB4D758-E2D6-1E82-FA51-59B76F819B48}"/>
+              </a:ext>
+            </a:extLst>
+          </p:cNvPr>
+          <p:cNvSpPr txBox="1"/>
+          <p:nvPr/>
+        </p:nvSpPr>
+        <p:spPr>
+          <a:xfrm>
+            <a:off x="709316" y="3062458"/>
+            <a:ext cx="10965611" cy="923330"/>
+          </a:xfrm>
+          <a:prstGeom prst="rect">
+            <a:avLst/>
+          </a:prstGeom>
+          <a:noFill/>
+        </p:spPr>
+        <p:txBody>
+          <a:bodyPr wrap="square" rtlCol="0">
+            <a:spAutoFit/>
+          </a:bodyPr>
+          <a:lstStyle/>
+          <a:p>
+            <a:r>
+              <a:rPr lang="ro-RO" dirty="0"/>
+              <a:t>Abordarea naivă ar fi să tratăm fiecare variabilă ca o serie separată, dar aceasta ar duplica </a:t>
+            </a:r>
+            <a:r>
+              <a:rPr lang="ro-RO" dirty="0" err="1"/>
+              <a:t>timestamp</a:t>
+            </a:r>
+            <a:r>
+              <a:rPr lang="ro-RO" dirty="0"/>
+              <a:t>-urile de k ori.</a:t>
+            </a:r>
+            <a:endParaRPr lang="en-US" dirty="0"/>
+          </a:p>
+          <a:p>
+            <a:endParaRPr lang="en-US" dirty="0"/>
+          </a:p>
+          <a:p>
+            <a:r>
+              <a:rPr lang="en-US" b="1" dirty="0"/>
+              <a:t>Solutia:</a:t>
+            </a:r>
+            <a:endParaRPr lang="ro-RO" b="1" dirty="0"/>
           </a:p>
         </p:txBody>
       </p:sp>
     </p:spTree>
     <p:extLst>
       <p:ext uri="{BB962C8B-B14F-4D97-AF65-F5344CB8AC3E}">
-        <p14:creationId xmlns:p14="http://schemas.microsoft.com/office/powerpoint/2010/main" val="209115270"/>
+        <p14:creationId xmlns:p14="http://schemas.microsoft.com/office/powerpoint/2010/main" val="2075672344"/>
       </p:ext>
     </p:extLst>
   </p:cSld>

--- a/Eficientizarea Stocarii Datelor de Tip Serie Temporale utilizand.pptx
+++ b/Eficientizarea Stocarii Datelor de Tip Serie Temporale utilizand.pptx
@@ -28,6 +28,7 @@
     <p:sldId id="285" r:id="rId22"/>
     <p:sldId id="287" r:id="rId23"/>
     <p:sldId id="286" r:id="rId24"/>
+    <p:sldId id="288" r:id="rId25"/>
   </p:sldIdLst>
   <p:sldSz cx="12192000" cy="6858000"/>
   <p:notesSz cx="6858000" cy="9144000"/>
@@ -4359,7 +4360,7 @@
           <a:lstStyle/>
           <a:p>
             <a:r>
-              <a:rPr lang="en-US" sz="4100">
+              <a:rPr lang="en-US" sz="4100" dirty="0" err="1">
                 <a:solidFill>
                   <a:schemeClr val="tx1">
                     <a:lumMod val="85000"/>
@@ -4369,6 +4370,14 @@
               </a:rPr>
               <a:t>Implementare</a:t>
             </a:r>
+            <a:endParaRPr lang="en-US" sz="4100" dirty="0">
+              <a:solidFill>
+                <a:schemeClr val="tx1">
+                  <a:lumMod val="85000"/>
+                  <a:lumOff val="15000"/>
+                </a:schemeClr>
+              </a:solidFill>
+            </a:endParaRPr>
           </a:p>
         </p:txBody>
       </p:sp>
@@ -6133,8 +6142,45 @@
         </p:blipFill>
         <p:spPr>
           <a:xfrm>
-            <a:off x="1909178" y="2090550"/>
+            <a:off x="1909178" y="337950"/>
             <a:ext cx="8373644" cy="2676899"/>
+          </a:xfrm>
+          <a:prstGeom prst="rect">
+            <a:avLst/>
+          </a:prstGeom>
+        </p:spPr>
+      </p:pic>
+      <p:pic>
+        <p:nvPicPr>
+          <p:cNvPr id="5" name="Imagine 4" descr="O imagine care conține linie, Dreptunghi, Interval, chitanță&#10;&#10;Conținutul generat de inteligența artificială poate fi incorect.">
+            <a:extLst>
+              <a:ext uri="{FF2B5EF4-FFF2-40B4-BE49-F238E27FC236}">
+                <a16:creationId xmlns:a16="http://schemas.microsoft.com/office/drawing/2014/main" id="{52740E7E-BB7C-2FDE-AAA7-09EDC1BCF9AA}"/>
+              </a:ext>
+            </a:extLst>
+          </p:cNvPr>
+          <p:cNvPicPr>
+            <a:picLocks noChangeAspect="1"/>
+          </p:cNvPicPr>
+          <p:nvPr/>
+        </p:nvPicPr>
+        <p:blipFill>
+          <a:blip r:embed="rId3">
+            <a:extLst>
+              <a:ext uri="{28A0092B-C50C-407E-A947-70E740481C1C}">
+                <a14:useLocalDpi xmlns:a14="http://schemas.microsoft.com/office/drawing/2010/main" val="0"/>
+              </a:ext>
+            </a:extLst>
+          </a:blip>
+          <a:srcRect r="729"/>
+          <a:stretch>
+            <a:fillRect/>
+          </a:stretch>
+        </p:blipFill>
+        <p:spPr>
+          <a:xfrm>
+            <a:off x="1847680" y="3244645"/>
+            <a:ext cx="8435142" cy="2742359"/>
           </a:xfrm>
           <a:prstGeom prst="rect">
             <a:avLst/>
@@ -7368,7 +7414,510 @@
           <a:bodyPr/>
           <a:lstStyle/>
           <a:p>
-            <a:endParaRPr lang="ro-RO"/>
+            <a:r>
+              <a:rPr lang="en-US" dirty="0" err="1"/>
+              <a:t>Concluzii</a:t>
+            </a:r>
+            <a:endParaRPr lang="ro-RO" dirty="0"/>
+          </a:p>
+        </p:txBody>
+      </p:sp>
+      <p:sp>
+        <p:nvSpPr>
+          <p:cNvPr id="3" name="CasetăText 2">
+            <a:extLst>
+              <a:ext uri="{FF2B5EF4-FFF2-40B4-BE49-F238E27FC236}">
+                <a16:creationId xmlns:a16="http://schemas.microsoft.com/office/drawing/2014/main" id="{BCED714E-B92E-94E1-016B-A6C183EA3568}"/>
+              </a:ext>
+            </a:extLst>
+          </p:cNvPr>
+          <p:cNvSpPr txBox="1"/>
+          <p:nvPr/>
+        </p:nvSpPr>
+        <p:spPr>
+          <a:xfrm>
+            <a:off x="865414" y="1737360"/>
+            <a:ext cx="9601200" cy="4524315"/>
+          </a:xfrm>
+          <a:prstGeom prst="rect">
+            <a:avLst/>
+          </a:prstGeom>
+          <a:noFill/>
+        </p:spPr>
+        <p:txBody>
+          <a:bodyPr wrap="square" rtlCol="0">
+            <a:spAutoFit/>
+          </a:bodyPr>
+          <a:lstStyle/>
+          <a:p>
+            <a:r>
+              <a:rPr lang="en-US" b="1" dirty="0"/>
+              <a:t>Pe </a:t>
+            </a:r>
+            <a:r>
+              <a:rPr lang="en-US" b="1" dirty="0" err="1"/>
+              <a:t>seturile</a:t>
+            </a:r>
+            <a:r>
+              <a:rPr lang="en-US" b="1" dirty="0"/>
+              <a:t> de date testate:</a:t>
+            </a:r>
+          </a:p>
+          <a:p>
+            <a:pPr marL="285750" indent="-285750">
+              <a:buFont typeface="Arial" panose="020B0604020202020204" pitchFamily="34" charset="0"/>
+              <a:buChar char="•"/>
+            </a:pPr>
+            <a:r>
+              <a:rPr lang="en-US" dirty="0" err="1"/>
+              <a:t>Implementarea</a:t>
+            </a:r>
+            <a:r>
+              <a:rPr lang="en-US" dirty="0"/>
+              <a:t> </a:t>
+            </a:r>
+            <a:r>
+              <a:rPr lang="en-US" dirty="0" err="1"/>
+              <a:t>noastra</a:t>
+            </a:r>
+            <a:r>
+              <a:rPr lang="en-US" dirty="0"/>
+              <a:t> </a:t>
+            </a:r>
+            <a:r>
+              <a:rPr lang="ro-RO" dirty="0"/>
+              <a:t>reduce dimensiunea datelor cu </a:t>
+            </a:r>
+            <a:r>
+              <a:rPr lang="ro-RO" b="1" dirty="0">
+                <a:solidFill>
+                  <a:srgbClr val="C00000"/>
+                </a:solidFill>
+              </a:rPr>
+              <a:t>55–85%</a:t>
+            </a:r>
+            <a:r>
+              <a:rPr lang="ro-RO" dirty="0"/>
+              <a:t> față de stocarea necomprimată</a:t>
+            </a:r>
+            <a:r>
+              <a:rPr lang="en-US" dirty="0"/>
+              <a:t>.</a:t>
+            </a:r>
+          </a:p>
+          <a:p>
+            <a:pPr marL="285750" indent="-285750">
+              <a:buFont typeface="Arial" panose="020B0604020202020204" pitchFamily="34" charset="0"/>
+              <a:buChar char="•"/>
+            </a:pPr>
+            <a:r>
+              <a:rPr lang="ro-RO" dirty="0"/>
+              <a:t>Cu cât </a:t>
+            </a:r>
+            <a:r>
+              <a:rPr lang="ro-RO" b="1" dirty="0">
+                <a:solidFill>
+                  <a:srgbClr val="C00000"/>
+                </a:solidFill>
+              </a:rPr>
+              <a:t>mai multe date</a:t>
+            </a:r>
+            <a:r>
+              <a:rPr lang="ro-RO" dirty="0"/>
+              <a:t>, cu atât </a:t>
+            </a:r>
+            <a:r>
+              <a:rPr lang="ro-RO" b="1" dirty="0">
+                <a:solidFill>
+                  <a:srgbClr val="C00000"/>
+                </a:solidFill>
+              </a:rPr>
+              <a:t>economia</a:t>
+            </a:r>
+            <a:r>
+              <a:rPr lang="ro-RO" dirty="0"/>
+              <a:t> absolută este </a:t>
+            </a:r>
+            <a:r>
+              <a:rPr lang="ro-RO" b="1" dirty="0">
+                <a:solidFill>
+                  <a:srgbClr val="C00000"/>
+                </a:solidFill>
+              </a:rPr>
+              <a:t>mai mare </a:t>
+            </a:r>
+            <a:r>
+              <a:rPr lang="ro-RO" dirty="0"/>
+              <a:t>(21+ KB pentru Room Climate).</a:t>
+            </a:r>
+            <a:endParaRPr lang="en-US" dirty="0"/>
+          </a:p>
+          <a:p>
+            <a:pPr marL="285750" indent="-285750">
+              <a:buFont typeface="Arial" panose="020B0604020202020204" pitchFamily="34" charset="0"/>
+              <a:buChar char="•"/>
+            </a:pPr>
+            <a:endParaRPr lang="en-US" dirty="0"/>
+          </a:p>
+          <a:p>
+            <a:r>
+              <a:rPr lang="en-US" b="1" dirty="0"/>
+              <a:t>Despre </a:t>
+            </a:r>
+            <a:r>
+              <a:rPr lang="en-US" b="1" dirty="0" err="1"/>
+              <a:t>varianta</a:t>
+            </a:r>
+            <a:r>
+              <a:rPr lang="en-US" b="1" dirty="0"/>
+              <a:t> </a:t>
+            </a:r>
+            <a:r>
+              <a:rPr lang="en-US" b="1" dirty="0" err="1"/>
+              <a:t>imbun</a:t>
+            </a:r>
+            <a:r>
+              <a:rPr lang="ro-RO" b="1" dirty="0"/>
+              <a:t>ă</a:t>
+            </a:r>
+            <a:r>
+              <a:rPr lang="en-US" b="1" dirty="0"/>
+              <a:t>t</a:t>
+            </a:r>
+            <a:r>
+              <a:rPr lang="ro-RO" b="1" dirty="0" err="1"/>
+              <a:t>ăț</a:t>
+            </a:r>
+            <a:r>
+              <a:rPr lang="en-US" b="1" dirty="0"/>
+              <a:t>it</a:t>
+            </a:r>
+            <a:r>
+              <a:rPr lang="ro-RO" b="1" dirty="0"/>
+              <a:t>ă</a:t>
+            </a:r>
+            <a:r>
+              <a:rPr lang="en-US" b="1" dirty="0"/>
+              <a:t>:</a:t>
+            </a:r>
+          </a:p>
+          <a:p>
+            <a:pPr marL="285750" indent="-285750">
+              <a:buFont typeface="Arial" panose="020B0604020202020204" pitchFamily="34" charset="0"/>
+              <a:buChar char="•"/>
+            </a:pPr>
+            <a:r>
+              <a:rPr lang="ro-RO" dirty="0"/>
+              <a:t>Nu există niciun caz în care varianta standard ar fi mai bună — </a:t>
+            </a:r>
+            <a:r>
+              <a:rPr lang="ro-RO" b="1" dirty="0"/>
+              <a:t>optimizarea este universal benefică </a:t>
+            </a:r>
+            <a:r>
+              <a:rPr lang="ro-RO" dirty="0"/>
+              <a:t>(</a:t>
+            </a:r>
+            <a:r>
+              <a:rPr lang="ro-RO" b="1" dirty="0">
+                <a:solidFill>
+                  <a:srgbClr val="C00000"/>
+                </a:solidFill>
+              </a:rPr>
+              <a:t>demonstrat matematic și experimental</a:t>
+            </a:r>
+            <a:r>
+              <a:rPr lang="ro-RO" dirty="0"/>
+              <a:t>).</a:t>
+            </a:r>
+          </a:p>
+          <a:p>
+            <a:pPr marL="285750" indent="-285750">
+              <a:buFont typeface="Arial" panose="020B0604020202020204" pitchFamily="34" charset="0"/>
+              <a:buChar char="•"/>
+            </a:pPr>
+            <a:endParaRPr lang="ro-RO" dirty="0"/>
+          </a:p>
+          <a:p>
+            <a:r>
+              <a:rPr lang="ro-RO" b="1" dirty="0"/>
+              <a:t>Despre delta-of-delta</a:t>
+            </a:r>
+            <a:r>
+              <a:rPr lang="en-US" b="1" dirty="0"/>
+              <a:t> (timestamps):</a:t>
+            </a:r>
+          </a:p>
+          <a:p>
+            <a:pPr marL="285750" indent="-285750">
+              <a:buFont typeface="Arial" panose="020B0604020202020204" pitchFamily="34" charset="0"/>
+              <a:buChar char="•"/>
+            </a:pPr>
+            <a:r>
+              <a:rPr lang="en-US" dirty="0"/>
+              <a:t>Cea </a:t>
+            </a:r>
+            <a:r>
+              <a:rPr lang="en-US" dirty="0" err="1"/>
+              <a:t>mai</a:t>
+            </a:r>
+            <a:r>
+              <a:rPr lang="en-US" dirty="0"/>
+              <a:t> </a:t>
+            </a:r>
+            <a:r>
+              <a:rPr lang="ro-RO" dirty="0"/>
+              <a:t>eficientă pentru </a:t>
+            </a:r>
+            <a:r>
+              <a:rPr lang="en-US" dirty="0" err="1"/>
+              <a:t>serii</a:t>
+            </a:r>
+            <a:r>
+              <a:rPr lang="en-US" dirty="0"/>
+              <a:t> de </a:t>
+            </a:r>
+            <a:r>
+              <a:rPr lang="en-US" dirty="0" err="1"/>
+              <a:t>timp</a:t>
+            </a:r>
+            <a:r>
+              <a:rPr lang="en-US" dirty="0"/>
+              <a:t> cu date </a:t>
+            </a:r>
+            <a:r>
+              <a:rPr lang="en-US" dirty="0" err="1"/>
+              <a:t>ce</a:t>
+            </a:r>
+            <a:r>
+              <a:rPr lang="en-US" dirty="0"/>
+              <a:t> vin la</a:t>
+            </a:r>
+            <a:r>
+              <a:rPr lang="ro-RO" dirty="0"/>
+              <a:t> </a:t>
+            </a:r>
+            <a:r>
+              <a:rPr lang="ro-RO" b="1" dirty="0">
+                <a:solidFill>
+                  <a:srgbClr val="C00000"/>
+                </a:solidFill>
+              </a:rPr>
+              <a:t>intervale regulate</a:t>
+            </a:r>
+            <a:endParaRPr lang="en-US" b="1" dirty="0">
+              <a:solidFill>
+                <a:srgbClr val="C00000"/>
+              </a:solidFill>
+            </a:endParaRPr>
+          </a:p>
+          <a:p>
+            <a:endParaRPr lang="en-US" dirty="0"/>
+          </a:p>
+          <a:p>
+            <a:r>
+              <a:rPr lang="en-US" b="1" dirty="0"/>
+              <a:t>Despre </a:t>
+            </a:r>
+            <a:r>
+              <a:rPr lang="en-US" b="1" dirty="0" err="1"/>
+              <a:t>xor</a:t>
+            </a:r>
+            <a:r>
+              <a:rPr lang="en-US" b="1" dirty="0"/>
+              <a:t>-encoding (values):</a:t>
+            </a:r>
+          </a:p>
+          <a:p>
+            <a:pPr marL="285750" indent="-285750">
+              <a:buFont typeface="Arial" panose="020B0604020202020204" pitchFamily="34" charset="0"/>
+              <a:buChar char="•"/>
+            </a:pPr>
+            <a:r>
+              <a:rPr lang="en-US" dirty="0" err="1"/>
+              <a:t>Eficien</a:t>
+            </a:r>
+            <a:r>
+              <a:rPr lang="ro-RO" dirty="0"/>
+              <a:t>ța depinde de aspectul datelor</a:t>
+            </a:r>
+            <a:r>
+              <a:rPr lang="en-US" dirty="0"/>
+              <a:t>:</a:t>
+            </a:r>
+          </a:p>
+          <a:p>
+            <a:pPr marL="742950" lvl="1" indent="-285750">
+              <a:buFont typeface="Arial" panose="020B0604020202020204" pitchFamily="34" charset="0"/>
+              <a:buChar char="•"/>
+            </a:pPr>
+            <a:r>
+              <a:rPr lang="ro-RO" dirty="0"/>
+              <a:t>Valori </a:t>
+            </a:r>
+            <a:r>
+              <a:rPr lang="ro-RO" b="1" dirty="0">
+                <a:solidFill>
+                  <a:srgbClr val="C00000"/>
+                </a:solidFill>
+              </a:rPr>
+              <a:t>constante</a:t>
+            </a:r>
+            <a:r>
+              <a:rPr lang="ro-RO" dirty="0"/>
+              <a:t> sau aproape constante: </a:t>
+            </a:r>
+            <a:r>
+              <a:rPr lang="ro-RO" b="1" dirty="0">
+                <a:solidFill>
+                  <a:srgbClr val="C00000"/>
+                </a:solidFill>
+              </a:rPr>
+              <a:t>1 bit </a:t>
+            </a:r>
+            <a:r>
+              <a:rPr lang="ro-RO" dirty="0"/>
+              <a:t>(XOR = 0);</a:t>
+            </a:r>
+            <a:endParaRPr lang="en-US" dirty="0"/>
+          </a:p>
+          <a:p>
+            <a:pPr marL="742950" lvl="1" indent="-285750">
+              <a:buFont typeface="Arial" panose="020B0604020202020204" pitchFamily="34" charset="0"/>
+              <a:buChar char="•"/>
+            </a:pPr>
+            <a:r>
+              <a:rPr lang="ro-RO" dirty="0"/>
+              <a:t>Valori cu </a:t>
+            </a:r>
+            <a:r>
+              <a:rPr lang="ro-RO" b="1" dirty="0">
+                <a:solidFill>
+                  <a:srgbClr val="C00000"/>
+                </a:solidFill>
+              </a:rPr>
+              <a:t>variație lentă</a:t>
+            </a:r>
+            <a:r>
+              <a:rPr lang="ro-RO" dirty="0"/>
+              <a:t>: beneficiază de refolosirea ferestrei (</a:t>
+            </a:r>
+            <a:r>
+              <a:rPr lang="ro-RO" b="1" dirty="0">
+                <a:solidFill>
+                  <a:srgbClr val="C00000"/>
+                </a:solidFill>
+              </a:rPr>
+              <a:t>2 + M </a:t>
+            </a:r>
+            <a:r>
+              <a:rPr lang="ro-RO" dirty="0"/>
+              <a:t>biți);</a:t>
+            </a:r>
+            <a:endParaRPr lang="en-US" dirty="0"/>
+          </a:p>
+          <a:p>
+            <a:pPr marL="742950" lvl="1" indent="-285750">
+              <a:buFont typeface="Arial" panose="020B0604020202020204" pitchFamily="34" charset="0"/>
+              <a:buChar char="•"/>
+            </a:pPr>
+            <a:r>
+              <a:rPr lang="ro-RO" dirty="0"/>
+              <a:t>Valori cu variație </a:t>
+            </a:r>
+            <a:r>
+              <a:rPr lang="ro-RO" b="1" dirty="0">
+                <a:solidFill>
+                  <a:srgbClr val="C00000"/>
+                </a:solidFill>
+              </a:rPr>
+              <a:t>bruscă</a:t>
+            </a:r>
+            <a:r>
+              <a:rPr lang="ro-RO" dirty="0"/>
+              <a:t>: necesită fereastră nouă (</a:t>
+            </a:r>
+            <a:r>
+              <a:rPr lang="ro-RO" b="1" dirty="0">
+                <a:solidFill>
+                  <a:srgbClr val="C00000"/>
+                </a:solidFill>
+              </a:rPr>
+              <a:t>13 + M </a:t>
+            </a:r>
+            <a:r>
+              <a:rPr lang="ro-RO" dirty="0"/>
+              <a:t>biți).</a:t>
+            </a:r>
+            <a:endParaRPr lang="en-US" dirty="0"/>
+          </a:p>
+        </p:txBody>
+      </p:sp>
+      <p:sp>
+        <p:nvSpPr>
+          <p:cNvPr id="4" name="CasetăText 3">
+            <a:extLst>
+              <a:ext uri="{FF2B5EF4-FFF2-40B4-BE49-F238E27FC236}">
+                <a16:creationId xmlns:a16="http://schemas.microsoft.com/office/drawing/2014/main" id="{7B18ED50-3DCA-4699-349D-4C896864B001}"/>
+              </a:ext>
+            </a:extLst>
+          </p:cNvPr>
+          <p:cNvSpPr txBox="1"/>
+          <p:nvPr/>
+        </p:nvSpPr>
+        <p:spPr>
+          <a:xfrm>
+            <a:off x="8490858" y="5061346"/>
+            <a:ext cx="3445328" cy="1200329"/>
+          </a:xfrm>
+          <a:prstGeom prst="rect">
+            <a:avLst/>
+          </a:prstGeom>
+          <a:noFill/>
+        </p:spPr>
+        <p:txBody>
+          <a:bodyPr wrap="square" rtlCol="0">
+            <a:spAutoFit/>
+          </a:bodyPr>
+          <a:lstStyle/>
+          <a:p>
+            <a:r>
+              <a:rPr lang="en-US" dirty="0"/>
+              <a:t>! </a:t>
+            </a:r>
+            <a:r>
+              <a:rPr lang="ro-RO" dirty="0">
+                <a:solidFill>
+                  <a:srgbClr val="C00000"/>
+                </a:solidFill>
+              </a:rPr>
+              <a:t>Optimizarea noastră reduce ineficiența </a:t>
+            </a:r>
+            <a:r>
+              <a:rPr lang="ro-RO" dirty="0"/>
+              <a:t>în cazurile în care fereastra anterioară era </a:t>
+            </a:r>
+            <a:r>
+              <a:rPr lang="ro-RO" dirty="0">
+                <a:solidFill>
+                  <a:srgbClr val="C00000"/>
+                </a:solidFill>
+              </a:rPr>
+              <a:t>semnificativ supradimensionată</a:t>
+            </a:r>
+            <a:r>
+              <a:rPr lang="en-US" dirty="0">
+                <a:solidFill>
+                  <a:srgbClr val="C00000"/>
+                </a:solidFill>
+              </a:rPr>
+              <a:t> </a:t>
+            </a:r>
+            <a:r>
+              <a:rPr lang="en-US" dirty="0"/>
+              <a:t>!</a:t>
+            </a:r>
+            <a:endParaRPr lang="ro-RO" dirty="0"/>
           </a:p>
         </p:txBody>
       </p:sp>
@@ -7376,6 +7925,384 @@
     <p:extLst>
       <p:ext uri="{BB962C8B-B14F-4D97-AF65-F5344CB8AC3E}">
         <p14:creationId xmlns:p14="http://schemas.microsoft.com/office/powerpoint/2010/main" val="2263258708"/>
+      </p:ext>
+    </p:extLst>
+  </p:cSld>
+  <p:clrMapOvr>
+    <a:masterClrMapping/>
+  </p:clrMapOvr>
+</p:sld>
+</file>
+
+<file path=ppt/slides/slide24.xml><?xml version="1.0" encoding="utf-8"?>
+<p:sld xmlns:a="http://schemas.openxmlformats.org/drawingml/2006/main" xmlns:r="http://schemas.openxmlformats.org/officeDocument/2006/relationships" xmlns:p="http://schemas.openxmlformats.org/presentationml/2006/main">
+  <p:cSld>
+    <p:spTree>
+      <p:nvGrpSpPr>
+        <p:cNvPr id="1" name=""/>
+        <p:cNvGrpSpPr/>
+        <p:nvPr/>
+      </p:nvGrpSpPr>
+      <p:grpSpPr>
+        <a:xfrm>
+          <a:off x="0" y="0"/>
+          <a:ext cx="0" cy="0"/>
+          <a:chOff x="0" y="0"/>
+          <a:chExt cx="0" cy="0"/>
+        </a:xfrm>
+      </p:grpSpPr>
+      <p:sp>
+        <p:nvSpPr>
+          <p:cNvPr id="2" name="Titlu 1">
+            <a:extLst>
+              <a:ext uri="{FF2B5EF4-FFF2-40B4-BE49-F238E27FC236}">
+                <a16:creationId xmlns:a16="http://schemas.microsoft.com/office/drawing/2014/main" id="{2AE76A8C-3A1F-28F3-1792-DCAB760F3B9B}"/>
+              </a:ext>
+            </a:extLst>
+          </p:cNvPr>
+          <p:cNvSpPr>
+            <a:spLocks noGrp="1"/>
+          </p:cNvSpPr>
+          <p:nvPr>
+            <p:ph type="title"/>
+          </p:nvPr>
+        </p:nvSpPr>
+        <p:spPr/>
+        <p:txBody>
+          <a:bodyPr/>
+          <a:lstStyle/>
+          <a:p>
+            <a:r>
+              <a:rPr lang="en-US" dirty="0"/>
+              <a:t>Limit</a:t>
+            </a:r>
+            <a:r>
+              <a:rPr lang="ro-RO" dirty="0" err="1"/>
+              <a:t>ări</a:t>
+            </a:r>
+            <a:r>
+              <a:rPr lang="ro-RO" dirty="0"/>
+              <a:t> identificate și </a:t>
+            </a:r>
+            <a:r>
+              <a:rPr lang="ro-RO" dirty="0" err="1"/>
+              <a:t>Future</a:t>
+            </a:r>
+            <a:r>
+              <a:rPr lang="ro-RO" dirty="0"/>
+              <a:t> </a:t>
+            </a:r>
+            <a:r>
+              <a:rPr lang="ro-RO" dirty="0" err="1"/>
+              <a:t>work</a:t>
+            </a:r>
+            <a:endParaRPr lang="ro-RO" dirty="0"/>
+          </a:p>
+        </p:txBody>
+      </p:sp>
+      <p:sp>
+        <p:nvSpPr>
+          <p:cNvPr id="3" name="CasetăText 2">
+            <a:extLst>
+              <a:ext uri="{FF2B5EF4-FFF2-40B4-BE49-F238E27FC236}">
+                <a16:creationId xmlns:a16="http://schemas.microsoft.com/office/drawing/2014/main" id="{108754E9-FA2D-71E8-3477-576521E513EC}"/>
+              </a:ext>
+            </a:extLst>
+          </p:cNvPr>
+          <p:cNvSpPr txBox="1"/>
+          <p:nvPr/>
+        </p:nvSpPr>
+        <p:spPr>
+          <a:xfrm>
+            <a:off x="1097280" y="1937657"/>
+            <a:ext cx="10408920" cy="3970318"/>
+          </a:xfrm>
+          <a:prstGeom prst="rect">
+            <a:avLst/>
+          </a:prstGeom>
+          <a:noFill/>
+        </p:spPr>
+        <p:txBody>
+          <a:bodyPr wrap="square" rtlCol="0">
+            <a:spAutoFit/>
+          </a:bodyPr>
+          <a:lstStyle/>
+          <a:p>
+            <a:pPr marL="285750" indent="-285750">
+              <a:buFont typeface="Arial" panose="020B0604020202020204" pitchFamily="34" charset="0"/>
+              <a:buChar char="•"/>
+            </a:pPr>
+            <a:r>
+              <a:rPr lang="ro-RO" dirty="0"/>
+              <a:t>Algoritmul </a:t>
+            </a:r>
+            <a:r>
+              <a:rPr lang="ro-RO" b="1" dirty="0">
+                <a:solidFill>
+                  <a:srgbClr val="C00000"/>
+                </a:solidFill>
+              </a:rPr>
+              <a:t>nu e optim pentru date cu variabilitate mare</a:t>
+            </a:r>
+            <a:r>
+              <a:rPr lang="ro-RO" dirty="0"/>
+              <a:t>.</a:t>
+            </a:r>
+          </a:p>
+          <a:p>
+            <a:pPr marL="285750" indent="-285750">
+              <a:buFont typeface="Arial" panose="020B0604020202020204" pitchFamily="34" charset="0"/>
+              <a:buChar char="•"/>
+            </a:pPr>
+            <a:endParaRPr lang="ro-RO" dirty="0"/>
+          </a:p>
+          <a:p>
+            <a:pPr marL="285750" indent="-285750">
+              <a:buFont typeface="Arial" panose="020B0604020202020204" pitchFamily="34" charset="0"/>
+              <a:buChar char="•"/>
+            </a:pPr>
+            <a:r>
+              <a:rPr lang="ro-RO" b="1" dirty="0">
+                <a:solidFill>
+                  <a:srgbClr val="C00000"/>
+                </a:solidFill>
+              </a:rPr>
+              <a:t>Decomprimarea</a:t>
+            </a:r>
+            <a:r>
+              <a:rPr lang="ro-RO" dirty="0"/>
+              <a:t> necesită parcurgerea </a:t>
+            </a:r>
+            <a:r>
+              <a:rPr lang="ro-RO" b="1" dirty="0">
+                <a:solidFill>
+                  <a:srgbClr val="C00000"/>
+                </a:solidFill>
+              </a:rPr>
+              <a:t>secvențială</a:t>
+            </a:r>
+            <a:r>
+              <a:rPr lang="ro-RO" dirty="0"/>
+              <a:t> de la începutul blocului. Nu există acces aleatoriu la un punct specific fără a decoda toate punctele anterioare din bloc.</a:t>
+            </a:r>
+          </a:p>
+          <a:p>
+            <a:pPr marL="285750" indent="-285750">
+              <a:buFont typeface="Arial" panose="020B0604020202020204" pitchFamily="34" charset="0"/>
+              <a:buChar char="•"/>
+            </a:pPr>
+            <a:endParaRPr lang="ro-RO" dirty="0"/>
+          </a:p>
+          <a:p>
+            <a:pPr marL="285750" indent="-285750">
+              <a:buFont typeface="Arial" panose="020B0604020202020204" pitchFamily="34" charset="0"/>
+              <a:buChar char="•"/>
+            </a:pPr>
+            <a:r>
+              <a:rPr lang="ro-RO" dirty="0"/>
+              <a:t>Implementarea în </a:t>
+            </a:r>
+            <a:r>
+              <a:rPr lang="ro-RO" b="1" dirty="0" err="1">
+                <a:solidFill>
+                  <a:srgbClr val="C00000"/>
+                </a:solidFill>
+              </a:rPr>
+              <a:t>Python</a:t>
+            </a:r>
+            <a:r>
+              <a:rPr lang="ro-RO" dirty="0"/>
+              <a:t> – inferioară unei implementări native.</a:t>
+            </a:r>
+          </a:p>
+          <a:p>
+            <a:pPr marL="285750" indent="-285750">
+              <a:buFont typeface="Arial" panose="020B0604020202020204" pitchFamily="34" charset="0"/>
+              <a:buChar char="•"/>
+            </a:pPr>
+            <a:r>
+              <a:rPr lang="ro-RO" dirty="0"/>
+              <a:t>Timpii de compresie observați (∼2.7 secunde pentru 68,229 puncte × 8 variabile).</a:t>
+            </a:r>
+          </a:p>
+          <a:p>
+            <a:pPr marL="285750" indent="-285750">
+              <a:buFont typeface="Arial" panose="020B0604020202020204" pitchFamily="34" charset="0"/>
+              <a:buChar char="•"/>
+            </a:pPr>
+            <a:endParaRPr lang="ro-RO" dirty="0"/>
+          </a:p>
+          <a:p>
+            <a:endParaRPr lang="ro-RO" dirty="0"/>
+          </a:p>
+          <a:p>
+            <a:r>
+              <a:rPr lang="ro-RO" b="1" dirty="0"/>
+              <a:t>Optimizări de performanță</a:t>
+            </a:r>
+            <a:r>
+              <a:rPr lang="en-US" b="1" dirty="0"/>
+              <a:t>:</a:t>
+            </a:r>
+          </a:p>
+          <a:p>
+            <a:pPr marL="285750" indent="-285750">
+              <a:buFont typeface="Arial" panose="020B0604020202020204" pitchFamily="34" charset="0"/>
+              <a:buChar char="•"/>
+            </a:pPr>
+            <a:r>
+              <a:rPr lang="en-US" dirty="0" err="1"/>
+              <a:t>Implementare</a:t>
+            </a:r>
+            <a:r>
+              <a:rPr lang="en-US" dirty="0"/>
+              <a:t> </a:t>
+            </a:r>
+            <a:r>
+              <a:rPr lang="ro-RO" dirty="0"/>
+              <a:t>î</a:t>
+            </a:r>
+            <a:r>
+              <a:rPr lang="en-US" dirty="0"/>
+              <a:t>n </a:t>
+            </a:r>
+            <a:r>
+              <a:rPr lang="en-US" b="1" dirty="0">
+                <a:solidFill>
+                  <a:srgbClr val="C00000"/>
+                </a:solidFill>
+              </a:rPr>
+              <a:t>C</a:t>
+            </a:r>
+            <a:endParaRPr lang="ro-RO" b="1" dirty="0">
+              <a:solidFill>
+                <a:srgbClr val="C00000"/>
+              </a:solidFill>
+            </a:endParaRPr>
+          </a:p>
+          <a:p>
+            <a:pPr marL="285750" indent="-285750">
+              <a:buFont typeface="Arial" panose="020B0604020202020204" pitchFamily="34" charset="0"/>
+              <a:buChar char="•"/>
+            </a:pPr>
+            <a:r>
+              <a:rPr lang="ro-RO" dirty="0"/>
+              <a:t>Blocurile independente ar putea fi </a:t>
+            </a:r>
+            <a:r>
+              <a:rPr lang="ro-RO" b="1" dirty="0">
+                <a:solidFill>
+                  <a:srgbClr val="C00000"/>
+                </a:solidFill>
+              </a:rPr>
+              <a:t>comprimate/decomprimate în paralel.</a:t>
+            </a:r>
+            <a:endParaRPr lang="en-US" b="1" dirty="0">
+              <a:solidFill>
+                <a:srgbClr val="C00000"/>
+              </a:solidFill>
+            </a:endParaRPr>
+          </a:p>
+          <a:p>
+            <a:pPr marL="285750" indent="-285750">
+              <a:buFont typeface="Arial" panose="020B0604020202020204" pitchFamily="34" charset="0"/>
+              <a:buChar char="•"/>
+            </a:pPr>
+            <a:r>
+              <a:rPr lang="ro-RO" dirty="0"/>
+              <a:t>Suport pentru </a:t>
+            </a:r>
+            <a:r>
+              <a:rPr lang="ro-RO" b="1" dirty="0" err="1">
+                <a:solidFill>
+                  <a:srgbClr val="C00000"/>
+                </a:solidFill>
+              </a:rPr>
+              <a:t>missing</a:t>
+            </a:r>
+            <a:r>
+              <a:rPr lang="ro-RO" b="1" dirty="0">
+                <a:solidFill>
+                  <a:srgbClr val="C00000"/>
+                </a:solidFill>
+              </a:rPr>
+              <a:t> </a:t>
+            </a:r>
+            <a:r>
+              <a:rPr lang="ro-RO" b="1" dirty="0" err="1">
+                <a:solidFill>
+                  <a:srgbClr val="C00000"/>
+                </a:solidFill>
+              </a:rPr>
+              <a:t>values</a:t>
+            </a:r>
+            <a:r>
+              <a:rPr lang="ro-RO" dirty="0"/>
+              <a:t>: Gestionarea explicită a punctelor lipsă.</a:t>
+            </a:r>
+            <a:endParaRPr lang="ro-RO" b="1" dirty="0">
+              <a:solidFill>
+                <a:srgbClr val="C00000"/>
+              </a:solidFill>
+            </a:endParaRPr>
+          </a:p>
+          <a:p>
+            <a:pPr marL="285750" indent="-285750">
+              <a:buFont typeface="Arial" panose="020B0604020202020204" pitchFamily="34" charset="0"/>
+              <a:buChar char="•"/>
+            </a:pPr>
+            <a:r>
+              <a:rPr lang="ro-RO" b="1" dirty="0">
+                <a:solidFill>
+                  <a:srgbClr val="C00000"/>
+                </a:solidFill>
+              </a:rPr>
+              <a:t>Pentru </a:t>
+            </a:r>
+            <a:r>
+              <a:rPr lang="ro-RO" b="1" dirty="0" err="1">
+                <a:solidFill>
+                  <a:srgbClr val="C00000"/>
+                </a:solidFill>
+              </a:rPr>
+              <a:t>queries</a:t>
+            </a:r>
+            <a:r>
+              <a:rPr lang="en-US" b="1" dirty="0">
+                <a:solidFill>
+                  <a:srgbClr val="C00000"/>
+                </a:solidFill>
+              </a:rPr>
+              <a:t>: </a:t>
+            </a:r>
+            <a:r>
+              <a:rPr lang="ro-RO" dirty="0"/>
+              <a:t>Indexare: Structuri pentru acces rapid la anumite </a:t>
+            </a:r>
+            <a:r>
+              <a:rPr lang="ro-RO" dirty="0" err="1"/>
+              <a:t>timestamp</a:t>
+            </a:r>
+            <a:r>
+              <a:rPr lang="ro-RO" dirty="0"/>
+              <a:t>-uri</a:t>
+            </a:r>
+            <a:r>
+              <a:rPr lang="en-US" dirty="0"/>
+              <a:t> din bloc.</a:t>
+            </a:r>
+            <a:endParaRPr lang="ro-RO" b="1" dirty="0">
+              <a:solidFill>
+                <a:srgbClr val="C00000"/>
+              </a:solidFill>
+            </a:endParaRPr>
+          </a:p>
+        </p:txBody>
+      </p:sp>
+    </p:spTree>
+    <p:extLst>
+      <p:ext uri="{BB962C8B-B14F-4D97-AF65-F5344CB8AC3E}">
+        <p14:creationId xmlns:p14="http://schemas.microsoft.com/office/powerpoint/2010/main" val="707739170"/>
       </p:ext>
     </p:extLst>
   </p:cSld>
@@ -9611,6 +10538,42 @@
               <a:buChar char="•"/>
             </a:pPr>
             <a:endParaRPr lang="fr-FR" dirty="0"/>
+          </a:p>
+        </p:txBody>
+      </p:sp>
+      <p:sp>
+        <p:nvSpPr>
+          <p:cNvPr id="12" name="CasetăText 11">
+            <a:extLst>
+              <a:ext uri="{FF2B5EF4-FFF2-40B4-BE49-F238E27FC236}">
+                <a16:creationId xmlns:a16="http://schemas.microsoft.com/office/drawing/2014/main" id="{02BC1D7C-2A15-0564-587E-9DBE5C51FE0F}"/>
+              </a:ext>
+            </a:extLst>
+          </p:cNvPr>
+          <p:cNvSpPr txBox="1"/>
+          <p:nvPr/>
+        </p:nvSpPr>
+        <p:spPr>
+          <a:xfrm>
+            <a:off x="402771" y="5551715"/>
+            <a:ext cx="974272" cy="369332"/>
+          </a:xfrm>
+          <a:prstGeom prst="rect">
+            <a:avLst/>
+          </a:prstGeom>
+          <a:noFill/>
+        </p:spPr>
+        <p:txBody>
+          <a:bodyPr wrap="square" rtlCol="0">
+            <a:spAutoFit/>
+          </a:bodyPr>
+          <a:lstStyle/>
+          <a:p>
+            <a:r>
+              <a:rPr lang="en-US" dirty="0"/>
+              <a:t>Meta:</a:t>
+            </a:r>
+            <a:endParaRPr lang="ro-RO" dirty="0"/>
           </a:p>
         </p:txBody>
       </p:sp>

--- a/Eficientizarea Stocarii Datelor de Tip Serie Temporale utilizand.pptx
+++ b/Eficientizarea Stocarii Datelor de Tip Serie Temporale utilizand.pptx
@@ -12,14 +12,14 @@
     <p:sldId id="268" r:id="rId6"/>
     <p:sldId id="269" r:id="rId7"/>
     <p:sldId id="270" r:id="rId8"/>
-    <p:sldId id="271" r:id="rId9"/>
+    <p:sldId id="289" r:id="rId9"/>
     <p:sldId id="273" r:id="rId10"/>
     <p:sldId id="274" r:id="rId11"/>
     <p:sldId id="275" r:id="rId12"/>
     <p:sldId id="276" r:id="rId13"/>
     <p:sldId id="277" r:id="rId14"/>
-    <p:sldId id="278" r:id="rId15"/>
-    <p:sldId id="281" r:id="rId16"/>
+    <p:sldId id="281" r:id="rId15"/>
+    <p:sldId id="278" r:id="rId16"/>
     <p:sldId id="279" r:id="rId17"/>
     <p:sldId id="280" r:id="rId18"/>
     <p:sldId id="282" r:id="rId19"/>
@@ -5699,48 +5699,12 @@
           <a:chExt cx="0" cy="0"/>
         </a:xfrm>
       </p:grpSpPr>
-      <p:sp>
-        <p:nvSpPr>
-          <p:cNvPr id="2" name="Titlu 1">
-            <a:extLst>
-              <a:ext uri="{FF2B5EF4-FFF2-40B4-BE49-F238E27FC236}">
-                <a16:creationId xmlns:a16="http://schemas.microsoft.com/office/drawing/2014/main" id="{DACF51AE-2E6A-91EA-8CAB-19126AFD5EE3}"/>
-              </a:ext>
-            </a:extLst>
-          </p:cNvPr>
-          <p:cNvSpPr>
-            <a:spLocks noGrp="1"/>
-          </p:cNvSpPr>
-          <p:nvPr>
-            <p:ph type="title"/>
-          </p:nvPr>
-        </p:nvSpPr>
-        <p:spPr/>
-        <p:txBody>
-          <a:bodyPr/>
-          <a:lstStyle/>
-          <a:p>
-            <a:r>
-              <a:rPr lang="en-US" dirty="0" err="1"/>
-              <a:t>Experimente</a:t>
-            </a:r>
-            <a:r>
-              <a:rPr lang="en-US" dirty="0"/>
-              <a:t> </a:t>
-            </a:r>
-            <a:r>
-              <a:rPr lang="ro-RO" dirty="0"/>
-              <a:t>și rezultate</a:t>
-            </a:r>
-          </a:p>
-        </p:txBody>
-      </p:sp>
       <p:pic>
         <p:nvPicPr>
-          <p:cNvPr id="4" name="Imagine 3" descr="O imagine care conține text, Font, captură de ecran, alb&#10;&#10;Conținutul generat de inteligența artificială poate fi incorect.">
-            <a:extLst>
-              <a:ext uri="{FF2B5EF4-FFF2-40B4-BE49-F238E27FC236}">
-                <a16:creationId xmlns:a16="http://schemas.microsoft.com/office/drawing/2014/main" id="{41AD07E7-31AB-4578-9769-E428D03A61B4}"/>
+          <p:cNvPr id="3" name="Imagine 2" descr="O imagine care conține text, Interval, diagramă, captură de ecran&#10;&#10;Conținutul generat de inteligența artificială poate fi incorect.">
+            <a:extLst>
+              <a:ext uri="{FF2B5EF4-FFF2-40B4-BE49-F238E27FC236}">
+                <a16:creationId xmlns:a16="http://schemas.microsoft.com/office/drawing/2014/main" id="{0E01AED9-469A-403C-7601-076170E650F0}"/>
               </a:ext>
             </a:extLst>
           </p:cNvPr>
@@ -5757,193 +5721,18 @@
         </p:blipFill>
         <p:spPr>
           <a:xfrm>
-            <a:off x="2567430" y="2744717"/>
-            <a:ext cx="3410426" cy="1991003"/>
+            <a:off x="623123" y="713996"/>
+            <a:ext cx="10945753" cy="5430008"/>
           </a:xfrm>
           <a:prstGeom prst="rect">
             <a:avLst/>
           </a:prstGeom>
         </p:spPr>
       </p:pic>
-      <p:sp>
-        <p:nvSpPr>
-          <p:cNvPr id="5" name="CasetăText 4">
-            <a:extLst>
-              <a:ext uri="{FF2B5EF4-FFF2-40B4-BE49-F238E27FC236}">
-                <a16:creationId xmlns:a16="http://schemas.microsoft.com/office/drawing/2014/main" id="{63D04C04-F64D-361B-DDB6-52A2056B7058}"/>
-              </a:ext>
-            </a:extLst>
-          </p:cNvPr>
-          <p:cNvSpPr txBox="1"/>
-          <p:nvPr/>
-        </p:nvSpPr>
-        <p:spPr>
-          <a:xfrm>
-            <a:off x="2356757" y="4768220"/>
-            <a:ext cx="4816929" cy="369332"/>
-          </a:xfrm>
-          <a:prstGeom prst="rect">
-            <a:avLst/>
-          </a:prstGeom>
-          <a:noFill/>
-        </p:spPr>
-        <p:txBody>
-          <a:bodyPr wrap="square" rtlCol="0">
-            <a:spAutoFit/>
-          </a:bodyPr>
-          <a:lstStyle/>
-          <a:p>
-            <a:r>
-              <a:rPr lang="it-IT" dirty="0"/>
-              <a:t>Room Climate Dataset (serie multivariată)</a:t>
-            </a:r>
-            <a:endParaRPr lang="ro-RO" dirty="0"/>
-          </a:p>
-        </p:txBody>
-      </p:sp>
-      <p:sp>
-        <p:nvSpPr>
-          <p:cNvPr id="7" name="CasetăText 6">
-            <a:extLst>
-              <a:ext uri="{FF2B5EF4-FFF2-40B4-BE49-F238E27FC236}">
-                <a16:creationId xmlns:a16="http://schemas.microsoft.com/office/drawing/2014/main" id="{60722DFC-A76F-D26C-04A2-3D3AD5C8493A}"/>
-              </a:ext>
-            </a:extLst>
-          </p:cNvPr>
-          <p:cNvSpPr txBox="1"/>
-          <p:nvPr/>
-        </p:nvSpPr>
-        <p:spPr>
-          <a:xfrm>
-            <a:off x="7625443" y="2657090"/>
-            <a:ext cx="2594462" cy="2585323"/>
-          </a:xfrm>
-          <a:prstGeom prst="rect">
-            <a:avLst/>
-          </a:prstGeom>
-          <a:noFill/>
-        </p:spPr>
-        <p:txBody>
-          <a:bodyPr wrap="square">
-            <a:spAutoFit/>
-          </a:bodyPr>
-          <a:lstStyle/>
-          <a:p>
-            <a:r>
-              <a:rPr lang="ro-RO" dirty="0"/>
-              <a:t>8</a:t>
-            </a:r>
-            <a:r>
-              <a:rPr lang="en-US" dirty="0"/>
-              <a:t> </a:t>
-            </a:r>
-            <a:r>
-              <a:rPr lang="ro-RO" dirty="0"/>
-              <a:t>variabile măsurate: </a:t>
-            </a:r>
-            <a:endParaRPr lang="en-US" dirty="0"/>
-          </a:p>
-          <a:p>
-            <a:pPr marL="285750" indent="-285750">
-              <a:buFont typeface="Arial" panose="020B0604020202020204" pitchFamily="34" charset="0"/>
-              <a:buChar char="•"/>
-            </a:pPr>
-            <a:r>
-              <a:rPr lang="ro-RO" dirty="0"/>
-              <a:t>temperatură, </a:t>
-            </a:r>
-            <a:endParaRPr lang="en-US" dirty="0"/>
-          </a:p>
-          <a:p>
-            <a:pPr marL="285750" indent="-285750">
-              <a:buFont typeface="Arial" panose="020B0604020202020204" pitchFamily="34" charset="0"/>
-              <a:buChar char="•"/>
-            </a:pPr>
-            <a:r>
-              <a:rPr lang="ro-RO" dirty="0"/>
-              <a:t>umiditate relativă, </a:t>
-            </a:r>
-            <a:endParaRPr lang="en-US" dirty="0"/>
-          </a:p>
-          <a:p>
-            <a:pPr marL="285750" indent="-285750">
-              <a:buFont typeface="Arial" panose="020B0604020202020204" pitchFamily="34" charset="0"/>
-              <a:buChar char="•"/>
-            </a:pPr>
-            <a:r>
-              <a:rPr lang="ro-RO" dirty="0"/>
-              <a:t>lumină 1, </a:t>
-            </a:r>
-            <a:endParaRPr lang="en-US" dirty="0"/>
-          </a:p>
-          <a:p>
-            <a:pPr marL="285750" indent="-285750">
-              <a:buFont typeface="Arial" panose="020B0604020202020204" pitchFamily="34" charset="0"/>
-              <a:buChar char="•"/>
-            </a:pPr>
-            <a:r>
-              <a:rPr lang="ro-RO" dirty="0"/>
-              <a:t>lumină 2, </a:t>
-            </a:r>
-            <a:endParaRPr lang="en-US" dirty="0"/>
-          </a:p>
-          <a:p>
-            <a:pPr marL="285750" indent="-285750">
-              <a:buFont typeface="Arial" panose="020B0604020202020204" pitchFamily="34" charset="0"/>
-              <a:buChar char="•"/>
-            </a:pPr>
-            <a:r>
-              <a:rPr lang="ro-RO" dirty="0"/>
-              <a:t>ocupare, </a:t>
-            </a:r>
-            <a:endParaRPr lang="en-US" dirty="0"/>
-          </a:p>
-          <a:p>
-            <a:pPr marL="285750" indent="-285750">
-              <a:buFont typeface="Arial" panose="020B0604020202020204" pitchFamily="34" charset="0"/>
-              <a:buChar char="•"/>
-            </a:pPr>
-            <a:r>
-              <a:rPr lang="ro-RO" dirty="0"/>
-              <a:t>activitate, </a:t>
-            </a:r>
-            <a:endParaRPr lang="en-US" dirty="0"/>
-          </a:p>
-          <a:p>
-            <a:pPr marL="285750" indent="-285750">
-              <a:buFont typeface="Arial" panose="020B0604020202020204" pitchFamily="34" charset="0"/>
-              <a:buChar char="•"/>
-            </a:pPr>
-            <a:r>
-              <a:rPr lang="ro-RO" dirty="0"/>
-              <a:t>stare ușă</a:t>
-            </a:r>
-            <a:r>
-              <a:rPr lang="en-US" dirty="0"/>
-              <a:t>,</a:t>
-            </a:r>
-            <a:r>
-              <a:rPr lang="ro-RO" dirty="0"/>
-              <a:t> </a:t>
-            </a:r>
-            <a:endParaRPr lang="en-US" dirty="0"/>
-          </a:p>
-          <a:p>
-            <a:pPr marL="285750" indent="-285750">
-              <a:buFont typeface="Arial" panose="020B0604020202020204" pitchFamily="34" charset="0"/>
-              <a:buChar char="•"/>
-            </a:pPr>
-            <a:r>
-              <a:rPr lang="ro-RO" dirty="0"/>
-              <a:t>stare fereastră.</a:t>
-            </a:r>
-          </a:p>
-        </p:txBody>
-      </p:sp>
     </p:spTree>
     <p:extLst>
       <p:ext uri="{BB962C8B-B14F-4D97-AF65-F5344CB8AC3E}">
-        <p14:creationId xmlns:p14="http://schemas.microsoft.com/office/powerpoint/2010/main" val="1522935005"/>
+        <p14:creationId xmlns:p14="http://schemas.microsoft.com/office/powerpoint/2010/main" val="3114585308"/>
       </p:ext>
     </p:extLst>
   </p:cSld>
@@ -5970,12 +5759,48 @@
           <a:chExt cx="0" cy="0"/>
         </a:xfrm>
       </p:grpSpPr>
+      <p:sp>
+        <p:nvSpPr>
+          <p:cNvPr id="2" name="Titlu 1">
+            <a:extLst>
+              <a:ext uri="{FF2B5EF4-FFF2-40B4-BE49-F238E27FC236}">
+                <a16:creationId xmlns:a16="http://schemas.microsoft.com/office/drawing/2014/main" id="{DACF51AE-2E6A-91EA-8CAB-19126AFD5EE3}"/>
+              </a:ext>
+            </a:extLst>
+          </p:cNvPr>
+          <p:cNvSpPr>
+            <a:spLocks noGrp="1"/>
+          </p:cNvSpPr>
+          <p:nvPr>
+            <p:ph type="title"/>
+          </p:nvPr>
+        </p:nvSpPr>
+        <p:spPr/>
+        <p:txBody>
+          <a:bodyPr/>
+          <a:lstStyle/>
+          <a:p>
+            <a:r>
+              <a:rPr lang="en-US" dirty="0" err="1"/>
+              <a:t>Experimente</a:t>
+            </a:r>
+            <a:r>
+              <a:rPr lang="en-US" dirty="0"/>
+              <a:t> </a:t>
+            </a:r>
+            <a:r>
+              <a:rPr lang="ro-RO" dirty="0"/>
+              <a:t>și rezultate</a:t>
+            </a:r>
+          </a:p>
+        </p:txBody>
+      </p:sp>
       <p:pic>
         <p:nvPicPr>
-          <p:cNvPr id="3" name="Imagine 2" descr="O imagine care conține text, Interval, diagramă, captură de ecran&#10;&#10;Conținutul generat de inteligența artificială poate fi incorect.">
-            <a:extLst>
-              <a:ext uri="{FF2B5EF4-FFF2-40B4-BE49-F238E27FC236}">
-                <a16:creationId xmlns:a16="http://schemas.microsoft.com/office/drawing/2014/main" id="{0E01AED9-469A-403C-7601-076170E650F0}"/>
+          <p:cNvPr id="4" name="Imagine 3" descr="O imagine care conține text, Font, captură de ecran, alb&#10;&#10;Conținutul generat de inteligența artificială poate fi incorect.">
+            <a:extLst>
+              <a:ext uri="{FF2B5EF4-FFF2-40B4-BE49-F238E27FC236}">
+                <a16:creationId xmlns:a16="http://schemas.microsoft.com/office/drawing/2014/main" id="{41AD07E7-31AB-4578-9769-E428D03A61B4}"/>
               </a:ext>
             </a:extLst>
           </p:cNvPr>
@@ -5992,18 +5817,193 @@
         </p:blipFill>
         <p:spPr>
           <a:xfrm>
-            <a:off x="623123" y="713996"/>
-            <a:ext cx="10945753" cy="5430008"/>
+            <a:off x="2567430" y="2744717"/>
+            <a:ext cx="3410426" cy="1991003"/>
           </a:xfrm>
           <a:prstGeom prst="rect">
             <a:avLst/>
           </a:prstGeom>
         </p:spPr>
       </p:pic>
+      <p:sp>
+        <p:nvSpPr>
+          <p:cNvPr id="5" name="CasetăText 4">
+            <a:extLst>
+              <a:ext uri="{FF2B5EF4-FFF2-40B4-BE49-F238E27FC236}">
+                <a16:creationId xmlns:a16="http://schemas.microsoft.com/office/drawing/2014/main" id="{63D04C04-F64D-361B-DDB6-52A2056B7058}"/>
+              </a:ext>
+            </a:extLst>
+          </p:cNvPr>
+          <p:cNvSpPr txBox="1"/>
+          <p:nvPr/>
+        </p:nvSpPr>
+        <p:spPr>
+          <a:xfrm>
+            <a:off x="2356757" y="4768220"/>
+            <a:ext cx="4816929" cy="369332"/>
+          </a:xfrm>
+          <a:prstGeom prst="rect">
+            <a:avLst/>
+          </a:prstGeom>
+          <a:noFill/>
+        </p:spPr>
+        <p:txBody>
+          <a:bodyPr wrap="square" rtlCol="0">
+            <a:spAutoFit/>
+          </a:bodyPr>
+          <a:lstStyle/>
+          <a:p>
+            <a:r>
+              <a:rPr lang="it-IT" dirty="0"/>
+              <a:t>Room Climate Dataset (serie multivariată)</a:t>
+            </a:r>
+            <a:endParaRPr lang="ro-RO" dirty="0"/>
+          </a:p>
+        </p:txBody>
+      </p:sp>
+      <p:sp>
+        <p:nvSpPr>
+          <p:cNvPr id="7" name="CasetăText 6">
+            <a:extLst>
+              <a:ext uri="{FF2B5EF4-FFF2-40B4-BE49-F238E27FC236}">
+                <a16:creationId xmlns:a16="http://schemas.microsoft.com/office/drawing/2014/main" id="{60722DFC-A76F-D26C-04A2-3D3AD5C8493A}"/>
+              </a:ext>
+            </a:extLst>
+          </p:cNvPr>
+          <p:cNvSpPr txBox="1"/>
+          <p:nvPr/>
+        </p:nvSpPr>
+        <p:spPr>
+          <a:xfrm>
+            <a:off x="7625443" y="2657090"/>
+            <a:ext cx="2594462" cy="2585323"/>
+          </a:xfrm>
+          <a:prstGeom prst="rect">
+            <a:avLst/>
+          </a:prstGeom>
+          <a:noFill/>
+        </p:spPr>
+        <p:txBody>
+          <a:bodyPr wrap="square">
+            <a:spAutoFit/>
+          </a:bodyPr>
+          <a:lstStyle/>
+          <a:p>
+            <a:r>
+              <a:rPr lang="ro-RO" dirty="0"/>
+              <a:t>8</a:t>
+            </a:r>
+            <a:r>
+              <a:rPr lang="en-US" dirty="0"/>
+              <a:t> </a:t>
+            </a:r>
+            <a:r>
+              <a:rPr lang="ro-RO" dirty="0"/>
+              <a:t>variabile măsurate: </a:t>
+            </a:r>
+            <a:endParaRPr lang="en-US" dirty="0"/>
+          </a:p>
+          <a:p>
+            <a:pPr marL="285750" indent="-285750">
+              <a:buFont typeface="Arial" panose="020B0604020202020204" pitchFamily="34" charset="0"/>
+              <a:buChar char="•"/>
+            </a:pPr>
+            <a:r>
+              <a:rPr lang="ro-RO" dirty="0"/>
+              <a:t>temperatură, </a:t>
+            </a:r>
+            <a:endParaRPr lang="en-US" dirty="0"/>
+          </a:p>
+          <a:p>
+            <a:pPr marL="285750" indent="-285750">
+              <a:buFont typeface="Arial" panose="020B0604020202020204" pitchFamily="34" charset="0"/>
+              <a:buChar char="•"/>
+            </a:pPr>
+            <a:r>
+              <a:rPr lang="ro-RO" dirty="0"/>
+              <a:t>umiditate relativă, </a:t>
+            </a:r>
+            <a:endParaRPr lang="en-US" dirty="0"/>
+          </a:p>
+          <a:p>
+            <a:pPr marL="285750" indent="-285750">
+              <a:buFont typeface="Arial" panose="020B0604020202020204" pitchFamily="34" charset="0"/>
+              <a:buChar char="•"/>
+            </a:pPr>
+            <a:r>
+              <a:rPr lang="ro-RO" dirty="0"/>
+              <a:t>lumină 1, </a:t>
+            </a:r>
+            <a:endParaRPr lang="en-US" dirty="0"/>
+          </a:p>
+          <a:p>
+            <a:pPr marL="285750" indent="-285750">
+              <a:buFont typeface="Arial" panose="020B0604020202020204" pitchFamily="34" charset="0"/>
+              <a:buChar char="•"/>
+            </a:pPr>
+            <a:r>
+              <a:rPr lang="ro-RO" dirty="0"/>
+              <a:t>lumină 2, </a:t>
+            </a:r>
+            <a:endParaRPr lang="en-US" dirty="0"/>
+          </a:p>
+          <a:p>
+            <a:pPr marL="285750" indent="-285750">
+              <a:buFont typeface="Arial" panose="020B0604020202020204" pitchFamily="34" charset="0"/>
+              <a:buChar char="•"/>
+            </a:pPr>
+            <a:r>
+              <a:rPr lang="ro-RO" dirty="0"/>
+              <a:t>ocupare, </a:t>
+            </a:r>
+            <a:endParaRPr lang="en-US" dirty="0"/>
+          </a:p>
+          <a:p>
+            <a:pPr marL="285750" indent="-285750">
+              <a:buFont typeface="Arial" panose="020B0604020202020204" pitchFamily="34" charset="0"/>
+              <a:buChar char="•"/>
+            </a:pPr>
+            <a:r>
+              <a:rPr lang="ro-RO" dirty="0"/>
+              <a:t>activitate, </a:t>
+            </a:r>
+            <a:endParaRPr lang="en-US" dirty="0"/>
+          </a:p>
+          <a:p>
+            <a:pPr marL="285750" indent="-285750">
+              <a:buFont typeface="Arial" panose="020B0604020202020204" pitchFamily="34" charset="0"/>
+              <a:buChar char="•"/>
+            </a:pPr>
+            <a:r>
+              <a:rPr lang="ro-RO" dirty="0"/>
+              <a:t>stare ușă</a:t>
+            </a:r>
+            <a:r>
+              <a:rPr lang="en-US" dirty="0"/>
+              <a:t>,</a:t>
+            </a:r>
+            <a:r>
+              <a:rPr lang="ro-RO" dirty="0"/>
+              <a:t> </a:t>
+            </a:r>
+            <a:endParaRPr lang="en-US" dirty="0"/>
+          </a:p>
+          <a:p>
+            <a:pPr marL="285750" indent="-285750">
+              <a:buFont typeface="Arial" panose="020B0604020202020204" pitchFamily="34" charset="0"/>
+              <a:buChar char="•"/>
+            </a:pPr>
+            <a:r>
+              <a:rPr lang="ro-RO" dirty="0"/>
+              <a:t>stare fereastră.</a:t>
+            </a:r>
+          </a:p>
+        </p:txBody>
+      </p:sp>
     </p:spTree>
     <p:extLst>
       <p:ext uri="{BB962C8B-B14F-4D97-AF65-F5344CB8AC3E}">
-        <p14:creationId xmlns:p14="http://schemas.microsoft.com/office/powerpoint/2010/main" val="3114585308"/>
+        <p14:creationId xmlns:p14="http://schemas.microsoft.com/office/powerpoint/2010/main" val="1522935005"/>
       </p:ext>
     </p:extLst>
   </p:cSld>
@@ -10968,14 +10968,6 @@
 <file path=ppt/slides/slide8.xml><?xml version="1.0" encoding="utf-8"?>
 <p:sld xmlns:a="http://schemas.openxmlformats.org/drawingml/2006/main" xmlns:r="http://schemas.openxmlformats.org/officeDocument/2006/relationships" xmlns:p="http://schemas.openxmlformats.org/presentationml/2006/main">
   <p:cSld>
-    <p:bg>
-      <p:bgPr>
-        <a:solidFill>
-          <a:schemeClr val="bg1"/>
-        </a:solidFill>
-        <a:effectLst/>
-      </p:bgPr>
-    </p:bg>
     <p:spTree>
       <p:nvGrpSpPr>
         <p:cNvPr id="1" name=""/>
@@ -10992,249 +10984,10 @@
       </p:grpSpPr>
       <p:sp>
         <p:nvSpPr>
-          <p:cNvPr id="9" name="Rectangle 8">
-            <a:extLst>
-              <a:ext uri="{FF2B5EF4-FFF2-40B4-BE49-F238E27FC236}">
-                <a16:creationId xmlns:a16="http://schemas.microsoft.com/office/drawing/2014/main" id="{4E4490D0-3672-446A-AC12-B4830333BDDD}"/>
-              </a:ext>
-              <a:ext uri="{C183D7F6-B498-43B3-948B-1728B52AA6E4}">
-                <adec:decorative xmlns:adec="http://schemas.microsoft.com/office/drawing/2017/decorative" val="1"/>
-              </a:ext>
-            </a:extLst>
-          </p:cNvPr>
-          <p:cNvSpPr>
-            <a:spLocks noGrp="1" noRot="1" noChangeAspect="1" noMove="1" noResize="1" noEditPoints="1" noAdjustHandles="1" noChangeArrowheads="1" noChangeShapeType="1" noTextEdit="1"/>
-          </p:cNvSpPr>
-          <p:nvPr>
-            <p:extLst>
-              <p:ext uri="{386F3935-93C4-4BCD-93E2-E3B085C9AB24}">
-                <p16:designElem xmlns:p16="http://schemas.microsoft.com/office/powerpoint/2015/main" val="1"/>
-              </p:ext>
-            </p:extLst>
-          </p:nvPr>
-        </p:nvSpPr>
-        <p:spPr>
-          <a:xfrm>
-            <a:off x="3175" y="6400800"/>
-            <a:ext cx="12188825" cy="457200"/>
-          </a:xfrm>
-          <a:prstGeom prst="rect">
-            <a:avLst/>
-          </a:prstGeom>
-          <a:solidFill>
-            <a:schemeClr val="accent2"/>
-          </a:solidFill>
-          <a:ln>
-            <a:noFill/>
-          </a:ln>
-        </p:spPr>
-        <p:style>
-          <a:lnRef idx="2">
-            <a:schemeClr val="accent1">
-              <a:shade val="50000"/>
-            </a:schemeClr>
-          </a:lnRef>
-          <a:fillRef idx="1">
-            <a:schemeClr val="accent1"/>
-          </a:fillRef>
-          <a:effectRef idx="0">
-            <a:schemeClr val="accent1"/>
-          </a:effectRef>
-          <a:fontRef idx="minor">
-            <a:schemeClr val="lt1"/>
-          </a:fontRef>
-        </p:style>
-        <p:txBody>
-          <a:bodyPr/>
-          <a:lstStyle/>
-          <a:p>
-            <a:endParaRPr lang="ro-RO"/>
-          </a:p>
-        </p:txBody>
-      </p:sp>
-      <p:sp>
-        <p:nvSpPr>
-          <p:cNvPr id="11" name="Rectangle 10">
-            <a:extLst>
-              <a:ext uri="{FF2B5EF4-FFF2-40B4-BE49-F238E27FC236}">
-                <a16:creationId xmlns:a16="http://schemas.microsoft.com/office/drawing/2014/main" id="{39CB82C2-DF65-4EC1-8280-F201D50F570B}"/>
-              </a:ext>
-              <a:ext uri="{C183D7F6-B498-43B3-948B-1728B52AA6E4}">
-                <adec:decorative xmlns:adec="http://schemas.microsoft.com/office/drawing/2017/decorative" val="1"/>
-              </a:ext>
-            </a:extLst>
-          </p:cNvPr>
-          <p:cNvSpPr>
-            <a:spLocks noGrp="1" noRot="1" noChangeAspect="1" noMove="1" noResize="1" noEditPoints="1" noAdjustHandles="1" noChangeArrowheads="1" noChangeShapeType="1" noTextEdit="1"/>
-          </p:cNvSpPr>
-          <p:nvPr>
-            <p:extLst>
-              <p:ext uri="{386F3935-93C4-4BCD-93E2-E3B085C9AB24}">
-                <p16:designElem xmlns:p16="http://schemas.microsoft.com/office/powerpoint/2015/main" val="1"/>
-              </p:ext>
-            </p:extLst>
-          </p:nvPr>
-        </p:nvSpPr>
-        <p:spPr>
-          <a:xfrm>
-            <a:off x="15" y="6334316"/>
-            <a:ext cx="12188825" cy="64008"/>
-          </a:xfrm>
-          <a:prstGeom prst="rect">
-            <a:avLst/>
-          </a:prstGeom>
-          <a:solidFill>
-            <a:schemeClr val="accent1"/>
-          </a:solidFill>
-          <a:ln>
-            <a:noFill/>
-          </a:ln>
-        </p:spPr>
-        <p:style>
-          <a:lnRef idx="2">
-            <a:schemeClr val="accent1">
-              <a:shade val="50000"/>
-            </a:schemeClr>
-          </a:lnRef>
-          <a:fillRef idx="1">
-            <a:schemeClr val="accent1"/>
-          </a:fillRef>
-          <a:effectRef idx="0">
-            <a:schemeClr val="accent1"/>
-          </a:effectRef>
-          <a:fontRef idx="minor">
-            <a:schemeClr val="lt1"/>
-          </a:fontRef>
-        </p:style>
-        <p:txBody>
-          <a:bodyPr/>
-          <a:lstStyle/>
-          <a:p>
-            <a:endParaRPr lang="ro-RO"/>
-          </a:p>
-        </p:txBody>
-      </p:sp>
-      <p:cxnSp>
-        <p:nvCxnSpPr>
-          <p:cNvPr id="13" name="Straight Connector 12">
-            <a:extLst>
-              <a:ext uri="{FF2B5EF4-FFF2-40B4-BE49-F238E27FC236}">
-                <a16:creationId xmlns:a16="http://schemas.microsoft.com/office/drawing/2014/main" id="{7E1D4427-852B-4B37-8E76-0E9F1810BA2A}"/>
-              </a:ext>
-              <a:ext uri="{C183D7F6-B498-43B3-948B-1728B52AA6E4}">
-                <adec:decorative xmlns:adec="http://schemas.microsoft.com/office/drawing/2017/decorative" val="1"/>
-              </a:ext>
-            </a:extLst>
-          </p:cNvPr>
-          <p:cNvCxnSpPr>
-            <a:cxnSpLocks noGrp="1" noRot="1" noChangeAspect="1" noMove="1" noResize="1" noEditPoints="1" noAdjustHandles="1" noChangeArrowheads="1" noChangeShapeType="1"/>
-          </p:cNvCxnSpPr>
-          <p:nvPr>
-            <p:extLst>
-              <p:ext uri="{386F3935-93C4-4BCD-93E2-E3B085C9AB24}">
-                <p16:designElem xmlns:p16="http://schemas.microsoft.com/office/powerpoint/2015/main" val="1"/>
-              </p:ext>
-            </p:extLst>
-          </p:nvPr>
-        </p:nvCxnSpPr>
-        <p:spPr>
-          <a:xfrm>
-            <a:off x="1207658" y="4343400"/>
-            <a:ext cx="9875520" cy="0"/>
-          </a:xfrm>
-          <a:prstGeom prst="line">
-            <a:avLst/>
-          </a:prstGeom>
-          <a:ln w="6350">
-            <a:solidFill>
-              <a:schemeClr val="tx1">
-                <a:lumMod val="50000"/>
-                <a:lumOff val="50000"/>
-              </a:schemeClr>
-            </a:solidFill>
-          </a:ln>
-        </p:spPr>
-        <p:style>
-          <a:lnRef idx="1">
-            <a:schemeClr val="accent1"/>
-          </a:lnRef>
-          <a:fillRef idx="0">
-            <a:schemeClr val="accent1"/>
-          </a:fillRef>
-          <a:effectRef idx="0">
-            <a:schemeClr val="accent1"/>
-          </a:effectRef>
-          <a:fontRef idx="minor">
-            <a:schemeClr val="tx1"/>
-          </a:fontRef>
-        </p:style>
-      </p:cxnSp>
-      <p:sp useBgFill="1">
-        <p:nvSpPr>
-          <p:cNvPr id="15" name="Rectangle 14">
-            <a:extLst>
-              <a:ext uri="{FF2B5EF4-FFF2-40B4-BE49-F238E27FC236}">
-                <a16:creationId xmlns:a16="http://schemas.microsoft.com/office/drawing/2014/main" id="{FA4CD5CB-D209-4D70-8CA4-629731C59219}"/>
-              </a:ext>
-              <a:ext uri="{C183D7F6-B498-43B3-948B-1728B52AA6E4}">
-                <adec:decorative xmlns:adec="http://schemas.microsoft.com/office/drawing/2017/decorative" val="1"/>
-              </a:ext>
-            </a:extLst>
-          </p:cNvPr>
-          <p:cNvSpPr>
-            <a:spLocks noGrp="1" noRot="1" noChangeAspect="1" noMove="1" noResize="1" noEditPoints="1" noAdjustHandles="1" noChangeArrowheads="1" noChangeShapeType="1" noTextEdit="1"/>
-          </p:cNvSpPr>
-          <p:nvPr>
-            <p:extLst>
-              <p:ext uri="{386F3935-93C4-4BCD-93E2-E3B085C9AB24}">
-                <p16:designElem xmlns:p16="http://schemas.microsoft.com/office/powerpoint/2015/main" val="1"/>
-              </p:ext>
-            </p:extLst>
-          </p:nvPr>
-        </p:nvSpPr>
-        <p:spPr>
-          <a:xfrm>
-            <a:off x="0" y="0"/>
-            <a:ext cx="12192001" cy="6334316"/>
-          </a:xfrm>
-          <a:prstGeom prst="rect">
-            <a:avLst/>
-          </a:prstGeom>
-          <a:ln>
-            <a:noFill/>
-          </a:ln>
-        </p:spPr>
-        <p:style>
-          <a:lnRef idx="2">
-            <a:schemeClr val="accent1">
-              <a:shade val="50000"/>
-            </a:schemeClr>
-          </a:lnRef>
-          <a:fillRef idx="1">
-            <a:schemeClr val="accent1"/>
-          </a:fillRef>
-          <a:effectRef idx="0">
-            <a:schemeClr val="accent1"/>
-          </a:effectRef>
-          <a:fontRef idx="minor">
-            <a:schemeClr val="lt1"/>
-          </a:fontRef>
-        </p:style>
-        <p:txBody>
-          <a:bodyPr rtlCol="0" anchor="ctr"/>
-          <a:lstStyle/>
-          <a:p>
-            <a:pPr algn="ctr"/>
-            <a:endParaRPr lang="en-US"/>
-          </a:p>
-        </p:txBody>
-      </p:sp>
-      <p:sp>
-        <p:nvSpPr>
-          <p:cNvPr id="2" name="Titlu 1">
-            <a:extLst>
-              <a:ext uri="{FF2B5EF4-FFF2-40B4-BE49-F238E27FC236}">
-                <a16:creationId xmlns:a16="http://schemas.microsoft.com/office/drawing/2014/main" id="{24534C50-0513-AD83-7E51-8AF9ED77627F}"/>
+          <p:cNvPr id="2" name="Title 1">
+            <a:extLst>
+              <a:ext uri="{FF2B5EF4-FFF2-40B4-BE49-F238E27FC236}">
+                <a16:creationId xmlns:a16="http://schemas.microsoft.com/office/drawing/2014/main" id="{F004565F-A594-2CFB-6C35-BF887FBF14B6}"/>
               </a:ext>
             </a:extLst>
           </p:cNvPr>
@@ -11245,308 +10998,135 @@
             <p:ph type="title"/>
           </p:nvPr>
         </p:nvSpPr>
-        <p:spPr>
-          <a:xfrm>
-            <a:off x="8141110" y="639097"/>
-            <a:ext cx="3401961" cy="3686015"/>
-          </a:xfrm>
-        </p:spPr>
-        <p:txBody>
-          <a:bodyPr vert="horz" lIns="91440" tIns="45720" rIns="91440" bIns="45720" rtlCol="0" anchor="b">
-            <a:normAutofit/>
+        <p:spPr/>
+        <p:txBody>
+          <a:bodyPr/>
+          <a:lstStyle/>
+          <a:p>
+            <a:r>
+              <a:rPr lang="en-US" dirty="0" err="1"/>
+              <a:t>Exemplu</a:t>
+            </a:r>
+            <a:endParaRPr lang="en-US" dirty="0"/>
+          </a:p>
+        </p:txBody>
+      </p:sp>
+      <p:sp>
+        <p:nvSpPr>
+          <p:cNvPr id="3" name="Content Placeholder 2">
+            <a:extLst>
+              <a:ext uri="{FF2B5EF4-FFF2-40B4-BE49-F238E27FC236}">
+                <a16:creationId xmlns:a16="http://schemas.microsoft.com/office/drawing/2014/main" id="{8F47407D-F4B0-2184-BE87-ABC7AAA438C7}"/>
+              </a:ext>
+            </a:extLst>
+          </p:cNvPr>
+          <p:cNvSpPr>
+            <a:spLocks noGrp="1"/>
+          </p:cNvSpPr>
+          <p:nvPr>
+            <p:ph idx="1"/>
+          </p:nvPr>
+        </p:nvSpPr>
+        <p:spPr/>
+        <p:txBody>
+          <a:bodyPr>
+            <a:normAutofit fontScale="92500" lnSpcReduction="20000"/>
           </a:bodyPr>
           <a:lstStyle/>
           <a:p>
-            <a:pPr algn="r"/>
-            <a:r>
-              <a:rPr lang="en-US" sz="5600" dirty="0" err="1">
+            <a:pPr marL="0" indent="0">
+              <a:buNone/>
+            </a:pPr>
+            <a:r>
+              <a:rPr lang="en-US" sz="1800" b="1" dirty="0">
                 <a:solidFill>
-                  <a:schemeClr val="tx1">
-                    <a:lumMod val="85000"/>
-                    <a:lumOff val="15000"/>
-                  </a:schemeClr>
+                  <a:srgbClr val="C00000"/>
                 </a:solidFill>
               </a:rPr>
-              <a:t>Compresia</a:t>
-            </a:r>
-            <a:r>
-              <a:rPr lang="en-US" sz="5600" dirty="0">
+              <a:t>    </a:t>
+            </a:r>
+          </a:p>
+          <a:p>
+            <a:pPr marL="0" indent="0">
+              <a:buNone/>
+            </a:pPr>
+            <a:r>
+              <a:rPr lang="en-US" sz="1800" dirty="0"/>
+              <a:t>    22.6               =             0100000000110110100110011001100110011001100110011001100110011010</a:t>
+            </a:r>
+            <a:endParaRPr lang="en-US" sz="1800" b="1" dirty="0">
+              <a:solidFill>
+                <a:srgbClr val="C00000"/>
+              </a:solidFill>
+            </a:endParaRPr>
+          </a:p>
+          <a:p>
+            <a:pPr marL="0" indent="0">
+              <a:buNone/>
+            </a:pPr>
+            <a:r>
+              <a:rPr lang="en-US" sz="1800" dirty="0"/>
+              <a:t>    22.5               =             0100000000110110100000000000000000000000000000000000000000000000</a:t>
+            </a:r>
+          </a:p>
+          <a:p>
+            <a:pPr marL="0" indent="0">
+              <a:buNone/>
+            </a:pPr>
+            <a:r>
+              <a:rPr lang="en-US" sz="1800" dirty="0"/>
+              <a:t>    22.5 XOR 22.6    =       0000000000000000000110011001100110011001100110011001100110011010</a:t>
+            </a:r>
+          </a:p>
+          <a:p>
+            <a:pPr marL="0" indent="0">
+              <a:buNone/>
+            </a:pPr>
+            <a:r>
+              <a:rPr lang="en-US" sz="1800" b="1" dirty="0">
                 <a:solidFill>
-                  <a:schemeClr val="tx1">
-                    <a:lumMod val="85000"/>
-                    <a:lumOff val="15000"/>
-                  </a:schemeClr>
+                  <a:srgbClr val="C00000"/>
                 </a:solidFill>
               </a:rPr>
-              <a:t> </a:t>
-            </a:r>
-            <a:r>
-              <a:rPr lang="en-US" sz="5600" dirty="0" err="1">
-                <a:solidFill>
-                  <a:schemeClr val="tx1">
-                    <a:lumMod val="85000"/>
-                    <a:lumOff val="15000"/>
-                  </a:schemeClr>
-                </a:solidFill>
-              </a:rPr>
-              <a:t>Valorilor</a:t>
-            </a:r>
-            <a:r>
-              <a:rPr lang="en-US" sz="5600" dirty="0">
-                <a:solidFill>
-                  <a:schemeClr val="tx1">
-                    <a:lumMod val="85000"/>
-                    <a:lumOff val="15000"/>
-                  </a:schemeClr>
-                </a:solidFill>
-              </a:rPr>
-              <a:t>: XOR Encoding</a:t>
-            </a:r>
-          </a:p>
-        </p:txBody>
-      </p:sp>
-      <p:pic>
-        <p:nvPicPr>
-          <p:cNvPr id="4" name="Imagine 3" descr="O imagine care conține text, captură de ecran, Font, număr&#10;&#10;Conținutul generat de inteligența artificială poate fi incorect.">
-            <a:extLst>
-              <a:ext uri="{FF2B5EF4-FFF2-40B4-BE49-F238E27FC236}">
-                <a16:creationId xmlns:a16="http://schemas.microsoft.com/office/drawing/2014/main" id="{D36BC392-82DE-6C07-44E3-B5F554ED1975}"/>
-              </a:ext>
-            </a:extLst>
-          </p:cNvPr>
-          <p:cNvPicPr>
-            <a:picLocks noChangeAspect="1"/>
-          </p:cNvPicPr>
-          <p:nvPr/>
-        </p:nvPicPr>
-        <p:blipFill>
-          <a:blip r:embed="rId2"/>
-          <a:stretch>
-            <a:fillRect/>
-          </a:stretch>
-        </p:blipFill>
-        <p:spPr>
-          <a:xfrm>
-            <a:off x="502940" y="639097"/>
-            <a:ext cx="7311643" cy="5337498"/>
-          </a:xfrm>
-          <a:prstGeom prst="rect">
-            <a:avLst/>
-          </a:prstGeom>
-        </p:spPr>
-      </p:pic>
-      <p:cxnSp>
-        <p:nvCxnSpPr>
-          <p:cNvPr id="17" name="Straight Connector 16">
-            <a:extLst>
-              <a:ext uri="{FF2B5EF4-FFF2-40B4-BE49-F238E27FC236}">
-                <a16:creationId xmlns:a16="http://schemas.microsoft.com/office/drawing/2014/main" id="{5C6A2BAE-B461-4B55-8E1F-0722ABDD1393}"/>
-              </a:ext>
-              <a:ext uri="{C183D7F6-B498-43B3-948B-1728B52AA6E4}">
-                <adec:decorative xmlns:adec="http://schemas.microsoft.com/office/drawing/2017/decorative" val="1"/>
-              </a:ext>
-            </a:extLst>
-          </p:cNvPr>
-          <p:cNvCxnSpPr>
-            <a:cxnSpLocks noGrp="1" noRot="1" noChangeAspect="1" noMove="1" noResize="1" noEditPoints="1" noAdjustHandles="1" noChangeArrowheads="1" noChangeShapeType="1"/>
-          </p:cNvCxnSpPr>
-          <p:nvPr>
-            <p:extLst>
-              <p:ext uri="{386F3935-93C4-4BCD-93E2-E3B085C9AB24}">
-                <p16:designElem xmlns:p16="http://schemas.microsoft.com/office/powerpoint/2015/main" val="1"/>
-              </p:ext>
-            </p:extLst>
-          </p:nvPr>
-        </p:nvCxnSpPr>
-        <p:spPr>
-          <a:xfrm>
-            <a:off x="8209305" y="4343400"/>
-            <a:ext cx="3200400" cy="0"/>
-          </a:xfrm>
-          <a:prstGeom prst="line">
-            <a:avLst/>
-          </a:prstGeom>
-          <a:ln w="6350">
-            <a:solidFill>
-              <a:schemeClr val="tx2">
-                <a:alpha val="90000"/>
-              </a:schemeClr>
-            </a:solidFill>
-          </a:ln>
-        </p:spPr>
-        <p:style>
-          <a:lnRef idx="1">
-            <a:schemeClr val="accent1"/>
-          </a:lnRef>
-          <a:fillRef idx="0">
-            <a:schemeClr val="accent1"/>
-          </a:fillRef>
-          <a:effectRef idx="0">
-            <a:schemeClr val="accent1"/>
-          </a:effectRef>
-          <a:fontRef idx="minor">
-            <a:schemeClr val="tx1"/>
-          </a:fontRef>
-        </p:style>
-      </p:cxnSp>
-      <p:sp>
-        <p:nvSpPr>
-          <p:cNvPr id="19" name="Rectangle 18">
-            <a:extLst>
-              <a:ext uri="{FF2B5EF4-FFF2-40B4-BE49-F238E27FC236}">
-                <a16:creationId xmlns:a16="http://schemas.microsoft.com/office/drawing/2014/main" id="{B4C27B90-DF2B-4D00-BA07-18ED774CD2F1}"/>
-              </a:ext>
-              <a:ext uri="{C183D7F6-B498-43B3-948B-1728B52AA6E4}">
-                <adec:decorative xmlns:adec="http://schemas.microsoft.com/office/drawing/2017/decorative" val="1"/>
-              </a:ext>
-            </a:extLst>
-          </p:cNvPr>
-          <p:cNvSpPr>
-            <a:spLocks noGrp="1" noRot="1" noChangeAspect="1" noMove="1" noResize="1" noEditPoints="1" noAdjustHandles="1" noChangeArrowheads="1" noChangeShapeType="1" noTextEdit="1"/>
-          </p:cNvSpPr>
-          <p:nvPr>
-            <p:extLst>
-              <p:ext uri="{386F3935-93C4-4BCD-93E2-E3B085C9AB24}">
-                <p16:designElem xmlns:p16="http://schemas.microsoft.com/office/powerpoint/2015/main" val="1"/>
-              </p:ext>
-            </p:extLst>
-          </p:nvPr>
-        </p:nvSpPr>
-        <p:spPr>
-          <a:xfrm>
-            <a:off x="15" y="6334316"/>
-            <a:ext cx="12191985" cy="66484"/>
-          </a:xfrm>
-          <a:prstGeom prst="rect">
-            <a:avLst/>
-          </a:prstGeom>
-          <a:solidFill>
-            <a:schemeClr val="accent1"/>
-          </a:solidFill>
-          <a:ln>
-            <a:noFill/>
-          </a:ln>
-        </p:spPr>
-        <p:style>
-          <a:lnRef idx="2">
-            <a:schemeClr val="accent1">
-              <a:shade val="50000"/>
-            </a:schemeClr>
-          </a:lnRef>
-          <a:fillRef idx="1">
-            <a:schemeClr val="accent1"/>
-          </a:fillRef>
-          <a:effectRef idx="0">
-            <a:schemeClr val="accent1"/>
-          </a:effectRef>
-          <a:fontRef idx="minor">
-            <a:schemeClr val="lt1"/>
-          </a:fontRef>
-        </p:style>
-        <p:txBody>
-          <a:bodyPr/>
-          <a:lstStyle/>
-          <a:p>
-            <a:endParaRPr lang="ro-RO"/>
-          </a:p>
-        </p:txBody>
-      </p:sp>
-      <p:sp>
-        <p:nvSpPr>
-          <p:cNvPr id="21" name="Rectangle 20">
-            <a:extLst>
-              <a:ext uri="{FF2B5EF4-FFF2-40B4-BE49-F238E27FC236}">
-                <a16:creationId xmlns:a16="http://schemas.microsoft.com/office/drawing/2014/main" id="{593ACC25-C262-417A-8AA9-0641C772BDB6}"/>
-              </a:ext>
-              <a:ext uri="{C183D7F6-B498-43B3-948B-1728B52AA6E4}">
-                <adec:decorative xmlns:adec="http://schemas.microsoft.com/office/drawing/2017/decorative" val="1"/>
-              </a:ext>
-            </a:extLst>
-          </p:cNvPr>
-          <p:cNvSpPr>
-            <a:spLocks noGrp="1" noRot="1" noChangeAspect="1" noMove="1" noResize="1" noEditPoints="1" noAdjustHandles="1" noChangeArrowheads="1" noChangeShapeType="1" noTextEdit="1"/>
-          </p:cNvSpPr>
-          <p:nvPr>
-            <p:extLst>
-              <p:ext uri="{386F3935-93C4-4BCD-93E2-E3B085C9AB24}">
-                <p16:designElem xmlns:p16="http://schemas.microsoft.com/office/powerpoint/2015/main" val="1"/>
-              </p:ext>
-            </p:extLst>
-          </p:nvPr>
-        </p:nvSpPr>
-        <p:spPr>
-          <a:xfrm>
-            <a:off x="1" y="6400800"/>
-            <a:ext cx="12192000" cy="457200"/>
-          </a:xfrm>
-          <a:prstGeom prst="rect">
-            <a:avLst/>
-          </a:prstGeom>
-          <a:solidFill>
-            <a:schemeClr val="accent2"/>
-          </a:solidFill>
-          <a:ln>
-            <a:noFill/>
-          </a:ln>
-        </p:spPr>
-        <p:style>
-          <a:lnRef idx="2">
-            <a:schemeClr val="accent1">
-              <a:shade val="50000"/>
-            </a:schemeClr>
-          </a:lnRef>
-          <a:fillRef idx="1">
-            <a:schemeClr val="accent1"/>
-          </a:fillRef>
-          <a:effectRef idx="0">
-            <a:schemeClr val="accent1"/>
-          </a:effectRef>
-          <a:fontRef idx="minor">
-            <a:schemeClr val="lt1"/>
-          </a:fontRef>
-        </p:style>
-        <p:txBody>
-          <a:bodyPr/>
-          <a:lstStyle/>
-          <a:p>
-            <a:endParaRPr lang="ro-RO"/>
-          </a:p>
-        </p:txBody>
-      </p:sp>
-      <p:sp>
-        <p:nvSpPr>
-          <p:cNvPr id="6" name="CasetăText 5">
-            <a:extLst>
-              <a:ext uri="{FF2B5EF4-FFF2-40B4-BE49-F238E27FC236}">
-                <a16:creationId xmlns:a16="http://schemas.microsoft.com/office/drawing/2014/main" id="{07FBFA63-DD4A-3C6F-B19F-8C30458101CD}"/>
-              </a:ext>
-            </a:extLst>
-          </p:cNvPr>
-          <p:cNvSpPr txBox="1"/>
-          <p:nvPr/>
-        </p:nvSpPr>
-        <p:spPr>
-          <a:xfrm>
-            <a:off x="8175419" y="4443406"/>
-            <a:ext cx="3367652" cy="1754326"/>
-          </a:xfrm>
-          <a:prstGeom prst="rect">
-            <a:avLst/>
-          </a:prstGeom>
-          <a:noFill/>
-        </p:spPr>
-        <p:txBody>
-          <a:bodyPr wrap="square">
-            <a:spAutoFit/>
-          </a:bodyPr>
-          <a:lstStyle/>
+              <a:t>    </a:t>
+            </a:r>
+            <a:r>
+              <a:rPr lang="en-US" sz="1800" dirty="0"/>
+              <a:t>22.0              =              0100000000110110000000000000000000000000000000000000000000000000</a:t>
+            </a:r>
+          </a:p>
+          <a:p>
+            <a:pPr marL="0" indent="0">
+              <a:buNone/>
+            </a:pPr>
+            <a:r>
+              <a:rPr lang="en-US" sz="1800" dirty="0"/>
+              <a:t>    22.5 XOR 22.0    =       0000000000000000100000000000000000000000000000000000000000000000</a:t>
+            </a:r>
+          </a:p>
+          <a:p>
+            <a:pPr marL="0" indent="0">
+              <a:buNone/>
+            </a:pPr>
+            <a:endParaRPr lang="en-US" sz="1800" dirty="0"/>
+          </a:p>
+          <a:p>
+            <a:pPr marL="0" indent="0">
+              <a:buNone/>
+            </a:pPr>
+            <a:endParaRPr lang="en-US" b="1" dirty="0">
+              <a:solidFill>
+                <a:srgbClr val="C00000"/>
+              </a:solidFill>
+            </a:endParaRPr>
+          </a:p>
           <a:p>
             <a:pPr marL="285750" indent="-285750">
               <a:buFont typeface="Arial" panose="020B0604020202020204" pitchFamily="34" charset="0"/>
               <a:buChar char="•"/>
             </a:pPr>
             <a:r>
-              <a:rPr lang="ro-RO" b="1" dirty="0">
+              <a:rPr lang="ro-RO" sz="1800" b="1" dirty="0">
                 <a:solidFill>
                   <a:srgbClr val="C00000"/>
                 </a:solidFill>
@@ -11554,10 +11134,10 @@
               <a:t>59.06% </a:t>
             </a:r>
             <a:r>
-              <a:rPr lang="ro-RO" dirty="0"/>
+              <a:rPr lang="ro-RO" sz="1800" dirty="0"/>
               <a:t>dintre valori sunt identice cu precedenta (1 bit)</a:t>
             </a:r>
-            <a:endParaRPr lang="en-US" dirty="0"/>
+            <a:endParaRPr lang="en-US" sz="1800" dirty="0"/>
           </a:p>
           <a:p>
             <a:pPr marL="285750" indent="-285750">
@@ -11565,7 +11145,7 @@
               <a:buChar char="•"/>
             </a:pPr>
             <a:r>
-              <a:rPr lang="ro-RO" b="1" dirty="0">
+              <a:rPr lang="ro-RO" sz="1800" b="1" dirty="0">
                 <a:solidFill>
                   <a:srgbClr val="C00000"/>
                 </a:solidFill>
@@ -11573,10 +11153,10 @@
               <a:t>28.30% </a:t>
             </a:r>
             <a:r>
-              <a:rPr lang="ro-RO" dirty="0"/>
+              <a:rPr lang="ro-RO" sz="1800" dirty="0"/>
               <a:t>refolosesc fereastra anterioară ( 27 biți în medie)</a:t>
             </a:r>
-            <a:endParaRPr lang="en-US" dirty="0"/>
+            <a:endParaRPr lang="en-US" sz="1800" dirty="0"/>
           </a:p>
           <a:p>
             <a:pPr marL="285750" indent="-285750">
@@ -11584,16 +11164,19 @@
               <a:buChar char="•"/>
             </a:pPr>
             <a:r>
-              <a:rPr lang="ro-RO" dirty="0"/>
+              <a:rPr lang="ro-RO" sz="1800" dirty="0"/>
               <a:t>12.64% necesită fereastră nouă ( 40 biți în medie)</a:t>
             </a:r>
+          </a:p>
+          <a:p>
+            <a:endParaRPr lang="en-US" dirty="0"/>
           </a:p>
         </p:txBody>
       </p:sp>
     </p:spTree>
     <p:extLst>
       <p:ext uri="{BB962C8B-B14F-4D97-AF65-F5344CB8AC3E}">
-        <p14:creationId xmlns:p14="http://schemas.microsoft.com/office/powerpoint/2010/main" val="3640116350"/>
+        <p14:creationId xmlns:p14="http://schemas.microsoft.com/office/powerpoint/2010/main" val="2392896256"/>
       </p:ext>
     </p:extLst>
   </p:cSld>
